--- a/OOP/lectures/080--Graphics.pptx
+++ b/OOP/lectures/080--Graphics.pptx
@@ -5,7 +5,7 @@
     <p:sldMasterId id="2147483648" r:id="rId1"/>
   </p:sldMasterIdLst>
   <p:notesMasterIdLst>
-    <p:notesMasterId r:id="rId7"/>
+    <p:notesMasterId r:id="rId8"/>
   </p:notesMasterIdLst>
   <p:sldIdLst>
     <p:sldId id="267" r:id="rId2"/>
@@ -13,6 +13,7 @@
     <p:sldId id="275" r:id="rId4"/>
     <p:sldId id="272" r:id="rId5"/>
     <p:sldId id="268" r:id="rId6"/>
+    <p:sldId id="276" r:id="rId7"/>
   </p:sldIdLst>
   <p:sldSz cx="9144000" cy="6858000" type="screen4x3"/>
   <p:notesSz cx="6858000" cy="9144000"/>
@@ -4213,6 +4214,98 @@
       </p:par>
     </p:tnLst>
   </p:timing>
+</p:sld>
+</file>
+
+<file path=ppt/slides/slide6.xml><?xml version="1.0" encoding="utf-8"?>
+<p:sld xmlns:a="http://schemas.openxmlformats.org/drawingml/2006/main" xmlns:r="http://schemas.openxmlformats.org/officeDocument/2006/relationships" xmlns:p="http://schemas.openxmlformats.org/presentationml/2006/main">
+  <p:cSld>
+    <p:spTree>
+      <p:nvGrpSpPr>
+        <p:cNvPr id="1" name=""/>
+        <p:cNvGrpSpPr/>
+        <p:nvPr/>
+      </p:nvGrpSpPr>
+      <p:grpSpPr>
+        <a:xfrm>
+          <a:off x="0" y="0"/>
+          <a:ext cx="0" cy="0"/>
+          <a:chOff x="0" y="0"/>
+          <a:chExt cx="0" cy="0"/>
+        </a:xfrm>
+      </p:grpSpPr>
+      <p:sp>
+        <p:nvSpPr>
+          <p:cNvPr id="2" name="Title 1"/>
+          <p:cNvSpPr>
+            <a:spLocks noGrp="1"/>
+          </p:cNvSpPr>
+          <p:nvPr>
+            <p:ph type="title"/>
+          </p:nvPr>
+        </p:nvSpPr>
+        <p:spPr/>
+        <p:txBody>
+          <a:bodyPr/>
+          <a:lstStyle/>
+          <a:p>
+            <a:endParaRPr lang="en-GB"/>
+          </a:p>
+        </p:txBody>
+      </p:sp>
+      <p:sp>
+        <p:nvSpPr>
+          <p:cNvPr id="3" name="Content Placeholder 2"/>
+          <p:cNvSpPr>
+            <a:spLocks noGrp="1"/>
+          </p:cNvSpPr>
+          <p:nvPr>
+            <p:ph idx="1"/>
+          </p:nvPr>
+        </p:nvSpPr>
+        <p:spPr/>
+        <p:txBody>
+          <a:bodyPr/>
+          <a:lstStyle/>
+          <a:p>
+            <a:endParaRPr lang="en-GB"/>
+          </a:p>
+        </p:txBody>
+      </p:sp>
+      <p:pic>
+        <p:nvPicPr>
+          <p:cNvPr id="4" name="Picture 3"/>
+          <p:cNvPicPr>
+            <a:picLocks noChangeAspect="1"/>
+          </p:cNvPicPr>
+          <p:nvPr/>
+        </p:nvPicPr>
+        <p:blipFill>
+          <a:blip r:embed="rId2"/>
+          <a:stretch>
+            <a:fillRect/>
+          </a:stretch>
+        </p:blipFill>
+        <p:spPr>
+          <a:xfrm>
+            <a:off x="685800" y="309639"/>
+            <a:ext cx="7924800" cy="6511545"/>
+          </a:xfrm>
+          <a:prstGeom prst="rect">
+            <a:avLst/>
+          </a:prstGeom>
+        </p:spPr>
+      </p:pic>
+    </p:spTree>
+    <p:extLst>
+      <p:ext uri="{BB962C8B-B14F-4D97-AF65-F5344CB8AC3E}">
+        <p14:creationId xmlns:p14="http://schemas.microsoft.com/office/powerpoint/2010/main" val="2143275608"/>
+      </p:ext>
+    </p:extLst>
+  </p:cSld>
+  <p:clrMapOvr>
+    <a:masterClrMapping/>
+  </p:clrMapOvr>
 </p:sld>
 </file>
 

--- a/OOP/lectures/080--Graphics.pptx
+++ b/OOP/lectures/080--Graphics.pptx
@@ -5,15 +5,16 @@
     <p:sldMasterId id="2147483648" r:id="rId1"/>
   </p:sldMasterIdLst>
   <p:notesMasterIdLst>
-    <p:notesMasterId r:id="rId8"/>
+    <p:notesMasterId r:id="rId9"/>
   </p:notesMasterIdLst>
   <p:sldIdLst>
     <p:sldId id="267" r:id="rId2"/>
     <p:sldId id="274" r:id="rId3"/>
-    <p:sldId id="275" r:id="rId4"/>
-    <p:sldId id="272" r:id="rId5"/>
-    <p:sldId id="268" r:id="rId6"/>
-    <p:sldId id="276" r:id="rId7"/>
+    <p:sldId id="277" r:id="rId4"/>
+    <p:sldId id="275" r:id="rId5"/>
+    <p:sldId id="272" r:id="rId6"/>
+    <p:sldId id="268" r:id="rId7"/>
+    <p:sldId id="276" r:id="rId8"/>
   </p:sldIdLst>
   <p:sldSz cx="9144000" cy="6858000" type="screen4x3"/>
   <p:notesSz cx="6858000" cy="9144000"/>
@@ -1011,7 +1012,7 @@
               <a:pPr>
                 <a:defRPr/>
               </a:pPr>
-              <a:t>10/28/2017</a:t>
+              <a:t>11/5/2017</a:t>
             </a:fld>
             <a:endParaRPr lang="en-US" altLang="en-US"/>
           </a:p>
@@ -1245,7 +1246,7 @@
               <a:pPr>
                 <a:defRPr/>
               </a:pPr>
-              <a:t>10/28/2017</a:t>
+              <a:t>11/5/2017</a:t>
             </a:fld>
             <a:endParaRPr lang="en-US" altLang="en-US"/>
           </a:p>
@@ -2118,7 +2119,7 @@
               <a:pPr>
                 <a:defRPr/>
               </a:pPr>
-              <a:t>10/28/2017</a:t>
+              <a:t>11/5/2017</a:t>
             </a:fld>
             <a:endParaRPr lang="en-US" altLang="en-US"/>
           </a:p>
@@ -2267,7 +2268,7 @@
               <a:pPr>
                 <a:defRPr/>
               </a:pPr>
-              <a:t>10/28/2017</a:t>
+              <a:t>11/5/2017</a:t>
             </a:fld>
             <a:endParaRPr lang="en-US" altLang="en-US"/>
           </a:p>
@@ -2598,7 +2599,7 @@
               <a:pPr>
                 <a:defRPr/>
               </a:pPr>
-              <a:t>10/28/2017</a:t>
+              <a:t>11/5/2017</a:t>
             </a:fld>
             <a:endParaRPr lang="en-US" altLang="en-US"/>
           </a:p>
@@ -2906,7 +2907,7 @@
               <a:pPr>
                 <a:defRPr/>
               </a:pPr>
-              <a:t>10/28/2017</a:t>
+              <a:t>11/5/2017</a:t>
             </a:fld>
             <a:endParaRPr lang="en-US" altLang="en-US"/>
           </a:p>
@@ -3931,28 +3932,21 @@
           <a:p>
             <a:pPr eaLnBrk="1" hangingPunct="1"/>
             <a:r>
-              <a:rPr lang="en-US" altLang="en-US" smtClean="0"/>
-              <a:t>Essential Java Concepts</a:t>
-            </a:r>
-          </a:p>
-          <a:p>
-            <a:pPr lvl="1" eaLnBrk="1" hangingPunct="1"/>
-            <a:r>
-              <a:rPr lang="en-US" altLang="en-US" smtClean="0"/>
-              <a:t>Syntax, Grammar, Formatting, .</a:t>
+              <a:rPr lang="en-US" altLang="en-US" dirty="0" smtClean="0"/>
+              <a:t>Essential Graphical Principals</a:t>
             </a:r>
           </a:p>
           <a:p>
             <a:pPr eaLnBrk="1" hangingPunct="1"/>
             <a:r>
-              <a:rPr lang="en-US" altLang="en-US" smtClean="0"/>
+              <a:rPr lang="en-US" altLang="en-US" dirty="0" smtClean="0"/>
               <a:t>Today’s Practical</a:t>
             </a:r>
           </a:p>
           <a:p>
             <a:pPr eaLnBrk="1" hangingPunct="1"/>
             <a:r>
-              <a:rPr lang="en-US" altLang="en-US" smtClean="0"/>
+              <a:rPr lang="en-US" altLang="en-US" dirty="0" smtClean="0"/>
               <a:t>Review/Discussion</a:t>
             </a:r>
           </a:p>
@@ -3992,7 +3986,7 @@
       </p:grpSpPr>
       <p:sp>
         <p:nvSpPr>
-          <p:cNvPr id="11266" name="Title 1"/>
+          <p:cNvPr id="2" name="Title 1"/>
           <p:cNvSpPr>
             <a:spLocks noGrp="1"/>
           </p:cNvSpPr>
@@ -4005,16 +3999,13 @@
           <a:bodyPr/>
           <a:lstStyle/>
           <a:p>
-            <a:r>
-              <a:rPr lang="en-GB" altLang="en-US" smtClean="0"/>
-              <a:t>This Week</a:t>
-            </a:r>
-          </a:p>
-        </p:txBody>
-      </p:sp>
-      <p:sp>
-        <p:nvSpPr>
-          <p:cNvPr id="11267" name="Content Placeholder 2"/>
+            <a:endParaRPr lang="en-GB"/>
+          </a:p>
+        </p:txBody>
+      </p:sp>
+      <p:sp>
+        <p:nvSpPr>
+          <p:cNvPr id="3" name="Content Placeholder 2"/>
           <p:cNvSpPr>
             <a:spLocks noGrp="1"/>
           </p:cNvSpPr>
@@ -4027,26 +4018,16 @@
           <a:bodyPr/>
           <a:lstStyle/>
           <a:p>
-            <a:r>
-              <a:rPr lang="en-GB" altLang="en-US" smtClean="0"/>
-              <a:t>Read Chapters 3, 4, 5, 6</a:t>
-            </a:r>
-          </a:p>
-          <a:p>
-            <a:r>
-              <a:rPr lang="en-GB" altLang="en-US" smtClean="0"/>
-              <a:t>Review Slides</a:t>
-            </a:r>
-          </a:p>
-          <a:p>
-            <a:r>
-              <a:rPr lang="en-GB" altLang="en-US" smtClean="0"/>
-              <a:t>Java Exercises</a:t>
-            </a:r>
+            <a:endParaRPr lang="en-GB"/>
           </a:p>
         </p:txBody>
       </p:sp>
     </p:spTree>
+    <p:extLst>
+      <p:ext uri="{BB962C8B-B14F-4D97-AF65-F5344CB8AC3E}">
+        <p14:creationId xmlns:p14="http://schemas.microsoft.com/office/powerpoint/2010/main" val="1348450408"/>
+      </p:ext>
+    </p:extLst>
   </p:cSld>
   <p:clrMapOvr>
     <a:masterClrMapping/>
@@ -4073,7 +4054,7 @@
       </p:grpSpPr>
       <p:sp>
         <p:nvSpPr>
-          <p:cNvPr id="12290" name="Title 1"/>
+          <p:cNvPr id="11266" name="Title 1"/>
           <p:cNvSpPr>
             <a:spLocks noGrp="1"/>
           </p:cNvSpPr>
@@ -4088,14 +4069,14 @@
           <a:p>
             <a:r>
               <a:rPr lang="en-GB" altLang="en-US" smtClean="0"/>
-              <a:t>Summary</a:t>
-            </a:r>
-          </a:p>
-        </p:txBody>
-      </p:sp>
-      <p:sp>
-        <p:nvSpPr>
-          <p:cNvPr id="12291" name="Content Placeholder 2"/>
+              <a:t>This Week</a:t>
+            </a:r>
+          </a:p>
+        </p:txBody>
+      </p:sp>
+      <p:sp>
+        <p:nvSpPr>
+          <p:cNvPr id="11267" name="Content Placeholder 2"/>
           <p:cNvSpPr>
             <a:spLocks noGrp="1"/>
           </p:cNvSpPr>
@@ -4109,20 +4090,36 @@
           <a:lstStyle/>
           <a:p>
             <a:r>
-              <a:rPr lang="en-GB" altLang="en-US" smtClean="0"/>
-              <a:t>Overview Essential Java Principles</a:t>
-            </a:r>
-          </a:p>
-          <a:p>
-            <a:r>
-              <a:rPr lang="en-GB" altLang="en-US" smtClean="0"/>
-              <a:t>Hands-On/Practical</a:t>
-            </a:r>
-          </a:p>
-          <a:p>
-            <a:r>
-              <a:rPr lang="en-GB" altLang="en-US" smtClean="0"/>
-              <a:t>Today is about becoming comfortable/familiar with the Java Programming Syntax</a:t>
+              <a:rPr lang="en-GB" altLang="en-US" dirty="0" smtClean="0"/>
+              <a:t>Read </a:t>
+            </a:r>
+            <a:r>
+              <a:rPr lang="en-GB" altLang="en-US" dirty="0"/>
+              <a:t>Associated </a:t>
+            </a:r>
+            <a:r>
+              <a:rPr lang="en-GB" altLang="en-US" dirty="0" smtClean="0"/>
+              <a:t>Chapters</a:t>
+            </a:r>
+            <a:endParaRPr lang="en-GB" altLang="en-US" dirty="0" smtClean="0"/>
+          </a:p>
+          <a:p>
+            <a:pPr lvl="1"/>
+            <a:r>
+              <a:rPr lang="en-GB" altLang="en-US" dirty="0" smtClean="0"/>
+              <a:t>Comprehensive Edition (Additional Chapters)</a:t>
+            </a:r>
+          </a:p>
+          <a:p>
+            <a:r>
+              <a:rPr lang="en-GB" altLang="en-US" dirty="0" smtClean="0"/>
+              <a:t>Review Slides</a:t>
+            </a:r>
+          </a:p>
+          <a:p>
+            <a:r>
+              <a:rPr lang="en-GB" altLang="en-US" dirty="0" smtClean="0"/>
+              <a:t>Java Exercises</a:t>
             </a:r>
           </a:p>
         </p:txBody>
@@ -4132,13 +4129,6 @@
   <p:clrMapOvr>
     <a:masterClrMapping/>
   </p:clrMapOvr>
-  <p:timing>
-    <p:tnLst>
-      <p:par>
-        <p:cTn id="1" dur="indefinite" restart="never" nodeType="tmRoot"/>
-      </p:par>
-    </p:tnLst>
-  </p:timing>
 </p:sld>
 </file>
 
@@ -4161,7 +4151,7 @@
       </p:grpSpPr>
       <p:sp>
         <p:nvSpPr>
-          <p:cNvPr id="13314" name="Title 1"/>
+          <p:cNvPr id="12290" name="Title 1"/>
           <p:cNvSpPr>
             <a:spLocks noGrp="1"/>
           </p:cNvSpPr>
@@ -4174,17 +4164,16 @@
           <a:bodyPr/>
           <a:lstStyle/>
           <a:p>
-            <a:pPr eaLnBrk="1" hangingPunct="1"/>
             <a:r>
               <a:rPr lang="en-GB" altLang="en-US" smtClean="0"/>
-              <a:t>Questions/Discussion</a:t>
-            </a:r>
-          </a:p>
-        </p:txBody>
-      </p:sp>
-      <p:sp>
-        <p:nvSpPr>
-          <p:cNvPr id="13315" name="Content Placeholder 2"/>
+              <a:t>Summary</a:t>
+            </a:r>
+          </a:p>
+        </p:txBody>
+      </p:sp>
+      <p:sp>
+        <p:nvSpPr>
+          <p:cNvPr id="12291" name="Content Placeholder 2"/>
           <p:cNvSpPr>
             <a:spLocks noGrp="1"/>
           </p:cNvSpPr>
@@ -4197,8 +4186,22 @@
           <a:bodyPr/>
           <a:lstStyle/>
           <a:p>
-            <a:pPr eaLnBrk="1" hangingPunct="1"/>
-            <a:endParaRPr lang="en-GB" altLang="en-US" smtClean="0"/>
+            <a:r>
+              <a:rPr lang="en-GB" altLang="en-US" dirty="0" smtClean="0"/>
+              <a:t>Overview Essential Graphical Principles</a:t>
+            </a:r>
+          </a:p>
+          <a:p>
+            <a:r>
+              <a:rPr lang="en-GB" altLang="en-US" dirty="0" smtClean="0"/>
+              <a:t>Hands-On/Practical</a:t>
+            </a:r>
+          </a:p>
+          <a:p>
+            <a:r>
+              <a:rPr lang="en-GB" altLang="en-US" dirty="0" smtClean="0"/>
+              <a:t>Today is about Graphics with Java</a:t>
+            </a:r>
           </a:p>
         </p:txBody>
       </p:sp>
@@ -4218,6 +4221,81 @@
 </file>
 
 <file path=ppt/slides/slide6.xml><?xml version="1.0" encoding="utf-8"?>
+<p:sld xmlns:a="http://schemas.openxmlformats.org/drawingml/2006/main" xmlns:r="http://schemas.openxmlformats.org/officeDocument/2006/relationships" xmlns:p="http://schemas.openxmlformats.org/presentationml/2006/main">
+  <p:cSld>
+    <p:spTree>
+      <p:nvGrpSpPr>
+        <p:cNvPr id="1" name=""/>
+        <p:cNvGrpSpPr/>
+        <p:nvPr/>
+      </p:nvGrpSpPr>
+      <p:grpSpPr>
+        <a:xfrm>
+          <a:off x="0" y="0"/>
+          <a:ext cx="0" cy="0"/>
+          <a:chOff x="0" y="0"/>
+          <a:chExt cx="0" cy="0"/>
+        </a:xfrm>
+      </p:grpSpPr>
+      <p:sp>
+        <p:nvSpPr>
+          <p:cNvPr id="13314" name="Title 1"/>
+          <p:cNvSpPr>
+            <a:spLocks noGrp="1"/>
+          </p:cNvSpPr>
+          <p:nvPr>
+            <p:ph type="title"/>
+          </p:nvPr>
+        </p:nvSpPr>
+        <p:spPr/>
+        <p:txBody>
+          <a:bodyPr/>
+          <a:lstStyle/>
+          <a:p>
+            <a:pPr eaLnBrk="1" hangingPunct="1"/>
+            <a:r>
+              <a:rPr lang="en-GB" altLang="en-US" smtClean="0"/>
+              <a:t>Questions/Discussion</a:t>
+            </a:r>
+          </a:p>
+        </p:txBody>
+      </p:sp>
+      <p:sp>
+        <p:nvSpPr>
+          <p:cNvPr id="13315" name="Content Placeholder 2"/>
+          <p:cNvSpPr>
+            <a:spLocks noGrp="1"/>
+          </p:cNvSpPr>
+          <p:nvPr>
+            <p:ph idx="1"/>
+          </p:nvPr>
+        </p:nvSpPr>
+        <p:spPr/>
+        <p:txBody>
+          <a:bodyPr/>
+          <a:lstStyle/>
+          <a:p>
+            <a:pPr eaLnBrk="1" hangingPunct="1"/>
+            <a:endParaRPr lang="en-GB" altLang="en-US" smtClean="0"/>
+          </a:p>
+        </p:txBody>
+      </p:sp>
+    </p:spTree>
+  </p:cSld>
+  <p:clrMapOvr>
+    <a:masterClrMapping/>
+  </p:clrMapOvr>
+  <p:timing>
+    <p:tnLst>
+      <p:par>
+        <p:cTn id="1" dur="indefinite" restart="never" nodeType="tmRoot"/>
+      </p:par>
+    </p:tnLst>
+  </p:timing>
+</p:sld>
+</file>
+
+<file path=ppt/slides/slide7.xml><?xml version="1.0" encoding="utf-8"?>
 <p:sld xmlns:a="http://schemas.openxmlformats.org/drawingml/2006/main" xmlns:r="http://schemas.openxmlformats.org/officeDocument/2006/relationships" xmlns:p="http://schemas.openxmlformats.org/presentationml/2006/main">
   <p:cSld>
     <p:spTree>

--- a/OOP/lectures/080--Graphics.pptx
+++ b/OOP/lectures/080--Graphics.pptx
@@ -5,19 +5,47 @@
     <p:sldMasterId id="2147483648" r:id="rId1"/>
   </p:sldMasterIdLst>
   <p:notesMasterIdLst>
-    <p:notesMasterId r:id="rId9"/>
+    <p:notesMasterId r:id="rId37"/>
   </p:notesMasterIdLst>
   <p:sldIdLst>
     <p:sldId id="267" r:id="rId2"/>
     <p:sldId id="274" r:id="rId3"/>
     <p:sldId id="277" r:id="rId4"/>
-    <p:sldId id="275" r:id="rId5"/>
-    <p:sldId id="272" r:id="rId6"/>
-    <p:sldId id="268" r:id="rId7"/>
-    <p:sldId id="276" r:id="rId8"/>
+    <p:sldId id="304" r:id="rId5"/>
+    <p:sldId id="287" r:id="rId6"/>
+    <p:sldId id="288" r:id="rId7"/>
+    <p:sldId id="289" r:id="rId8"/>
+    <p:sldId id="290" r:id="rId9"/>
+    <p:sldId id="291" r:id="rId10"/>
+    <p:sldId id="292" r:id="rId11"/>
+    <p:sldId id="293" r:id="rId12"/>
+    <p:sldId id="286" r:id="rId13"/>
+    <p:sldId id="295" r:id="rId14"/>
+    <p:sldId id="296" r:id="rId15"/>
+    <p:sldId id="297" r:id="rId16"/>
+    <p:sldId id="298" r:id="rId17"/>
+    <p:sldId id="294" r:id="rId18"/>
+    <p:sldId id="299" r:id="rId19"/>
+    <p:sldId id="301" r:id="rId20"/>
+    <p:sldId id="302" r:id="rId21"/>
+    <p:sldId id="300" r:id="rId22"/>
+    <p:sldId id="305" r:id="rId23"/>
+    <p:sldId id="280" r:id="rId24"/>
+    <p:sldId id="279" r:id="rId25"/>
+    <p:sldId id="282" r:id="rId26"/>
+    <p:sldId id="307" r:id="rId27"/>
+    <p:sldId id="283" r:id="rId28"/>
+    <p:sldId id="278" r:id="rId29"/>
+    <p:sldId id="306" r:id="rId30"/>
+    <p:sldId id="285" r:id="rId31"/>
+    <p:sldId id="275" r:id="rId32"/>
+    <p:sldId id="272" r:id="rId33"/>
+    <p:sldId id="284" r:id="rId34"/>
+    <p:sldId id="268" r:id="rId35"/>
+    <p:sldId id="276" r:id="rId36"/>
   </p:sldIdLst>
   <p:sldSz cx="9144000" cy="6858000" type="screen4x3"/>
-  <p:notesSz cx="6858000" cy="9144000"/>
+  <p:notesSz cx="7315200" cy="9601200"/>
   <p:defaultTextStyle>
     <a:defPPr>
       <a:defRPr lang="en-US"/>
@@ -145,7 +173,7 @@
   </p:defaultTextStyle>
   <p:extLst>
     <p:ext uri="{EFAFB233-063F-42B5-8137-9DF3F51BA10A}">
-      <p15:sldGuideLst xmlns:p15="http://schemas.microsoft.com/office/powerpoint/2012/main">
+      <p15:sldGuideLst xmlns:p15="http://schemas.microsoft.com/office/powerpoint/2012/main" xmlns="">
         <p15:guide id="1" orient="horz" pos="2160">
           <p15:clr>
             <a:srgbClr val="A4A3A4"/>
@@ -200,7 +228,7 @@
         <p:spPr bwMode="auto">
           <a:xfrm>
             <a:off x="0" y="0"/>
-            <a:ext cx="2971800" cy="457200"/>
+            <a:ext cx="3169920" cy="480060"/>
           </a:xfrm>
           <a:prstGeom prst="rect">
             <a:avLst/>
@@ -212,14 +240,14 @@
           <a:effectLst/>
           <a:extLst>
             <a:ext uri="{909E8E84-426E-40DD-AFC4-6F175D3DCCD1}">
-              <a14:hiddenFill xmlns:a14="http://schemas.microsoft.com/office/drawing/2010/main">
+              <a14:hiddenFill xmlns:a14="http://schemas.microsoft.com/office/drawing/2010/main" xmlns="">
                 <a:solidFill>
                   <a:schemeClr val="accent1"/>
                 </a:solidFill>
               </a14:hiddenFill>
             </a:ext>
             <a:ext uri="{91240B29-F687-4F45-9708-019B960494DF}">
-              <a14:hiddenLine xmlns:a14="http://schemas.microsoft.com/office/drawing/2010/main" w="9525">
+              <a14:hiddenLine xmlns:a14="http://schemas.microsoft.com/office/drawing/2010/main" xmlns="" w="9525">
                 <a:solidFill>
                   <a:schemeClr val="tx1"/>
                 </a:solidFill>
@@ -229,7 +257,7 @@
               </a14:hiddenLine>
             </a:ext>
             <a:ext uri="{AF507438-7753-43E0-B8FC-AC1667EBCBE1}">
-              <a14:hiddenEffects xmlns:a14="http://schemas.microsoft.com/office/drawing/2010/main">
+              <a14:hiddenEffects xmlns:a14="http://schemas.microsoft.com/office/drawing/2010/main" xmlns="">
                 <a:effectLst>
                   <a:outerShdw dist="35921" dir="2700000" algn="ctr" rotWithShape="0">
                     <a:schemeClr val="bg2"/>
@@ -240,14 +268,14 @@
           </a:extLst>
         </p:spPr>
         <p:txBody>
-          <a:bodyPr vert="horz" wrap="square" lIns="91440" tIns="45720" rIns="91440" bIns="45720" numCol="1" anchor="t" anchorCtr="0" compatLnSpc="1">
+          <a:bodyPr vert="horz" wrap="square" lIns="96661" tIns="48331" rIns="96661" bIns="48331" numCol="1" anchor="t" anchorCtr="0" compatLnSpc="1">
             <a:prstTxWarp prst="textNoShape">
               <a:avLst/>
             </a:prstTxWarp>
           </a:bodyPr>
           <a:lstStyle>
             <a:lvl1pPr eaLnBrk="0" hangingPunct="0">
-              <a:defRPr sz="1200"/>
+              <a:defRPr sz="1300"/>
             </a:lvl1pPr>
           </a:lstStyle>
           <a:p>
@@ -270,8 +298,8 @@
         </p:nvSpPr>
         <p:spPr bwMode="auto">
           <a:xfrm>
-            <a:off x="3884613" y="0"/>
-            <a:ext cx="2971800" cy="457200"/>
+            <a:off x="4143587" y="0"/>
+            <a:ext cx="3169920" cy="480060"/>
           </a:xfrm>
           <a:prstGeom prst="rect">
             <a:avLst/>
@@ -283,14 +311,14 @@
           <a:effectLst/>
           <a:extLst>
             <a:ext uri="{909E8E84-426E-40DD-AFC4-6F175D3DCCD1}">
-              <a14:hiddenFill xmlns:a14="http://schemas.microsoft.com/office/drawing/2010/main">
+              <a14:hiddenFill xmlns:a14="http://schemas.microsoft.com/office/drawing/2010/main" xmlns="">
                 <a:solidFill>
                   <a:schemeClr val="accent1"/>
                 </a:solidFill>
               </a14:hiddenFill>
             </a:ext>
             <a:ext uri="{91240B29-F687-4F45-9708-019B960494DF}">
-              <a14:hiddenLine xmlns:a14="http://schemas.microsoft.com/office/drawing/2010/main" w="9525">
+              <a14:hiddenLine xmlns:a14="http://schemas.microsoft.com/office/drawing/2010/main" xmlns="" w="9525">
                 <a:solidFill>
                   <a:schemeClr val="tx1"/>
                 </a:solidFill>
@@ -300,7 +328,7 @@
               </a14:hiddenLine>
             </a:ext>
             <a:ext uri="{AF507438-7753-43E0-B8FC-AC1667EBCBE1}">
-              <a14:hiddenEffects xmlns:a14="http://schemas.microsoft.com/office/drawing/2010/main">
+              <a14:hiddenEffects xmlns:a14="http://schemas.microsoft.com/office/drawing/2010/main" xmlns="">
                 <a:effectLst>
                   <a:outerShdw dist="35921" dir="2700000" algn="ctr" rotWithShape="0">
                     <a:schemeClr val="bg2"/>
@@ -311,14 +339,14 @@
           </a:extLst>
         </p:spPr>
         <p:txBody>
-          <a:bodyPr vert="horz" wrap="square" lIns="91440" tIns="45720" rIns="91440" bIns="45720" numCol="1" anchor="t" anchorCtr="0" compatLnSpc="1">
+          <a:bodyPr vert="horz" wrap="square" lIns="96661" tIns="48331" rIns="96661" bIns="48331" numCol="1" anchor="t" anchorCtr="0" compatLnSpc="1">
             <a:prstTxWarp prst="textNoShape">
               <a:avLst/>
             </a:prstTxWarp>
           </a:bodyPr>
           <a:lstStyle>
             <a:lvl1pPr algn="r" eaLnBrk="0" hangingPunct="0">
-              <a:defRPr sz="1200"/>
+              <a:defRPr sz="1300"/>
             </a:lvl1pPr>
           </a:lstStyle>
           <a:p>
@@ -341,8 +369,8 @@
         </p:nvSpPr>
         <p:spPr bwMode="auto">
           <a:xfrm>
-            <a:off x="1143000" y="685800"/>
-            <a:ext cx="4572000" cy="3429000"/>
+            <a:off x="1257300" y="720725"/>
+            <a:ext cx="4800600" cy="3600450"/>
           </a:xfrm>
           <a:prstGeom prst="rect">
             <a:avLst/>
@@ -359,14 +387,14 @@
           <a:effectLst/>
           <a:extLst>
             <a:ext uri="{909E8E84-426E-40DD-AFC4-6F175D3DCCD1}">
-              <a14:hiddenFill xmlns:a14="http://schemas.microsoft.com/office/drawing/2010/main">
+              <a14:hiddenFill xmlns:a14="http://schemas.microsoft.com/office/drawing/2010/main" xmlns="">
                 <a:solidFill>
                   <a:srgbClr val="FFFFFF"/>
                 </a:solidFill>
               </a14:hiddenFill>
             </a:ext>
             <a:ext uri="{AF507438-7753-43E0-B8FC-AC1667EBCBE1}">
-              <a14:hiddenEffects xmlns:a14="http://schemas.microsoft.com/office/drawing/2010/main">
+              <a14:hiddenEffects xmlns:a14="http://schemas.microsoft.com/office/drawing/2010/main" xmlns="">
                 <a:effectLst>
                   <a:outerShdw dist="35921" dir="2700000" algn="ctr" rotWithShape="0">
                     <a:srgbClr val="808080"/>
@@ -375,7 +403,7 @@
               </a14:hiddenEffects>
             </a:ext>
             <a:ext uri="{53640926-AAD7-44D8-BBD7-CCE9431645EC}">
-              <a14:shadowObscured xmlns:a14="http://schemas.microsoft.com/office/drawing/2010/main" val="1"/>
+              <a14:shadowObscured xmlns:a14="http://schemas.microsoft.com/office/drawing/2010/main" xmlns="" val="1"/>
             </a:ext>
           </a:extLst>
         </p:spPr>
@@ -392,8 +420,8 @@
         </p:nvSpPr>
         <p:spPr bwMode="auto">
           <a:xfrm>
-            <a:off x="685800" y="4343400"/>
-            <a:ext cx="5486400" cy="4114800"/>
+            <a:off x="731520" y="4560570"/>
+            <a:ext cx="5852160" cy="4320540"/>
           </a:xfrm>
           <a:prstGeom prst="rect">
             <a:avLst/>
@@ -405,14 +433,14 @@
           <a:effectLst/>
           <a:extLst>
             <a:ext uri="{909E8E84-426E-40DD-AFC4-6F175D3DCCD1}">
-              <a14:hiddenFill xmlns:a14="http://schemas.microsoft.com/office/drawing/2010/main">
+              <a14:hiddenFill xmlns:a14="http://schemas.microsoft.com/office/drawing/2010/main" xmlns="">
                 <a:solidFill>
                   <a:schemeClr val="accent1"/>
                 </a:solidFill>
               </a14:hiddenFill>
             </a:ext>
             <a:ext uri="{91240B29-F687-4F45-9708-019B960494DF}">
-              <a14:hiddenLine xmlns:a14="http://schemas.microsoft.com/office/drawing/2010/main" w="9525">
+              <a14:hiddenLine xmlns:a14="http://schemas.microsoft.com/office/drawing/2010/main" xmlns="" w="9525">
                 <a:solidFill>
                   <a:schemeClr val="tx1"/>
                 </a:solidFill>
@@ -422,7 +450,7 @@
               </a14:hiddenLine>
             </a:ext>
             <a:ext uri="{AF507438-7753-43E0-B8FC-AC1667EBCBE1}">
-              <a14:hiddenEffects xmlns:a14="http://schemas.microsoft.com/office/drawing/2010/main">
+              <a14:hiddenEffects xmlns:a14="http://schemas.microsoft.com/office/drawing/2010/main" xmlns="">
                 <a:effectLst>
                   <a:outerShdw dist="35921" dir="2700000" algn="ctr" rotWithShape="0">
                     <a:schemeClr val="bg2"/>
@@ -433,7 +461,7 @@
           </a:extLst>
         </p:spPr>
         <p:txBody>
-          <a:bodyPr vert="horz" wrap="square" lIns="91440" tIns="45720" rIns="91440" bIns="45720" numCol="1" anchor="t" anchorCtr="0" compatLnSpc="1">
+          <a:bodyPr vert="horz" wrap="square" lIns="96661" tIns="48331" rIns="96661" bIns="48331" numCol="1" anchor="t" anchorCtr="0" compatLnSpc="1">
             <a:prstTxWarp prst="textNoShape">
               <a:avLst/>
             </a:prstTxWarp>
@@ -488,8 +516,8 @@
         </p:nvSpPr>
         <p:spPr bwMode="auto">
           <a:xfrm>
-            <a:off x="0" y="8685213"/>
-            <a:ext cx="2971800" cy="457200"/>
+            <a:off x="0" y="9119474"/>
+            <a:ext cx="3169920" cy="480060"/>
           </a:xfrm>
           <a:prstGeom prst="rect">
             <a:avLst/>
@@ -501,14 +529,14 @@
           <a:effectLst/>
           <a:extLst>
             <a:ext uri="{909E8E84-426E-40DD-AFC4-6F175D3DCCD1}">
-              <a14:hiddenFill xmlns:a14="http://schemas.microsoft.com/office/drawing/2010/main">
+              <a14:hiddenFill xmlns:a14="http://schemas.microsoft.com/office/drawing/2010/main" xmlns="">
                 <a:solidFill>
                   <a:schemeClr val="accent1"/>
                 </a:solidFill>
               </a14:hiddenFill>
             </a:ext>
             <a:ext uri="{91240B29-F687-4F45-9708-019B960494DF}">
-              <a14:hiddenLine xmlns:a14="http://schemas.microsoft.com/office/drawing/2010/main" w="9525">
+              <a14:hiddenLine xmlns:a14="http://schemas.microsoft.com/office/drawing/2010/main" xmlns="" w="9525">
                 <a:solidFill>
                   <a:schemeClr val="tx1"/>
                 </a:solidFill>
@@ -518,7 +546,7 @@
               </a14:hiddenLine>
             </a:ext>
             <a:ext uri="{AF507438-7753-43E0-B8FC-AC1667EBCBE1}">
-              <a14:hiddenEffects xmlns:a14="http://schemas.microsoft.com/office/drawing/2010/main">
+              <a14:hiddenEffects xmlns:a14="http://schemas.microsoft.com/office/drawing/2010/main" xmlns="">
                 <a:effectLst>
                   <a:outerShdw dist="35921" dir="2700000" algn="ctr" rotWithShape="0">
                     <a:schemeClr val="bg2"/>
@@ -529,14 +557,14 @@
           </a:extLst>
         </p:spPr>
         <p:txBody>
-          <a:bodyPr vert="horz" wrap="square" lIns="91440" tIns="45720" rIns="91440" bIns="45720" numCol="1" anchor="b" anchorCtr="0" compatLnSpc="1">
+          <a:bodyPr vert="horz" wrap="square" lIns="96661" tIns="48331" rIns="96661" bIns="48331" numCol="1" anchor="b" anchorCtr="0" compatLnSpc="1">
             <a:prstTxWarp prst="textNoShape">
               <a:avLst/>
             </a:prstTxWarp>
           </a:bodyPr>
           <a:lstStyle>
             <a:lvl1pPr eaLnBrk="0" hangingPunct="0">
-              <a:defRPr sz="1200"/>
+              <a:defRPr sz="1300"/>
             </a:lvl1pPr>
           </a:lstStyle>
           <a:p>
@@ -559,8 +587,8 @@
         </p:nvSpPr>
         <p:spPr bwMode="auto">
           <a:xfrm>
-            <a:off x="3884613" y="8685213"/>
-            <a:ext cx="2971800" cy="457200"/>
+            <a:off x="4143587" y="9119474"/>
+            <a:ext cx="3169920" cy="480060"/>
           </a:xfrm>
           <a:prstGeom prst="rect">
             <a:avLst/>
@@ -572,14 +600,14 @@
           <a:effectLst/>
           <a:extLst>
             <a:ext uri="{909E8E84-426E-40DD-AFC4-6F175D3DCCD1}">
-              <a14:hiddenFill xmlns:a14="http://schemas.microsoft.com/office/drawing/2010/main">
+              <a14:hiddenFill xmlns:a14="http://schemas.microsoft.com/office/drawing/2010/main" xmlns="">
                 <a:solidFill>
                   <a:schemeClr val="accent1"/>
                 </a:solidFill>
               </a14:hiddenFill>
             </a:ext>
             <a:ext uri="{91240B29-F687-4F45-9708-019B960494DF}">
-              <a14:hiddenLine xmlns:a14="http://schemas.microsoft.com/office/drawing/2010/main" w="9525">
+              <a14:hiddenLine xmlns:a14="http://schemas.microsoft.com/office/drawing/2010/main" xmlns="" w="9525">
                 <a:solidFill>
                   <a:schemeClr val="tx1"/>
                 </a:solidFill>
@@ -589,7 +617,7 @@
               </a14:hiddenLine>
             </a:ext>
             <a:ext uri="{AF507438-7753-43E0-B8FC-AC1667EBCBE1}">
-              <a14:hiddenEffects xmlns:a14="http://schemas.microsoft.com/office/drawing/2010/main">
+              <a14:hiddenEffects xmlns:a14="http://schemas.microsoft.com/office/drawing/2010/main" xmlns="">
                 <a:effectLst>
                   <a:outerShdw dist="35921" dir="2700000" algn="ctr" rotWithShape="0">
                     <a:schemeClr val="bg2"/>
@@ -600,14 +628,14 @@
           </a:extLst>
         </p:spPr>
         <p:txBody>
-          <a:bodyPr vert="horz" wrap="square" lIns="91440" tIns="45720" rIns="91440" bIns="45720" numCol="1" anchor="b" anchorCtr="0" compatLnSpc="1">
+          <a:bodyPr vert="horz" wrap="square" lIns="96661" tIns="48331" rIns="96661" bIns="48331" numCol="1" anchor="b" anchorCtr="0" compatLnSpc="1">
             <a:prstTxWarp prst="textNoShape">
               <a:avLst/>
             </a:prstTxWarp>
           </a:bodyPr>
           <a:lstStyle>
             <a:lvl1pPr algn="r" eaLnBrk="0" hangingPunct="0">
-              <a:defRPr sz="1200"/>
+              <a:defRPr sz="1300"/>
             </a:lvl1pPr>
           </a:lstStyle>
           <a:p>
@@ -628,7 +656,7 @@
     </p:spTree>
     <p:extLst>
       <p:ext uri="{BB962C8B-B14F-4D97-AF65-F5344CB8AC3E}">
-        <p14:creationId xmlns:p14="http://schemas.microsoft.com/office/powerpoint/2010/main" val="732687000"/>
+        <p14:creationId xmlns:p14="http://schemas.microsoft.com/office/powerpoint/2010/main" xmlns="" val="732687000"/>
       </p:ext>
     </p:extLst>
   </p:cSld>
@@ -875,7 +903,7 @@
     </p:spTree>
     <p:extLst>
       <p:ext uri="{BB962C8B-B14F-4D97-AF65-F5344CB8AC3E}">
-        <p14:creationId xmlns:p14="http://schemas.microsoft.com/office/powerpoint/2010/main" val="2795558893"/>
+        <p14:creationId xmlns:p14="http://schemas.microsoft.com/office/powerpoint/2010/main" xmlns="" val="2795558893"/>
       </p:ext>
     </p:extLst>
   </p:cSld>
@@ -1012,7 +1040,7 @@
               <a:pPr>
                 <a:defRPr/>
               </a:pPr>
-              <a:t>11/5/2017</a:t>
+              <a:t>11/11/2017</a:t>
             </a:fld>
             <a:endParaRPr lang="en-US" altLang="en-US"/>
           </a:p>
@@ -1099,7 +1127,7 @@
     </p:spTree>
     <p:extLst>
       <p:ext uri="{BB962C8B-B14F-4D97-AF65-F5344CB8AC3E}">
-        <p14:creationId xmlns:p14="http://schemas.microsoft.com/office/powerpoint/2010/main" val="3173416786"/>
+        <p14:creationId xmlns:p14="http://schemas.microsoft.com/office/powerpoint/2010/main" xmlns="" val="3173416786"/>
       </p:ext>
     </p:extLst>
   </p:cSld>
@@ -1246,7 +1274,7 @@
               <a:pPr>
                 <a:defRPr/>
               </a:pPr>
-              <a:t>11/5/2017</a:t>
+              <a:t>11/11/2017</a:t>
             </a:fld>
             <a:endParaRPr lang="en-US" altLang="en-US"/>
           </a:p>
@@ -1333,7 +1361,7 @@
     </p:spTree>
     <p:extLst>
       <p:ext uri="{BB962C8B-B14F-4D97-AF65-F5344CB8AC3E}">
-        <p14:creationId xmlns:p14="http://schemas.microsoft.com/office/powerpoint/2010/main" val="1275097484"/>
+        <p14:creationId xmlns:p14="http://schemas.microsoft.com/office/powerpoint/2010/main" xmlns="" val="1275097484"/>
       </p:ext>
     </p:extLst>
   </p:cSld>
@@ -1438,7 +1466,7 @@
     </p:spTree>
     <p:extLst>
       <p:ext uri="{BB962C8B-B14F-4D97-AF65-F5344CB8AC3E}">
-        <p14:creationId xmlns:p14="http://schemas.microsoft.com/office/powerpoint/2010/main" val="3532521555"/>
+        <p14:creationId xmlns:p14="http://schemas.microsoft.com/office/powerpoint/2010/main" xmlns="" val="3532521555"/>
       </p:ext>
     </p:extLst>
   </p:cSld>
@@ -1565,7 +1593,7 @@
     </p:spTree>
     <p:extLst>
       <p:ext uri="{BB962C8B-B14F-4D97-AF65-F5344CB8AC3E}">
-        <p14:creationId xmlns:p14="http://schemas.microsoft.com/office/powerpoint/2010/main" val="3158447180"/>
+        <p14:creationId xmlns:p14="http://schemas.microsoft.com/office/powerpoint/2010/main" xmlns="" val="3158447180"/>
       </p:ext>
     </p:extLst>
   </p:cSld>
@@ -1732,7 +1760,7 @@
     </p:spTree>
     <p:extLst>
       <p:ext uri="{BB962C8B-B14F-4D97-AF65-F5344CB8AC3E}">
-        <p14:creationId xmlns:p14="http://schemas.microsoft.com/office/powerpoint/2010/main" val="1581939673"/>
+        <p14:creationId xmlns:p14="http://schemas.microsoft.com/office/powerpoint/2010/main" xmlns="" val="1581939673"/>
       </p:ext>
     </p:extLst>
   </p:cSld>
@@ -2034,7 +2062,7 @@
     </p:spTree>
     <p:extLst>
       <p:ext uri="{BB962C8B-B14F-4D97-AF65-F5344CB8AC3E}">
-        <p14:creationId xmlns:p14="http://schemas.microsoft.com/office/powerpoint/2010/main" val="2440770789"/>
+        <p14:creationId xmlns:p14="http://schemas.microsoft.com/office/powerpoint/2010/main" xmlns="" val="2440770789"/>
       </p:ext>
     </p:extLst>
   </p:cSld>
@@ -2119,7 +2147,7 @@
               <a:pPr>
                 <a:defRPr/>
               </a:pPr>
-              <a:t>11/5/2017</a:t>
+              <a:t>11/11/2017</a:t>
             </a:fld>
             <a:endParaRPr lang="en-US" altLang="en-US"/>
           </a:p>
@@ -2206,7 +2234,7 @@
     </p:spTree>
     <p:extLst>
       <p:ext uri="{BB962C8B-B14F-4D97-AF65-F5344CB8AC3E}">
-        <p14:creationId xmlns:p14="http://schemas.microsoft.com/office/powerpoint/2010/main" val="2741512224"/>
+        <p14:creationId xmlns:p14="http://schemas.microsoft.com/office/powerpoint/2010/main" xmlns="" val="2741512224"/>
       </p:ext>
     </p:extLst>
   </p:cSld>
@@ -2268,7 +2296,7 @@
               <a:pPr>
                 <a:defRPr/>
               </a:pPr>
-              <a:t>11/5/2017</a:t>
+              <a:t>11/11/2017</a:t>
             </a:fld>
             <a:endParaRPr lang="en-US" altLang="en-US"/>
           </a:p>
@@ -2355,7 +2383,7 @@
     </p:spTree>
     <p:extLst>
       <p:ext uri="{BB962C8B-B14F-4D97-AF65-F5344CB8AC3E}">
-        <p14:creationId xmlns:p14="http://schemas.microsoft.com/office/powerpoint/2010/main" val="1207951031"/>
+        <p14:creationId xmlns:p14="http://schemas.microsoft.com/office/powerpoint/2010/main" xmlns="" val="1207951031"/>
       </p:ext>
     </p:extLst>
   </p:cSld>
@@ -2599,7 +2627,7 @@
               <a:pPr>
                 <a:defRPr/>
               </a:pPr>
-              <a:t>11/5/2017</a:t>
+              <a:t>11/11/2017</a:t>
             </a:fld>
             <a:endParaRPr lang="en-US" altLang="en-US"/>
           </a:p>
@@ -2686,7 +2714,7 @@
     </p:spTree>
     <p:extLst>
       <p:ext uri="{BB962C8B-B14F-4D97-AF65-F5344CB8AC3E}">
-        <p14:creationId xmlns:p14="http://schemas.microsoft.com/office/powerpoint/2010/main" val="859093633"/>
+        <p14:creationId xmlns:p14="http://schemas.microsoft.com/office/powerpoint/2010/main" xmlns="" val="859093633"/>
       </p:ext>
     </p:extLst>
   </p:cSld>
@@ -2907,7 +2935,7 @@
               <a:pPr>
                 <a:defRPr/>
               </a:pPr>
-              <a:t>11/5/2017</a:t>
+              <a:t>11/11/2017</a:t>
             </a:fld>
             <a:endParaRPr lang="en-US" altLang="en-US"/>
           </a:p>
@@ -2994,7 +3022,7 @@
     </p:spTree>
     <p:extLst>
       <p:ext uri="{BB962C8B-B14F-4D97-AF65-F5344CB8AC3E}">
-        <p14:creationId xmlns:p14="http://schemas.microsoft.com/office/powerpoint/2010/main" val="396124935"/>
+        <p14:creationId xmlns:p14="http://schemas.microsoft.com/office/powerpoint/2010/main" xmlns="" val="396124935"/>
       </p:ext>
     </p:extLst>
   </p:cSld>
@@ -3054,14 +3082,14 @@
           <a:effectLst/>
           <a:extLst>
             <a:ext uri="{909E8E84-426E-40DD-AFC4-6F175D3DCCD1}">
-              <a14:hiddenFill xmlns:a14="http://schemas.microsoft.com/office/drawing/2010/main">
+              <a14:hiddenFill xmlns:a14="http://schemas.microsoft.com/office/drawing/2010/main" xmlns="">
                 <a:solidFill>
                   <a:schemeClr val="accent1"/>
                 </a:solidFill>
               </a14:hiddenFill>
             </a:ext>
             <a:ext uri="{91240B29-F687-4F45-9708-019B960494DF}">
-              <a14:hiddenLine xmlns:a14="http://schemas.microsoft.com/office/drawing/2010/main" w="9525">
+              <a14:hiddenLine xmlns:a14="http://schemas.microsoft.com/office/drawing/2010/main" xmlns="" w="9525">
                 <a:solidFill>
                   <a:schemeClr val="tx1"/>
                 </a:solidFill>
@@ -3071,7 +3099,7 @@
               </a14:hiddenLine>
             </a:ext>
             <a:ext uri="{AF507438-7753-43E0-B8FC-AC1667EBCBE1}">
-              <a14:hiddenEffects xmlns:a14="http://schemas.microsoft.com/office/drawing/2010/main">
+              <a14:hiddenEffects xmlns:a14="http://schemas.microsoft.com/office/drawing/2010/main" xmlns="">
                 <a:effectLst>
                   <a:outerShdw dist="35921" dir="2700000" algn="ctr" rotWithShape="0">
                     <a:schemeClr val="bg2"/>
@@ -3122,14 +3150,14 @@
           <a:effectLst/>
           <a:extLst>
             <a:ext uri="{909E8E84-426E-40DD-AFC4-6F175D3DCCD1}">
-              <a14:hiddenFill xmlns:a14="http://schemas.microsoft.com/office/drawing/2010/main">
+              <a14:hiddenFill xmlns:a14="http://schemas.microsoft.com/office/drawing/2010/main" xmlns="">
                 <a:solidFill>
                   <a:schemeClr val="accent1"/>
                 </a:solidFill>
               </a14:hiddenFill>
             </a:ext>
             <a:ext uri="{91240B29-F687-4F45-9708-019B960494DF}">
-              <a14:hiddenLine xmlns:a14="http://schemas.microsoft.com/office/drawing/2010/main" w="9525">
+              <a14:hiddenLine xmlns:a14="http://schemas.microsoft.com/office/drawing/2010/main" xmlns="" w="9525">
                 <a:solidFill>
                   <a:schemeClr val="tx1"/>
                 </a:solidFill>
@@ -3139,7 +3167,7 @@
               </a14:hiddenLine>
             </a:ext>
             <a:ext uri="{AF507438-7753-43E0-B8FC-AC1667EBCBE1}">
-              <a14:hiddenEffects xmlns:a14="http://schemas.microsoft.com/office/drawing/2010/main">
+              <a14:hiddenEffects xmlns:a14="http://schemas.microsoft.com/office/drawing/2010/main" xmlns="">
                 <a:effectLst>
                   <a:outerShdw dist="35921" dir="2700000" algn="ctr" rotWithShape="0">
                     <a:schemeClr val="bg2"/>
@@ -3688,14 +3716,14 @@
           </a:ln>
           <a:extLst>
             <a:ext uri="{909E8E84-426E-40DD-AFC4-6F175D3DCCD1}">
-              <a14:hiddenFill xmlns:a14="http://schemas.microsoft.com/office/drawing/2010/main">
+              <a14:hiddenFill xmlns:a14="http://schemas.microsoft.com/office/drawing/2010/main" xmlns="">
                 <a:solidFill>
                   <a:srgbClr val="FFFFFF"/>
                 </a:solidFill>
               </a14:hiddenFill>
             </a:ext>
             <a:ext uri="{91240B29-F687-4F45-9708-019B960494DF}">
-              <a14:hiddenLine xmlns:a14="http://schemas.microsoft.com/office/drawing/2010/main" w="9525">
+              <a14:hiddenLine xmlns:a14="http://schemas.microsoft.com/office/drawing/2010/main" xmlns="" w="9525">
                 <a:solidFill>
                   <a:srgbClr val="000000"/>
                 </a:solidFill>
@@ -3870,6 +3898,1523 @@
 </p:sld>
 </file>
 
+<file path=ppt/slides/slide10.xml><?xml version="1.0" encoding="utf-8"?>
+<p:sld xmlns:a="http://schemas.openxmlformats.org/drawingml/2006/main" xmlns:r="http://schemas.openxmlformats.org/officeDocument/2006/relationships" xmlns:p="http://schemas.openxmlformats.org/presentationml/2006/main">
+  <p:cSld>
+    <p:spTree>
+      <p:nvGrpSpPr>
+        <p:cNvPr id="1" name=""/>
+        <p:cNvGrpSpPr/>
+        <p:nvPr/>
+      </p:nvGrpSpPr>
+      <p:grpSpPr>
+        <a:xfrm>
+          <a:off x="0" y="0"/>
+          <a:ext cx="0" cy="0"/>
+          <a:chOff x="0" y="0"/>
+          <a:chExt cx="0" cy="0"/>
+        </a:xfrm>
+      </p:grpSpPr>
+      <p:sp>
+        <p:nvSpPr>
+          <p:cNvPr id="2" name="Title 1"/>
+          <p:cNvSpPr>
+            <a:spLocks noGrp="1"/>
+          </p:cNvSpPr>
+          <p:nvPr>
+            <p:ph type="title"/>
+          </p:nvPr>
+        </p:nvSpPr>
+        <p:spPr/>
+        <p:txBody>
+          <a:bodyPr/>
+          <a:lstStyle/>
+          <a:p>
+            <a:r>
+              <a:rPr lang="en-US" dirty="0" smtClean="0"/>
+              <a:t>Example </a:t>
+            </a:r>
+            <a:r>
+              <a:rPr lang="en-US" dirty="0" err="1" smtClean="0"/>
+              <a:t>JPanel</a:t>
+            </a:r>
+            <a:endParaRPr lang="en-US" dirty="0"/>
+          </a:p>
+        </p:txBody>
+      </p:sp>
+      <p:sp>
+        <p:nvSpPr>
+          <p:cNvPr id="3" name="Content Placeholder 2"/>
+          <p:cNvSpPr>
+            <a:spLocks noGrp="1"/>
+          </p:cNvSpPr>
+          <p:nvPr>
+            <p:ph idx="1"/>
+          </p:nvPr>
+        </p:nvSpPr>
+        <p:spPr/>
+        <p:txBody>
+          <a:bodyPr/>
+          <a:lstStyle/>
+          <a:p>
+            <a:endParaRPr lang="en-US"/>
+          </a:p>
+        </p:txBody>
+      </p:sp>
+      <p:pic>
+        <p:nvPicPr>
+          <p:cNvPr id="33794" name="Picture 2"/>
+          <p:cNvPicPr>
+            <a:picLocks noChangeAspect="1" noChangeArrowheads="1"/>
+          </p:cNvPicPr>
+          <p:nvPr/>
+        </p:nvPicPr>
+        <p:blipFill>
+          <a:blip r:embed="rId2"/>
+          <a:srcRect/>
+          <a:stretch>
+            <a:fillRect/>
+          </a:stretch>
+        </p:blipFill>
+        <p:spPr bwMode="auto">
+          <a:xfrm>
+            <a:off x="609600" y="2286000"/>
+            <a:ext cx="7735210" cy="3733800"/>
+          </a:xfrm>
+          <a:prstGeom prst="rect">
+            <a:avLst/>
+          </a:prstGeom>
+          <a:noFill/>
+          <a:ln w="9525">
+            <a:noFill/>
+            <a:miter lim="800000"/>
+            <a:headEnd/>
+            <a:tailEnd/>
+          </a:ln>
+          <a:effectLst/>
+        </p:spPr>
+      </p:pic>
+    </p:spTree>
+  </p:cSld>
+  <p:clrMapOvr>
+    <a:masterClrMapping/>
+  </p:clrMapOvr>
+</p:sld>
+</file>
+
+<file path=ppt/slides/slide11.xml><?xml version="1.0" encoding="utf-8"?>
+<p:sld xmlns:a="http://schemas.openxmlformats.org/drawingml/2006/main" xmlns:r="http://schemas.openxmlformats.org/officeDocument/2006/relationships" xmlns:p="http://schemas.openxmlformats.org/presentationml/2006/main">
+  <p:cSld>
+    <p:spTree>
+      <p:nvGrpSpPr>
+        <p:cNvPr id="1" name=""/>
+        <p:cNvGrpSpPr/>
+        <p:nvPr/>
+      </p:nvGrpSpPr>
+      <p:grpSpPr>
+        <a:xfrm>
+          <a:off x="0" y="0"/>
+          <a:ext cx="0" cy="0"/>
+          <a:chOff x="0" y="0"/>
+          <a:chExt cx="0" cy="0"/>
+        </a:xfrm>
+      </p:grpSpPr>
+      <p:sp>
+        <p:nvSpPr>
+          <p:cNvPr id="2" name="Title 1"/>
+          <p:cNvSpPr>
+            <a:spLocks noGrp="1"/>
+          </p:cNvSpPr>
+          <p:nvPr>
+            <p:ph type="title"/>
+          </p:nvPr>
+        </p:nvSpPr>
+        <p:spPr/>
+        <p:txBody>
+          <a:bodyPr/>
+          <a:lstStyle/>
+          <a:p>
+            <a:r>
+              <a:rPr lang="en-US" dirty="0" smtClean="0"/>
+              <a:t>Drawing Methods</a:t>
+            </a:r>
+            <a:endParaRPr lang="en-US" dirty="0"/>
+          </a:p>
+        </p:txBody>
+      </p:sp>
+      <p:sp>
+        <p:nvSpPr>
+          <p:cNvPr id="3" name="Content Placeholder 2"/>
+          <p:cNvSpPr>
+            <a:spLocks noGrp="1"/>
+          </p:cNvSpPr>
+          <p:nvPr>
+            <p:ph idx="1"/>
+          </p:nvPr>
+        </p:nvSpPr>
+        <p:spPr/>
+        <p:txBody>
+          <a:bodyPr/>
+          <a:lstStyle/>
+          <a:p>
+            <a:endParaRPr lang="en-US"/>
+          </a:p>
+        </p:txBody>
+      </p:sp>
+      <p:pic>
+        <p:nvPicPr>
+          <p:cNvPr id="34818" name="Picture 2"/>
+          <p:cNvPicPr>
+            <a:picLocks noChangeAspect="1" noChangeArrowheads="1"/>
+          </p:cNvPicPr>
+          <p:nvPr/>
+        </p:nvPicPr>
+        <p:blipFill>
+          <a:blip r:embed="rId2"/>
+          <a:srcRect/>
+          <a:stretch>
+            <a:fillRect/>
+          </a:stretch>
+        </p:blipFill>
+        <p:spPr bwMode="auto">
+          <a:xfrm>
+            <a:off x="533400" y="1981200"/>
+            <a:ext cx="8047730" cy="4114800"/>
+          </a:xfrm>
+          <a:prstGeom prst="rect">
+            <a:avLst/>
+          </a:prstGeom>
+          <a:noFill/>
+          <a:ln w="9525">
+            <a:noFill/>
+            <a:miter lim="800000"/>
+            <a:headEnd/>
+            <a:tailEnd/>
+          </a:ln>
+          <a:effectLst/>
+        </p:spPr>
+      </p:pic>
+    </p:spTree>
+  </p:cSld>
+  <p:clrMapOvr>
+    <a:masterClrMapping/>
+  </p:clrMapOvr>
+</p:sld>
+</file>
+
+<file path=ppt/slides/slide12.xml><?xml version="1.0" encoding="utf-8"?>
+<p:sld xmlns:a="http://schemas.openxmlformats.org/drawingml/2006/main" xmlns:r="http://schemas.openxmlformats.org/officeDocument/2006/relationships" xmlns:p="http://schemas.openxmlformats.org/presentationml/2006/main">
+  <p:cSld>
+    <p:spTree>
+      <p:nvGrpSpPr>
+        <p:cNvPr id="1" name=""/>
+        <p:cNvGrpSpPr/>
+        <p:nvPr/>
+      </p:nvGrpSpPr>
+      <p:grpSpPr>
+        <a:xfrm>
+          <a:off x="0" y="0"/>
+          <a:ext cx="0" cy="0"/>
+          <a:chOff x="0" y="0"/>
+          <a:chExt cx="0" cy="0"/>
+        </a:xfrm>
+      </p:grpSpPr>
+      <p:sp>
+        <p:nvSpPr>
+          <p:cNvPr id="2" name="Title 1"/>
+          <p:cNvSpPr>
+            <a:spLocks noGrp="1"/>
+          </p:cNvSpPr>
+          <p:nvPr>
+            <p:ph type="title"/>
+          </p:nvPr>
+        </p:nvSpPr>
+        <p:spPr/>
+        <p:txBody>
+          <a:bodyPr/>
+          <a:lstStyle/>
+          <a:p>
+            <a:r>
+              <a:rPr lang="en-US" dirty="0" smtClean="0"/>
+              <a:t>Graphics Class Methods</a:t>
+            </a:r>
+            <a:endParaRPr lang="en-US" dirty="0"/>
+          </a:p>
+        </p:txBody>
+      </p:sp>
+      <p:sp>
+        <p:nvSpPr>
+          <p:cNvPr id="3" name="Content Placeholder 2"/>
+          <p:cNvSpPr>
+            <a:spLocks noGrp="1"/>
+          </p:cNvSpPr>
+          <p:nvPr>
+            <p:ph idx="1"/>
+          </p:nvPr>
+        </p:nvSpPr>
+        <p:spPr/>
+        <p:txBody>
+          <a:bodyPr/>
+          <a:lstStyle/>
+          <a:p>
+            <a:endParaRPr lang="en-US"/>
+          </a:p>
+        </p:txBody>
+      </p:sp>
+      <p:pic>
+        <p:nvPicPr>
+          <p:cNvPr id="35842" name="Picture 2"/>
+          <p:cNvPicPr>
+            <a:picLocks noChangeAspect="1" noChangeArrowheads="1"/>
+          </p:cNvPicPr>
+          <p:nvPr/>
+        </p:nvPicPr>
+        <p:blipFill>
+          <a:blip r:embed="rId2"/>
+          <a:srcRect/>
+          <a:stretch>
+            <a:fillRect/>
+          </a:stretch>
+        </p:blipFill>
+        <p:spPr bwMode="auto">
+          <a:xfrm>
+            <a:off x="228600" y="2057400"/>
+            <a:ext cx="8714031" cy="3657600"/>
+          </a:xfrm>
+          <a:prstGeom prst="rect">
+            <a:avLst/>
+          </a:prstGeom>
+          <a:noFill/>
+          <a:ln w="9525">
+            <a:noFill/>
+            <a:miter lim="800000"/>
+            <a:headEnd/>
+            <a:tailEnd/>
+          </a:ln>
+          <a:effectLst/>
+        </p:spPr>
+      </p:pic>
+    </p:spTree>
+  </p:cSld>
+  <p:clrMapOvr>
+    <a:masterClrMapping/>
+  </p:clrMapOvr>
+</p:sld>
+</file>
+
+<file path=ppt/slides/slide13.xml><?xml version="1.0" encoding="utf-8"?>
+<p:sld xmlns:a="http://schemas.openxmlformats.org/drawingml/2006/main" xmlns:r="http://schemas.openxmlformats.org/officeDocument/2006/relationships" xmlns:p="http://schemas.openxmlformats.org/presentationml/2006/main">
+  <p:cSld>
+    <p:spTree>
+      <p:nvGrpSpPr>
+        <p:cNvPr id="1" name=""/>
+        <p:cNvGrpSpPr/>
+        <p:nvPr/>
+      </p:nvGrpSpPr>
+      <p:grpSpPr>
+        <a:xfrm>
+          <a:off x="0" y="0"/>
+          <a:ext cx="0" cy="0"/>
+          <a:chOff x="0" y="0"/>
+          <a:chExt cx="0" cy="0"/>
+        </a:xfrm>
+      </p:grpSpPr>
+      <p:sp>
+        <p:nvSpPr>
+          <p:cNvPr id="2" name="Title 1"/>
+          <p:cNvSpPr>
+            <a:spLocks noGrp="1"/>
+          </p:cNvSpPr>
+          <p:nvPr>
+            <p:ph type="title"/>
+          </p:nvPr>
+        </p:nvSpPr>
+        <p:spPr/>
+        <p:txBody>
+          <a:bodyPr/>
+          <a:lstStyle/>
+          <a:p>
+            <a:r>
+              <a:rPr lang="en-US" dirty="0" smtClean="0"/>
+              <a:t>Graphics Class Methods</a:t>
+            </a:r>
+            <a:endParaRPr lang="en-US" dirty="0"/>
+          </a:p>
+        </p:txBody>
+      </p:sp>
+      <p:sp>
+        <p:nvSpPr>
+          <p:cNvPr id="3" name="Content Placeholder 2"/>
+          <p:cNvSpPr>
+            <a:spLocks noGrp="1"/>
+          </p:cNvSpPr>
+          <p:nvPr>
+            <p:ph idx="1"/>
+          </p:nvPr>
+        </p:nvSpPr>
+        <p:spPr/>
+        <p:txBody>
+          <a:bodyPr/>
+          <a:lstStyle/>
+          <a:p>
+            <a:endParaRPr lang="en-US"/>
+          </a:p>
+        </p:txBody>
+      </p:sp>
+      <p:pic>
+        <p:nvPicPr>
+          <p:cNvPr id="36866" name="Picture 2"/>
+          <p:cNvPicPr>
+            <a:picLocks noChangeAspect="1" noChangeArrowheads="1"/>
+          </p:cNvPicPr>
+          <p:nvPr/>
+        </p:nvPicPr>
+        <p:blipFill>
+          <a:blip r:embed="rId2"/>
+          <a:srcRect/>
+          <a:stretch>
+            <a:fillRect/>
+          </a:stretch>
+        </p:blipFill>
+        <p:spPr bwMode="auto">
+          <a:xfrm>
+            <a:off x="304800" y="2057400"/>
+            <a:ext cx="8353914" cy="3657600"/>
+          </a:xfrm>
+          <a:prstGeom prst="rect">
+            <a:avLst/>
+          </a:prstGeom>
+          <a:noFill/>
+          <a:ln w="9525">
+            <a:noFill/>
+            <a:miter lim="800000"/>
+            <a:headEnd/>
+            <a:tailEnd/>
+          </a:ln>
+          <a:effectLst/>
+        </p:spPr>
+      </p:pic>
+    </p:spTree>
+  </p:cSld>
+  <p:clrMapOvr>
+    <a:masterClrMapping/>
+  </p:clrMapOvr>
+</p:sld>
+</file>
+
+<file path=ppt/slides/slide14.xml><?xml version="1.0" encoding="utf-8"?>
+<p:sld xmlns:a="http://schemas.openxmlformats.org/drawingml/2006/main" xmlns:r="http://schemas.openxmlformats.org/officeDocument/2006/relationships" xmlns:p="http://schemas.openxmlformats.org/presentationml/2006/main">
+  <p:cSld>
+    <p:spTree>
+      <p:nvGrpSpPr>
+        <p:cNvPr id="1" name=""/>
+        <p:cNvGrpSpPr/>
+        <p:nvPr/>
+      </p:nvGrpSpPr>
+      <p:grpSpPr>
+        <a:xfrm>
+          <a:off x="0" y="0"/>
+          <a:ext cx="0" cy="0"/>
+          <a:chOff x="0" y="0"/>
+          <a:chExt cx="0" cy="0"/>
+        </a:xfrm>
+      </p:grpSpPr>
+      <p:sp>
+        <p:nvSpPr>
+          <p:cNvPr id="2" name="Title 1"/>
+          <p:cNvSpPr>
+            <a:spLocks noGrp="1"/>
+          </p:cNvSpPr>
+          <p:nvPr>
+            <p:ph type="title"/>
+          </p:nvPr>
+        </p:nvSpPr>
+        <p:spPr/>
+        <p:txBody>
+          <a:bodyPr/>
+          <a:lstStyle/>
+          <a:p>
+            <a:r>
+              <a:rPr lang="en-US" dirty="0" smtClean="0"/>
+              <a:t>Graphics Class Methods</a:t>
+            </a:r>
+            <a:endParaRPr lang="en-US" dirty="0"/>
+          </a:p>
+        </p:txBody>
+      </p:sp>
+      <p:sp>
+        <p:nvSpPr>
+          <p:cNvPr id="3" name="Content Placeholder 2"/>
+          <p:cNvSpPr>
+            <a:spLocks noGrp="1"/>
+          </p:cNvSpPr>
+          <p:nvPr>
+            <p:ph idx="1"/>
+          </p:nvPr>
+        </p:nvSpPr>
+        <p:spPr/>
+        <p:txBody>
+          <a:bodyPr/>
+          <a:lstStyle/>
+          <a:p>
+            <a:endParaRPr lang="en-US"/>
+          </a:p>
+        </p:txBody>
+      </p:sp>
+      <p:pic>
+        <p:nvPicPr>
+          <p:cNvPr id="37890" name="Picture 2"/>
+          <p:cNvPicPr>
+            <a:picLocks noChangeAspect="1" noChangeArrowheads="1"/>
+          </p:cNvPicPr>
+          <p:nvPr/>
+        </p:nvPicPr>
+        <p:blipFill>
+          <a:blip r:embed="rId2"/>
+          <a:srcRect/>
+          <a:stretch>
+            <a:fillRect/>
+          </a:stretch>
+        </p:blipFill>
+        <p:spPr bwMode="auto">
+          <a:xfrm>
+            <a:off x="228600" y="2286000"/>
+            <a:ext cx="8541000" cy="2971800"/>
+          </a:xfrm>
+          <a:prstGeom prst="rect">
+            <a:avLst/>
+          </a:prstGeom>
+          <a:noFill/>
+          <a:ln w="9525">
+            <a:noFill/>
+            <a:miter lim="800000"/>
+            <a:headEnd/>
+            <a:tailEnd/>
+          </a:ln>
+          <a:effectLst/>
+        </p:spPr>
+      </p:pic>
+    </p:spTree>
+  </p:cSld>
+  <p:clrMapOvr>
+    <a:masterClrMapping/>
+  </p:clrMapOvr>
+</p:sld>
+</file>
+
+<file path=ppt/slides/slide15.xml><?xml version="1.0" encoding="utf-8"?>
+<p:sld xmlns:a="http://schemas.openxmlformats.org/drawingml/2006/main" xmlns:r="http://schemas.openxmlformats.org/officeDocument/2006/relationships" xmlns:p="http://schemas.openxmlformats.org/presentationml/2006/main">
+  <p:cSld>
+    <p:spTree>
+      <p:nvGrpSpPr>
+        <p:cNvPr id="1" name=""/>
+        <p:cNvGrpSpPr/>
+        <p:nvPr/>
+      </p:nvGrpSpPr>
+      <p:grpSpPr>
+        <a:xfrm>
+          <a:off x="0" y="0"/>
+          <a:ext cx="0" cy="0"/>
+          <a:chOff x="0" y="0"/>
+          <a:chExt cx="0" cy="0"/>
+        </a:xfrm>
+      </p:grpSpPr>
+      <p:sp>
+        <p:nvSpPr>
+          <p:cNvPr id="2" name="Title 1"/>
+          <p:cNvSpPr>
+            <a:spLocks noGrp="1"/>
+          </p:cNvSpPr>
+          <p:nvPr>
+            <p:ph type="title"/>
+          </p:nvPr>
+        </p:nvSpPr>
+        <p:spPr>
+          <a:xfrm>
+            <a:off x="685800" y="228600"/>
+            <a:ext cx="7772400" cy="1143000"/>
+          </a:xfrm>
+        </p:spPr>
+        <p:txBody>
+          <a:bodyPr/>
+          <a:lstStyle/>
+          <a:p>
+            <a:r>
+              <a:rPr lang="en-US" dirty="0" smtClean="0"/>
+              <a:t>Question</a:t>
+            </a:r>
+            <a:endParaRPr lang="en-US" dirty="0"/>
+          </a:p>
+        </p:txBody>
+      </p:sp>
+      <p:sp>
+        <p:nvSpPr>
+          <p:cNvPr id="3" name="Content Placeholder 2"/>
+          <p:cNvSpPr>
+            <a:spLocks noGrp="1"/>
+          </p:cNvSpPr>
+          <p:nvPr>
+            <p:ph idx="1"/>
+          </p:nvPr>
+        </p:nvSpPr>
+        <p:spPr/>
+        <p:txBody>
+          <a:bodyPr/>
+          <a:lstStyle/>
+          <a:p>
+            <a:endParaRPr lang="en-US"/>
+          </a:p>
+        </p:txBody>
+      </p:sp>
+      <p:pic>
+        <p:nvPicPr>
+          <p:cNvPr id="4098" name="Picture 2"/>
+          <p:cNvPicPr>
+            <a:picLocks noChangeAspect="1" noChangeArrowheads="1"/>
+          </p:cNvPicPr>
+          <p:nvPr/>
+        </p:nvPicPr>
+        <p:blipFill>
+          <a:blip r:embed="rId2"/>
+          <a:srcRect/>
+          <a:stretch>
+            <a:fillRect/>
+          </a:stretch>
+        </p:blipFill>
+        <p:spPr bwMode="auto">
+          <a:xfrm>
+            <a:off x="304800" y="1524000"/>
+            <a:ext cx="6117492" cy="4724400"/>
+          </a:xfrm>
+          <a:prstGeom prst="rect">
+            <a:avLst/>
+          </a:prstGeom>
+          <a:noFill/>
+          <a:ln w="9525">
+            <a:noFill/>
+            <a:miter lim="800000"/>
+            <a:headEnd/>
+            <a:tailEnd/>
+          </a:ln>
+          <a:effectLst/>
+        </p:spPr>
+      </p:pic>
+      <p:sp>
+        <p:nvSpPr>
+          <p:cNvPr id="7" name="TextBox 6"/>
+          <p:cNvSpPr txBox="1"/>
+          <p:nvPr/>
+        </p:nvSpPr>
+        <p:spPr>
+          <a:xfrm>
+            <a:off x="5105400" y="1600200"/>
+            <a:ext cx="3624710" cy="830997"/>
+          </a:xfrm>
+          <a:prstGeom prst="rect">
+            <a:avLst/>
+          </a:prstGeom>
+          <a:noFill/>
+        </p:spPr>
+        <p:txBody>
+          <a:bodyPr wrap="none" rtlCol="0">
+            <a:spAutoFit/>
+          </a:bodyPr>
+          <a:lstStyle/>
+          <a:p>
+            <a:r>
+              <a:rPr lang="en-US" b="1" dirty="0" smtClean="0">
+                <a:solidFill>
+                  <a:schemeClr val="bg2"/>
+                </a:solidFill>
+              </a:rPr>
+              <a:t>What would be the output</a:t>
+            </a:r>
+          </a:p>
+          <a:p>
+            <a:r>
+              <a:rPr lang="en-US" b="1" dirty="0" smtClean="0">
+                <a:solidFill>
+                  <a:schemeClr val="bg2"/>
+                </a:solidFill>
+              </a:rPr>
+              <a:t>of this program?</a:t>
+            </a:r>
+          </a:p>
+        </p:txBody>
+      </p:sp>
+      <p:sp>
+        <p:nvSpPr>
+          <p:cNvPr id="8" name="TextBox 7"/>
+          <p:cNvSpPr txBox="1"/>
+          <p:nvPr/>
+        </p:nvSpPr>
+        <p:spPr>
+          <a:xfrm>
+            <a:off x="5143499" y="4267200"/>
+            <a:ext cx="3609514" cy="830997"/>
+          </a:xfrm>
+          <a:prstGeom prst="rect">
+            <a:avLst/>
+          </a:prstGeom>
+          <a:noFill/>
+        </p:spPr>
+        <p:txBody>
+          <a:bodyPr wrap="none" rtlCol="0">
+            <a:spAutoFit/>
+          </a:bodyPr>
+          <a:lstStyle/>
+          <a:p>
+            <a:r>
+              <a:rPr lang="en-US" b="1" dirty="0" smtClean="0">
+                <a:solidFill>
+                  <a:schemeClr val="bg2"/>
+                </a:solidFill>
+              </a:rPr>
+              <a:t>Sketch on paper what the </a:t>
+            </a:r>
+          </a:p>
+          <a:p>
+            <a:r>
+              <a:rPr lang="en-US" b="1" dirty="0" smtClean="0">
+                <a:solidFill>
+                  <a:schemeClr val="bg2"/>
+                </a:solidFill>
+              </a:rPr>
+              <a:t>output</a:t>
+            </a:r>
+            <a:r>
+              <a:rPr lang="en-US" b="1" dirty="0" smtClean="0">
+                <a:solidFill>
+                  <a:schemeClr val="bg2"/>
+                </a:solidFill>
+              </a:rPr>
+              <a:t> </a:t>
+            </a:r>
+            <a:r>
+              <a:rPr lang="en-US" b="1" dirty="0" smtClean="0">
+                <a:solidFill>
+                  <a:schemeClr val="bg2"/>
+                </a:solidFill>
+              </a:rPr>
+              <a:t>would look like</a:t>
+            </a:r>
+          </a:p>
+        </p:txBody>
+      </p:sp>
+    </p:spTree>
+  </p:cSld>
+  <p:clrMapOvr>
+    <a:masterClrMapping/>
+  </p:clrMapOvr>
+</p:sld>
+</file>
+
+<file path=ppt/slides/slide16.xml><?xml version="1.0" encoding="utf-8"?>
+<p:sld xmlns:a="http://schemas.openxmlformats.org/drawingml/2006/main" xmlns:r="http://schemas.openxmlformats.org/officeDocument/2006/relationships" xmlns:p="http://schemas.openxmlformats.org/presentationml/2006/main">
+  <p:cSld>
+    <p:spTree>
+      <p:nvGrpSpPr>
+        <p:cNvPr id="1" name=""/>
+        <p:cNvGrpSpPr/>
+        <p:nvPr/>
+      </p:nvGrpSpPr>
+      <p:grpSpPr>
+        <a:xfrm>
+          <a:off x="0" y="0"/>
+          <a:ext cx="0" cy="0"/>
+          <a:chOff x="0" y="0"/>
+          <a:chExt cx="0" cy="0"/>
+        </a:xfrm>
+      </p:grpSpPr>
+      <p:sp>
+        <p:nvSpPr>
+          <p:cNvPr id="2" name="Title 1"/>
+          <p:cNvSpPr>
+            <a:spLocks noGrp="1"/>
+          </p:cNvSpPr>
+          <p:nvPr>
+            <p:ph type="title"/>
+          </p:nvPr>
+        </p:nvSpPr>
+        <p:spPr>
+          <a:xfrm>
+            <a:off x="685800" y="228600"/>
+            <a:ext cx="7772400" cy="1143000"/>
+          </a:xfrm>
+        </p:spPr>
+        <p:txBody>
+          <a:bodyPr/>
+          <a:lstStyle/>
+          <a:p>
+            <a:r>
+              <a:rPr lang="en-US" dirty="0" smtClean="0"/>
+              <a:t>Answer</a:t>
+            </a:r>
+            <a:endParaRPr lang="en-US" dirty="0"/>
+          </a:p>
+        </p:txBody>
+      </p:sp>
+      <p:sp>
+        <p:nvSpPr>
+          <p:cNvPr id="3" name="Content Placeholder 2"/>
+          <p:cNvSpPr>
+            <a:spLocks noGrp="1"/>
+          </p:cNvSpPr>
+          <p:nvPr>
+            <p:ph idx="1"/>
+          </p:nvPr>
+        </p:nvSpPr>
+        <p:spPr/>
+        <p:txBody>
+          <a:bodyPr/>
+          <a:lstStyle/>
+          <a:p>
+            <a:endParaRPr lang="en-US"/>
+          </a:p>
+        </p:txBody>
+      </p:sp>
+      <p:pic>
+        <p:nvPicPr>
+          <p:cNvPr id="4098" name="Picture 2"/>
+          <p:cNvPicPr>
+            <a:picLocks noChangeAspect="1" noChangeArrowheads="1"/>
+          </p:cNvPicPr>
+          <p:nvPr/>
+        </p:nvPicPr>
+        <p:blipFill>
+          <a:blip r:embed="rId2"/>
+          <a:srcRect/>
+          <a:stretch>
+            <a:fillRect/>
+          </a:stretch>
+        </p:blipFill>
+        <p:spPr bwMode="auto">
+          <a:xfrm>
+            <a:off x="304800" y="1524000"/>
+            <a:ext cx="6117492" cy="4724400"/>
+          </a:xfrm>
+          <a:prstGeom prst="rect">
+            <a:avLst/>
+          </a:prstGeom>
+          <a:noFill/>
+          <a:ln w="9525">
+            <a:noFill/>
+            <a:miter lim="800000"/>
+            <a:headEnd/>
+            <a:tailEnd/>
+          </a:ln>
+          <a:effectLst/>
+        </p:spPr>
+      </p:pic>
+      <p:pic>
+        <p:nvPicPr>
+          <p:cNvPr id="4099" name="Picture 3"/>
+          <p:cNvPicPr>
+            <a:picLocks noChangeAspect="1" noChangeArrowheads="1"/>
+          </p:cNvPicPr>
+          <p:nvPr/>
+        </p:nvPicPr>
+        <p:blipFill>
+          <a:blip r:embed="rId3"/>
+          <a:srcRect/>
+          <a:stretch>
+            <a:fillRect/>
+          </a:stretch>
+        </p:blipFill>
+        <p:spPr bwMode="auto">
+          <a:xfrm>
+            <a:off x="6400800" y="1600200"/>
+            <a:ext cx="2095500" cy="1181100"/>
+          </a:xfrm>
+          <a:prstGeom prst="rect">
+            <a:avLst/>
+          </a:prstGeom>
+          <a:noFill/>
+          <a:ln w="9525">
+            <a:noFill/>
+            <a:miter lim="800000"/>
+            <a:headEnd/>
+            <a:tailEnd/>
+          </a:ln>
+          <a:effectLst/>
+        </p:spPr>
+      </p:pic>
+      <p:sp>
+        <p:nvSpPr>
+          <p:cNvPr id="6" name="TextBox 5"/>
+          <p:cNvSpPr txBox="1"/>
+          <p:nvPr/>
+        </p:nvSpPr>
+        <p:spPr>
+          <a:xfrm>
+            <a:off x="6400800" y="5867400"/>
+            <a:ext cx="2161169" cy="707886"/>
+          </a:xfrm>
+          <a:prstGeom prst="rect">
+            <a:avLst/>
+          </a:prstGeom>
+          <a:noFill/>
+        </p:spPr>
+        <p:txBody>
+          <a:bodyPr wrap="none" rtlCol="0">
+            <a:spAutoFit/>
+          </a:bodyPr>
+          <a:lstStyle/>
+          <a:p>
+            <a:r>
+              <a:rPr lang="en-US" sz="2000" dirty="0" err="1" smtClean="0">
+                <a:solidFill>
+                  <a:schemeClr val="bg2"/>
+                </a:solidFill>
+              </a:rPr>
+              <a:t>javac</a:t>
+            </a:r>
+            <a:r>
+              <a:rPr lang="en-US" sz="2000" dirty="0" smtClean="0">
+                <a:solidFill>
+                  <a:schemeClr val="bg2"/>
+                </a:solidFill>
+              </a:rPr>
+              <a:t> MyPaint.java</a:t>
+            </a:r>
+          </a:p>
+          <a:p>
+            <a:r>
+              <a:rPr lang="en-US" sz="2000" dirty="0" smtClean="0">
+                <a:solidFill>
+                  <a:schemeClr val="bg2"/>
+                </a:solidFill>
+              </a:rPr>
+              <a:t>java –cp . </a:t>
+            </a:r>
+            <a:r>
+              <a:rPr lang="en-US" sz="2000" dirty="0" err="1" smtClean="0">
+                <a:solidFill>
+                  <a:schemeClr val="bg2"/>
+                </a:solidFill>
+              </a:rPr>
+              <a:t>MyPaint</a:t>
+            </a:r>
+            <a:endParaRPr lang="en-US" sz="2000" dirty="0">
+              <a:solidFill>
+                <a:schemeClr val="bg2"/>
+              </a:solidFill>
+            </a:endParaRPr>
+          </a:p>
+        </p:txBody>
+      </p:sp>
+    </p:spTree>
+  </p:cSld>
+  <p:clrMapOvr>
+    <a:masterClrMapping/>
+  </p:clrMapOvr>
+</p:sld>
+</file>
+
+<file path=ppt/slides/slide17.xml><?xml version="1.0" encoding="utf-8"?>
+<p:sld xmlns:a="http://schemas.openxmlformats.org/drawingml/2006/main" xmlns:r="http://schemas.openxmlformats.org/officeDocument/2006/relationships" xmlns:p="http://schemas.openxmlformats.org/presentationml/2006/main">
+  <p:cSld>
+    <p:spTree>
+      <p:nvGrpSpPr>
+        <p:cNvPr id="1" name=""/>
+        <p:cNvGrpSpPr/>
+        <p:nvPr/>
+      </p:nvGrpSpPr>
+      <p:grpSpPr>
+        <a:xfrm>
+          <a:off x="0" y="0"/>
+          <a:ext cx="0" cy="0"/>
+          <a:chOff x="0" y="0"/>
+          <a:chExt cx="0" cy="0"/>
+        </a:xfrm>
+      </p:grpSpPr>
+      <p:sp>
+        <p:nvSpPr>
+          <p:cNvPr id="2" name="Title 1"/>
+          <p:cNvSpPr>
+            <a:spLocks noGrp="1"/>
+          </p:cNvSpPr>
+          <p:nvPr>
+            <p:ph type="title"/>
+          </p:nvPr>
+        </p:nvSpPr>
+        <p:spPr>
+          <a:xfrm>
+            <a:off x="685800" y="0"/>
+            <a:ext cx="7772400" cy="1143000"/>
+          </a:xfrm>
+        </p:spPr>
+        <p:txBody>
+          <a:bodyPr/>
+          <a:lstStyle/>
+          <a:p>
+            <a:r>
+              <a:rPr lang="en-US" dirty="0" smtClean="0"/>
+              <a:t>Example</a:t>
+            </a:r>
+            <a:endParaRPr lang="en-US" dirty="0"/>
+          </a:p>
+        </p:txBody>
+      </p:sp>
+      <p:pic>
+        <p:nvPicPr>
+          <p:cNvPr id="38914" name="Picture 2"/>
+          <p:cNvPicPr>
+            <a:picLocks noChangeAspect="1" noChangeArrowheads="1"/>
+          </p:cNvPicPr>
+          <p:nvPr/>
+        </p:nvPicPr>
+        <p:blipFill>
+          <a:blip r:embed="rId2"/>
+          <a:srcRect/>
+          <a:stretch>
+            <a:fillRect/>
+          </a:stretch>
+        </p:blipFill>
+        <p:spPr bwMode="auto">
+          <a:xfrm>
+            <a:off x="381000" y="1143000"/>
+            <a:ext cx="4876800" cy="2816634"/>
+          </a:xfrm>
+          <a:prstGeom prst="rect">
+            <a:avLst/>
+          </a:prstGeom>
+          <a:noFill/>
+          <a:ln w="9525">
+            <a:noFill/>
+            <a:miter lim="800000"/>
+            <a:headEnd/>
+            <a:tailEnd/>
+          </a:ln>
+          <a:effectLst/>
+        </p:spPr>
+      </p:pic>
+      <p:pic>
+        <p:nvPicPr>
+          <p:cNvPr id="38915" name="Picture 3"/>
+          <p:cNvPicPr>
+            <a:picLocks noChangeAspect="1" noChangeArrowheads="1"/>
+          </p:cNvPicPr>
+          <p:nvPr/>
+        </p:nvPicPr>
+        <p:blipFill>
+          <a:blip r:embed="rId3"/>
+          <a:srcRect/>
+          <a:stretch>
+            <a:fillRect/>
+          </a:stretch>
+        </p:blipFill>
+        <p:spPr bwMode="auto">
+          <a:xfrm>
+            <a:off x="2895600" y="3733800"/>
+            <a:ext cx="5898161" cy="2895600"/>
+          </a:xfrm>
+          <a:prstGeom prst="rect">
+            <a:avLst/>
+          </a:prstGeom>
+          <a:noFill/>
+          <a:ln w="9525">
+            <a:noFill/>
+            <a:miter lim="800000"/>
+            <a:headEnd/>
+            <a:tailEnd/>
+          </a:ln>
+          <a:effectLst/>
+        </p:spPr>
+      </p:pic>
+      <p:sp>
+        <p:nvSpPr>
+          <p:cNvPr id="6" name="TextBox 5"/>
+          <p:cNvSpPr txBox="1"/>
+          <p:nvPr/>
+        </p:nvSpPr>
+        <p:spPr>
+          <a:xfrm>
+            <a:off x="5791200" y="1752600"/>
+            <a:ext cx="338554" cy="461665"/>
+          </a:xfrm>
+          <a:prstGeom prst="rect">
+            <a:avLst/>
+          </a:prstGeom>
+          <a:noFill/>
+        </p:spPr>
+        <p:txBody>
+          <a:bodyPr wrap="none" rtlCol="0">
+            <a:spAutoFit/>
+          </a:bodyPr>
+          <a:lstStyle/>
+          <a:p>
+            <a:r>
+              <a:rPr lang="en-US" dirty="0" smtClean="0">
+                <a:solidFill>
+                  <a:srgbClr val="FF0000"/>
+                </a:solidFill>
+              </a:rPr>
+              <a:t>1</a:t>
+            </a:r>
+            <a:endParaRPr lang="en-US" dirty="0">
+              <a:solidFill>
+                <a:srgbClr val="FF0000"/>
+              </a:solidFill>
+            </a:endParaRPr>
+          </a:p>
+        </p:txBody>
+      </p:sp>
+      <p:sp>
+        <p:nvSpPr>
+          <p:cNvPr id="7" name="Oval 6"/>
+          <p:cNvSpPr/>
+          <p:nvPr/>
+        </p:nvSpPr>
+        <p:spPr>
+          <a:xfrm>
+            <a:off x="5638800" y="1676400"/>
+            <a:ext cx="685800" cy="685800"/>
+          </a:xfrm>
+          <a:prstGeom prst="ellipse">
+            <a:avLst/>
+          </a:prstGeom>
+          <a:noFill/>
+        </p:spPr>
+        <p:style>
+          <a:lnRef idx="2">
+            <a:schemeClr val="accent1">
+              <a:shade val="50000"/>
+            </a:schemeClr>
+          </a:lnRef>
+          <a:fillRef idx="1">
+            <a:schemeClr val="accent1"/>
+          </a:fillRef>
+          <a:effectRef idx="0">
+            <a:schemeClr val="accent1"/>
+          </a:effectRef>
+          <a:fontRef idx="minor">
+            <a:schemeClr val="lt1"/>
+          </a:fontRef>
+        </p:style>
+        <p:txBody>
+          <a:bodyPr rtlCol="0" anchor="ctr"/>
+          <a:lstStyle/>
+          <a:p>
+            <a:pPr algn="ctr"/>
+            <a:endParaRPr lang="en-US"/>
+          </a:p>
+        </p:txBody>
+      </p:sp>
+      <p:sp>
+        <p:nvSpPr>
+          <p:cNvPr id="8" name="TextBox 7"/>
+          <p:cNvSpPr txBox="1"/>
+          <p:nvPr/>
+        </p:nvSpPr>
+        <p:spPr>
+          <a:xfrm>
+            <a:off x="1981200" y="4953000"/>
+            <a:ext cx="338554" cy="461665"/>
+          </a:xfrm>
+          <a:prstGeom prst="rect">
+            <a:avLst/>
+          </a:prstGeom>
+          <a:noFill/>
+        </p:spPr>
+        <p:txBody>
+          <a:bodyPr wrap="none" rtlCol="0">
+            <a:spAutoFit/>
+          </a:bodyPr>
+          <a:lstStyle/>
+          <a:p>
+            <a:r>
+              <a:rPr lang="en-US" dirty="0" smtClean="0">
+                <a:solidFill>
+                  <a:srgbClr val="FF0000"/>
+                </a:solidFill>
+              </a:rPr>
+              <a:t>2</a:t>
+            </a:r>
+            <a:endParaRPr lang="en-US" dirty="0">
+              <a:solidFill>
+                <a:srgbClr val="FF0000"/>
+              </a:solidFill>
+            </a:endParaRPr>
+          </a:p>
+        </p:txBody>
+      </p:sp>
+      <p:sp>
+        <p:nvSpPr>
+          <p:cNvPr id="9" name="Oval 8"/>
+          <p:cNvSpPr/>
+          <p:nvPr/>
+        </p:nvSpPr>
+        <p:spPr>
+          <a:xfrm>
+            <a:off x="1828800" y="4876800"/>
+            <a:ext cx="685800" cy="685800"/>
+          </a:xfrm>
+          <a:prstGeom prst="ellipse">
+            <a:avLst/>
+          </a:prstGeom>
+          <a:noFill/>
+        </p:spPr>
+        <p:style>
+          <a:lnRef idx="2">
+            <a:schemeClr val="accent1">
+              <a:shade val="50000"/>
+            </a:schemeClr>
+          </a:lnRef>
+          <a:fillRef idx="1">
+            <a:schemeClr val="accent1"/>
+          </a:fillRef>
+          <a:effectRef idx="0">
+            <a:schemeClr val="accent1"/>
+          </a:effectRef>
+          <a:fontRef idx="minor">
+            <a:schemeClr val="lt1"/>
+          </a:fontRef>
+        </p:style>
+        <p:txBody>
+          <a:bodyPr rtlCol="0" anchor="ctr"/>
+          <a:lstStyle/>
+          <a:p>
+            <a:pPr algn="ctr"/>
+            <a:endParaRPr lang="en-US"/>
+          </a:p>
+        </p:txBody>
+      </p:sp>
+    </p:spTree>
+  </p:cSld>
+  <p:clrMapOvr>
+    <a:masterClrMapping/>
+  </p:clrMapOvr>
+</p:sld>
+</file>
+
+<file path=ppt/slides/slide18.xml><?xml version="1.0" encoding="utf-8"?>
+<p:sld xmlns:a="http://schemas.openxmlformats.org/drawingml/2006/main" xmlns:r="http://schemas.openxmlformats.org/officeDocument/2006/relationships" xmlns:p="http://schemas.openxmlformats.org/presentationml/2006/main">
+  <p:cSld>
+    <p:spTree>
+      <p:nvGrpSpPr>
+        <p:cNvPr id="1" name=""/>
+        <p:cNvGrpSpPr/>
+        <p:nvPr/>
+      </p:nvGrpSpPr>
+      <p:grpSpPr>
+        <a:xfrm>
+          <a:off x="0" y="0"/>
+          <a:ext cx="0" cy="0"/>
+          <a:chOff x="0" y="0"/>
+          <a:chExt cx="0" cy="0"/>
+        </a:xfrm>
+      </p:grpSpPr>
+      <p:sp>
+        <p:nvSpPr>
+          <p:cNvPr id="2" name="Title 1"/>
+          <p:cNvSpPr>
+            <a:spLocks noGrp="1"/>
+          </p:cNvSpPr>
+          <p:nvPr>
+            <p:ph type="title"/>
+          </p:nvPr>
+        </p:nvSpPr>
+        <p:spPr>
+          <a:xfrm>
+            <a:off x="685800" y="0"/>
+            <a:ext cx="7772400" cy="1143000"/>
+          </a:xfrm>
+        </p:spPr>
+        <p:txBody>
+          <a:bodyPr/>
+          <a:lstStyle/>
+          <a:p>
+            <a:r>
+              <a:rPr lang="en-US" dirty="0" smtClean="0"/>
+              <a:t>Question</a:t>
+            </a:r>
+            <a:endParaRPr lang="en-US" dirty="0"/>
+          </a:p>
+        </p:txBody>
+      </p:sp>
+      <p:sp>
+        <p:nvSpPr>
+          <p:cNvPr id="3" name="Content Placeholder 2"/>
+          <p:cNvSpPr>
+            <a:spLocks noGrp="1"/>
+          </p:cNvSpPr>
+          <p:nvPr>
+            <p:ph idx="1"/>
+          </p:nvPr>
+        </p:nvSpPr>
+        <p:spPr/>
+        <p:txBody>
+          <a:bodyPr/>
+          <a:lstStyle/>
+          <a:p>
+            <a:endParaRPr lang="en-US"/>
+          </a:p>
+        </p:txBody>
+      </p:sp>
+      <p:pic>
+        <p:nvPicPr>
+          <p:cNvPr id="39939" name="Picture 3"/>
+          <p:cNvPicPr>
+            <a:picLocks noChangeAspect="1" noChangeArrowheads="1"/>
+          </p:cNvPicPr>
+          <p:nvPr/>
+        </p:nvPicPr>
+        <p:blipFill>
+          <a:blip r:embed="rId2"/>
+          <a:srcRect/>
+          <a:stretch>
+            <a:fillRect/>
+          </a:stretch>
+        </p:blipFill>
+        <p:spPr bwMode="auto">
+          <a:xfrm>
+            <a:off x="304800" y="1066800"/>
+            <a:ext cx="6365701" cy="5410200"/>
+          </a:xfrm>
+          <a:prstGeom prst="rect">
+            <a:avLst/>
+          </a:prstGeom>
+          <a:noFill/>
+          <a:ln w="9525">
+            <a:noFill/>
+            <a:miter lim="800000"/>
+            <a:headEnd/>
+            <a:tailEnd/>
+          </a:ln>
+          <a:effectLst/>
+        </p:spPr>
+      </p:pic>
+      <p:sp>
+        <p:nvSpPr>
+          <p:cNvPr id="6" name="TextBox 5"/>
+          <p:cNvSpPr txBox="1"/>
+          <p:nvPr/>
+        </p:nvSpPr>
+        <p:spPr>
+          <a:xfrm>
+            <a:off x="5181600" y="1066800"/>
+            <a:ext cx="3736985" cy="830997"/>
+          </a:xfrm>
+          <a:prstGeom prst="rect">
+            <a:avLst/>
+          </a:prstGeom>
+          <a:noFill/>
+        </p:spPr>
+        <p:txBody>
+          <a:bodyPr wrap="none" rtlCol="0">
+            <a:spAutoFit/>
+          </a:bodyPr>
+          <a:lstStyle/>
+          <a:p>
+            <a:r>
+              <a:rPr lang="en-US" b="1" dirty="0" smtClean="0">
+                <a:solidFill>
+                  <a:schemeClr val="bg2"/>
+                </a:solidFill>
+              </a:rPr>
+              <a:t>What will the output </a:t>
+            </a:r>
+          </a:p>
+          <a:p>
+            <a:r>
+              <a:rPr lang="en-US" b="1" dirty="0" smtClean="0">
+                <a:solidFill>
+                  <a:schemeClr val="bg2"/>
+                </a:solidFill>
+              </a:rPr>
+              <a:t>for the following program?</a:t>
+            </a:r>
+            <a:endParaRPr lang="en-US" b="1" dirty="0">
+              <a:solidFill>
+                <a:schemeClr val="bg2"/>
+              </a:solidFill>
+            </a:endParaRPr>
+          </a:p>
+        </p:txBody>
+      </p:sp>
+    </p:spTree>
+  </p:cSld>
+  <p:clrMapOvr>
+    <a:masterClrMapping/>
+  </p:clrMapOvr>
+</p:sld>
+</file>
+
+<file path=ppt/slides/slide19.xml><?xml version="1.0" encoding="utf-8"?>
+<p:sld xmlns:a="http://schemas.openxmlformats.org/drawingml/2006/main" xmlns:r="http://schemas.openxmlformats.org/officeDocument/2006/relationships" xmlns:p="http://schemas.openxmlformats.org/presentationml/2006/main">
+  <p:cSld>
+    <p:spTree>
+      <p:nvGrpSpPr>
+        <p:cNvPr id="1" name=""/>
+        <p:cNvGrpSpPr/>
+        <p:nvPr/>
+      </p:nvGrpSpPr>
+      <p:grpSpPr>
+        <a:xfrm>
+          <a:off x="0" y="0"/>
+          <a:ext cx="0" cy="0"/>
+          <a:chOff x="0" y="0"/>
+          <a:chExt cx="0" cy="0"/>
+        </a:xfrm>
+      </p:grpSpPr>
+      <p:sp>
+        <p:nvSpPr>
+          <p:cNvPr id="2" name="Title 1"/>
+          <p:cNvSpPr>
+            <a:spLocks noGrp="1"/>
+          </p:cNvSpPr>
+          <p:nvPr>
+            <p:ph type="title"/>
+          </p:nvPr>
+        </p:nvSpPr>
+        <p:spPr/>
+        <p:txBody>
+          <a:bodyPr/>
+          <a:lstStyle/>
+          <a:p>
+            <a:r>
+              <a:rPr lang="en-US" dirty="0" smtClean="0"/>
+              <a:t>Answer</a:t>
+            </a:r>
+            <a:endParaRPr lang="en-US" dirty="0"/>
+          </a:p>
+        </p:txBody>
+      </p:sp>
+      <p:sp>
+        <p:nvSpPr>
+          <p:cNvPr id="3" name="Content Placeholder 2"/>
+          <p:cNvSpPr>
+            <a:spLocks noGrp="1"/>
+          </p:cNvSpPr>
+          <p:nvPr>
+            <p:ph idx="1"/>
+          </p:nvPr>
+        </p:nvSpPr>
+        <p:spPr/>
+        <p:txBody>
+          <a:bodyPr/>
+          <a:lstStyle/>
+          <a:p>
+            <a:endParaRPr lang="en-US"/>
+          </a:p>
+        </p:txBody>
+      </p:sp>
+      <p:pic>
+        <p:nvPicPr>
+          <p:cNvPr id="40962" name="Picture 2"/>
+          <p:cNvPicPr>
+            <a:picLocks noChangeAspect="1" noChangeArrowheads="1"/>
+          </p:cNvPicPr>
+          <p:nvPr/>
+        </p:nvPicPr>
+        <p:blipFill>
+          <a:blip r:embed="rId2"/>
+          <a:srcRect/>
+          <a:stretch>
+            <a:fillRect/>
+          </a:stretch>
+        </p:blipFill>
+        <p:spPr bwMode="auto">
+          <a:xfrm>
+            <a:off x="5362575" y="1981200"/>
+            <a:ext cx="3781425" cy="3848100"/>
+          </a:xfrm>
+          <a:prstGeom prst="rect">
+            <a:avLst/>
+          </a:prstGeom>
+          <a:noFill/>
+          <a:ln w="9525">
+            <a:noFill/>
+            <a:miter lim="800000"/>
+            <a:headEnd/>
+            <a:tailEnd/>
+          </a:ln>
+          <a:effectLst/>
+        </p:spPr>
+      </p:pic>
+      <p:pic>
+        <p:nvPicPr>
+          <p:cNvPr id="5" name="Picture 3"/>
+          <p:cNvPicPr>
+            <a:picLocks noChangeAspect="1" noChangeArrowheads="1"/>
+          </p:cNvPicPr>
+          <p:nvPr/>
+        </p:nvPicPr>
+        <p:blipFill>
+          <a:blip r:embed="rId3"/>
+          <a:srcRect/>
+          <a:stretch>
+            <a:fillRect/>
+          </a:stretch>
+        </p:blipFill>
+        <p:spPr bwMode="auto">
+          <a:xfrm>
+            <a:off x="228600" y="1676400"/>
+            <a:ext cx="5105400" cy="4339072"/>
+          </a:xfrm>
+          <a:prstGeom prst="rect">
+            <a:avLst/>
+          </a:prstGeom>
+          <a:noFill/>
+          <a:ln w="9525">
+            <a:noFill/>
+            <a:miter lim="800000"/>
+            <a:headEnd/>
+            <a:tailEnd/>
+          </a:ln>
+          <a:effectLst/>
+        </p:spPr>
+      </p:pic>
+      <p:sp>
+        <p:nvSpPr>
+          <p:cNvPr id="6" name="Rectangle 5"/>
+          <p:cNvSpPr/>
+          <p:nvPr/>
+        </p:nvSpPr>
+        <p:spPr>
+          <a:xfrm>
+            <a:off x="457200" y="4648200"/>
+            <a:ext cx="4267200" cy="228600"/>
+          </a:xfrm>
+          <a:prstGeom prst="rect">
+            <a:avLst/>
+          </a:prstGeom>
+          <a:noFill/>
+        </p:spPr>
+        <p:style>
+          <a:lnRef idx="2">
+            <a:schemeClr val="accent1">
+              <a:shade val="50000"/>
+            </a:schemeClr>
+          </a:lnRef>
+          <a:fillRef idx="1">
+            <a:schemeClr val="accent1"/>
+          </a:fillRef>
+          <a:effectRef idx="0">
+            <a:schemeClr val="accent1"/>
+          </a:effectRef>
+          <a:fontRef idx="minor">
+            <a:schemeClr val="lt1"/>
+          </a:fontRef>
+        </p:style>
+        <p:txBody>
+          <a:bodyPr rtlCol="0" anchor="ctr"/>
+          <a:lstStyle/>
+          <a:p>
+            <a:pPr algn="ctr"/>
+            <a:endParaRPr lang="en-US"/>
+          </a:p>
+        </p:txBody>
+      </p:sp>
+    </p:spTree>
+  </p:cSld>
+  <p:clrMapOvr>
+    <a:masterClrMapping/>
+  </p:clrMapOvr>
+</p:sld>
+</file>
+
 <file path=ppt/slides/slide2.xml><?xml version="1.0" encoding="utf-8"?>
 <p:sld xmlns:a="http://schemas.openxmlformats.org/drawingml/2006/main" xmlns:r="http://schemas.openxmlformats.org/officeDocument/2006/relationships" xmlns:p="http://schemas.openxmlformats.org/presentationml/2006/main">
   <p:cSld>
@@ -3933,8 +5478,55 @@
             <a:pPr eaLnBrk="1" hangingPunct="1"/>
             <a:r>
               <a:rPr lang="en-US" altLang="en-US" dirty="0" smtClean="0"/>
-              <a:t>Essential Graphical Principals</a:t>
-            </a:r>
+              <a:t>Essential Graphical </a:t>
+            </a:r>
+            <a:r>
+              <a:rPr lang="en-US" altLang="en-US" dirty="0" smtClean="0"/>
+              <a:t>Principals</a:t>
+            </a:r>
+          </a:p>
+          <a:p>
+            <a:pPr lvl="1" eaLnBrk="1" hangingPunct="1"/>
+            <a:r>
+              <a:rPr lang="en-US" altLang="en-US" dirty="0" err="1" smtClean="0"/>
+              <a:t>JFrame</a:t>
+            </a:r>
+            <a:r>
+              <a:rPr lang="en-US" altLang="en-US" dirty="0" smtClean="0"/>
+              <a:t> Window (Popup Windows)</a:t>
+            </a:r>
+          </a:p>
+          <a:p>
+            <a:pPr lvl="1" eaLnBrk="1" hangingPunct="1"/>
+            <a:r>
+              <a:rPr lang="en-US" altLang="en-US" dirty="0" smtClean="0"/>
+              <a:t>Extending </a:t>
+            </a:r>
+            <a:r>
+              <a:rPr lang="en-US" altLang="en-US" dirty="0" err="1" smtClean="0"/>
+              <a:t>JFrame</a:t>
+            </a:r>
+            <a:endParaRPr lang="en-US" altLang="en-US" dirty="0" smtClean="0"/>
+          </a:p>
+          <a:p>
+            <a:pPr lvl="1" eaLnBrk="1" hangingPunct="1"/>
+            <a:r>
+              <a:rPr lang="en-US" altLang="en-US" dirty="0" smtClean="0"/>
+              <a:t>Drawing from </a:t>
+            </a:r>
+            <a:r>
+              <a:rPr lang="en-US" altLang="en-US" dirty="0" err="1" smtClean="0"/>
+              <a:t>paintComponent</a:t>
+            </a:r>
+            <a:endParaRPr lang="en-US" altLang="en-US" dirty="0" smtClean="0"/>
+          </a:p>
+          <a:p>
+            <a:pPr lvl="1" eaLnBrk="1" hangingPunct="1"/>
+            <a:r>
+              <a:rPr lang="en-US" altLang="en-US" dirty="0" smtClean="0"/>
+              <a:t>Drawing images/text/graphics</a:t>
+            </a:r>
+            <a:endParaRPr lang="en-US" altLang="en-US" dirty="0" smtClean="0"/>
           </a:p>
           <a:p>
             <a:pPr eaLnBrk="1" hangingPunct="1"/>
@@ -3964,6 +5556,1467 @@
       </p:par>
     </p:tnLst>
   </p:timing>
+</p:sld>
+</file>
+
+<file path=ppt/slides/slide20.xml><?xml version="1.0" encoding="utf-8"?>
+<p:sld xmlns:a="http://schemas.openxmlformats.org/drawingml/2006/main" xmlns:r="http://schemas.openxmlformats.org/officeDocument/2006/relationships" xmlns:p="http://schemas.openxmlformats.org/presentationml/2006/main">
+  <p:cSld>
+    <p:spTree>
+      <p:nvGrpSpPr>
+        <p:cNvPr id="1" name=""/>
+        <p:cNvGrpSpPr/>
+        <p:nvPr/>
+      </p:nvGrpSpPr>
+      <p:grpSpPr>
+        <a:xfrm>
+          <a:off x="0" y="0"/>
+          <a:ext cx="0" cy="0"/>
+          <a:chOff x="0" y="0"/>
+          <a:chExt cx="0" cy="0"/>
+        </a:xfrm>
+      </p:grpSpPr>
+      <p:sp>
+        <p:nvSpPr>
+          <p:cNvPr id="2" name="Title 1"/>
+          <p:cNvSpPr>
+            <a:spLocks noGrp="1"/>
+          </p:cNvSpPr>
+          <p:nvPr>
+            <p:ph type="title"/>
+          </p:nvPr>
+        </p:nvSpPr>
+        <p:spPr>
+          <a:xfrm>
+            <a:off x="685800" y="304800"/>
+            <a:ext cx="7772400" cy="1143000"/>
+          </a:xfrm>
+        </p:spPr>
+        <p:txBody>
+          <a:bodyPr/>
+          <a:lstStyle/>
+          <a:p>
+            <a:r>
+              <a:rPr lang="en-US" dirty="0" smtClean="0"/>
+              <a:t>Fixing Problems</a:t>
+            </a:r>
+            <a:endParaRPr lang="en-US" dirty="0"/>
+          </a:p>
+        </p:txBody>
+      </p:sp>
+      <p:sp>
+        <p:nvSpPr>
+          <p:cNvPr id="3" name="Content Placeholder 2"/>
+          <p:cNvSpPr>
+            <a:spLocks noGrp="1"/>
+          </p:cNvSpPr>
+          <p:nvPr>
+            <p:ph idx="1"/>
+          </p:nvPr>
+        </p:nvSpPr>
+        <p:spPr/>
+        <p:txBody>
+          <a:bodyPr/>
+          <a:lstStyle/>
+          <a:p>
+            <a:endParaRPr lang="en-US"/>
+          </a:p>
+        </p:txBody>
+      </p:sp>
+      <p:pic>
+        <p:nvPicPr>
+          <p:cNvPr id="41986" name="Picture 2"/>
+          <p:cNvPicPr>
+            <a:picLocks noChangeAspect="1" noChangeArrowheads="1"/>
+          </p:cNvPicPr>
+          <p:nvPr/>
+        </p:nvPicPr>
+        <p:blipFill>
+          <a:blip r:embed="rId2"/>
+          <a:srcRect/>
+          <a:stretch>
+            <a:fillRect/>
+          </a:stretch>
+        </p:blipFill>
+        <p:spPr bwMode="auto">
+          <a:xfrm>
+            <a:off x="228600" y="1600200"/>
+            <a:ext cx="8909000" cy="4495800"/>
+          </a:xfrm>
+          <a:prstGeom prst="rect">
+            <a:avLst/>
+          </a:prstGeom>
+          <a:noFill/>
+          <a:ln w="9525">
+            <a:noFill/>
+            <a:miter lim="800000"/>
+            <a:headEnd/>
+            <a:tailEnd/>
+          </a:ln>
+          <a:effectLst/>
+        </p:spPr>
+      </p:pic>
+    </p:spTree>
+  </p:cSld>
+  <p:clrMapOvr>
+    <a:masterClrMapping/>
+  </p:clrMapOvr>
+</p:sld>
+</file>
+
+<file path=ppt/slides/slide21.xml><?xml version="1.0" encoding="utf-8"?>
+<p:sld xmlns:a="http://schemas.openxmlformats.org/drawingml/2006/main" xmlns:r="http://schemas.openxmlformats.org/officeDocument/2006/relationships" xmlns:p="http://schemas.openxmlformats.org/presentationml/2006/main">
+  <p:cSld>
+    <p:spTree>
+      <p:nvGrpSpPr>
+        <p:cNvPr id="1" name=""/>
+        <p:cNvGrpSpPr/>
+        <p:nvPr/>
+      </p:nvGrpSpPr>
+      <p:grpSpPr>
+        <a:xfrm>
+          <a:off x="0" y="0"/>
+          <a:ext cx="0" cy="0"/>
+          <a:chOff x="0" y="0"/>
+          <a:chExt cx="0" cy="0"/>
+        </a:xfrm>
+      </p:grpSpPr>
+      <p:sp>
+        <p:nvSpPr>
+          <p:cNvPr id="2" name="Title 1"/>
+          <p:cNvSpPr>
+            <a:spLocks noGrp="1"/>
+          </p:cNvSpPr>
+          <p:nvPr>
+            <p:ph type="title"/>
+          </p:nvPr>
+        </p:nvSpPr>
+        <p:spPr/>
+        <p:txBody>
+          <a:bodyPr/>
+          <a:lstStyle/>
+          <a:p>
+            <a:r>
+              <a:rPr lang="en-US" dirty="0" smtClean="0"/>
+              <a:t>Drawing Images</a:t>
+            </a:r>
+            <a:endParaRPr lang="en-US" dirty="0"/>
+          </a:p>
+        </p:txBody>
+      </p:sp>
+      <p:sp>
+        <p:nvSpPr>
+          <p:cNvPr id="3" name="Content Placeholder 2"/>
+          <p:cNvSpPr>
+            <a:spLocks noGrp="1"/>
+          </p:cNvSpPr>
+          <p:nvPr>
+            <p:ph idx="1"/>
+          </p:nvPr>
+        </p:nvSpPr>
+        <p:spPr/>
+        <p:txBody>
+          <a:bodyPr/>
+          <a:lstStyle/>
+          <a:p>
+            <a:endParaRPr lang="en-US"/>
+          </a:p>
+        </p:txBody>
+      </p:sp>
+      <p:pic>
+        <p:nvPicPr>
+          <p:cNvPr id="43010" name="Picture 2"/>
+          <p:cNvPicPr>
+            <a:picLocks noChangeAspect="1" noChangeArrowheads="1"/>
+          </p:cNvPicPr>
+          <p:nvPr/>
+        </p:nvPicPr>
+        <p:blipFill>
+          <a:blip r:embed="rId2"/>
+          <a:srcRect/>
+          <a:stretch>
+            <a:fillRect/>
+          </a:stretch>
+        </p:blipFill>
+        <p:spPr bwMode="auto">
+          <a:xfrm>
+            <a:off x="228600" y="1828800"/>
+            <a:ext cx="8586307" cy="4419600"/>
+          </a:xfrm>
+          <a:prstGeom prst="rect">
+            <a:avLst/>
+          </a:prstGeom>
+          <a:noFill/>
+          <a:ln w="9525">
+            <a:noFill/>
+            <a:miter lim="800000"/>
+            <a:headEnd/>
+            <a:tailEnd/>
+          </a:ln>
+          <a:effectLst/>
+        </p:spPr>
+      </p:pic>
+    </p:spTree>
+  </p:cSld>
+  <p:clrMapOvr>
+    <a:masterClrMapping/>
+  </p:clrMapOvr>
+</p:sld>
+</file>
+
+<file path=ppt/slides/slide22.xml><?xml version="1.0" encoding="utf-8"?>
+<p:sld xmlns:a="http://schemas.openxmlformats.org/drawingml/2006/main" xmlns:r="http://schemas.openxmlformats.org/officeDocument/2006/relationships" xmlns:p="http://schemas.openxmlformats.org/presentationml/2006/main">
+  <p:cSld>
+    <p:spTree>
+      <p:nvGrpSpPr>
+        <p:cNvPr id="1" name=""/>
+        <p:cNvGrpSpPr/>
+        <p:nvPr/>
+      </p:nvGrpSpPr>
+      <p:grpSpPr>
+        <a:xfrm>
+          <a:off x="0" y="0"/>
+          <a:ext cx="0" cy="0"/>
+          <a:chOff x="0" y="0"/>
+          <a:chExt cx="0" cy="0"/>
+        </a:xfrm>
+      </p:grpSpPr>
+      <p:sp>
+        <p:nvSpPr>
+          <p:cNvPr id="2" name="Title 1"/>
+          <p:cNvSpPr>
+            <a:spLocks noGrp="1"/>
+          </p:cNvSpPr>
+          <p:nvPr>
+            <p:ph type="title"/>
+          </p:nvPr>
+        </p:nvSpPr>
+        <p:spPr/>
+        <p:txBody>
+          <a:bodyPr/>
+          <a:lstStyle/>
+          <a:p>
+            <a:r>
+              <a:rPr lang="en-US" dirty="0" smtClean="0"/>
+              <a:t>Images</a:t>
+            </a:r>
+            <a:endParaRPr lang="en-US" dirty="0"/>
+          </a:p>
+        </p:txBody>
+      </p:sp>
+      <p:sp>
+        <p:nvSpPr>
+          <p:cNvPr id="3" name="Content Placeholder 2"/>
+          <p:cNvSpPr>
+            <a:spLocks noGrp="1"/>
+          </p:cNvSpPr>
+          <p:nvPr>
+            <p:ph idx="1"/>
+          </p:nvPr>
+        </p:nvSpPr>
+        <p:spPr/>
+        <p:txBody>
+          <a:bodyPr/>
+          <a:lstStyle/>
+          <a:p>
+            <a:endParaRPr lang="en-US"/>
+          </a:p>
+        </p:txBody>
+      </p:sp>
+      <p:pic>
+        <p:nvPicPr>
+          <p:cNvPr id="44034" name="Picture 2"/>
+          <p:cNvPicPr>
+            <a:picLocks noChangeAspect="1" noChangeArrowheads="1"/>
+          </p:cNvPicPr>
+          <p:nvPr/>
+        </p:nvPicPr>
+        <p:blipFill>
+          <a:blip r:embed="rId2"/>
+          <a:srcRect/>
+          <a:stretch>
+            <a:fillRect/>
+          </a:stretch>
+        </p:blipFill>
+        <p:spPr bwMode="auto">
+          <a:xfrm>
+            <a:off x="457200" y="1828800"/>
+            <a:ext cx="7924800" cy="4537798"/>
+          </a:xfrm>
+          <a:prstGeom prst="rect">
+            <a:avLst/>
+          </a:prstGeom>
+          <a:noFill/>
+          <a:ln w="9525">
+            <a:noFill/>
+            <a:miter lim="800000"/>
+            <a:headEnd/>
+            <a:tailEnd/>
+          </a:ln>
+          <a:effectLst/>
+        </p:spPr>
+      </p:pic>
+    </p:spTree>
+  </p:cSld>
+  <p:clrMapOvr>
+    <a:masterClrMapping/>
+  </p:clrMapOvr>
+</p:sld>
+</file>
+
+<file path=ppt/slides/slide23.xml><?xml version="1.0" encoding="utf-8"?>
+<p:sld xmlns:a="http://schemas.openxmlformats.org/drawingml/2006/main" xmlns:r="http://schemas.openxmlformats.org/officeDocument/2006/relationships" xmlns:p="http://schemas.openxmlformats.org/presentationml/2006/main">
+  <p:cSld>
+    <p:spTree>
+      <p:nvGrpSpPr>
+        <p:cNvPr id="1" name=""/>
+        <p:cNvGrpSpPr/>
+        <p:nvPr/>
+      </p:nvGrpSpPr>
+      <p:grpSpPr>
+        <a:xfrm>
+          <a:off x="0" y="0"/>
+          <a:ext cx="0" cy="0"/>
+          <a:chOff x="0" y="0"/>
+          <a:chExt cx="0" cy="0"/>
+        </a:xfrm>
+      </p:grpSpPr>
+      <p:sp>
+        <p:nvSpPr>
+          <p:cNvPr id="2" name="Title 1"/>
+          <p:cNvSpPr>
+            <a:spLocks noGrp="1"/>
+          </p:cNvSpPr>
+          <p:nvPr>
+            <p:ph type="title"/>
+          </p:nvPr>
+        </p:nvSpPr>
+        <p:spPr>
+          <a:xfrm>
+            <a:off x="533400" y="609600"/>
+            <a:ext cx="8305800" cy="1143000"/>
+          </a:xfrm>
+        </p:spPr>
+        <p:txBody>
+          <a:bodyPr/>
+          <a:lstStyle/>
+          <a:p>
+            <a:r>
+              <a:rPr lang="en-US" dirty="0" smtClean="0"/>
+              <a:t>Review Basic Graphic Methods</a:t>
+            </a:r>
+            <a:endParaRPr lang="en-US" dirty="0"/>
+          </a:p>
+        </p:txBody>
+      </p:sp>
+      <p:sp>
+        <p:nvSpPr>
+          <p:cNvPr id="3" name="Content Placeholder 2"/>
+          <p:cNvSpPr>
+            <a:spLocks noGrp="1"/>
+          </p:cNvSpPr>
+          <p:nvPr>
+            <p:ph idx="1"/>
+          </p:nvPr>
+        </p:nvSpPr>
+        <p:spPr/>
+        <p:txBody>
+          <a:bodyPr/>
+          <a:lstStyle/>
+          <a:p>
+            <a:endParaRPr lang="en-US"/>
+          </a:p>
+        </p:txBody>
+      </p:sp>
+      <p:pic>
+        <p:nvPicPr>
+          <p:cNvPr id="2050" name="Picture 2"/>
+          <p:cNvPicPr>
+            <a:picLocks noChangeAspect="1" noChangeArrowheads="1"/>
+          </p:cNvPicPr>
+          <p:nvPr/>
+        </p:nvPicPr>
+        <p:blipFill>
+          <a:blip r:embed="rId2"/>
+          <a:srcRect/>
+          <a:stretch>
+            <a:fillRect/>
+          </a:stretch>
+        </p:blipFill>
+        <p:spPr bwMode="auto">
+          <a:xfrm>
+            <a:off x="457200" y="1981200"/>
+            <a:ext cx="8296275" cy="4410075"/>
+          </a:xfrm>
+          <a:prstGeom prst="rect">
+            <a:avLst/>
+          </a:prstGeom>
+          <a:noFill/>
+          <a:ln w="9525">
+            <a:noFill/>
+            <a:miter lim="800000"/>
+            <a:headEnd/>
+            <a:tailEnd/>
+          </a:ln>
+          <a:effectLst/>
+        </p:spPr>
+      </p:pic>
+    </p:spTree>
+  </p:cSld>
+  <p:clrMapOvr>
+    <a:masterClrMapping/>
+  </p:clrMapOvr>
+</p:sld>
+</file>
+
+<file path=ppt/slides/slide24.xml><?xml version="1.0" encoding="utf-8"?>
+<p:sld xmlns:a="http://schemas.openxmlformats.org/drawingml/2006/main" xmlns:r="http://schemas.openxmlformats.org/officeDocument/2006/relationships" xmlns:p="http://schemas.openxmlformats.org/presentationml/2006/main">
+  <p:cSld>
+    <p:spTree>
+      <p:nvGrpSpPr>
+        <p:cNvPr id="1" name=""/>
+        <p:cNvGrpSpPr/>
+        <p:nvPr/>
+      </p:nvGrpSpPr>
+      <p:grpSpPr>
+        <a:xfrm>
+          <a:off x="0" y="0"/>
+          <a:ext cx="0" cy="0"/>
+          <a:chOff x="0" y="0"/>
+          <a:chExt cx="0" cy="0"/>
+        </a:xfrm>
+      </p:grpSpPr>
+      <p:sp>
+        <p:nvSpPr>
+          <p:cNvPr id="2" name="Title 1"/>
+          <p:cNvSpPr>
+            <a:spLocks noGrp="1"/>
+          </p:cNvSpPr>
+          <p:nvPr>
+            <p:ph type="title"/>
+          </p:nvPr>
+        </p:nvSpPr>
+        <p:spPr>
+          <a:xfrm>
+            <a:off x="609600" y="152400"/>
+            <a:ext cx="7772400" cy="1143000"/>
+          </a:xfrm>
+        </p:spPr>
+        <p:txBody>
+          <a:bodyPr/>
+          <a:lstStyle/>
+          <a:p>
+            <a:r>
+              <a:rPr lang="en-US" dirty="0" smtClean="0"/>
+              <a:t>Question</a:t>
+            </a:r>
+            <a:endParaRPr lang="en-US" dirty="0"/>
+          </a:p>
+        </p:txBody>
+      </p:sp>
+      <p:sp>
+        <p:nvSpPr>
+          <p:cNvPr id="3" name="Content Placeholder 2"/>
+          <p:cNvSpPr>
+            <a:spLocks noGrp="1"/>
+          </p:cNvSpPr>
+          <p:nvPr>
+            <p:ph idx="1"/>
+          </p:nvPr>
+        </p:nvSpPr>
+        <p:spPr>
+          <a:xfrm>
+            <a:off x="762000" y="1295400"/>
+            <a:ext cx="7772400" cy="4114800"/>
+          </a:xfrm>
+        </p:spPr>
+        <p:txBody>
+          <a:bodyPr/>
+          <a:lstStyle/>
+          <a:p>
+            <a:r>
+              <a:rPr lang="en-US" dirty="0" smtClean="0"/>
+              <a:t>Write down the graphics methods you’d use to draw the following output:</a:t>
+            </a:r>
+            <a:endParaRPr lang="en-US" dirty="0"/>
+          </a:p>
+        </p:txBody>
+      </p:sp>
+      <p:pic>
+        <p:nvPicPr>
+          <p:cNvPr id="1026" name="Picture 2"/>
+          <p:cNvPicPr>
+            <a:picLocks noChangeAspect="1" noChangeArrowheads="1"/>
+          </p:cNvPicPr>
+          <p:nvPr/>
+        </p:nvPicPr>
+        <p:blipFill>
+          <a:blip r:embed="rId2"/>
+          <a:srcRect/>
+          <a:stretch>
+            <a:fillRect/>
+          </a:stretch>
+        </p:blipFill>
+        <p:spPr bwMode="auto">
+          <a:xfrm>
+            <a:off x="1447800" y="2514600"/>
+            <a:ext cx="5257800" cy="3977403"/>
+          </a:xfrm>
+          <a:prstGeom prst="rect">
+            <a:avLst/>
+          </a:prstGeom>
+          <a:noFill/>
+          <a:ln w="9525">
+            <a:noFill/>
+            <a:miter lim="800000"/>
+            <a:headEnd/>
+            <a:tailEnd/>
+          </a:ln>
+          <a:effectLst/>
+        </p:spPr>
+      </p:pic>
+    </p:spTree>
+  </p:cSld>
+  <p:clrMapOvr>
+    <a:masterClrMapping/>
+  </p:clrMapOvr>
+</p:sld>
+</file>
+
+<file path=ppt/slides/slide25.xml><?xml version="1.0" encoding="utf-8"?>
+<p:sld xmlns:a="http://schemas.openxmlformats.org/drawingml/2006/main" xmlns:r="http://schemas.openxmlformats.org/officeDocument/2006/relationships" xmlns:p="http://schemas.openxmlformats.org/presentationml/2006/main">
+  <p:cSld>
+    <p:spTree>
+      <p:nvGrpSpPr>
+        <p:cNvPr id="1" name=""/>
+        <p:cNvGrpSpPr/>
+        <p:nvPr/>
+      </p:nvGrpSpPr>
+      <p:grpSpPr>
+        <a:xfrm>
+          <a:off x="0" y="0"/>
+          <a:ext cx="0" cy="0"/>
+          <a:chOff x="0" y="0"/>
+          <a:chExt cx="0" cy="0"/>
+        </a:xfrm>
+      </p:grpSpPr>
+      <p:sp>
+        <p:nvSpPr>
+          <p:cNvPr id="2" name="Title 1"/>
+          <p:cNvSpPr>
+            <a:spLocks noGrp="1"/>
+          </p:cNvSpPr>
+          <p:nvPr>
+            <p:ph type="title"/>
+          </p:nvPr>
+        </p:nvSpPr>
+        <p:spPr>
+          <a:xfrm>
+            <a:off x="762000" y="-76200"/>
+            <a:ext cx="7772400" cy="1143000"/>
+          </a:xfrm>
+        </p:spPr>
+        <p:txBody>
+          <a:bodyPr/>
+          <a:lstStyle/>
+          <a:p>
+            <a:r>
+              <a:rPr lang="en-US" dirty="0" smtClean="0"/>
+              <a:t>Question</a:t>
+            </a:r>
+            <a:endParaRPr lang="en-US" dirty="0"/>
+          </a:p>
+        </p:txBody>
+      </p:sp>
+      <p:sp>
+        <p:nvSpPr>
+          <p:cNvPr id="3" name="Content Placeholder 2"/>
+          <p:cNvSpPr>
+            <a:spLocks noGrp="1"/>
+          </p:cNvSpPr>
+          <p:nvPr>
+            <p:ph idx="1"/>
+          </p:nvPr>
+        </p:nvSpPr>
+        <p:spPr/>
+        <p:txBody>
+          <a:bodyPr/>
+          <a:lstStyle/>
+          <a:p>
+            <a:endParaRPr lang="en-US"/>
+          </a:p>
+        </p:txBody>
+      </p:sp>
+      <p:sp>
+        <p:nvSpPr>
+          <p:cNvPr id="6" name="TextBox 5"/>
+          <p:cNvSpPr txBox="1"/>
+          <p:nvPr/>
+        </p:nvSpPr>
+        <p:spPr>
+          <a:xfrm>
+            <a:off x="6400800" y="5943600"/>
+            <a:ext cx="2161169" cy="707886"/>
+          </a:xfrm>
+          <a:prstGeom prst="rect">
+            <a:avLst/>
+          </a:prstGeom>
+          <a:noFill/>
+        </p:spPr>
+        <p:txBody>
+          <a:bodyPr wrap="none" rtlCol="0">
+            <a:spAutoFit/>
+          </a:bodyPr>
+          <a:lstStyle/>
+          <a:p>
+            <a:r>
+              <a:rPr lang="en-US" sz="2000" dirty="0" err="1" smtClean="0">
+                <a:solidFill>
+                  <a:schemeClr val="bg2"/>
+                </a:solidFill>
+              </a:rPr>
+              <a:t>javac</a:t>
+            </a:r>
+            <a:r>
+              <a:rPr lang="en-US" sz="2000" dirty="0" smtClean="0">
+                <a:solidFill>
+                  <a:schemeClr val="bg2"/>
+                </a:solidFill>
+              </a:rPr>
+              <a:t> MyPaint.java</a:t>
+            </a:r>
+          </a:p>
+          <a:p>
+            <a:r>
+              <a:rPr lang="en-US" sz="2000" dirty="0" smtClean="0">
+                <a:solidFill>
+                  <a:schemeClr val="bg2"/>
+                </a:solidFill>
+              </a:rPr>
+              <a:t>java –cp . </a:t>
+            </a:r>
+            <a:r>
+              <a:rPr lang="en-US" sz="2000" dirty="0" err="1" smtClean="0">
+                <a:solidFill>
+                  <a:schemeClr val="bg2"/>
+                </a:solidFill>
+              </a:rPr>
+              <a:t>MyPaint</a:t>
+            </a:r>
+            <a:endParaRPr lang="en-US" sz="2000" dirty="0">
+              <a:solidFill>
+                <a:schemeClr val="bg2"/>
+              </a:solidFill>
+            </a:endParaRPr>
+          </a:p>
+        </p:txBody>
+      </p:sp>
+      <p:pic>
+        <p:nvPicPr>
+          <p:cNvPr id="4101" name="Picture 5"/>
+          <p:cNvPicPr>
+            <a:picLocks noChangeAspect="1" noChangeArrowheads="1"/>
+          </p:cNvPicPr>
+          <p:nvPr/>
+        </p:nvPicPr>
+        <p:blipFill>
+          <a:blip r:embed="rId2"/>
+          <a:srcRect/>
+          <a:stretch>
+            <a:fillRect/>
+          </a:stretch>
+        </p:blipFill>
+        <p:spPr bwMode="auto">
+          <a:xfrm>
+            <a:off x="228599" y="990600"/>
+            <a:ext cx="5262431" cy="5715000"/>
+          </a:xfrm>
+          <a:prstGeom prst="rect">
+            <a:avLst/>
+          </a:prstGeom>
+          <a:noFill/>
+          <a:ln w="9525">
+            <a:noFill/>
+            <a:miter lim="800000"/>
+            <a:headEnd/>
+            <a:tailEnd/>
+          </a:ln>
+          <a:effectLst/>
+        </p:spPr>
+      </p:pic>
+      <p:sp>
+        <p:nvSpPr>
+          <p:cNvPr id="9" name="TextBox 8"/>
+          <p:cNvSpPr txBox="1"/>
+          <p:nvPr/>
+        </p:nvSpPr>
+        <p:spPr>
+          <a:xfrm>
+            <a:off x="5257800" y="1143000"/>
+            <a:ext cx="3579826" cy="830997"/>
+          </a:xfrm>
+          <a:prstGeom prst="rect">
+            <a:avLst/>
+          </a:prstGeom>
+          <a:noFill/>
+        </p:spPr>
+        <p:txBody>
+          <a:bodyPr wrap="none" rtlCol="0">
+            <a:spAutoFit/>
+          </a:bodyPr>
+          <a:lstStyle/>
+          <a:p>
+            <a:r>
+              <a:rPr lang="en-US" b="1" dirty="0" smtClean="0">
+                <a:solidFill>
+                  <a:schemeClr val="bg2"/>
+                </a:solidFill>
+              </a:rPr>
+              <a:t>What would the following</a:t>
+            </a:r>
+          </a:p>
+          <a:p>
+            <a:r>
+              <a:rPr lang="en-US" b="1" dirty="0" smtClean="0">
+                <a:solidFill>
+                  <a:schemeClr val="bg2"/>
+                </a:solidFill>
+              </a:rPr>
+              <a:t>program output?</a:t>
+            </a:r>
+            <a:endParaRPr lang="en-US" b="1" dirty="0">
+              <a:solidFill>
+                <a:schemeClr val="bg2"/>
+              </a:solidFill>
+            </a:endParaRPr>
+          </a:p>
+        </p:txBody>
+      </p:sp>
+    </p:spTree>
+  </p:cSld>
+  <p:clrMapOvr>
+    <a:masterClrMapping/>
+  </p:clrMapOvr>
+</p:sld>
+</file>
+
+<file path=ppt/slides/slide26.xml><?xml version="1.0" encoding="utf-8"?>
+<p:sld xmlns:a="http://schemas.openxmlformats.org/drawingml/2006/main" xmlns:r="http://schemas.openxmlformats.org/officeDocument/2006/relationships" xmlns:p="http://schemas.openxmlformats.org/presentationml/2006/main">
+  <p:cSld>
+    <p:spTree>
+      <p:nvGrpSpPr>
+        <p:cNvPr id="1" name=""/>
+        <p:cNvGrpSpPr/>
+        <p:nvPr/>
+      </p:nvGrpSpPr>
+      <p:grpSpPr>
+        <a:xfrm>
+          <a:off x="0" y="0"/>
+          <a:ext cx="0" cy="0"/>
+          <a:chOff x="0" y="0"/>
+          <a:chExt cx="0" cy="0"/>
+        </a:xfrm>
+      </p:grpSpPr>
+      <p:sp>
+        <p:nvSpPr>
+          <p:cNvPr id="2" name="Title 1"/>
+          <p:cNvSpPr>
+            <a:spLocks noGrp="1"/>
+          </p:cNvSpPr>
+          <p:nvPr>
+            <p:ph type="title"/>
+          </p:nvPr>
+        </p:nvSpPr>
+        <p:spPr/>
+        <p:txBody>
+          <a:bodyPr/>
+          <a:lstStyle/>
+          <a:p>
+            <a:r>
+              <a:rPr lang="en-US" dirty="0" smtClean="0"/>
+              <a:t>Answer</a:t>
+            </a:r>
+            <a:endParaRPr lang="en-US" dirty="0"/>
+          </a:p>
+        </p:txBody>
+      </p:sp>
+      <p:sp>
+        <p:nvSpPr>
+          <p:cNvPr id="3" name="Content Placeholder 2"/>
+          <p:cNvSpPr>
+            <a:spLocks noGrp="1"/>
+          </p:cNvSpPr>
+          <p:nvPr>
+            <p:ph idx="1"/>
+          </p:nvPr>
+        </p:nvSpPr>
+        <p:spPr/>
+        <p:txBody>
+          <a:bodyPr/>
+          <a:lstStyle/>
+          <a:p>
+            <a:r>
+              <a:rPr lang="en-US" dirty="0" smtClean="0"/>
+              <a:t>Left mouse button is pressed</a:t>
+            </a:r>
+            <a:endParaRPr lang="en-US" dirty="0"/>
+          </a:p>
+        </p:txBody>
+      </p:sp>
+      <p:pic>
+        <p:nvPicPr>
+          <p:cNvPr id="46082" name="Picture 2"/>
+          <p:cNvPicPr>
+            <a:picLocks noChangeAspect="1" noChangeArrowheads="1"/>
+          </p:cNvPicPr>
+          <p:nvPr/>
+        </p:nvPicPr>
+        <p:blipFill>
+          <a:blip r:embed="rId2"/>
+          <a:srcRect/>
+          <a:stretch>
+            <a:fillRect/>
+          </a:stretch>
+        </p:blipFill>
+        <p:spPr bwMode="auto">
+          <a:xfrm>
+            <a:off x="990600" y="3048000"/>
+            <a:ext cx="2809027" cy="2905125"/>
+          </a:xfrm>
+          <a:prstGeom prst="rect">
+            <a:avLst/>
+          </a:prstGeom>
+          <a:noFill/>
+          <a:ln w="9525">
+            <a:noFill/>
+            <a:miter lim="800000"/>
+            <a:headEnd/>
+            <a:tailEnd/>
+          </a:ln>
+          <a:effectLst/>
+        </p:spPr>
+      </p:pic>
+      <p:pic>
+        <p:nvPicPr>
+          <p:cNvPr id="46083" name="Picture 3"/>
+          <p:cNvPicPr>
+            <a:picLocks noChangeAspect="1" noChangeArrowheads="1"/>
+          </p:cNvPicPr>
+          <p:nvPr/>
+        </p:nvPicPr>
+        <p:blipFill>
+          <a:blip r:embed="rId3"/>
+          <a:srcRect/>
+          <a:stretch>
+            <a:fillRect/>
+          </a:stretch>
+        </p:blipFill>
+        <p:spPr bwMode="auto">
+          <a:xfrm>
+            <a:off x="5486400" y="3124200"/>
+            <a:ext cx="2719081" cy="2790825"/>
+          </a:xfrm>
+          <a:prstGeom prst="rect">
+            <a:avLst/>
+          </a:prstGeom>
+          <a:noFill/>
+          <a:ln w="9525">
+            <a:noFill/>
+            <a:miter lim="800000"/>
+            <a:headEnd/>
+            <a:tailEnd/>
+          </a:ln>
+          <a:effectLst/>
+        </p:spPr>
+      </p:pic>
+      <p:sp>
+        <p:nvSpPr>
+          <p:cNvPr id="6" name="Left-Right Arrow 5"/>
+          <p:cNvSpPr/>
+          <p:nvPr/>
+        </p:nvSpPr>
+        <p:spPr>
+          <a:xfrm>
+            <a:off x="4191000" y="4191000"/>
+            <a:ext cx="838200" cy="533400"/>
+          </a:xfrm>
+          <a:prstGeom prst="leftRightArrow">
+            <a:avLst/>
+          </a:prstGeom>
+        </p:spPr>
+        <p:style>
+          <a:lnRef idx="2">
+            <a:schemeClr val="accent1">
+              <a:shade val="50000"/>
+            </a:schemeClr>
+          </a:lnRef>
+          <a:fillRef idx="1">
+            <a:schemeClr val="accent1"/>
+          </a:fillRef>
+          <a:effectRef idx="0">
+            <a:schemeClr val="accent1"/>
+          </a:effectRef>
+          <a:fontRef idx="minor">
+            <a:schemeClr val="lt1"/>
+          </a:fontRef>
+        </p:style>
+        <p:txBody>
+          <a:bodyPr rtlCol="0" anchor="ctr"/>
+          <a:lstStyle/>
+          <a:p>
+            <a:pPr algn="ctr"/>
+            <a:endParaRPr lang="en-US"/>
+          </a:p>
+        </p:txBody>
+      </p:sp>
+    </p:spTree>
+  </p:cSld>
+  <p:clrMapOvr>
+    <a:masterClrMapping/>
+  </p:clrMapOvr>
+</p:sld>
+</file>
+
+<file path=ppt/slides/slide27.xml><?xml version="1.0" encoding="utf-8"?>
+<p:sld xmlns:a="http://schemas.openxmlformats.org/drawingml/2006/main" xmlns:r="http://schemas.openxmlformats.org/officeDocument/2006/relationships" xmlns:p="http://schemas.openxmlformats.org/presentationml/2006/main">
+  <p:cSld>
+    <p:spTree>
+      <p:nvGrpSpPr>
+        <p:cNvPr id="1" name=""/>
+        <p:cNvGrpSpPr/>
+        <p:nvPr/>
+      </p:nvGrpSpPr>
+      <p:grpSpPr>
+        <a:xfrm>
+          <a:off x="0" y="0"/>
+          <a:ext cx="0" cy="0"/>
+          <a:chOff x="0" y="0"/>
+          <a:chExt cx="0" cy="0"/>
+        </a:xfrm>
+      </p:grpSpPr>
+      <p:sp>
+        <p:nvSpPr>
+          <p:cNvPr id="2" name="Title 1"/>
+          <p:cNvSpPr>
+            <a:spLocks noGrp="1"/>
+          </p:cNvSpPr>
+          <p:nvPr>
+            <p:ph type="title"/>
+          </p:nvPr>
+        </p:nvSpPr>
+        <p:spPr/>
+        <p:txBody>
+          <a:bodyPr/>
+          <a:lstStyle/>
+          <a:p>
+            <a:r>
+              <a:rPr lang="en-US" dirty="0" smtClean="0"/>
+              <a:t>Force Redraw</a:t>
+            </a:r>
+            <a:endParaRPr lang="en-US" dirty="0"/>
+          </a:p>
+        </p:txBody>
+      </p:sp>
+      <p:sp>
+        <p:nvSpPr>
+          <p:cNvPr id="3" name="Content Placeholder 2"/>
+          <p:cNvSpPr>
+            <a:spLocks noGrp="1"/>
+          </p:cNvSpPr>
+          <p:nvPr>
+            <p:ph idx="1"/>
+          </p:nvPr>
+        </p:nvSpPr>
+        <p:spPr/>
+        <p:txBody>
+          <a:bodyPr/>
+          <a:lstStyle/>
+          <a:p>
+            <a:r>
+              <a:rPr lang="en-US" dirty="0" smtClean="0"/>
+              <a:t>To notify Java to redraw our window (i.e., call </a:t>
+            </a:r>
+            <a:r>
+              <a:rPr lang="en-US" dirty="0" err="1" smtClean="0"/>
+              <a:t>paintComponent</a:t>
+            </a:r>
+            <a:r>
+              <a:rPr lang="en-US" dirty="0" smtClean="0"/>
+              <a:t>)</a:t>
+            </a:r>
+          </a:p>
+          <a:p>
+            <a:pPr lvl="1"/>
+            <a:r>
+              <a:rPr lang="en-US" dirty="0" smtClean="0"/>
+              <a:t>call ‘repaint()’</a:t>
+            </a:r>
+          </a:p>
+          <a:p>
+            <a:r>
+              <a:rPr lang="en-US" dirty="0" smtClean="0"/>
+              <a:t>For example, add new graphics each time the mouse button is pressed</a:t>
+            </a:r>
+            <a:endParaRPr lang="en-US" dirty="0"/>
+          </a:p>
+        </p:txBody>
+      </p:sp>
+    </p:spTree>
+  </p:cSld>
+  <p:clrMapOvr>
+    <a:masterClrMapping/>
+  </p:clrMapOvr>
+</p:sld>
+</file>
+
+<file path=ppt/slides/slide28.xml><?xml version="1.0" encoding="utf-8"?>
+<p:sld xmlns:a="http://schemas.openxmlformats.org/drawingml/2006/main" xmlns:r="http://schemas.openxmlformats.org/officeDocument/2006/relationships" xmlns:p="http://schemas.openxmlformats.org/presentationml/2006/main">
+  <p:cSld>
+    <p:spTree>
+      <p:nvGrpSpPr>
+        <p:cNvPr id="1" name=""/>
+        <p:cNvGrpSpPr/>
+        <p:nvPr/>
+      </p:nvGrpSpPr>
+      <p:grpSpPr>
+        <a:xfrm>
+          <a:off x="0" y="0"/>
+          <a:ext cx="0" cy="0"/>
+          <a:chOff x="0" y="0"/>
+          <a:chExt cx="0" cy="0"/>
+        </a:xfrm>
+      </p:grpSpPr>
+      <p:sp>
+        <p:nvSpPr>
+          <p:cNvPr id="2" name="Title 1"/>
+          <p:cNvSpPr>
+            <a:spLocks noGrp="1"/>
+          </p:cNvSpPr>
+          <p:nvPr>
+            <p:ph type="title"/>
+          </p:nvPr>
+        </p:nvSpPr>
+        <p:spPr/>
+        <p:txBody>
+          <a:bodyPr/>
+          <a:lstStyle/>
+          <a:p>
+            <a:r>
+              <a:rPr lang="en-US" dirty="0" smtClean="0"/>
+              <a:t>Review</a:t>
+            </a:r>
+            <a:endParaRPr lang="en-US" dirty="0"/>
+          </a:p>
+        </p:txBody>
+      </p:sp>
+      <p:sp>
+        <p:nvSpPr>
+          <p:cNvPr id="3" name="Content Placeholder 2"/>
+          <p:cNvSpPr>
+            <a:spLocks noGrp="1"/>
+          </p:cNvSpPr>
+          <p:nvPr>
+            <p:ph idx="1"/>
+          </p:nvPr>
+        </p:nvSpPr>
+        <p:spPr>
+          <a:xfrm>
+            <a:off x="685800" y="1981200"/>
+            <a:ext cx="7772400" cy="4419600"/>
+          </a:xfrm>
+        </p:spPr>
+        <p:txBody>
+          <a:bodyPr>
+            <a:normAutofit fontScale="85000" lnSpcReduction="20000"/>
+          </a:bodyPr>
+          <a:lstStyle/>
+          <a:p>
+            <a:r>
+              <a:rPr lang="en-US" dirty="0" smtClean="0"/>
+              <a:t>Graphics can be drawn using a class </a:t>
+            </a:r>
+            <a:r>
+              <a:rPr lang="en-US" dirty="0" smtClean="0"/>
+              <a:t>which extends </a:t>
+            </a:r>
+            <a:r>
+              <a:rPr lang="en-US" dirty="0" err="1" smtClean="0">
+                <a:solidFill>
+                  <a:srgbClr val="E62D33"/>
+                </a:solidFill>
+              </a:rPr>
+              <a:t>JPanel</a:t>
+            </a:r>
+            <a:endParaRPr lang="en-US" dirty="0" smtClean="0">
+              <a:solidFill>
+                <a:srgbClr val="E62D33"/>
+              </a:solidFill>
+            </a:endParaRPr>
+          </a:p>
+          <a:p>
+            <a:r>
+              <a:rPr lang="en-US" dirty="0" smtClean="0"/>
+              <a:t>Swing </a:t>
+            </a:r>
+            <a:r>
+              <a:rPr lang="en-US" dirty="0" smtClean="0"/>
+              <a:t>will call the </a:t>
+            </a:r>
+            <a:r>
+              <a:rPr lang="en-US" dirty="0" err="1" smtClean="0">
+                <a:solidFill>
+                  <a:srgbClr val="E62D33"/>
+                </a:solidFill>
+              </a:rPr>
+              <a:t>paintComponent</a:t>
+            </a:r>
+            <a:r>
+              <a:rPr lang="en-US" dirty="0" smtClean="0"/>
+              <a:t> method </a:t>
+            </a:r>
+            <a:r>
+              <a:rPr lang="en-US" dirty="0" smtClean="0"/>
+              <a:t>to draw:</a:t>
+            </a:r>
+          </a:p>
+          <a:p>
+            <a:pPr lvl="1"/>
+            <a:r>
+              <a:rPr lang="en-US" dirty="0" smtClean="0"/>
+              <a:t>protected </a:t>
+            </a:r>
+            <a:r>
+              <a:rPr lang="en-US" dirty="0" smtClean="0"/>
+              <a:t>void </a:t>
+            </a:r>
+            <a:r>
+              <a:rPr lang="en-US" dirty="0" err="1" smtClean="0"/>
+              <a:t>paintComponent</a:t>
+            </a:r>
+            <a:r>
+              <a:rPr lang="en-US" dirty="0" smtClean="0"/>
+              <a:t>(Graphics g);</a:t>
+            </a:r>
+          </a:p>
+          <a:p>
+            <a:r>
+              <a:rPr lang="en-US" dirty="0" smtClean="0"/>
+              <a:t>There </a:t>
+            </a:r>
+            <a:r>
+              <a:rPr lang="en-US" dirty="0" smtClean="0"/>
+              <a:t>are a variety of drawing methods:</a:t>
+            </a:r>
+          </a:p>
+          <a:p>
+            <a:pPr lvl="1"/>
+            <a:r>
+              <a:rPr lang="en-US" dirty="0" err="1" smtClean="0"/>
+              <a:t>drawLine</a:t>
+            </a:r>
+            <a:r>
+              <a:rPr lang="en-US" dirty="0" smtClean="0"/>
+              <a:t>(</a:t>
+            </a:r>
+            <a:r>
+              <a:rPr lang="en-US" dirty="0" err="1" smtClean="0"/>
+              <a:t>int</a:t>
+            </a:r>
+            <a:r>
+              <a:rPr lang="en-US" dirty="0" smtClean="0"/>
+              <a:t> x1, </a:t>
+            </a:r>
+            <a:r>
+              <a:rPr lang="en-US" dirty="0" err="1" smtClean="0"/>
+              <a:t>int</a:t>
+            </a:r>
+            <a:r>
+              <a:rPr lang="en-US" dirty="0" smtClean="0"/>
+              <a:t> y1, </a:t>
+            </a:r>
+            <a:r>
+              <a:rPr lang="en-US" dirty="0" err="1" smtClean="0"/>
+              <a:t>int</a:t>
+            </a:r>
+            <a:r>
+              <a:rPr lang="en-US" dirty="0" smtClean="0"/>
+              <a:t> x2, </a:t>
+            </a:r>
+            <a:r>
+              <a:rPr lang="en-US" dirty="0" err="1" smtClean="0"/>
+              <a:t>int</a:t>
+            </a:r>
+            <a:r>
+              <a:rPr lang="en-US" dirty="0" smtClean="0"/>
+              <a:t> y2);</a:t>
+            </a:r>
+          </a:p>
+          <a:p>
+            <a:pPr lvl="1"/>
+            <a:r>
+              <a:rPr lang="en-US" dirty="0" err="1" smtClean="0"/>
+              <a:t>drawRect</a:t>
+            </a:r>
+            <a:r>
+              <a:rPr lang="en-US" dirty="0" smtClean="0"/>
+              <a:t>(</a:t>
+            </a:r>
+            <a:r>
+              <a:rPr lang="en-US" dirty="0" err="1" smtClean="0"/>
+              <a:t>int</a:t>
+            </a:r>
+            <a:r>
+              <a:rPr lang="en-US" dirty="0" smtClean="0"/>
+              <a:t> x, </a:t>
+            </a:r>
+            <a:r>
+              <a:rPr lang="en-US" dirty="0" err="1" smtClean="0"/>
+              <a:t>int</a:t>
+            </a:r>
+            <a:r>
+              <a:rPr lang="en-US" dirty="0" smtClean="0"/>
+              <a:t> y, </a:t>
+            </a:r>
+            <a:r>
+              <a:rPr lang="en-US" dirty="0" err="1" smtClean="0"/>
+              <a:t>int</a:t>
+            </a:r>
+            <a:r>
+              <a:rPr lang="en-US" dirty="0" smtClean="0"/>
+              <a:t> w, </a:t>
+            </a:r>
+            <a:r>
+              <a:rPr lang="en-US" dirty="0" err="1" smtClean="0"/>
+              <a:t>int</a:t>
+            </a:r>
+            <a:r>
+              <a:rPr lang="en-US" dirty="0" smtClean="0"/>
+              <a:t> h);</a:t>
+            </a:r>
+          </a:p>
+          <a:p>
+            <a:pPr lvl="1"/>
+            <a:r>
+              <a:rPr lang="en-US" dirty="0" err="1" smtClean="0"/>
+              <a:t>drawOval</a:t>
+            </a:r>
+            <a:r>
+              <a:rPr lang="en-US" dirty="0" smtClean="0"/>
+              <a:t>(</a:t>
+            </a:r>
+            <a:r>
+              <a:rPr lang="en-US" dirty="0" err="1" smtClean="0"/>
+              <a:t>int</a:t>
+            </a:r>
+            <a:r>
+              <a:rPr lang="en-US" dirty="0" smtClean="0"/>
+              <a:t> x, </a:t>
+            </a:r>
+            <a:r>
+              <a:rPr lang="en-US" dirty="0" err="1" smtClean="0"/>
+              <a:t>int</a:t>
+            </a:r>
+            <a:r>
+              <a:rPr lang="en-US" dirty="0" smtClean="0"/>
+              <a:t> y, </a:t>
+            </a:r>
+            <a:r>
+              <a:rPr lang="en-US" dirty="0" err="1" smtClean="0"/>
+              <a:t>int</a:t>
+            </a:r>
+            <a:r>
+              <a:rPr lang="en-US" dirty="0" smtClean="0"/>
+              <a:t> w, </a:t>
+            </a:r>
+            <a:r>
+              <a:rPr lang="en-US" dirty="0" err="1" smtClean="0"/>
+              <a:t>int</a:t>
+            </a:r>
+            <a:r>
+              <a:rPr lang="en-US" dirty="0" smtClean="0"/>
+              <a:t> h);</a:t>
+            </a:r>
+          </a:p>
+          <a:p>
+            <a:pPr lvl="1"/>
+            <a:r>
+              <a:rPr lang="en-US" dirty="0" err="1" smtClean="0"/>
+              <a:t>drawPolygon</a:t>
+            </a:r>
+            <a:r>
+              <a:rPr lang="en-US" dirty="0" smtClean="0"/>
+              <a:t>(</a:t>
+            </a:r>
+            <a:r>
+              <a:rPr lang="en-US" dirty="0" err="1" smtClean="0"/>
+              <a:t>int</a:t>
+            </a:r>
+            <a:r>
+              <a:rPr lang="en-US" dirty="0" smtClean="0"/>
+              <a:t>[] </a:t>
+            </a:r>
+            <a:r>
+              <a:rPr lang="en-US" dirty="0" err="1" smtClean="0"/>
+              <a:t>xpoints</a:t>
+            </a:r>
+            <a:r>
+              <a:rPr lang="en-US" dirty="0" smtClean="0"/>
+              <a:t>, </a:t>
+            </a:r>
+            <a:r>
+              <a:rPr lang="en-US" dirty="0" err="1" smtClean="0"/>
+              <a:t>int</a:t>
+            </a:r>
+            <a:r>
+              <a:rPr lang="en-US" dirty="0" smtClean="0"/>
+              <a:t>[] </a:t>
+            </a:r>
+            <a:r>
+              <a:rPr lang="en-US" dirty="0" err="1" smtClean="0"/>
+              <a:t>ypoints</a:t>
+            </a:r>
+            <a:r>
+              <a:rPr lang="en-US" dirty="0" smtClean="0"/>
+              <a:t>, </a:t>
+            </a:r>
+            <a:r>
+              <a:rPr lang="en-US" dirty="0" err="1" smtClean="0"/>
+              <a:t>int</a:t>
+            </a:r>
+            <a:r>
+              <a:rPr lang="en-US" dirty="0" smtClean="0"/>
+              <a:t> </a:t>
+            </a:r>
+            <a:r>
+              <a:rPr lang="en-US" dirty="0" err="1" smtClean="0"/>
+              <a:t>npoints</a:t>
+            </a:r>
+            <a:r>
+              <a:rPr lang="en-US" dirty="0" smtClean="0"/>
+              <a:t>);</a:t>
+            </a:r>
+            <a:endParaRPr lang="en-US" dirty="0"/>
+          </a:p>
+        </p:txBody>
+      </p:sp>
+    </p:spTree>
+  </p:cSld>
+  <p:clrMapOvr>
+    <a:masterClrMapping/>
+  </p:clrMapOvr>
+</p:sld>
+</file>
+
+<file path=ppt/slides/slide29.xml><?xml version="1.0" encoding="utf-8"?>
+<p:sld xmlns:a="http://schemas.openxmlformats.org/drawingml/2006/main" xmlns:r="http://schemas.openxmlformats.org/officeDocument/2006/relationships" xmlns:p="http://schemas.openxmlformats.org/presentationml/2006/main">
+  <p:cSld>
+    <p:spTree>
+      <p:nvGrpSpPr>
+        <p:cNvPr id="1" name=""/>
+        <p:cNvGrpSpPr/>
+        <p:nvPr/>
+      </p:nvGrpSpPr>
+      <p:grpSpPr>
+        <a:xfrm>
+          <a:off x="0" y="0"/>
+          <a:ext cx="0" cy="0"/>
+          <a:chOff x="0" y="0"/>
+          <a:chExt cx="0" cy="0"/>
+        </a:xfrm>
+      </p:grpSpPr>
+      <p:sp>
+        <p:nvSpPr>
+          <p:cNvPr id="2" name="Title 1"/>
+          <p:cNvSpPr>
+            <a:spLocks noGrp="1"/>
+          </p:cNvSpPr>
+          <p:nvPr>
+            <p:ph type="title"/>
+          </p:nvPr>
+        </p:nvSpPr>
+        <p:spPr/>
+        <p:txBody>
+          <a:bodyPr/>
+          <a:lstStyle/>
+          <a:p>
+            <a:r>
+              <a:rPr lang="en-US" dirty="0" smtClean="0"/>
+              <a:t>Other Graphics Capabilities</a:t>
+            </a:r>
+            <a:endParaRPr lang="en-US" dirty="0"/>
+          </a:p>
+        </p:txBody>
+      </p:sp>
+      <p:sp>
+        <p:nvSpPr>
+          <p:cNvPr id="3" name="Content Placeholder 2"/>
+          <p:cNvSpPr>
+            <a:spLocks noGrp="1"/>
+          </p:cNvSpPr>
+          <p:nvPr>
+            <p:ph idx="1"/>
+          </p:nvPr>
+        </p:nvSpPr>
+        <p:spPr/>
+        <p:txBody>
+          <a:bodyPr>
+            <a:normAutofit fontScale="92500" lnSpcReduction="10000"/>
+          </a:bodyPr>
+          <a:lstStyle/>
+          <a:p>
+            <a:r>
+              <a:rPr lang="en-US" dirty="0" smtClean="0"/>
+              <a:t>Lots of GUI Controls</a:t>
+            </a:r>
+          </a:p>
+          <a:p>
+            <a:pPr lvl="1"/>
+            <a:r>
+              <a:rPr lang="en-US" dirty="0" smtClean="0"/>
+              <a:t>Buttons, sliders, checkboxes, tables, etc</a:t>
+            </a:r>
+          </a:p>
+          <a:p>
+            <a:pPr lvl="2"/>
+            <a:r>
+              <a:rPr lang="en-US" dirty="0" smtClean="0"/>
+              <a:t>which you can override and improve</a:t>
+            </a:r>
+          </a:p>
+          <a:p>
+            <a:r>
+              <a:rPr lang="en-US" dirty="0" smtClean="0"/>
+              <a:t>Rich 2D drawing</a:t>
+            </a:r>
+          </a:p>
+          <a:p>
+            <a:pPr lvl="1"/>
+            <a:r>
+              <a:rPr lang="en-US" dirty="0" smtClean="0"/>
+              <a:t>Line properties, translucent drawing, rotating, scaling images, coordinate transforms, ...</a:t>
+            </a:r>
+          </a:p>
+          <a:p>
+            <a:r>
+              <a:rPr lang="en-US" dirty="0" smtClean="0"/>
+              <a:t>Animation</a:t>
+            </a:r>
+          </a:p>
+          <a:p>
+            <a:pPr lvl="1"/>
+            <a:r>
+              <a:rPr lang="en-US" dirty="0" smtClean="0"/>
+              <a:t>Double-buffering, combining drawing with threads, ..</a:t>
+            </a:r>
+            <a:endParaRPr lang="en-US" dirty="0"/>
+          </a:p>
+        </p:txBody>
+      </p:sp>
+    </p:spTree>
+  </p:cSld>
+  <p:clrMapOvr>
+    <a:masterClrMapping/>
+  </p:clrMapOvr>
 </p:sld>
 </file>
 
@@ -3994,12 +7047,21 @@
             <p:ph type="title"/>
           </p:nvPr>
         </p:nvSpPr>
-        <p:spPr/>
-        <p:txBody>
-          <a:bodyPr/>
-          <a:lstStyle/>
-          <a:p>
-            <a:endParaRPr lang="en-GB"/>
+        <p:spPr>
+          <a:xfrm>
+            <a:off x="685800" y="228600"/>
+            <a:ext cx="7772400" cy="1143000"/>
+          </a:xfrm>
+        </p:spPr>
+        <p:txBody>
+          <a:bodyPr/>
+          <a:lstStyle/>
+          <a:p>
+            <a:r>
+              <a:rPr lang="en-GB" dirty="0" smtClean="0"/>
+              <a:t>Graphics</a:t>
+            </a:r>
+            <a:endParaRPr lang="en-GB" dirty="0"/>
           </a:p>
         </p:txBody>
       </p:sp>
@@ -4013,19 +7075,751 @@
             <p:ph idx="1"/>
           </p:nvPr>
         </p:nvSpPr>
-        <p:spPr/>
-        <p:txBody>
-          <a:bodyPr/>
-          <a:lstStyle/>
-          <a:p>
-            <a:endParaRPr lang="en-GB"/>
-          </a:p>
-        </p:txBody>
-      </p:sp>
+        <p:spPr>
+          <a:xfrm>
+            <a:off x="762000" y="1295400"/>
+            <a:ext cx="7772400" cy="4114800"/>
+          </a:xfrm>
+        </p:spPr>
+        <p:txBody>
+          <a:bodyPr/>
+          <a:lstStyle/>
+          <a:p>
+            <a:r>
+              <a:rPr lang="en-GB" dirty="0" smtClean="0"/>
+              <a:t>How do you draw `complex’ diagrams?</a:t>
+            </a:r>
+          </a:p>
+          <a:p>
+            <a:r>
+              <a:rPr lang="en-GB" dirty="0" smtClean="0"/>
+              <a:t>Customize/control what is drawn on our windows</a:t>
+            </a:r>
+          </a:p>
+          <a:p>
+            <a:pPr lvl="1"/>
+            <a:r>
+              <a:rPr lang="en-GB" dirty="0" smtClean="0"/>
+              <a:t>Animated clocks, bar-charts, images, </a:t>
+            </a:r>
+          </a:p>
+        </p:txBody>
+      </p:sp>
+      <p:sp>
+        <p:nvSpPr>
+          <p:cNvPr id="13314" name="AutoShape 2" descr="Image result for different types of buttons gui"/>
+          <p:cNvSpPr>
+            <a:spLocks noChangeAspect="1" noChangeArrowheads="1"/>
+          </p:cNvSpPr>
+          <p:nvPr/>
+        </p:nvSpPr>
+        <p:spPr bwMode="auto">
+          <a:xfrm>
+            <a:off x="63500" y="-136525"/>
+            <a:ext cx="304800" cy="304800"/>
+          </a:xfrm>
+          <a:prstGeom prst="rect">
+            <a:avLst/>
+          </a:prstGeom>
+          <a:noFill/>
+        </p:spPr>
+        <p:txBody>
+          <a:bodyPr vert="horz" wrap="square" lIns="91440" tIns="45720" rIns="91440" bIns="45720" numCol="1" anchor="t" anchorCtr="0" compatLnSpc="1">
+            <a:prstTxWarp prst="textNoShape">
+              <a:avLst/>
+            </a:prstTxWarp>
+          </a:bodyPr>
+          <a:lstStyle/>
+          <a:p>
+            <a:endParaRPr lang="en-US"/>
+          </a:p>
+        </p:txBody>
+      </p:sp>
+      <p:pic>
+        <p:nvPicPr>
+          <p:cNvPr id="13315" name="Picture 3"/>
+          <p:cNvPicPr>
+            <a:picLocks noChangeAspect="1" noChangeArrowheads="1"/>
+          </p:cNvPicPr>
+          <p:nvPr/>
+        </p:nvPicPr>
+        <p:blipFill>
+          <a:blip r:embed="rId2"/>
+          <a:srcRect t="18000" b="3333"/>
+          <a:stretch>
+            <a:fillRect/>
+          </a:stretch>
+        </p:blipFill>
+        <p:spPr bwMode="auto">
+          <a:xfrm>
+            <a:off x="2438400" y="3962400"/>
+            <a:ext cx="4114800" cy="2427732"/>
+          </a:xfrm>
+          <a:prstGeom prst="rect">
+            <a:avLst/>
+          </a:prstGeom>
+          <a:noFill/>
+          <a:ln w="9525">
+            <a:noFill/>
+            <a:miter lim="800000"/>
+            <a:headEnd/>
+            <a:tailEnd/>
+          </a:ln>
+          <a:effectLst/>
+        </p:spPr>
+      </p:pic>
     </p:spTree>
     <p:extLst>
       <p:ext uri="{BB962C8B-B14F-4D97-AF65-F5344CB8AC3E}">
-        <p14:creationId xmlns:p14="http://schemas.microsoft.com/office/powerpoint/2010/main" val="1348450408"/>
+        <p14:creationId xmlns:p14="http://schemas.microsoft.com/office/powerpoint/2010/main" xmlns="" val="1348450408"/>
+      </p:ext>
+    </p:extLst>
+  </p:cSld>
+  <p:clrMapOvr>
+    <a:masterClrMapping/>
+  </p:clrMapOvr>
+</p:sld>
+</file>
+
+<file path=ppt/slides/slide30.xml><?xml version="1.0" encoding="utf-8"?>
+<p:sld xmlns:a="http://schemas.openxmlformats.org/drawingml/2006/main" xmlns:r="http://schemas.openxmlformats.org/officeDocument/2006/relationships" xmlns:p="http://schemas.openxmlformats.org/presentationml/2006/main">
+  <p:cSld>
+    <p:spTree>
+      <p:nvGrpSpPr>
+        <p:cNvPr id="1" name=""/>
+        <p:cNvGrpSpPr/>
+        <p:nvPr/>
+      </p:nvGrpSpPr>
+      <p:grpSpPr>
+        <a:xfrm>
+          <a:off x="0" y="0"/>
+          <a:ext cx="0" cy="0"/>
+          <a:chOff x="0" y="0"/>
+          <a:chExt cx="0" cy="0"/>
+        </a:xfrm>
+      </p:grpSpPr>
+      <p:sp>
+        <p:nvSpPr>
+          <p:cNvPr id="2" name="Title 1"/>
+          <p:cNvSpPr>
+            <a:spLocks noGrp="1"/>
+          </p:cNvSpPr>
+          <p:nvPr>
+            <p:ph type="title"/>
+          </p:nvPr>
+        </p:nvSpPr>
+        <p:spPr/>
+        <p:txBody>
+          <a:bodyPr/>
+          <a:lstStyle/>
+          <a:p>
+            <a:r>
+              <a:rPr lang="en-US" dirty="0" smtClean="0"/>
+              <a:t>Experiment</a:t>
+            </a:r>
+            <a:endParaRPr lang="en-US" dirty="0"/>
+          </a:p>
+        </p:txBody>
+      </p:sp>
+      <p:sp>
+        <p:nvSpPr>
+          <p:cNvPr id="3" name="Content Placeholder 2"/>
+          <p:cNvSpPr>
+            <a:spLocks noGrp="1"/>
+          </p:cNvSpPr>
+          <p:nvPr>
+            <p:ph idx="1"/>
+          </p:nvPr>
+        </p:nvSpPr>
+        <p:spPr>
+          <a:xfrm>
+            <a:off x="304800" y="1981200"/>
+            <a:ext cx="8458200" cy="4114800"/>
+          </a:xfrm>
+        </p:spPr>
+        <p:txBody>
+          <a:bodyPr>
+            <a:normAutofit fontScale="85000" lnSpcReduction="20000"/>
+          </a:bodyPr>
+          <a:lstStyle/>
+          <a:p>
+            <a:r>
+              <a:rPr lang="en-US" dirty="0" smtClean="0"/>
+              <a:t>Only scratched the surface of Graphics</a:t>
+            </a:r>
+          </a:p>
+          <a:p>
+            <a:pPr lvl="1"/>
+            <a:r>
+              <a:rPr lang="en-US" dirty="0" smtClean="0"/>
+              <a:t>Very simple windows and graphics</a:t>
+            </a:r>
+          </a:p>
+          <a:p>
+            <a:r>
+              <a:rPr lang="en-US" dirty="0" smtClean="0"/>
+              <a:t>Combine the graphics with GUI components</a:t>
+            </a:r>
+          </a:p>
+          <a:p>
+            <a:pPr lvl="1"/>
+            <a:r>
+              <a:rPr lang="en-US" dirty="0" smtClean="0"/>
+              <a:t>Buttons/menus</a:t>
+            </a:r>
+          </a:p>
+          <a:p>
+            <a:r>
+              <a:rPr lang="en-US" dirty="0" smtClean="0"/>
+              <a:t>Custom ‘interfaces’ components</a:t>
+            </a:r>
+          </a:p>
+          <a:p>
+            <a:pPr lvl="1"/>
+            <a:r>
+              <a:rPr lang="en-US" dirty="0" smtClean="0"/>
+              <a:t>e.g., Override default draw method for a button to create a new improved button look</a:t>
+            </a:r>
+          </a:p>
+          <a:p>
+            <a:r>
+              <a:rPr lang="en-US" dirty="0" smtClean="0"/>
+              <a:t>Events</a:t>
+            </a:r>
+          </a:p>
+          <a:p>
+            <a:pPr lvl="1"/>
+            <a:r>
+              <a:rPr lang="en-US" dirty="0" smtClean="0"/>
+              <a:t>Mouse button presses (drawing program)</a:t>
+            </a:r>
+          </a:p>
+          <a:p>
+            <a:pPr lvl="1"/>
+            <a:r>
+              <a:rPr lang="en-US" dirty="0" smtClean="0"/>
+              <a:t>Timing (animations)</a:t>
+            </a:r>
+          </a:p>
+          <a:p>
+            <a:pPr lvl="1">
+              <a:buNone/>
+            </a:pPr>
+            <a:endParaRPr lang="en-US" dirty="0"/>
+          </a:p>
+        </p:txBody>
+      </p:sp>
+    </p:spTree>
+  </p:cSld>
+  <p:clrMapOvr>
+    <a:masterClrMapping/>
+  </p:clrMapOvr>
+</p:sld>
+</file>
+
+<file path=ppt/slides/slide31.xml><?xml version="1.0" encoding="utf-8"?>
+<p:sld xmlns:a="http://schemas.openxmlformats.org/drawingml/2006/main" xmlns:r="http://schemas.openxmlformats.org/officeDocument/2006/relationships" xmlns:p="http://schemas.openxmlformats.org/presentationml/2006/main">
+  <p:cSld>
+    <p:spTree>
+      <p:nvGrpSpPr>
+        <p:cNvPr id="1" name=""/>
+        <p:cNvGrpSpPr/>
+        <p:nvPr/>
+      </p:nvGrpSpPr>
+      <p:grpSpPr>
+        <a:xfrm>
+          <a:off x="0" y="0"/>
+          <a:ext cx="0" cy="0"/>
+          <a:chOff x="0" y="0"/>
+          <a:chExt cx="0" cy="0"/>
+        </a:xfrm>
+      </p:grpSpPr>
+      <p:sp>
+        <p:nvSpPr>
+          <p:cNvPr id="11266" name="Title 1"/>
+          <p:cNvSpPr>
+            <a:spLocks noGrp="1"/>
+          </p:cNvSpPr>
+          <p:nvPr>
+            <p:ph type="title"/>
+          </p:nvPr>
+        </p:nvSpPr>
+        <p:spPr/>
+        <p:txBody>
+          <a:bodyPr/>
+          <a:lstStyle/>
+          <a:p>
+            <a:r>
+              <a:rPr lang="en-GB" altLang="en-US" smtClean="0"/>
+              <a:t>This Week</a:t>
+            </a:r>
+          </a:p>
+        </p:txBody>
+      </p:sp>
+      <p:sp>
+        <p:nvSpPr>
+          <p:cNvPr id="11267" name="Content Placeholder 2"/>
+          <p:cNvSpPr>
+            <a:spLocks noGrp="1"/>
+          </p:cNvSpPr>
+          <p:nvPr>
+            <p:ph idx="1"/>
+          </p:nvPr>
+        </p:nvSpPr>
+        <p:spPr/>
+        <p:txBody>
+          <a:bodyPr/>
+          <a:lstStyle/>
+          <a:p>
+            <a:r>
+              <a:rPr lang="en-GB" altLang="en-US" dirty="0" smtClean="0"/>
+              <a:t>Read </a:t>
+            </a:r>
+            <a:r>
+              <a:rPr lang="en-GB" altLang="en-US" dirty="0"/>
+              <a:t>Associated </a:t>
+            </a:r>
+            <a:r>
+              <a:rPr lang="en-GB" altLang="en-US" dirty="0" smtClean="0"/>
+              <a:t>Chapters</a:t>
+            </a:r>
+          </a:p>
+          <a:p>
+            <a:pPr lvl="1"/>
+            <a:r>
+              <a:rPr lang="en-GB" altLang="en-US" dirty="0" smtClean="0"/>
+              <a:t>Comprehensive Edition (Additional Chapters)</a:t>
+            </a:r>
+          </a:p>
+          <a:p>
+            <a:r>
+              <a:rPr lang="en-GB" altLang="en-US" dirty="0" smtClean="0"/>
+              <a:t>Review </a:t>
+            </a:r>
+            <a:r>
+              <a:rPr lang="en-GB" altLang="en-US" dirty="0" smtClean="0"/>
+              <a:t>Slides</a:t>
+            </a:r>
+            <a:endParaRPr lang="en-GB" altLang="en-US" dirty="0" smtClean="0"/>
+          </a:p>
+          <a:p>
+            <a:r>
+              <a:rPr lang="en-GB" altLang="en-US" dirty="0" smtClean="0"/>
+              <a:t>Java </a:t>
+            </a:r>
+            <a:r>
+              <a:rPr lang="en-GB" altLang="en-US" dirty="0" smtClean="0"/>
+              <a:t>Exercises</a:t>
+            </a:r>
+          </a:p>
+          <a:p>
+            <a:r>
+              <a:rPr lang="en-GB" altLang="en-US" dirty="0" smtClean="0"/>
+              <a:t>Online Quizzes</a:t>
+            </a:r>
+            <a:endParaRPr lang="en-GB" altLang="en-US" dirty="0" smtClean="0"/>
+          </a:p>
+        </p:txBody>
+      </p:sp>
+    </p:spTree>
+  </p:cSld>
+  <p:clrMapOvr>
+    <a:masterClrMapping/>
+  </p:clrMapOvr>
+</p:sld>
+</file>
+
+<file path=ppt/slides/slide32.xml><?xml version="1.0" encoding="utf-8"?>
+<p:sld xmlns:a="http://schemas.openxmlformats.org/drawingml/2006/main" xmlns:r="http://schemas.openxmlformats.org/officeDocument/2006/relationships" xmlns:p="http://schemas.openxmlformats.org/presentationml/2006/main">
+  <p:cSld>
+    <p:spTree>
+      <p:nvGrpSpPr>
+        <p:cNvPr id="1" name=""/>
+        <p:cNvGrpSpPr/>
+        <p:nvPr/>
+      </p:nvGrpSpPr>
+      <p:grpSpPr>
+        <a:xfrm>
+          <a:off x="0" y="0"/>
+          <a:ext cx="0" cy="0"/>
+          <a:chOff x="0" y="0"/>
+          <a:chExt cx="0" cy="0"/>
+        </a:xfrm>
+      </p:grpSpPr>
+      <p:sp>
+        <p:nvSpPr>
+          <p:cNvPr id="12290" name="Title 1"/>
+          <p:cNvSpPr>
+            <a:spLocks noGrp="1"/>
+          </p:cNvSpPr>
+          <p:nvPr>
+            <p:ph type="title"/>
+          </p:nvPr>
+        </p:nvSpPr>
+        <p:spPr/>
+        <p:txBody>
+          <a:bodyPr/>
+          <a:lstStyle/>
+          <a:p>
+            <a:r>
+              <a:rPr lang="en-GB" altLang="en-US" smtClean="0"/>
+              <a:t>Summary</a:t>
+            </a:r>
+          </a:p>
+        </p:txBody>
+      </p:sp>
+      <p:sp>
+        <p:nvSpPr>
+          <p:cNvPr id="12291" name="Content Placeholder 2"/>
+          <p:cNvSpPr>
+            <a:spLocks noGrp="1"/>
+          </p:cNvSpPr>
+          <p:nvPr>
+            <p:ph idx="1"/>
+          </p:nvPr>
+        </p:nvSpPr>
+        <p:spPr/>
+        <p:txBody>
+          <a:bodyPr/>
+          <a:lstStyle/>
+          <a:p>
+            <a:r>
+              <a:rPr lang="en-GB" altLang="en-US" dirty="0" smtClean="0"/>
+              <a:t>Overview Essential Graphical </a:t>
+            </a:r>
+            <a:r>
+              <a:rPr lang="en-GB" altLang="en-US" dirty="0" smtClean="0"/>
+              <a:t>Principles</a:t>
+            </a:r>
+          </a:p>
+          <a:p>
+            <a:pPr lvl="1"/>
+            <a:r>
+              <a:rPr lang="en-GB" altLang="en-US" dirty="0" err="1" smtClean="0"/>
+              <a:t>JFrame</a:t>
+            </a:r>
+            <a:r>
+              <a:rPr lang="en-GB" altLang="en-US" dirty="0" smtClean="0"/>
+              <a:t>, </a:t>
+            </a:r>
+            <a:r>
+              <a:rPr lang="en-GB" altLang="en-US" dirty="0" err="1" smtClean="0"/>
+              <a:t>JPanel</a:t>
+            </a:r>
+            <a:r>
+              <a:rPr lang="en-GB" altLang="en-US" dirty="0" smtClean="0"/>
+              <a:t>, </a:t>
+            </a:r>
+            <a:r>
+              <a:rPr lang="en-GB" altLang="en-US" dirty="0" err="1" smtClean="0"/>
+              <a:t>paintComponent</a:t>
+            </a:r>
+            <a:r>
+              <a:rPr lang="en-GB" altLang="en-US" dirty="0" smtClean="0"/>
+              <a:t>, @Override (Checking)</a:t>
+            </a:r>
+            <a:endParaRPr lang="en-GB" altLang="en-US" dirty="0" smtClean="0"/>
+          </a:p>
+          <a:p>
+            <a:r>
+              <a:rPr lang="en-GB" altLang="en-US" dirty="0" smtClean="0"/>
+              <a:t>Hands-On/Practical</a:t>
+            </a:r>
+          </a:p>
+          <a:p>
+            <a:r>
+              <a:rPr lang="en-GB" altLang="en-US" dirty="0" smtClean="0"/>
+              <a:t>Today is about Graphics with </a:t>
+            </a:r>
+            <a:r>
+              <a:rPr lang="en-GB" altLang="en-US" dirty="0" smtClean="0"/>
+              <a:t>Java</a:t>
+            </a:r>
+          </a:p>
+          <a:p>
+            <a:pPr lvl="1"/>
+            <a:r>
+              <a:rPr lang="en-GB" altLang="en-US" dirty="0" smtClean="0"/>
+              <a:t>Drawing</a:t>
+            </a:r>
+            <a:endParaRPr lang="en-GB" altLang="en-US" dirty="0" smtClean="0"/>
+          </a:p>
+        </p:txBody>
+      </p:sp>
+    </p:spTree>
+  </p:cSld>
+  <p:clrMapOvr>
+    <a:masterClrMapping/>
+  </p:clrMapOvr>
+  <p:timing>
+    <p:tnLst>
+      <p:par>
+        <p:cTn id="1" dur="indefinite" restart="never" nodeType="tmRoot"/>
+      </p:par>
+    </p:tnLst>
+  </p:timing>
+</p:sld>
+</file>
+
+<file path=ppt/slides/slide33.xml><?xml version="1.0" encoding="utf-8"?>
+<p:sld xmlns:a="http://schemas.openxmlformats.org/drawingml/2006/main" xmlns:r="http://schemas.openxmlformats.org/officeDocument/2006/relationships" xmlns:p="http://schemas.openxmlformats.org/presentationml/2006/main">
+  <p:cSld>
+    <p:spTree>
+      <p:nvGrpSpPr>
+        <p:cNvPr id="1" name=""/>
+        <p:cNvGrpSpPr/>
+        <p:nvPr/>
+      </p:nvGrpSpPr>
+      <p:grpSpPr>
+        <a:xfrm>
+          <a:off x="0" y="0"/>
+          <a:ext cx="0" cy="0"/>
+          <a:chOff x="0" y="0"/>
+          <a:chExt cx="0" cy="0"/>
+        </a:xfrm>
+      </p:grpSpPr>
+      <p:sp>
+        <p:nvSpPr>
+          <p:cNvPr id="2" name="Title 1"/>
+          <p:cNvSpPr>
+            <a:spLocks noGrp="1"/>
+          </p:cNvSpPr>
+          <p:nvPr>
+            <p:ph type="title"/>
+          </p:nvPr>
+        </p:nvSpPr>
+        <p:spPr/>
+        <p:txBody>
+          <a:bodyPr/>
+          <a:lstStyle/>
+          <a:p>
+            <a:r>
+              <a:rPr lang="en-US" dirty="0" smtClean="0"/>
+              <a:t>Exercises</a:t>
+            </a:r>
+            <a:endParaRPr lang="en-US" dirty="0"/>
+          </a:p>
+        </p:txBody>
+      </p:sp>
+      <p:sp>
+        <p:nvSpPr>
+          <p:cNvPr id="3" name="Content Placeholder 2"/>
+          <p:cNvSpPr>
+            <a:spLocks noGrp="1"/>
+          </p:cNvSpPr>
+          <p:nvPr>
+            <p:ph idx="1"/>
+          </p:nvPr>
+        </p:nvSpPr>
+        <p:spPr/>
+        <p:txBody>
+          <a:bodyPr/>
+          <a:lstStyle/>
+          <a:p>
+            <a:r>
+              <a:rPr lang="en-US" dirty="0" smtClean="0"/>
+              <a:t>Chapter exercises 15.1-15.3</a:t>
+            </a:r>
+          </a:p>
+          <a:p>
+            <a:endParaRPr lang="en-US" dirty="0" smtClean="0"/>
+          </a:p>
+          <a:p>
+            <a:r>
+              <a:rPr lang="en-US" dirty="0" smtClean="0"/>
+              <a:t>Comment your code</a:t>
+            </a:r>
+            <a:endParaRPr lang="en-US" dirty="0" smtClean="0"/>
+          </a:p>
+          <a:p>
+            <a:r>
+              <a:rPr lang="en-US" dirty="0" smtClean="0"/>
+              <a:t>Remember to zip the files together</a:t>
+            </a:r>
+          </a:p>
+          <a:p>
+            <a:pPr lvl="1"/>
+            <a:r>
+              <a:rPr lang="en-US" dirty="0" smtClean="0"/>
+              <a:t>The name of the .zip file should be your student number</a:t>
+            </a:r>
+          </a:p>
+          <a:p>
+            <a:pPr lvl="1"/>
+            <a:r>
+              <a:rPr lang="en-US" dirty="0" smtClean="0"/>
+              <a:t>(e.g., 39293923923.zip)</a:t>
+            </a:r>
+            <a:endParaRPr lang="en-US" dirty="0"/>
+          </a:p>
+        </p:txBody>
+      </p:sp>
+    </p:spTree>
+  </p:cSld>
+  <p:clrMapOvr>
+    <a:masterClrMapping/>
+  </p:clrMapOvr>
+</p:sld>
+</file>
+
+<file path=ppt/slides/slide34.xml><?xml version="1.0" encoding="utf-8"?>
+<p:sld xmlns:a="http://schemas.openxmlformats.org/drawingml/2006/main" xmlns:r="http://schemas.openxmlformats.org/officeDocument/2006/relationships" xmlns:p="http://schemas.openxmlformats.org/presentationml/2006/main">
+  <p:cSld>
+    <p:spTree>
+      <p:nvGrpSpPr>
+        <p:cNvPr id="1" name=""/>
+        <p:cNvGrpSpPr/>
+        <p:nvPr/>
+      </p:nvGrpSpPr>
+      <p:grpSpPr>
+        <a:xfrm>
+          <a:off x="0" y="0"/>
+          <a:ext cx="0" cy="0"/>
+          <a:chOff x="0" y="0"/>
+          <a:chExt cx="0" cy="0"/>
+        </a:xfrm>
+      </p:grpSpPr>
+      <p:sp>
+        <p:nvSpPr>
+          <p:cNvPr id="13314" name="Title 1"/>
+          <p:cNvSpPr>
+            <a:spLocks noGrp="1"/>
+          </p:cNvSpPr>
+          <p:nvPr>
+            <p:ph type="title"/>
+          </p:nvPr>
+        </p:nvSpPr>
+        <p:spPr/>
+        <p:txBody>
+          <a:bodyPr/>
+          <a:lstStyle/>
+          <a:p>
+            <a:pPr eaLnBrk="1" hangingPunct="1"/>
+            <a:r>
+              <a:rPr lang="en-GB" altLang="en-US" smtClean="0"/>
+              <a:t>Questions/Discussion</a:t>
+            </a:r>
+          </a:p>
+        </p:txBody>
+      </p:sp>
+      <p:sp>
+        <p:nvSpPr>
+          <p:cNvPr id="13315" name="Content Placeholder 2"/>
+          <p:cNvSpPr>
+            <a:spLocks noGrp="1"/>
+          </p:cNvSpPr>
+          <p:nvPr>
+            <p:ph idx="1"/>
+          </p:nvPr>
+        </p:nvSpPr>
+        <p:spPr/>
+        <p:txBody>
+          <a:bodyPr/>
+          <a:lstStyle/>
+          <a:p>
+            <a:pPr eaLnBrk="1" hangingPunct="1"/>
+            <a:endParaRPr lang="en-GB" altLang="en-US" smtClean="0"/>
+          </a:p>
+        </p:txBody>
+      </p:sp>
+    </p:spTree>
+  </p:cSld>
+  <p:clrMapOvr>
+    <a:masterClrMapping/>
+  </p:clrMapOvr>
+  <p:timing>
+    <p:tnLst>
+      <p:par>
+        <p:cTn id="1" dur="indefinite" restart="never" nodeType="tmRoot"/>
+      </p:par>
+    </p:tnLst>
+  </p:timing>
+</p:sld>
+</file>
+
+<file path=ppt/slides/slide35.xml><?xml version="1.0" encoding="utf-8"?>
+<p:sld xmlns:a="http://schemas.openxmlformats.org/drawingml/2006/main" xmlns:r="http://schemas.openxmlformats.org/officeDocument/2006/relationships" xmlns:p="http://schemas.openxmlformats.org/presentationml/2006/main">
+  <p:cSld>
+    <p:spTree>
+      <p:nvGrpSpPr>
+        <p:cNvPr id="1" name=""/>
+        <p:cNvGrpSpPr/>
+        <p:nvPr/>
+      </p:nvGrpSpPr>
+      <p:grpSpPr>
+        <a:xfrm>
+          <a:off x="0" y="0"/>
+          <a:ext cx="0" cy="0"/>
+          <a:chOff x="0" y="0"/>
+          <a:chExt cx="0" cy="0"/>
+        </a:xfrm>
+      </p:grpSpPr>
+      <p:sp>
+        <p:nvSpPr>
+          <p:cNvPr id="2" name="Title 1"/>
+          <p:cNvSpPr>
+            <a:spLocks noGrp="1"/>
+          </p:cNvSpPr>
+          <p:nvPr>
+            <p:ph type="title"/>
+          </p:nvPr>
+        </p:nvSpPr>
+        <p:spPr/>
+        <p:txBody>
+          <a:bodyPr/>
+          <a:lstStyle/>
+          <a:p>
+            <a:endParaRPr lang="en-GB"/>
+          </a:p>
+        </p:txBody>
+      </p:sp>
+      <p:sp>
+        <p:nvSpPr>
+          <p:cNvPr id="3" name="Content Placeholder 2"/>
+          <p:cNvSpPr>
+            <a:spLocks noGrp="1"/>
+          </p:cNvSpPr>
+          <p:nvPr>
+            <p:ph idx="1"/>
+          </p:nvPr>
+        </p:nvSpPr>
+        <p:spPr/>
+        <p:txBody>
+          <a:bodyPr/>
+          <a:lstStyle/>
+          <a:p>
+            <a:endParaRPr lang="en-GB"/>
+          </a:p>
+        </p:txBody>
+      </p:sp>
+      <p:pic>
+        <p:nvPicPr>
+          <p:cNvPr id="4" name="Picture 3"/>
+          <p:cNvPicPr>
+            <a:picLocks noChangeAspect="1"/>
+          </p:cNvPicPr>
+          <p:nvPr/>
+        </p:nvPicPr>
+        <p:blipFill>
+          <a:blip r:embed="rId2"/>
+          <a:stretch>
+            <a:fillRect/>
+          </a:stretch>
+        </p:blipFill>
+        <p:spPr>
+          <a:xfrm>
+            <a:off x="685800" y="309639"/>
+            <a:ext cx="7924800" cy="6511545"/>
+          </a:xfrm>
+          <a:prstGeom prst="rect">
+            <a:avLst/>
+          </a:prstGeom>
+        </p:spPr>
+      </p:pic>
+    </p:spTree>
+    <p:extLst>
+      <p:ext uri="{BB962C8B-B14F-4D97-AF65-F5344CB8AC3E}">
+        <p14:creationId xmlns:p14="http://schemas.microsoft.com/office/powerpoint/2010/main" xmlns="" val="2143275608"/>
       </p:ext>
     </p:extLst>
   </p:cSld>
@@ -4054,7 +7848,7 @@
       </p:grpSpPr>
       <p:sp>
         <p:nvSpPr>
-          <p:cNvPr id="11266" name="Title 1"/>
+          <p:cNvPr id="2" name="Title 1"/>
           <p:cNvSpPr>
             <a:spLocks noGrp="1"/>
           </p:cNvSpPr>
@@ -4068,15 +7862,16 @@
           <a:lstStyle/>
           <a:p>
             <a:r>
-              <a:rPr lang="en-GB" altLang="en-US" smtClean="0"/>
-              <a:t>This Week</a:t>
-            </a:r>
-          </a:p>
-        </p:txBody>
-      </p:sp>
-      <p:sp>
-        <p:nvSpPr>
-          <p:cNvPr id="11267" name="Content Placeholder 2"/>
+              <a:rPr lang="en-US" dirty="0" smtClean="0"/>
+              <a:t>Graphical Coordinate System</a:t>
+            </a:r>
+            <a:endParaRPr lang="en-US" dirty="0"/>
+          </a:p>
+        </p:txBody>
+      </p:sp>
+      <p:sp>
+        <p:nvSpPr>
+          <p:cNvPr id="3" name="Content Placeholder 2"/>
           <p:cNvSpPr>
             <a:spLocks noGrp="1"/>
           </p:cNvSpPr>
@@ -4089,41 +7884,43 @@
           <a:bodyPr/>
           <a:lstStyle/>
           <a:p>
-            <a:r>
-              <a:rPr lang="en-GB" altLang="en-US" dirty="0" smtClean="0"/>
-              <a:t>Read </a:t>
-            </a:r>
-            <a:r>
-              <a:rPr lang="en-GB" altLang="en-US" dirty="0"/>
-              <a:t>Associated </a:t>
-            </a:r>
-            <a:r>
-              <a:rPr lang="en-GB" altLang="en-US" dirty="0" smtClean="0"/>
-              <a:t>Chapters</a:t>
-            </a:r>
-            <a:endParaRPr lang="en-GB" altLang="en-US" dirty="0" smtClean="0"/>
-          </a:p>
-          <a:p>
-            <a:pPr lvl="1"/>
-            <a:r>
-              <a:rPr lang="en-GB" altLang="en-US" dirty="0" smtClean="0"/>
-              <a:t>Comprehensive Edition (Additional Chapters)</a:t>
-            </a:r>
-          </a:p>
-          <a:p>
-            <a:r>
-              <a:rPr lang="en-GB" altLang="en-US" dirty="0" smtClean="0"/>
-              <a:t>Review Slides</a:t>
-            </a:r>
-          </a:p>
-          <a:p>
-            <a:r>
-              <a:rPr lang="en-GB" altLang="en-US" dirty="0" smtClean="0"/>
-              <a:t>Java Exercises</a:t>
-            </a:r>
-          </a:p>
-        </p:txBody>
-      </p:sp>
+            <a:endParaRPr lang="en-US"/>
+          </a:p>
+        </p:txBody>
+      </p:sp>
+      <p:pic>
+        <p:nvPicPr>
+          <p:cNvPr id="3074" name="Picture 2"/>
+          <p:cNvPicPr>
+            <a:picLocks noChangeAspect="1" noChangeArrowheads="1"/>
+          </p:cNvPicPr>
+          <p:nvPr/>
+        </p:nvPicPr>
+        <p:blipFill>
+          <a:blip r:embed="rId2"/>
+          <a:srcRect/>
+          <a:stretch>
+            <a:fillRect/>
+          </a:stretch>
+        </p:blipFill>
+        <p:spPr bwMode="auto">
+          <a:xfrm>
+            <a:off x="609600" y="2362200"/>
+            <a:ext cx="7808779" cy="2895600"/>
+          </a:xfrm>
+          <a:prstGeom prst="rect">
+            <a:avLst/>
+          </a:prstGeom>
+          <a:noFill/>
+          <a:ln w="9525">
+            <a:noFill/>
+            <a:miter lim="800000"/>
+            <a:headEnd/>
+            <a:tailEnd/>
+          </a:ln>
+          <a:effectLst/>
+        </p:spPr>
+      </p:pic>
     </p:spTree>
   </p:cSld>
   <p:clrMapOvr>
@@ -4151,7 +7948,7 @@
       </p:grpSpPr>
       <p:sp>
         <p:nvSpPr>
-          <p:cNvPr id="12290" name="Title 1"/>
+          <p:cNvPr id="2" name="Title 1"/>
           <p:cNvSpPr>
             <a:spLocks noGrp="1"/>
           </p:cNvSpPr>
@@ -4159,21 +7956,31 @@
             <p:ph type="title"/>
           </p:nvPr>
         </p:nvSpPr>
-        <p:spPr/>
-        <p:txBody>
-          <a:bodyPr/>
-          <a:lstStyle/>
-          <a:p>
-            <a:r>
-              <a:rPr lang="en-GB" altLang="en-US" smtClean="0"/>
-              <a:t>Summary</a:t>
-            </a:r>
-          </a:p>
-        </p:txBody>
-      </p:sp>
-      <p:sp>
-        <p:nvSpPr>
-          <p:cNvPr id="12291" name="Content Placeholder 2"/>
+        <p:spPr>
+          <a:xfrm>
+            <a:off x="685800" y="152400"/>
+            <a:ext cx="7772400" cy="1143000"/>
+          </a:xfrm>
+        </p:spPr>
+        <p:txBody>
+          <a:bodyPr/>
+          <a:lstStyle/>
+          <a:p>
+            <a:r>
+              <a:rPr lang="en-US" dirty="0" err="1" smtClean="0"/>
+              <a:t>JFrame</a:t>
+            </a:r>
+            <a:r>
+              <a:rPr lang="en-US" dirty="0" smtClean="0"/>
+              <a:t>	</a:t>
+            </a:r>
+            <a:endParaRPr lang="en-US" dirty="0"/>
+          </a:p>
+        </p:txBody>
+      </p:sp>
+      <p:sp>
+        <p:nvSpPr>
+          <p:cNvPr id="3" name="Content Placeholder 2"/>
           <p:cNvSpPr>
             <a:spLocks noGrp="1"/>
           </p:cNvSpPr>
@@ -4181,27 +7988,132 @@
             <p:ph idx="1"/>
           </p:nvPr>
         </p:nvSpPr>
-        <p:spPr/>
-        <p:txBody>
-          <a:bodyPr/>
-          <a:lstStyle/>
-          <a:p>
-            <a:r>
-              <a:rPr lang="en-GB" altLang="en-US" dirty="0" smtClean="0"/>
-              <a:t>Overview Essential Graphical Principles</a:t>
-            </a:r>
-          </a:p>
-          <a:p>
-            <a:r>
-              <a:rPr lang="en-GB" altLang="en-US" dirty="0" smtClean="0"/>
-              <a:t>Hands-On/Practical</a:t>
-            </a:r>
-          </a:p>
-          <a:p>
-            <a:r>
-              <a:rPr lang="en-GB" altLang="en-US" dirty="0" smtClean="0"/>
-              <a:t>Today is about Graphics with Java</a:t>
-            </a:r>
+        <p:spPr>
+          <a:xfrm>
+            <a:off x="457200" y="1752600"/>
+            <a:ext cx="8305800" cy="4648200"/>
+          </a:xfrm>
+        </p:spPr>
+        <p:txBody>
+          <a:bodyPr>
+            <a:normAutofit fontScale="85000" lnSpcReduction="10000"/>
+          </a:bodyPr>
+          <a:lstStyle/>
+          <a:p>
+            <a:r>
+              <a:rPr lang="en-US" dirty="0" smtClean="0"/>
+              <a:t>Simple GUI Window</a:t>
+            </a:r>
+          </a:p>
+          <a:p>
+            <a:pPr lvl="1"/>
+            <a:r>
+              <a:rPr lang="en-US" dirty="0" smtClean="0"/>
+              <a:t>Lets us perform simple drawing operations</a:t>
+            </a:r>
+          </a:p>
+          <a:p>
+            <a:r>
+              <a:rPr lang="en-US" dirty="0" smtClean="0"/>
+              <a:t>Basic Usage</a:t>
+            </a:r>
+          </a:p>
+          <a:p>
+            <a:pPr lvl="1"/>
+            <a:r>
+              <a:rPr lang="en-US" dirty="0" smtClean="0"/>
+              <a:t>Instantiate the </a:t>
+            </a:r>
+            <a:r>
+              <a:rPr lang="en-US" dirty="0" err="1" smtClean="0"/>
+              <a:t>JFrame</a:t>
+            </a:r>
+            <a:r>
+              <a:rPr lang="en-US" dirty="0" smtClean="0"/>
+              <a:t> and assign text for the title bar</a:t>
+            </a:r>
+          </a:p>
+          <a:p>
+            <a:pPr lvl="2"/>
+            <a:r>
+              <a:rPr lang="en-US" dirty="0" err="1" smtClean="0"/>
+              <a:t>JFrame</a:t>
+            </a:r>
+            <a:r>
+              <a:rPr lang="en-US" dirty="0" smtClean="0"/>
+              <a:t> frame = new </a:t>
+            </a:r>
+            <a:r>
+              <a:rPr lang="en-US" dirty="0" err="1" smtClean="0"/>
+              <a:t>Jframe</a:t>
+            </a:r>
+            <a:r>
+              <a:rPr lang="en-US" dirty="0" smtClean="0"/>
+              <a:t>(‘Title’);</a:t>
+            </a:r>
+          </a:p>
+          <a:p>
+            <a:pPr lvl="1"/>
+            <a:r>
+              <a:rPr lang="en-US" dirty="0" smtClean="0"/>
+              <a:t>Specify size</a:t>
+            </a:r>
+          </a:p>
+          <a:p>
+            <a:pPr lvl="2"/>
+            <a:r>
+              <a:rPr lang="en-US" dirty="0" err="1" smtClean="0"/>
+              <a:t>frame.setSize</a:t>
+            </a:r>
+            <a:r>
+              <a:rPr lang="en-US" dirty="0" smtClean="0"/>
+              <a:t>(width, height)</a:t>
+            </a:r>
+          </a:p>
+          <a:p>
+            <a:pPr lvl="1"/>
+            <a:r>
+              <a:rPr lang="en-US" dirty="0" smtClean="0"/>
+              <a:t>Designate that closing the window ends the program</a:t>
+            </a:r>
+          </a:p>
+          <a:p>
+            <a:pPr lvl="2"/>
+            <a:r>
+              <a:rPr lang="en-US" dirty="0" err="1" smtClean="0"/>
+              <a:t>frame.setDefaultCloseOperation</a:t>
+            </a:r>
+            <a:r>
+              <a:rPr lang="en-US" dirty="0" smtClean="0"/>
+              <a:t>(</a:t>
+            </a:r>
+            <a:r>
+              <a:rPr lang="en-US" dirty="0" err="1" smtClean="0"/>
+              <a:t>JFrame.EXIT_ON_CLOSE</a:t>
+            </a:r>
+            <a:r>
+              <a:rPr lang="en-US" dirty="0" smtClean="0"/>
+              <a:t>);</a:t>
+            </a:r>
+          </a:p>
+          <a:p>
+            <a:pPr lvl="1"/>
+            <a:r>
+              <a:rPr lang="en-US" dirty="0" smtClean="0"/>
+              <a:t>Show the window</a:t>
+            </a:r>
+          </a:p>
+          <a:p>
+            <a:pPr lvl="2"/>
+            <a:r>
+              <a:rPr lang="en-US" dirty="0" err="1" smtClean="0"/>
+              <a:t>frame.setVisible</a:t>
+            </a:r>
+            <a:r>
+              <a:rPr lang="en-US" dirty="0" smtClean="0"/>
+              <a:t>(true);</a:t>
+            </a:r>
+            <a:endParaRPr lang="en-US" dirty="0"/>
           </a:p>
         </p:txBody>
       </p:sp>
@@ -4210,13 +8122,6 @@
   <p:clrMapOvr>
     <a:masterClrMapping/>
   </p:clrMapOvr>
-  <p:timing>
-    <p:tnLst>
-      <p:par>
-        <p:cTn id="1" dur="indefinite" restart="never" nodeType="tmRoot"/>
-      </p:par>
-    </p:tnLst>
-  </p:timing>
 </p:sld>
 </file>
 
@@ -4239,7 +8144,7 @@
       </p:grpSpPr>
       <p:sp>
         <p:nvSpPr>
-          <p:cNvPr id="13314" name="Title 1"/>
+          <p:cNvPr id="2" name="Title 1"/>
           <p:cNvSpPr>
             <a:spLocks noGrp="1"/>
           </p:cNvSpPr>
@@ -4252,17 +8157,21 @@
           <a:bodyPr/>
           <a:lstStyle/>
           <a:p>
-            <a:pPr eaLnBrk="1" hangingPunct="1"/>
-            <a:r>
-              <a:rPr lang="en-GB" altLang="en-US" smtClean="0"/>
-              <a:t>Questions/Discussion</a:t>
-            </a:r>
-          </a:p>
-        </p:txBody>
-      </p:sp>
-      <p:sp>
-        <p:nvSpPr>
-          <p:cNvPr id="13315" name="Content Placeholder 2"/>
+            <a:r>
+              <a:rPr lang="en-US" dirty="0" smtClean="0"/>
+              <a:t>Using </a:t>
+            </a:r>
+            <a:r>
+              <a:rPr lang="en-US" dirty="0" err="1" smtClean="0"/>
+              <a:t>JFrame</a:t>
+            </a:r>
+            <a:endParaRPr lang="en-US" dirty="0"/>
+          </a:p>
+        </p:txBody>
+      </p:sp>
+      <p:sp>
+        <p:nvSpPr>
+          <p:cNvPr id="3" name="Content Placeholder 2"/>
           <p:cNvSpPr>
             <a:spLocks noGrp="1"/>
           </p:cNvSpPr>
@@ -4275,23 +8184,48 @@
           <a:bodyPr/>
           <a:lstStyle/>
           <a:p>
-            <a:pPr eaLnBrk="1" hangingPunct="1"/>
-            <a:endParaRPr lang="en-GB" altLang="en-US" smtClean="0"/>
-          </a:p>
-        </p:txBody>
-      </p:sp>
+            <a:endParaRPr lang="en-US"/>
+          </a:p>
+        </p:txBody>
+      </p:sp>
+      <p:pic>
+        <p:nvPicPr>
+          <p:cNvPr id="29698" name="Picture 2"/>
+          <p:cNvPicPr>
+            <a:picLocks noChangeAspect="1" noChangeArrowheads="1"/>
+          </p:cNvPicPr>
+          <p:nvPr/>
+        </p:nvPicPr>
+        <p:blipFill>
+          <a:blip r:embed="rId2"/>
+          <a:srcRect/>
+          <a:stretch>
+            <a:fillRect/>
+          </a:stretch>
+        </p:blipFill>
+        <p:spPr bwMode="auto">
+          <a:xfrm>
+            <a:off x="762000" y="2362200"/>
+            <a:ext cx="7626699" cy="3352800"/>
+          </a:xfrm>
+          <a:prstGeom prst="rect">
+            <a:avLst/>
+          </a:prstGeom>
+          <a:noFill/>
+          <a:ln w="9525">
+            <a:noFill/>
+            <a:miter lim="800000"/>
+            <a:headEnd/>
+            <a:tailEnd/>
+          </a:ln>
+          <a:effectLst/>
+        </p:spPr>
+      </p:pic>
     </p:spTree>
   </p:cSld>
   <p:clrMapOvr>
     <a:masterClrMapping/>
   </p:clrMapOvr>
-  <p:timing>
-    <p:tnLst>
-      <p:par>
-        <p:cTn id="1" dur="indefinite" restart="never" nodeType="tmRoot"/>
-      </p:par>
-    </p:tnLst>
-  </p:timing>
 </p:sld>
 </file>
 
@@ -4327,7 +8261,15 @@
           <a:bodyPr/>
           <a:lstStyle/>
           <a:p>
-            <a:endParaRPr lang="en-GB"/>
+            <a:r>
+              <a:rPr lang="en-US" dirty="0" smtClean="0"/>
+              <a:t>Extending </a:t>
+            </a:r>
+            <a:r>
+              <a:rPr lang="en-US" dirty="0" err="1" smtClean="0"/>
+              <a:t>JFrame</a:t>
+            </a:r>
+            <a:endParaRPr lang="en-US" dirty="0"/>
           </a:p>
         </p:txBody>
       </p:sp>
@@ -4346,40 +8288,231 @@
           <a:bodyPr/>
           <a:lstStyle/>
           <a:p>
-            <a:endParaRPr lang="en-GB"/>
+            <a:endParaRPr lang="en-US"/>
           </a:p>
         </p:txBody>
       </p:sp>
       <p:pic>
         <p:nvPicPr>
-          <p:cNvPr id="4" name="Picture 3"/>
+          <p:cNvPr id="30722" name="Picture 2"/>
           <p:cNvPicPr>
-            <a:picLocks noChangeAspect="1"/>
+            <a:picLocks noChangeAspect="1" noChangeArrowheads="1"/>
           </p:cNvPicPr>
           <p:nvPr/>
         </p:nvPicPr>
         <p:blipFill>
           <a:blip r:embed="rId2"/>
+          <a:srcRect/>
           <a:stretch>
             <a:fillRect/>
           </a:stretch>
         </p:blipFill>
-        <p:spPr>
-          <a:xfrm>
-            <a:off x="685800" y="309639"/>
-            <a:ext cx="7924800" cy="6511545"/>
+        <p:spPr bwMode="auto">
+          <a:xfrm>
+            <a:off x="685800" y="1981200"/>
+            <a:ext cx="7848600" cy="4069644"/>
           </a:xfrm>
           <a:prstGeom prst="rect">
             <a:avLst/>
           </a:prstGeom>
+          <a:noFill/>
+          <a:ln w="9525">
+            <a:noFill/>
+            <a:miter lim="800000"/>
+            <a:headEnd/>
+            <a:tailEnd/>
+          </a:ln>
+          <a:effectLst/>
         </p:spPr>
       </p:pic>
     </p:spTree>
-    <p:extLst>
-      <p:ext uri="{BB962C8B-B14F-4D97-AF65-F5344CB8AC3E}">
-        <p14:creationId xmlns:p14="http://schemas.microsoft.com/office/powerpoint/2010/main" val="2143275608"/>
-      </p:ext>
-    </p:extLst>
+  </p:cSld>
+  <p:clrMapOvr>
+    <a:masterClrMapping/>
+  </p:clrMapOvr>
+</p:sld>
+</file>
+
+<file path=ppt/slides/slide8.xml><?xml version="1.0" encoding="utf-8"?>
+<p:sld xmlns:a="http://schemas.openxmlformats.org/drawingml/2006/main" xmlns:r="http://schemas.openxmlformats.org/officeDocument/2006/relationships" xmlns:p="http://schemas.openxmlformats.org/presentationml/2006/main">
+  <p:cSld>
+    <p:spTree>
+      <p:nvGrpSpPr>
+        <p:cNvPr id="1" name=""/>
+        <p:cNvGrpSpPr/>
+        <p:nvPr/>
+      </p:nvGrpSpPr>
+      <p:grpSpPr>
+        <a:xfrm>
+          <a:off x="0" y="0"/>
+          <a:ext cx="0" cy="0"/>
+          <a:chOff x="0" y="0"/>
+          <a:chExt cx="0" cy="0"/>
+        </a:xfrm>
+      </p:grpSpPr>
+      <p:sp>
+        <p:nvSpPr>
+          <p:cNvPr id="2" name="Title 1"/>
+          <p:cNvSpPr>
+            <a:spLocks noGrp="1"/>
+          </p:cNvSpPr>
+          <p:nvPr>
+            <p:ph type="title"/>
+          </p:nvPr>
+        </p:nvSpPr>
+        <p:spPr/>
+        <p:txBody>
+          <a:bodyPr/>
+          <a:lstStyle/>
+          <a:p>
+            <a:r>
+              <a:rPr lang="en-US" dirty="0" smtClean="0"/>
+              <a:t>Basic Drawing</a:t>
+            </a:r>
+            <a:endParaRPr lang="en-US" dirty="0"/>
+          </a:p>
+        </p:txBody>
+      </p:sp>
+      <p:pic>
+        <p:nvPicPr>
+          <p:cNvPr id="31746" name="Picture 2"/>
+          <p:cNvPicPr>
+            <a:picLocks noGrp="1" noChangeAspect="1" noChangeArrowheads="1"/>
+          </p:cNvPicPr>
+          <p:nvPr>
+            <p:ph idx="1"/>
+          </p:nvPr>
+        </p:nvPicPr>
+        <p:blipFill>
+          <a:blip r:embed="rId2"/>
+          <a:srcRect/>
+          <a:stretch>
+            <a:fillRect/>
+          </a:stretch>
+        </p:blipFill>
+        <p:spPr bwMode="auto">
+          <a:xfrm>
+            <a:off x="762000" y="1905000"/>
+            <a:ext cx="7736674" cy="4267200"/>
+          </a:xfrm>
+          <a:prstGeom prst="rect">
+            <a:avLst/>
+          </a:prstGeom>
+          <a:noFill/>
+          <a:ln w="9525">
+            <a:noFill/>
+            <a:miter lim="800000"/>
+            <a:headEnd/>
+            <a:tailEnd/>
+          </a:ln>
+          <a:effectLst/>
+        </p:spPr>
+      </p:pic>
+    </p:spTree>
+  </p:cSld>
+  <p:clrMapOvr>
+    <a:masterClrMapping/>
+  </p:clrMapOvr>
+</p:sld>
+</file>
+
+<file path=ppt/slides/slide9.xml><?xml version="1.0" encoding="utf-8"?>
+<p:sld xmlns:a="http://schemas.openxmlformats.org/drawingml/2006/main" xmlns:r="http://schemas.openxmlformats.org/officeDocument/2006/relationships" xmlns:p="http://schemas.openxmlformats.org/presentationml/2006/main">
+  <p:cSld>
+    <p:spTree>
+      <p:nvGrpSpPr>
+        <p:cNvPr id="1" name=""/>
+        <p:cNvGrpSpPr/>
+        <p:nvPr/>
+      </p:nvGrpSpPr>
+      <p:grpSpPr>
+        <a:xfrm>
+          <a:off x="0" y="0"/>
+          <a:ext cx="0" cy="0"/>
+          <a:chOff x="0" y="0"/>
+          <a:chExt cx="0" cy="0"/>
+        </a:xfrm>
+      </p:grpSpPr>
+      <p:sp>
+        <p:nvSpPr>
+          <p:cNvPr id="2" name="Title 1"/>
+          <p:cNvSpPr>
+            <a:spLocks noGrp="1"/>
+          </p:cNvSpPr>
+          <p:nvPr>
+            <p:ph type="title"/>
+          </p:nvPr>
+        </p:nvSpPr>
+        <p:spPr/>
+        <p:txBody>
+          <a:bodyPr/>
+          <a:lstStyle/>
+          <a:p>
+            <a:r>
+              <a:rPr lang="en-US" dirty="0" smtClean="0"/>
+              <a:t>Example </a:t>
+            </a:r>
+            <a:r>
+              <a:rPr lang="en-US" dirty="0" err="1" smtClean="0"/>
+              <a:t>JFrame</a:t>
+            </a:r>
+            <a:endParaRPr lang="en-US" dirty="0"/>
+          </a:p>
+        </p:txBody>
+      </p:sp>
+      <p:sp>
+        <p:nvSpPr>
+          <p:cNvPr id="3" name="Content Placeholder 2"/>
+          <p:cNvSpPr>
+            <a:spLocks noGrp="1"/>
+          </p:cNvSpPr>
+          <p:nvPr>
+            <p:ph idx="1"/>
+          </p:nvPr>
+        </p:nvSpPr>
+        <p:spPr/>
+        <p:txBody>
+          <a:bodyPr/>
+          <a:lstStyle/>
+          <a:p>
+            <a:endParaRPr lang="en-US"/>
+          </a:p>
+        </p:txBody>
+      </p:sp>
+      <p:pic>
+        <p:nvPicPr>
+          <p:cNvPr id="32770" name="Picture 2"/>
+          <p:cNvPicPr>
+            <a:picLocks noChangeAspect="1" noChangeArrowheads="1"/>
+          </p:cNvPicPr>
+          <p:nvPr/>
+        </p:nvPicPr>
+        <p:blipFill>
+          <a:blip r:embed="rId2"/>
+          <a:srcRect/>
+          <a:stretch>
+            <a:fillRect/>
+          </a:stretch>
+        </p:blipFill>
+        <p:spPr bwMode="auto">
+          <a:xfrm>
+            <a:off x="838200" y="1981200"/>
+            <a:ext cx="7579242" cy="4267200"/>
+          </a:xfrm>
+          <a:prstGeom prst="rect">
+            <a:avLst/>
+          </a:prstGeom>
+          <a:noFill/>
+          <a:ln w="9525">
+            <a:noFill/>
+            <a:miter lim="800000"/>
+            <a:headEnd/>
+            <a:tailEnd/>
+          </a:ln>
+          <a:effectLst/>
+        </p:spPr>
+      </p:pic>
+    </p:spTree>
   </p:cSld>
   <p:clrMapOvr>
     <a:masterClrMapping/>
@@ -4870,7 +9003,7 @@
   </a:extraClrSchemeLst>
   <a:extLst>
     <a:ext uri="{05A4C25C-085E-4340-85A3-A5531E510DB2}">
-      <thm15:themeFamily xmlns:thm15="http://schemas.microsoft.com/office/thememl/2012/main" name="Office Theme" id="{62F939B6-93AF-4DB8-9C6B-D6C7DFDC589F}" vid="{4A3C46E8-61CC-4603-A589-7422A47A8E4A}"/>
+      <thm15:themeFamily xmlns:thm15="http://schemas.microsoft.com/office/thememl/2012/main" xmlns="" name="Office Theme" id="{62F939B6-93AF-4DB8-9C6B-D6C7DFDC589F}" vid="{4A3C46E8-61CC-4603-A589-7422A47A8E4A}"/>
     </a:ext>
   </a:extLst>
 </a:theme>
@@ -4919,7 +9052,7 @@
     </a:clrScheme>
     <a:fontScheme name="Office">
       <a:majorFont>
-        <a:latin typeface="Calibri Light" panose="020F0302020204030204"/>
+        <a:latin typeface="Calibri Light"/>
         <a:ea typeface=""/>
         <a:cs typeface=""/>
         <a:font script="Jpan" typeface="ＭＳ Ｐゴシック"/>
@@ -4954,7 +9087,7 @@
         <a:font script="Geor" typeface="Sylfaen"/>
       </a:majorFont>
       <a:minorFont>
-        <a:latin typeface="Calibri" panose="020F0502020204030204"/>
+        <a:latin typeface="Calibri"/>
         <a:ea typeface=""/>
         <a:cs typeface=""/>
         <a:font script="Jpan" typeface="ＭＳ Ｐゴシック"/>
@@ -5131,7 +9264,7 @@
   <a:extraClrSchemeLst/>
   <a:extLst>
     <a:ext uri="{05A4C25C-085E-4340-85A3-A5531E510DB2}">
-      <thm15:themeFamily xmlns:thm15="http://schemas.microsoft.com/office/thememl/2012/main" name="Office Theme" id="{62F939B6-93AF-4DB8-9C6B-D6C7DFDC589F}" vid="{4A3C46E8-61CC-4603-A589-7422A47A8E4A}"/>
+      <thm15:themeFamily xmlns:thm15="http://schemas.microsoft.com/office/thememl/2012/main" xmlns="" name="Office Theme" id="{62F939B6-93AF-4DB8-9C6B-D6C7DFDC589F}" vid="{4A3C46E8-61CC-4603-A589-7422A47A8E4A}"/>
     </a:ext>
   </a:extLst>
 </a:theme>

--- a/OOP/lectures/080--Graphics.pptx
+++ b/OOP/lectures/080--Graphics.pptx
@@ -5,7 +5,7 @@
     <p:sldMasterId id="2147483648" r:id="rId1"/>
   </p:sldMasterIdLst>
   <p:notesMasterIdLst>
-    <p:notesMasterId r:id="rId37"/>
+    <p:notesMasterId r:id="rId38"/>
   </p:notesMasterIdLst>
   <p:sldIdLst>
     <p:sldId id="267" r:id="rId2"/>
@@ -37,12 +37,13 @@
     <p:sldId id="283" r:id="rId28"/>
     <p:sldId id="278" r:id="rId29"/>
     <p:sldId id="306" r:id="rId30"/>
-    <p:sldId id="285" r:id="rId31"/>
-    <p:sldId id="275" r:id="rId32"/>
-    <p:sldId id="272" r:id="rId33"/>
-    <p:sldId id="284" r:id="rId34"/>
-    <p:sldId id="268" r:id="rId35"/>
-    <p:sldId id="276" r:id="rId36"/>
+    <p:sldId id="308" r:id="rId31"/>
+    <p:sldId id="285" r:id="rId32"/>
+    <p:sldId id="275" r:id="rId33"/>
+    <p:sldId id="272" r:id="rId34"/>
+    <p:sldId id="284" r:id="rId35"/>
+    <p:sldId id="268" r:id="rId36"/>
+    <p:sldId id="276" r:id="rId37"/>
   </p:sldIdLst>
   <p:sldSz cx="9144000" cy="6858000" type="screen4x3"/>
   <p:notesSz cx="7315200" cy="9601200"/>
@@ -173,7 +174,7 @@
   </p:defaultTextStyle>
   <p:extLst>
     <p:ext uri="{EFAFB233-063F-42B5-8137-9DF3F51BA10A}">
-      <p15:sldGuideLst xmlns:p15="http://schemas.microsoft.com/office/powerpoint/2012/main" xmlns="">
+      <p15:sldGuideLst xmlns="" xmlns:p15="http://schemas.microsoft.com/office/powerpoint/2012/main">
         <p15:guide id="1" orient="horz" pos="2160">
           <p15:clr>
             <a:srgbClr val="A4A3A4"/>
@@ -240,14 +241,14 @@
           <a:effectLst/>
           <a:extLst>
             <a:ext uri="{909E8E84-426E-40DD-AFC4-6F175D3DCCD1}">
-              <a14:hiddenFill xmlns:a14="http://schemas.microsoft.com/office/drawing/2010/main" xmlns="">
+              <a14:hiddenFill xmlns="" xmlns:a14="http://schemas.microsoft.com/office/drawing/2010/main">
                 <a:solidFill>
                   <a:schemeClr val="accent1"/>
                 </a:solidFill>
               </a14:hiddenFill>
             </a:ext>
             <a:ext uri="{91240B29-F687-4F45-9708-019B960494DF}">
-              <a14:hiddenLine xmlns:a14="http://schemas.microsoft.com/office/drawing/2010/main" xmlns="" w="9525">
+              <a14:hiddenLine xmlns="" xmlns:a14="http://schemas.microsoft.com/office/drawing/2010/main" w="9525">
                 <a:solidFill>
                   <a:schemeClr val="tx1"/>
                 </a:solidFill>
@@ -257,7 +258,7 @@
               </a14:hiddenLine>
             </a:ext>
             <a:ext uri="{AF507438-7753-43E0-B8FC-AC1667EBCBE1}">
-              <a14:hiddenEffects xmlns:a14="http://schemas.microsoft.com/office/drawing/2010/main" xmlns="">
+              <a14:hiddenEffects xmlns="" xmlns:a14="http://schemas.microsoft.com/office/drawing/2010/main">
                 <a:effectLst>
                   <a:outerShdw dist="35921" dir="2700000" algn="ctr" rotWithShape="0">
                     <a:schemeClr val="bg2"/>
@@ -311,14 +312,14 @@
           <a:effectLst/>
           <a:extLst>
             <a:ext uri="{909E8E84-426E-40DD-AFC4-6F175D3DCCD1}">
-              <a14:hiddenFill xmlns:a14="http://schemas.microsoft.com/office/drawing/2010/main" xmlns="">
+              <a14:hiddenFill xmlns="" xmlns:a14="http://schemas.microsoft.com/office/drawing/2010/main">
                 <a:solidFill>
                   <a:schemeClr val="accent1"/>
                 </a:solidFill>
               </a14:hiddenFill>
             </a:ext>
             <a:ext uri="{91240B29-F687-4F45-9708-019B960494DF}">
-              <a14:hiddenLine xmlns:a14="http://schemas.microsoft.com/office/drawing/2010/main" xmlns="" w="9525">
+              <a14:hiddenLine xmlns="" xmlns:a14="http://schemas.microsoft.com/office/drawing/2010/main" w="9525">
                 <a:solidFill>
                   <a:schemeClr val="tx1"/>
                 </a:solidFill>
@@ -328,7 +329,7 @@
               </a14:hiddenLine>
             </a:ext>
             <a:ext uri="{AF507438-7753-43E0-B8FC-AC1667EBCBE1}">
-              <a14:hiddenEffects xmlns:a14="http://schemas.microsoft.com/office/drawing/2010/main" xmlns="">
+              <a14:hiddenEffects xmlns="" xmlns:a14="http://schemas.microsoft.com/office/drawing/2010/main">
                 <a:effectLst>
                   <a:outerShdw dist="35921" dir="2700000" algn="ctr" rotWithShape="0">
                     <a:schemeClr val="bg2"/>
@@ -387,14 +388,14 @@
           <a:effectLst/>
           <a:extLst>
             <a:ext uri="{909E8E84-426E-40DD-AFC4-6F175D3DCCD1}">
-              <a14:hiddenFill xmlns:a14="http://schemas.microsoft.com/office/drawing/2010/main" xmlns="">
+              <a14:hiddenFill xmlns="" xmlns:a14="http://schemas.microsoft.com/office/drawing/2010/main">
                 <a:solidFill>
                   <a:srgbClr val="FFFFFF"/>
                 </a:solidFill>
               </a14:hiddenFill>
             </a:ext>
             <a:ext uri="{AF507438-7753-43E0-B8FC-AC1667EBCBE1}">
-              <a14:hiddenEffects xmlns:a14="http://schemas.microsoft.com/office/drawing/2010/main" xmlns="">
+              <a14:hiddenEffects xmlns="" xmlns:a14="http://schemas.microsoft.com/office/drawing/2010/main">
                 <a:effectLst>
                   <a:outerShdw dist="35921" dir="2700000" algn="ctr" rotWithShape="0">
                     <a:srgbClr val="808080"/>
@@ -403,7 +404,7 @@
               </a14:hiddenEffects>
             </a:ext>
             <a:ext uri="{53640926-AAD7-44D8-BBD7-CCE9431645EC}">
-              <a14:shadowObscured xmlns:a14="http://schemas.microsoft.com/office/drawing/2010/main" xmlns="" val="1"/>
+              <a14:shadowObscured xmlns="" xmlns:a14="http://schemas.microsoft.com/office/drawing/2010/main" val="1"/>
             </a:ext>
           </a:extLst>
         </p:spPr>
@@ -433,14 +434,14 @@
           <a:effectLst/>
           <a:extLst>
             <a:ext uri="{909E8E84-426E-40DD-AFC4-6F175D3DCCD1}">
-              <a14:hiddenFill xmlns:a14="http://schemas.microsoft.com/office/drawing/2010/main" xmlns="">
+              <a14:hiddenFill xmlns="" xmlns:a14="http://schemas.microsoft.com/office/drawing/2010/main">
                 <a:solidFill>
                   <a:schemeClr val="accent1"/>
                 </a:solidFill>
               </a14:hiddenFill>
             </a:ext>
             <a:ext uri="{91240B29-F687-4F45-9708-019B960494DF}">
-              <a14:hiddenLine xmlns:a14="http://schemas.microsoft.com/office/drawing/2010/main" xmlns="" w="9525">
+              <a14:hiddenLine xmlns="" xmlns:a14="http://schemas.microsoft.com/office/drawing/2010/main" w="9525">
                 <a:solidFill>
                   <a:schemeClr val="tx1"/>
                 </a:solidFill>
@@ -450,7 +451,7 @@
               </a14:hiddenLine>
             </a:ext>
             <a:ext uri="{AF507438-7753-43E0-B8FC-AC1667EBCBE1}">
-              <a14:hiddenEffects xmlns:a14="http://schemas.microsoft.com/office/drawing/2010/main" xmlns="">
+              <a14:hiddenEffects xmlns="" xmlns:a14="http://schemas.microsoft.com/office/drawing/2010/main">
                 <a:effectLst>
                   <a:outerShdw dist="35921" dir="2700000" algn="ctr" rotWithShape="0">
                     <a:schemeClr val="bg2"/>
@@ -529,14 +530,14 @@
           <a:effectLst/>
           <a:extLst>
             <a:ext uri="{909E8E84-426E-40DD-AFC4-6F175D3DCCD1}">
-              <a14:hiddenFill xmlns:a14="http://schemas.microsoft.com/office/drawing/2010/main" xmlns="">
+              <a14:hiddenFill xmlns="" xmlns:a14="http://schemas.microsoft.com/office/drawing/2010/main">
                 <a:solidFill>
                   <a:schemeClr val="accent1"/>
                 </a:solidFill>
               </a14:hiddenFill>
             </a:ext>
             <a:ext uri="{91240B29-F687-4F45-9708-019B960494DF}">
-              <a14:hiddenLine xmlns:a14="http://schemas.microsoft.com/office/drawing/2010/main" xmlns="" w="9525">
+              <a14:hiddenLine xmlns="" xmlns:a14="http://schemas.microsoft.com/office/drawing/2010/main" w="9525">
                 <a:solidFill>
                   <a:schemeClr val="tx1"/>
                 </a:solidFill>
@@ -546,7 +547,7 @@
               </a14:hiddenLine>
             </a:ext>
             <a:ext uri="{AF507438-7753-43E0-B8FC-AC1667EBCBE1}">
-              <a14:hiddenEffects xmlns:a14="http://schemas.microsoft.com/office/drawing/2010/main" xmlns="">
+              <a14:hiddenEffects xmlns="" xmlns:a14="http://schemas.microsoft.com/office/drawing/2010/main">
                 <a:effectLst>
                   <a:outerShdw dist="35921" dir="2700000" algn="ctr" rotWithShape="0">
                     <a:schemeClr val="bg2"/>
@@ -600,14 +601,14 @@
           <a:effectLst/>
           <a:extLst>
             <a:ext uri="{909E8E84-426E-40DD-AFC4-6F175D3DCCD1}">
-              <a14:hiddenFill xmlns:a14="http://schemas.microsoft.com/office/drawing/2010/main" xmlns="">
+              <a14:hiddenFill xmlns="" xmlns:a14="http://schemas.microsoft.com/office/drawing/2010/main">
                 <a:solidFill>
                   <a:schemeClr val="accent1"/>
                 </a:solidFill>
               </a14:hiddenFill>
             </a:ext>
             <a:ext uri="{91240B29-F687-4F45-9708-019B960494DF}">
-              <a14:hiddenLine xmlns:a14="http://schemas.microsoft.com/office/drawing/2010/main" xmlns="" w="9525">
+              <a14:hiddenLine xmlns="" xmlns:a14="http://schemas.microsoft.com/office/drawing/2010/main" w="9525">
                 <a:solidFill>
                   <a:schemeClr val="tx1"/>
                 </a:solidFill>
@@ -617,7 +618,7 @@
               </a14:hiddenLine>
             </a:ext>
             <a:ext uri="{AF507438-7753-43E0-B8FC-AC1667EBCBE1}">
-              <a14:hiddenEffects xmlns:a14="http://schemas.microsoft.com/office/drawing/2010/main" xmlns="">
+              <a14:hiddenEffects xmlns="" xmlns:a14="http://schemas.microsoft.com/office/drawing/2010/main">
                 <a:effectLst>
                   <a:outerShdw dist="35921" dir="2700000" algn="ctr" rotWithShape="0">
                     <a:schemeClr val="bg2"/>
@@ -656,7 +657,7 @@
     </p:spTree>
     <p:extLst>
       <p:ext uri="{BB962C8B-B14F-4D97-AF65-F5344CB8AC3E}">
-        <p14:creationId xmlns:p14="http://schemas.microsoft.com/office/powerpoint/2010/main" xmlns="" val="732687000"/>
+        <p14:creationId xmlns="" xmlns:p14="http://schemas.microsoft.com/office/powerpoint/2010/main" val="732687000"/>
       </p:ext>
     </p:extLst>
   </p:cSld>
@@ -903,7 +904,7 @@
     </p:spTree>
     <p:extLst>
       <p:ext uri="{BB962C8B-B14F-4D97-AF65-F5344CB8AC3E}">
-        <p14:creationId xmlns:p14="http://schemas.microsoft.com/office/powerpoint/2010/main" xmlns="" val="2795558893"/>
+        <p14:creationId xmlns="" xmlns:p14="http://schemas.microsoft.com/office/powerpoint/2010/main" val="2795558893"/>
       </p:ext>
     </p:extLst>
   </p:cSld>
@@ -1127,7 +1128,7 @@
     </p:spTree>
     <p:extLst>
       <p:ext uri="{BB962C8B-B14F-4D97-AF65-F5344CB8AC3E}">
-        <p14:creationId xmlns:p14="http://schemas.microsoft.com/office/powerpoint/2010/main" xmlns="" val="3173416786"/>
+        <p14:creationId xmlns="" xmlns:p14="http://schemas.microsoft.com/office/powerpoint/2010/main" val="3173416786"/>
       </p:ext>
     </p:extLst>
   </p:cSld>
@@ -1361,7 +1362,7 @@
     </p:spTree>
     <p:extLst>
       <p:ext uri="{BB962C8B-B14F-4D97-AF65-F5344CB8AC3E}">
-        <p14:creationId xmlns:p14="http://schemas.microsoft.com/office/powerpoint/2010/main" xmlns="" val="1275097484"/>
+        <p14:creationId xmlns="" xmlns:p14="http://schemas.microsoft.com/office/powerpoint/2010/main" val="1275097484"/>
       </p:ext>
     </p:extLst>
   </p:cSld>
@@ -1466,7 +1467,7 @@
     </p:spTree>
     <p:extLst>
       <p:ext uri="{BB962C8B-B14F-4D97-AF65-F5344CB8AC3E}">
-        <p14:creationId xmlns:p14="http://schemas.microsoft.com/office/powerpoint/2010/main" xmlns="" val="3532521555"/>
+        <p14:creationId xmlns="" xmlns:p14="http://schemas.microsoft.com/office/powerpoint/2010/main" val="3532521555"/>
       </p:ext>
     </p:extLst>
   </p:cSld>
@@ -1593,7 +1594,7 @@
     </p:spTree>
     <p:extLst>
       <p:ext uri="{BB962C8B-B14F-4D97-AF65-F5344CB8AC3E}">
-        <p14:creationId xmlns:p14="http://schemas.microsoft.com/office/powerpoint/2010/main" xmlns="" val="3158447180"/>
+        <p14:creationId xmlns="" xmlns:p14="http://schemas.microsoft.com/office/powerpoint/2010/main" val="3158447180"/>
       </p:ext>
     </p:extLst>
   </p:cSld>
@@ -1760,7 +1761,7 @@
     </p:spTree>
     <p:extLst>
       <p:ext uri="{BB962C8B-B14F-4D97-AF65-F5344CB8AC3E}">
-        <p14:creationId xmlns:p14="http://schemas.microsoft.com/office/powerpoint/2010/main" xmlns="" val="1581939673"/>
+        <p14:creationId xmlns="" xmlns:p14="http://schemas.microsoft.com/office/powerpoint/2010/main" val="1581939673"/>
       </p:ext>
     </p:extLst>
   </p:cSld>
@@ -2062,7 +2063,7 @@
     </p:spTree>
     <p:extLst>
       <p:ext uri="{BB962C8B-B14F-4D97-AF65-F5344CB8AC3E}">
-        <p14:creationId xmlns:p14="http://schemas.microsoft.com/office/powerpoint/2010/main" xmlns="" val="2440770789"/>
+        <p14:creationId xmlns="" xmlns:p14="http://schemas.microsoft.com/office/powerpoint/2010/main" val="2440770789"/>
       </p:ext>
     </p:extLst>
   </p:cSld>
@@ -2234,7 +2235,7 @@
     </p:spTree>
     <p:extLst>
       <p:ext uri="{BB962C8B-B14F-4D97-AF65-F5344CB8AC3E}">
-        <p14:creationId xmlns:p14="http://schemas.microsoft.com/office/powerpoint/2010/main" xmlns="" val="2741512224"/>
+        <p14:creationId xmlns="" xmlns:p14="http://schemas.microsoft.com/office/powerpoint/2010/main" val="2741512224"/>
       </p:ext>
     </p:extLst>
   </p:cSld>
@@ -2383,7 +2384,7 @@
     </p:spTree>
     <p:extLst>
       <p:ext uri="{BB962C8B-B14F-4D97-AF65-F5344CB8AC3E}">
-        <p14:creationId xmlns:p14="http://schemas.microsoft.com/office/powerpoint/2010/main" xmlns="" val="1207951031"/>
+        <p14:creationId xmlns="" xmlns:p14="http://schemas.microsoft.com/office/powerpoint/2010/main" val="1207951031"/>
       </p:ext>
     </p:extLst>
   </p:cSld>
@@ -2714,7 +2715,7 @@
     </p:spTree>
     <p:extLst>
       <p:ext uri="{BB962C8B-B14F-4D97-AF65-F5344CB8AC3E}">
-        <p14:creationId xmlns:p14="http://schemas.microsoft.com/office/powerpoint/2010/main" xmlns="" val="859093633"/>
+        <p14:creationId xmlns="" xmlns:p14="http://schemas.microsoft.com/office/powerpoint/2010/main" val="859093633"/>
       </p:ext>
     </p:extLst>
   </p:cSld>
@@ -3022,7 +3023,7 @@
     </p:spTree>
     <p:extLst>
       <p:ext uri="{BB962C8B-B14F-4D97-AF65-F5344CB8AC3E}">
-        <p14:creationId xmlns:p14="http://schemas.microsoft.com/office/powerpoint/2010/main" xmlns="" val="396124935"/>
+        <p14:creationId xmlns="" xmlns:p14="http://schemas.microsoft.com/office/powerpoint/2010/main" val="396124935"/>
       </p:ext>
     </p:extLst>
   </p:cSld>
@@ -3082,14 +3083,14 @@
           <a:effectLst/>
           <a:extLst>
             <a:ext uri="{909E8E84-426E-40DD-AFC4-6F175D3DCCD1}">
-              <a14:hiddenFill xmlns:a14="http://schemas.microsoft.com/office/drawing/2010/main" xmlns="">
+              <a14:hiddenFill xmlns="" xmlns:a14="http://schemas.microsoft.com/office/drawing/2010/main">
                 <a:solidFill>
                   <a:schemeClr val="accent1"/>
                 </a:solidFill>
               </a14:hiddenFill>
             </a:ext>
             <a:ext uri="{91240B29-F687-4F45-9708-019B960494DF}">
-              <a14:hiddenLine xmlns:a14="http://schemas.microsoft.com/office/drawing/2010/main" xmlns="" w="9525">
+              <a14:hiddenLine xmlns="" xmlns:a14="http://schemas.microsoft.com/office/drawing/2010/main" w="9525">
                 <a:solidFill>
                   <a:schemeClr val="tx1"/>
                 </a:solidFill>
@@ -3099,7 +3100,7 @@
               </a14:hiddenLine>
             </a:ext>
             <a:ext uri="{AF507438-7753-43E0-B8FC-AC1667EBCBE1}">
-              <a14:hiddenEffects xmlns:a14="http://schemas.microsoft.com/office/drawing/2010/main" xmlns="">
+              <a14:hiddenEffects xmlns="" xmlns:a14="http://schemas.microsoft.com/office/drawing/2010/main">
                 <a:effectLst>
                   <a:outerShdw dist="35921" dir="2700000" algn="ctr" rotWithShape="0">
                     <a:schemeClr val="bg2"/>
@@ -3150,14 +3151,14 @@
           <a:effectLst/>
           <a:extLst>
             <a:ext uri="{909E8E84-426E-40DD-AFC4-6F175D3DCCD1}">
-              <a14:hiddenFill xmlns:a14="http://schemas.microsoft.com/office/drawing/2010/main" xmlns="">
+              <a14:hiddenFill xmlns="" xmlns:a14="http://schemas.microsoft.com/office/drawing/2010/main">
                 <a:solidFill>
                   <a:schemeClr val="accent1"/>
                 </a:solidFill>
               </a14:hiddenFill>
             </a:ext>
             <a:ext uri="{91240B29-F687-4F45-9708-019B960494DF}">
-              <a14:hiddenLine xmlns:a14="http://schemas.microsoft.com/office/drawing/2010/main" xmlns="" w="9525">
+              <a14:hiddenLine xmlns="" xmlns:a14="http://schemas.microsoft.com/office/drawing/2010/main" w="9525">
                 <a:solidFill>
                   <a:schemeClr val="tx1"/>
                 </a:solidFill>
@@ -3167,7 +3168,7 @@
               </a14:hiddenLine>
             </a:ext>
             <a:ext uri="{AF507438-7753-43E0-B8FC-AC1667EBCBE1}">
-              <a14:hiddenEffects xmlns:a14="http://schemas.microsoft.com/office/drawing/2010/main" xmlns="">
+              <a14:hiddenEffects xmlns="" xmlns:a14="http://schemas.microsoft.com/office/drawing/2010/main">
                 <a:effectLst>
                   <a:outerShdw dist="35921" dir="2700000" algn="ctr" rotWithShape="0">
                     <a:schemeClr val="bg2"/>
@@ -3716,14 +3717,14 @@
           </a:ln>
           <a:extLst>
             <a:ext uri="{909E8E84-426E-40DD-AFC4-6F175D3DCCD1}">
-              <a14:hiddenFill xmlns:a14="http://schemas.microsoft.com/office/drawing/2010/main" xmlns="">
+              <a14:hiddenFill xmlns="" xmlns:a14="http://schemas.microsoft.com/office/drawing/2010/main">
                 <a:solidFill>
                   <a:srgbClr val="FFFFFF"/>
                 </a:solidFill>
               </a14:hiddenFill>
             </a:ext>
             <a:ext uri="{91240B29-F687-4F45-9708-019B960494DF}">
-              <a14:hiddenLine xmlns:a14="http://schemas.microsoft.com/office/drawing/2010/main" xmlns="" w="9525">
+              <a14:hiddenLine xmlns="" xmlns:a14="http://schemas.microsoft.com/office/drawing/2010/main" w="9525">
                 <a:solidFill>
                   <a:srgbClr val="000000"/>
                 </a:solidFill>
@@ -4580,23 +4581,7 @@
                   <a:schemeClr val="bg2"/>
                 </a:solidFill>
               </a:rPr>
-              <a:t>output</a:t>
-            </a:r>
-            <a:r>
-              <a:rPr lang="en-US" b="1" dirty="0" smtClean="0">
-                <a:solidFill>
-                  <a:schemeClr val="bg2"/>
-                </a:solidFill>
-              </a:rPr>
-              <a:t> </a:t>
-            </a:r>
-            <a:r>
-              <a:rPr lang="en-US" b="1" dirty="0" smtClean="0">
-                <a:solidFill>
-                  <a:schemeClr val="bg2"/>
-                </a:solidFill>
-              </a:rPr>
-              <a:t>would look like</a:t>
+              <a:t>output would look like</a:t>
             </a:r>
           </a:p>
         </p:txBody>
@@ -5478,11 +5463,7 @@
             <a:pPr eaLnBrk="1" hangingPunct="1"/>
             <a:r>
               <a:rPr lang="en-US" altLang="en-US" dirty="0" smtClean="0"/>
-              <a:t>Essential Graphical </a:t>
-            </a:r>
-            <a:r>
-              <a:rPr lang="en-US" altLang="en-US" dirty="0" smtClean="0"/>
-              <a:t>Principals</a:t>
+              <a:t>Essential Graphical Principals</a:t>
             </a:r>
           </a:p>
           <a:p>
@@ -5526,7 +5507,6 @@
               <a:rPr lang="en-US" altLang="en-US" dirty="0" smtClean="0"/>
               <a:t>Drawing images/text/graphics</a:t>
             </a:r>
-            <a:endParaRPr lang="en-US" altLang="en-US" dirty="0" smtClean="0"/>
           </a:p>
           <a:p>
             <a:pPr eaLnBrk="1" hangingPunct="1"/>
@@ -6633,11 +6613,7 @@
           <a:p>
             <a:r>
               <a:rPr lang="en-US" dirty="0" smtClean="0"/>
-              <a:t>Graphics can be drawn using a class </a:t>
-            </a:r>
-            <a:r>
-              <a:rPr lang="en-US" dirty="0" smtClean="0"/>
-              <a:t>which extends </a:t>
+              <a:t>Graphics can be drawn using a class which extends </a:t>
             </a:r>
             <a:r>
               <a:rPr lang="en-US" dirty="0" err="1" smtClean="0">
@@ -6656,11 +6632,7 @@
           <a:p>
             <a:r>
               <a:rPr lang="en-US" dirty="0" smtClean="0"/>
-              <a:t>Swing </a:t>
-            </a:r>
-            <a:r>
-              <a:rPr lang="en-US" dirty="0" smtClean="0"/>
-              <a:t>will call the </a:t>
+              <a:t>Swing will call the </a:t>
             </a:r>
             <a:r>
               <a:rPr lang="en-US" dirty="0" err="1" smtClean="0">
@@ -6672,22 +6644,14 @@
             </a:r>
             <a:r>
               <a:rPr lang="en-US" dirty="0" smtClean="0"/>
-              <a:t> method </a:t>
-            </a:r>
-            <a:r>
-              <a:rPr lang="en-US" dirty="0" smtClean="0"/>
-              <a:t>to draw:</a:t>
+              <a:t> method to draw:</a:t>
             </a:r>
           </a:p>
           <a:p>
             <a:pPr lvl="1"/>
             <a:r>
               <a:rPr lang="en-US" dirty="0" smtClean="0"/>
-              <a:t>protected </a:t>
-            </a:r>
-            <a:r>
-              <a:rPr lang="en-US" dirty="0" smtClean="0"/>
-              <a:t>void </a:t>
+              <a:t>protected void </a:t>
             </a:r>
             <a:r>
               <a:rPr lang="en-US" dirty="0" err="1" smtClean="0"/>
@@ -6701,11 +6665,7 @@
           <a:p>
             <a:r>
               <a:rPr lang="en-US" dirty="0" smtClean="0"/>
-              <a:t>There </a:t>
-            </a:r>
-            <a:r>
-              <a:rPr lang="en-US" dirty="0" smtClean="0"/>
-              <a:t>are a variety of drawing methods:</a:t>
+              <a:t>There are a variety of drawing methods:</a:t>
             </a:r>
           </a:p>
           <a:p>
@@ -7171,7 +7131,7 @@
     </p:spTree>
     <p:extLst>
       <p:ext uri="{BB962C8B-B14F-4D97-AF65-F5344CB8AC3E}">
-        <p14:creationId xmlns:p14="http://schemas.microsoft.com/office/powerpoint/2010/main" xmlns="" val="1348450408"/>
+        <p14:creationId xmlns="" xmlns:p14="http://schemas.microsoft.com/office/powerpoint/2010/main" val="1348450408"/>
       </p:ext>
     </p:extLst>
   </p:cSld>
@@ -7208,107 +7168,208 @@
             <p:ph type="title"/>
           </p:nvPr>
         </p:nvSpPr>
+        <p:spPr>
+          <a:xfrm>
+            <a:off x="609600" y="381000"/>
+            <a:ext cx="7772400" cy="1143000"/>
+          </a:xfrm>
+        </p:spPr>
+        <p:txBody>
+          <a:bodyPr/>
+          <a:lstStyle/>
+          <a:p>
+            <a:r>
+              <a:rPr lang="en-US" dirty="0" smtClean="0"/>
+              <a:t>Examples</a:t>
+            </a:r>
+            <a:endParaRPr lang="en-US" dirty="0"/>
+          </a:p>
+        </p:txBody>
+      </p:sp>
+      <p:sp>
+        <p:nvSpPr>
+          <p:cNvPr id="3" name="Content Placeholder 2"/>
+          <p:cNvSpPr>
+            <a:spLocks noGrp="1"/>
+          </p:cNvSpPr>
+          <p:nvPr>
+            <p:ph idx="1"/>
+          </p:nvPr>
+        </p:nvSpPr>
         <p:spPr/>
         <p:txBody>
           <a:bodyPr/>
           <a:lstStyle/>
           <a:p>
-            <a:r>
-              <a:rPr lang="en-US" dirty="0" smtClean="0"/>
-              <a:t>Experiment</a:t>
-            </a:r>
-            <a:endParaRPr lang="en-US" dirty="0"/>
-          </a:p>
-        </p:txBody>
-      </p:sp>
-      <p:sp>
-        <p:nvSpPr>
-          <p:cNvPr id="3" name="Content Placeholder 2"/>
-          <p:cNvSpPr>
-            <a:spLocks noGrp="1"/>
-          </p:cNvSpPr>
-          <p:nvPr>
-            <p:ph idx="1"/>
-          </p:nvPr>
-        </p:nvSpPr>
-        <p:spPr>
-          <a:xfrm>
-            <a:off x="304800" y="1981200"/>
-            <a:ext cx="8458200" cy="4114800"/>
-          </a:xfrm>
-        </p:spPr>
-        <p:txBody>
-          <a:bodyPr>
-            <a:normAutofit fontScale="85000" lnSpcReduction="20000"/>
-          </a:bodyPr>
-          <a:lstStyle/>
-          <a:p>
-            <a:r>
-              <a:rPr lang="en-US" dirty="0" smtClean="0"/>
-              <a:t>Only scratched the surface of Graphics</a:t>
-            </a:r>
-          </a:p>
-          <a:p>
-            <a:pPr lvl="1"/>
-            <a:r>
-              <a:rPr lang="en-US" dirty="0" smtClean="0"/>
-              <a:t>Very simple windows and graphics</a:t>
-            </a:r>
-          </a:p>
-          <a:p>
-            <a:r>
-              <a:rPr lang="en-US" dirty="0" smtClean="0"/>
-              <a:t>Combine the graphics with GUI components</a:t>
-            </a:r>
-          </a:p>
-          <a:p>
-            <a:pPr lvl="1"/>
-            <a:r>
-              <a:rPr lang="en-US" dirty="0" smtClean="0"/>
-              <a:t>Buttons/menus</a:t>
-            </a:r>
-          </a:p>
-          <a:p>
-            <a:r>
-              <a:rPr lang="en-US" dirty="0" smtClean="0"/>
-              <a:t>Custom ‘interfaces’ components</a:t>
-            </a:r>
-          </a:p>
-          <a:p>
-            <a:pPr lvl="1"/>
-            <a:r>
-              <a:rPr lang="en-US" dirty="0" smtClean="0"/>
-              <a:t>e.g., Override default draw method for a button to create a new improved button look</a:t>
-            </a:r>
-          </a:p>
-          <a:p>
-            <a:r>
-              <a:rPr lang="en-US" dirty="0" smtClean="0"/>
-              <a:t>Events</a:t>
-            </a:r>
-          </a:p>
-          <a:p>
-            <a:pPr lvl="1"/>
-            <a:r>
-              <a:rPr lang="en-US" dirty="0" smtClean="0"/>
-              <a:t>Mouse button presses (drawing program)</a:t>
-            </a:r>
-          </a:p>
-          <a:p>
-            <a:pPr lvl="1"/>
-            <a:r>
-              <a:rPr lang="en-US" dirty="0" smtClean="0"/>
-              <a:t>Timing (animations)</a:t>
-            </a:r>
-          </a:p>
-          <a:p>
-            <a:pPr lvl="1">
-              <a:buNone/>
-            </a:pPr>
-            <a:endParaRPr lang="en-US" dirty="0"/>
-          </a:p>
-        </p:txBody>
-      </p:sp>
+            <a:endParaRPr lang="en-US"/>
+          </a:p>
+        </p:txBody>
+      </p:sp>
+      <p:pic>
+        <p:nvPicPr>
+          <p:cNvPr id="1026" name="Picture 2"/>
+          <p:cNvPicPr>
+            <a:picLocks noChangeAspect="1" noChangeArrowheads="1"/>
+          </p:cNvPicPr>
+          <p:nvPr/>
+        </p:nvPicPr>
+        <p:blipFill>
+          <a:blip r:embed="rId2"/>
+          <a:srcRect/>
+          <a:stretch>
+            <a:fillRect/>
+          </a:stretch>
+        </p:blipFill>
+        <p:spPr bwMode="auto">
+          <a:xfrm>
+            <a:off x="1905000" y="1981200"/>
+            <a:ext cx="2752725" cy="1943100"/>
+          </a:xfrm>
+          <a:prstGeom prst="rect">
+            <a:avLst/>
+          </a:prstGeom>
+          <a:noFill/>
+          <a:ln w="9525">
+            <a:noFill/>
+            <a:miter lim="800000"/>
+            <a:headEnd/>
+            <a:tailEnd/>
+          </a:ln>
+          <a:effectLst/>
+        </p:spPr>
+      </p:pic>
+      <p:pic>
+        <p:nvPicPr>
+          <p:cNvPr id="1027" name="Picture 3"/>
+          <p:cNvPicPr>
+            <a:picLocks noChangeAspect="1" noChangeArrowheads="1"/>
+          </p:cNvPicPr>
+          <p:nvPr/>
+        </p:nvPicPr>
+        <p:blipFill>
+          <a:blip r:embed="rId3"/>
+          <a:srcRect/>
+          <a:stretch>
+            <a:fillRect/>
+          </a:stretch>
+        </p:blipFill>
+        <p:spPr bwMode="auto">
+          <a:xfrm>
+            <a:off x="1981200" y="1752600"/>
+            <a:ext cx="3409950" cy="219075"/>
+          </a:xfrm>
+          <a:prstGeom prst="rect">
+            <a:avLst/>
+          </a:prstGeom>
+          <a:noFill/>
+          <a:ln w="9525">
+            <a:noFill/>
+            <a:miter lim="800000"/>
+            <a:headEnd/>
+            <a:tailEnd/>
+          </a:ln>
+          <a:effectLst/>
+        </p:spPr>
+      </p:pic>
+      <p:pic>
+        <p:nvPicPr>
+          <p:cNvPr id="1028" name="Picture 4"/>
+          <p:cNvPicPr>
+            <a:picLocks noChangeAspect="1" noChangeArrowheads="1"/>
+          </p:cNvPicPr>
+          <p:nvPr/>
+        </p:nvPicPr>
+        <p:blipFill>
+          <a:blip r:embed="rId4"/>
+          <a:srcRect/>
+          <a:stretch>
+            <a:fillRect/>
+          </a:stretch>
+        </p:blipFill>
+        <p:spPr bwMode="auto">
+          <a:xfrm>
+            <a:off x="5715000" y="2286000"/>
+            <a:ext cx="1590675" cy="962025"/>
+          </a:xfrm>
+          <a:prstGeom prst="rect">
+            <a:avLst/>
+          </a:prstGeom>
+          <a:noFill/>
+          <a:ln w="9525">
+            <a:noFill/>
+            <a:miter lim="800000"/>
+            <a:headEnd/>
+            <a:tailEnd/>
+          </a:ln>
+          <a:effectLst/>
+        </p:spPr>
+      </p:pic>
+      <p:pic>
+        <p:nvPicPr>
+          <p:cNvPr id="1029" name="Picture 5"/>
+          <p:cNvPicPr>
+            <a:picLocks noChangeAspect="1" noChangeArrowheads="1"/>
+          </p:cNvPicPr>
+          <p:nvPr/>
+        </p:nvPicPr>
+        <p:blipFill>
+          <a:blip r:embed="rId5"/>
+          <a:srcRect/>
+          <a:stretch>
+            <a:fillRect/>
+          </a:stretch>
+        </p:blipFill>
+        <p:spPr bwMode="auto">
+          <a:xfrm>
+            <a:off x="1828800" y="4800600"/>
+            <a:ext cx="3771900" cy="1562100"/>
+          </a:xfrm>
+          <a:prstGeom prst="rect">
+            <a:avLst/>
+          </a:prstGeom>
+          <a:noFill/>
+          <a:ln w="9525">
+            <a:noFill/>
+            <a:miter lim="800000"/>
+            <a:headEnd/>
+            <a:tailEnd/>
+          </a:ln>
+          <a:effectLst/>
+        </p:spPr>
+      </p:pic>
+      <p:pic>
+        <p:nvPicPr>
+          <p:cNvPr id="1030" name="Picture 6"/>
+          <p:cNvPicPr>
+            <a:picLocks noChangeAspect="1" noChangeArrowheads="1"/>
+          </p:cNvPicPr>
+          <p:nvPr/>
+        </p:nvPicPr>
+        <p:blipFill>
+          <a:blip r:embed="rId6"/>
+          <a:srcRect/>
+          <a:stretch>
+            <a:fillRect/>
+          </a:stretch>
+        </p:blipFill>
+        <p:spPr bwMode="auto">
+          <a:xfrm>
+            <a:off x="5867400" y="4876800"/>
+            <a:ext cx="1077183" cy="900112"/>
+          </a:xfrm>
+          <a:prstGeom prst="rect">
+            <a:avLst/>
+          </a:prstGeom>
+          <a:noFill/>
+          <a:ln w="9525">
+            <a:noFill/>
+            <a:miter lim="800000"/>
+            <a:headEnd/>
+            <a:tailEnd/>
+          </a:ln>
+          <a:effectLst/>
+        </p:spPr>
+      </p:pic>
     </p:spTree>
   </p:cSld>
   <p:clrMapOvr>
@@ -7336,7 +7397,7 @@
       </p:grpSpPr>
       <p:sp>
         <p:nvSpPr>
-          <p:cNvPr id="11266" name="Title 1"/>
+          <p:cNvPr id="2" name="Title 1"/>
           <p:cNvSpPr>
             <a:spLocks noGrp="1"/>
           </p:cNvSpPr>
@@ -7350,15 +7411,16 @@
           <a:lstStyle/>
           <a:p>
             <a:r>
-              <a:rPr lang="en-GB" altLang="en-US" smtClean="0"/>
-              <a:t>This Week</a:t>
-            </a:r>
-          </a:p>
-        </p:txBody>
-      </p:sp>
-      <p:sp>
-        <p:nvSpPr>
-          <p:cNvPr id="11267" name="Content Placeholder 2"/>
+              <a:rPr lang="en-US" dirty="0" smtClean="0"/>
+              <a:t>Experiment</a:t>
+            </a:r>
+            <a:endParaRPr lang="en-US" dirty="0"/>
+          </a:p>
+        </p:txBody>
+      </p:sp>
+      <p:sp>
+        <p:nvSpPr>
+          <p:cNvPr id="3" name="Content Placeholder 2"/>
           <p:cNvSpPr>
             <a:spLocks noGrp="1"/>
           </p:cNvSpPr>
@@ -7366,58 +7428,81 @@
             <p:ph idx="1"/>
           </p:nvPr>
         </p:nvSpPr>
-        <p:spPr/>
-        <p:txBody>
-          <a:bodyPr/>
-          <a:lstStyle/>
-          <a:p>
-            <a:r>
-              <a:rPr lang="en-GB" altLang="en-US" dirty="0" smtClean="0"/>
-              <a:t>Read </a:t>
-            </a:r>
-            <a:r>
-              <a:rPr lang="en-GB" altLang="en-US" dirty="0"/>
-              <a:t>Associated </a:t>
-            </a:r>
-            <a:r>
-              <a:rPr lang="en-GB" altLang="en-US" dirty="0" smtClean="0"/>
-              <a:t>Chapters</a:t>
+        <p:spPr>
+          <a:xfrm>
+            <a:off x="304800" y="1981200"/>
+            <a:ext cx="8458200" cy="4114800"/>
+          </a:xfrm>
+        </p:spPr>
+        <p:txBody>
+          <a:bodyPr>
+            <a:normAutofit fontScale="85000" lnSpcReduction="20000"/>
+          </a:bodyPr>
+          <a:lstStyle/>
+          <a:p>
+            <a:r>
+              <a:rPr lang="en-US" dirty="0" smtClean="0"/>
+              <a:t>Only scratched the surface of Graphics</a:t>
             </a:r>
           </a:p>
           <a:p>
             <a:pPr lvl="1"/>
             <a:r>
-              <a:rPr lang="en-GB" altLang="en-US" dirty="0" smtClean="0"/>
-              <a:t>Comprehensive Edition (Additional Chapters)</a:t>
-            </a:r>
-          </a:p>
-          <a:p>
-            <a:r>
-              <a:rPr lang="en-GB" altLang="en-US" dirty="0" smtClean="0"/>
-              <a:t>Review </a:t>
-            </a:r>
-            <a:r>
-              <a:rPr lang="en-GB" altLang="en-US" dirty="0" smtClean="0"/>
-              <a:t>Slides</a:t>
-            </a:r>
-            <a:endParaRPr lang="en-GB" altLang="en-US" dirty="0" smtClean="0"/>
-          </a:p>
-          <a:p>
-            <a:r>
-              <a:rPr lang="en-GB" altLang="en-US" dirty="0" smtClean="0"/>
-              <a:t>Java </a:t>
-            </a:r>
-            <a:r>
-              <a:rPr lang="en-GB" altLang="en-US" dirty="0" smtClean="0"/>
-              <a:t>Exercises</a:t>
-            </a:r>
-          </a:p>
-          <a:p>
-            <a:r>
-              <a:rPr lang="en-GB" altLang="en-US" dirty="0" smtClean="0"/>
-              <a:t>Online Quizzes</a:t>
-            </a:r>
-            <a:endParaRPr lang="en-GB" altLang="en-US" dirty="0" smtClean="0"/>
+              <a:rPr lang="en-US" dirty="0" smtClean="0"/>
+              <a:t>Very simple windows and graphics</a:t>
+            </a:r>
+          </a:p>
+          <a:p>
+            <a:r>
+              <a:rPr lang="en-US" dirty="0" smtClean="0"/>
+              <a:t>Combine the graphics with GUI components</a:t>
+            </a:r>
+          </a:p>
+          <a:p>
+            <a:pPr lvl="1"/>
+            <a:r>
+              <a:rPr lang="en-US" dirty="0" smtClean="0"/>
+              <a:t>Buttons/menus</a:t>
+            </a:r>
+          </a:p>
+          <a:p>
+            <a:r>
+              <a:rPr lang="en-US" dirty="0" smtClean="0"/>
+              <a:t>Custom ‘interfaces’ components</a:t>
+            </a:r>
+          </a:p>
+          <a:p>
+            <a:pPr lvl="1"/>
+            <a:r>
+              <a:rPr lang="en-US" dirty="0" smtClean="0"/>
+              <a:t>e.g., Override default draw method for a button to create a new improved button look</a:t>
+            </a:r>
+          </a:p>
+          <a:p>
+            <a:r>
+              <a:rPr lang="en-US" dirty="0" smtClean="0"/>
+              <a:t>Events</a:t>
+            </a:r>
+          </a:p>
+          <a:p>
+            <a:pPr lvl="1"/>
+            <a:r>
+              <a:rPr lang="en-US" dirty="0" smtClean="0"/>
+              <a:t>Mouse button presses (drawing program)</a:t>
+            </a:r>
+          </a:p>
+          <a:p>
+            <a:pPr lvl="1"/>
+            <a:r>
+              <a:rPr lang="en-US" dirty="0" smtClean="0"/>
+              <a:t>Timing (animations)</a:t>
+            </a:r>
+          </a:p>
+          <a:p>
+            <a:pPr lvl="1">
+              <a:buNone/>
+            </a:pPr>
+            <a:endParaRPr lang="en-US" dirty="0"/>
           </a:p>
         </p:txBody>
       </p:sp>
@@ -7448,7 +7533,7 @@
       </p:grpSpPr>
       <p:sp>
         <p:nvSpPr>
-          <p:cNvPr id="12290" name="Title 1"/>
+          <p:cNvPr id="11266" name="Title 1"/>
           <p:cNvSpPr>
             <a:spLocks noGrp="1"/>
           </p:cNvSpPr>
@@ -7463,14 +7548,14 @@
           <a:p>
             <a:r>
               <a:rPr lang="en-GB" altLang="en-US" smtClean="0"/>
-              <a:t>Summary</a:t>
-            </a:r>
-          </a:p>
-        </p:txBody>
-      </p:sp>
-      <p:sp>
-        <p:nvSpPr>
-          <p:cNvPr id="12291" name="Content Placeholder 2"/>
+              <a:t>This Week</a:t>
+            </a:r>
+          </a:p>
+        </p:txBody>
+      </p:sp>
+      <p:sp>
+        <p:nvSpPr>
+          <p:cNvPr id="11267" name="Content Placeholder 2"/>
           <p:cNvSpPr>
             <a:spLocks noGrp="1"/>
           </p:cNvSpPr>
@@ -7485,64 +7570,41 @@
           <a:p>
             <a:r>
               <a:rPr lang="en-GB" altLang="en-US" dirty="0" smtClean="0"/>
-              <a:t>Overview Essential Graphical </a:t>
+              <a:t>Read </a:t>
+            </a:r>
+            <a:r>
+              <a:rPr lang="en-GB" altLang="en-US" dirty="0"/>
+              <a:t>Associated </a:t>
             </a:r>
             <a:r>
               <a:rPr lang="en-GB" altLang="en-US" dirty="0" smtClean="0"/>
-              <a:t>Principles</a:t>
+              <a:t>Chapters</a:t>
             </a:r>
           </a:p>
           <a:p>
             <a:pPr lvl="1"/>
             <a:r>
-              <a:rPr lang="en-GB" altLang="en-US" dirty="0" err="1" smtClean="0"/>
-              <a:t>JFrame</a:t>
-            </a:r>
-            <a:r>
               <a:rPr lang="en-GB" altLang="en-US" dirty="0" smtClean="0"/>
-              <a:t>, </a:t>
-            </a:r>
-            <a:r>
-              <a:rPr lang="en-GB" altLang="en-US" dirty="0" err="1" smtClean="0"/>
-              <a:t>JPanel</a:t>
-            </a:r>
+              <a:t>Comprehensive Edition (Additional Chapters)</a:t>
+            </a:r>
+          </a:p>
+          <a:p>
             <a:r>
               <a:rPr lang="en-GB" altLang="en-US" dirty="0" smtClean="0"/>
-              <a:t>, </a:t>
-            </a:r>
-            <a:r>
-              <a:rPr lang="en-GB" altLang="en-US" dirty="0" err="1" smtClean="0"/>
-              <a:t>paintComponent</a:t>
-            </a:r>
+              <a:t>Review Slides</a:t>
+            </a:r>
+          </a:p>
+          <a:p>
             <a:r>
               <a:rPr lang="en-GB" altLang="en-US" dirty="0" smtClean="0"/>
-              <a:t>, @Override (Checking)</a:t>
-            </a:r>
-            <a:endParaRPr lang="en-GB" altLang="en-US" dirty="0" smtClean="0"/>
+              <a:t>Java Exercises</a:t>
+            </a:r>
           </a:p>
           <a:p>
             <a:r>
               <a:rPr lang="en-GB" altLang="en-US" dirty="0" smtClean="0"/>
-              <a:t>Hands-On/Practical</a:t>
-            </a:r>
-          </a:p>
-          <a:p>
-            <a:r>
-              <a:rPr lang="en-GB" altLang="en-US" dirty="0" smtClean="0"/>
-              <a:t>Today is about Graphics with </a:t>
-            </a:r>
-            <a:r>
-              <a:rPr lang="en-GB" altLang="en-US" dirty="0" smtClean="0"/>
-              <a:t>Java</a:t>
-            </a:r>
-          </a:p>
-          <a:p>
-            <a:pPr lvl="1"/>
-            <a:r>
-              <a:rPr lang="en-GB" altLang="en-US" dirty="0" smtClean="0"/>
-              <a:t>Drawing</a:t>
-            </a:r>
-            <a:endParaRPr lang="en-GB" altLang="en-US" dirty="0" smtClean="0"/>
+              <a:t>Online Quizzes</a:t>
+            </a:r>
           </a:p>
         </p:txBody>
       </p:sp>
@@ -7551,13 +7613,6 @@
   <p:clrMapOvr>
     <a:masterClrMapping/>
   </p:clrMapOvr>
-  <p:timing>
-    <p:tnLst>
-      <p:par>
-        <p:cTn id="1" dur="indefinite" restart="never" nodeType="tmRoot"/>
-      </p:par>
-    </p:tnLst>
-  </p:timing>
 </p:sld>
 </file>
 
@@ -7580,7 +7635,7 @@
       </p:grpSpPr>
       <p:sp>
         <p:nvSpPr>
-          <p:cNvPr id="2" name="Title 1"/>
+          <p:cNvPr id="12290" name="Title 1"/>
           <p:cNvSpPr>
             <a:spLocks noGrp="1"/>
           </p:cNvSpPr>
@@ -7594,16 +7649,15 @@
           <a:lstStyle/>
           <a:p>
             <a:r>
-              <a:rPr lang="en-US" dirty="0" smtClean="0"/>
-              <a:t>Exercises</a:t>
-            </a:r>
-            <a:endParaRPr lang="en-US" dirty="0"/>
-          </a:p>
-        </p:txBody>
-      </p:sp>
-      <p:sp>
-        <p:nvSpPr>
-          <p:cNvPr id="3" name="Content Placeholder 2"/>
+              <a:rPr lang="en-GB" altLang="en-US" smtClean="0"/>
+              <a:t>Summary</a:t>
+            </a:r>
+          </a:p>
+        </p:txBody>
+      </p:sp>
+      <p:sp>
+        <p:nvSpPr>
+          <p:cNvPr id="12291" name="Content Placeholder 2"/>
           <p:cNvSpPr>
             <a:spLocks noGrp="1"/>
           </p:cNvSpPr>
@@ -7617,40 +7671,55 @@
           <a:lstStyle/>
           <a:p>
             <a:r>
-              <a:rPr lang="en-US" dirty="0" smtClean="0"/>
-              <a:t>Chapter exercises 15.1-15.3</a:t>
-            </a:r>
-          </a:p>
-          <a:p>
-            <a:endParaRPr lang="en-US" dirty="0" smtClean="0"/>
-          </a:p>
-          <a:p>
-            <a:r>
-              <a:rPr lang="en-US" dirty="0" smtClean="0"/>
-              <a:t>Comment your code</a:t>
-            </a:r>
-            <a:endParaRPr lang="en-US" dirty="0" smtClean="0"/>
-          </a:p>
-          <a:p>
-            <a:r>
-              <a:rPr lang="en-US" dirty="0" smtClean="0"/>
-              <a:t>Remember to zip the files together</a:t>
+              <a:rPr lang="en-GB" altLang="en-US" dirty="0" smtClean="0"/>
+              <a:t>Overview Essential Graphical Principles</a:t>
             </a:r>
           </a:p>
           <a:p>
             <a:pPr lvl="1"/>
             <a:r>
-              <a:rPr lang="en-US" dirty="0" smtClean="0"/>
-              <a:t>The name of the .zip file should be your student number</a:t>
+              <a:rPr lang="en-GB" altLang="en-US" dirty="0" err="1" smtClean="0"/>
+              <a:t>JFrame</a:t>
+            </a:r>
+            <a:r>
+              <a:rPr lang="en-GB" altLang="en-US" dirty="0" smtClean="0"/>
+              <a:t>, </a:t>
+            </a:r>
+            <a:r>
+              <a:rPr lang="en-GB" altLang="en-US" dirty="0" err="1" smtClean="0"/>
+              <a:t>JPanel</a:t>
+            </a:r>
+            <a:r>
+              <a:rPr lang="en-GB" altLang="en-US" dirty="0" smtClean="0"/>
+              <a:t>, </a:t>
+            </a:r>
+            <a:r>
+              <a:rPr lang="en-GB" altLang="en-US" dirty="0" err="1" smtClean="0"/>
+              <a:t>paintComponent</a:t>
+            </a:r>
+            <a:r>
+              <a:rPr lang="en-GB" altLang="en-US" dirty="0" smtClean="0"/>
+              <a:t>, @Override (Checking)</a:t>
+            </a:r>
+          </a:p>
+          <a:p>
+            <a:r>
+              <a:rPr lang="en-GB" altLang="en-US" dirty="0" smtClean="0"/>
+              <a:t>Hands-On/Practical</a:t>
+            </a:r>
+          </a:p>
+          <a:p>
+            <a:r>
+              <a:rPr lang="en-GB" altLang="en-US" dirty="0" smtClean="0"/>
+              <a:t>Today is about Graphics with Java</a:t>
             </a:r>
           </a:p>
           <a:p>
             <a:pPr lvl="1"/>
             <a:r>
-              <a:rPr lang="en-US" dirty="0" smtClean="0"/>
-              <a:t>(e.g., 39293923923.zip)</a:t>
-            </a:r>
-            <a:endParaRPr lang="en-US" dirty="0"/>
+              <a:rPr lang="en-GB" altLang="en-US" dirty="0" smtClean="0"/>
+              <a:t>Drawing</a:t>
+            </a:r>
           </a:p>
         </p:txBody>
       </p:sp>
@@ -7659,6 +7728,13 @@
   <p:clrMapOvr>
     <a:masterClrMapping/>
   </p:clrMapOvr>
+  <p:timing>
+    <p:tnLst>
+      <p:par>
+        <p:cTn id="1" dur="indefinite" restart="never" nodeType="tmRoot"/>
+      </p:par>
+    </p:tnLst>
+  </p:timing>
 </p:sld>
 </file>
 
@@ -7681,7 +7757,7 @@
       </p:grpSpPr>
       <p:sp>
         <p:nvSpPr>
-          <p:cNvPr id="13314" name="Title 1"/>
+          <p:cNvPr id="2" name="Title 1"/>
           <p:cNvSpPr>
             <a:spLocks noGrp="1"/>
           </p:cNvSpPr>
@@ -7694,17 +7770,17 @@
           <a:bodyPr/>
           <a:lstStyle/>
           <a:p>
-            <a:pPr eaLnBrk="1" hangingPunct="1"/>
-            <a:r>
-              <a:rPr lang="en-GB" altLang="en-US" smtClean="0"/>
-              <a:t>Questions/Discussion</a:t>
-            </a:r>
-          </a:p>
-        </p:txBody>
-      </p:sp>
-      <p:sp>
-        <p:nvSpPr>
-          <p:cNvPr id="13315" name="Content Placeholder 2"/>
+            <a:r>
+              <a:rPr lang="en-US" dirty="0" smtClean="0"/>
+              <a:t>Exercises</a:t>
+            </a:r>
+            <a:endParaRPr lang="en-US" dirty="0"/>
+          </a:p>
+        </p:txBody>
+      </p:sp>
+      <p:sp>
+        <p:nvSpPr>
+          <p:cNvPr id="3" name="Content Placeholder 2"/>
           <p:cNvSpPr>
             <a:spLocks noGrp="1"/>
           </p:cNvSpPr>
@@ -7717,8 +7793,40 @@
           <a:bodyPr/>
           <a:lstStyle/>
           <a:p>
-            <a:pPr eaLnBrk="1" hangingPunct="1"/>
-            <a:endParaRPr lang="en-GB" altLang="en-US" smtClean="0"/>
+            <a:r>
+              <a:rPr lang="en-US" dirty="0" smtClean="0"/>
+              <a:t>Chapter exercises 15.1-15.3</a:t>
+            </a:r>
+          </a:p>
+          <a:p>
+            <a:endParaRPr lang="en-US" dirty="0" smtClean="0"/>
+          </a:p>
+          <a:p>
+            <a:r>
+              <a:rPr lang="en-US" dirty="0" smtClean="0"/>
+              <a:t>Comment your code</a:t>
+            </a:r>
+          </a:p>
+          <a:p>
+            <a:r>
+              <a:rPr lang="en-US" dirty="0" smtClean="0"/>
+              <a:t>Remember to zip the files together</a:t>
+            </a:r>
+          </a:p>
+          <a:p>
+            <a:pPr lvl="1"/>
+            <a:r>
+              <a:rPr lang="en-US" dirty="0" smtClean="0"/>
+              <a:t>The name of the .zip file should be your student number</a:t>
+            </a:r>
+          </a:p>
+          <a:p>
+            <a:pPr lvl="1"/>
+            <a:r>
+              <a:rPr lang="en-US" dirty="0" smtClean="0"/>
+              <a:t>(e.g., 39293923923.zip)</a:t>
+            </a:r>
+            <a:endParaRPr lang="en-US" dirty="0"/>
           </a:p>
         </p:txBody>
       </p:sp>
@@ -7727,13 +7835,6 @@
   <p:clrMapOvr>
     <a:masterClrMapping/>
   </p:clrMapOvr>
-  <p:timing>
-    <p:tnLst>
-      <p:par>
-        <p:cTn id="1" dur="indefinite" restart="never" nodeType="tmRoot"/>
-      </p:par>
-    </p:tnLst>
-  </p:timing>
 </p:sld>
 </file>
 
@@ -7756,6 +7857,81 @@
       </p:grpSpPr>
       <p:sp>
         <p:nvSpPr>
+          <p:cNvPr id="13314" name="Title 1"/>
+          <p:cNvSpPr>
+            <a:spLocks noGrp="1"/>
+          </p:cNvSpPr>
+          <p:nvPr>
+            <p:ph type="title"/>
+          </p:nvPr>
+        </p:nvSpPr>
+        <p:spPr/>
+        <p:txBody>
+          <a:bodyPr/>
+          <a:lstStyle/>
+          <a:p>
+            <a:pPr eaLnBrk="1" hangingPunct="1"/>
+            <a:r>
+              <a:rPr lang="en-GB" altLang="en-US" smtClean="0"/>
+              <a:t>Questions/Discussion</a:t>
+            </a:r>
+          </a:p>
+        </p:txBody>
+      </p:sp>
+      <p:sp>
+        <p:nvSpPr>
+          <p:cNvPr id="13315" name="Content Placeholder 2"/>
+          <p:cNvSpPr>
+            <a:spLocks noGrp="1"/>
+          </p:cNvSpPr>
+          <p:nvPr>
+            <p:ph idx="1"/>
+          </p:nvPr>
+        </p:nvSpPr>
+        <p:spPr/>
+        <p:txBody>
+          <a:bodyPr/>
+          <a:lstStyle/>
+          <a:p>
+            <a:pPr eaLnBrk="1" hangingPunct="1"/>
+            <a:endParaRPr lang="en-GB" altLang="en-US" smtClean="0"/>
+          </a:p>
+        </p:txBody>
+      </p:sp>
+    </p:spTree>
+  </p:cSld>
+  <p:clrMapOvr>
+    <a:masterClrMapping/>
+  </p:clrMapOvr>
+  <p:timing>
+    <p:tnLst>
+      <p:par>
+        <p:cTn id="1" dur="indefinite" restart="never" nodeType="tmRoot"/>
+      </p:par>
+    </p:tnLst>
+  </p:timing>
+</p:sld>
+</file>
+
+<file path=ppt/slides/slide36.xml><?xml version="1.0" encoding="utf-8"?>
+<p:sld xmlns:a="http://schemas.openxmlformats.org/drawingml/2006/main" xmlns:r="http://schemas.openxmlformats.org/officeDocument/2006/relationships" xmlns:p="http://schemas.openxmlformats.org/presentationml/2006/main">
+  <p:cSld>
+    <p:spTree>
+      <p:nvGrpSpPr>
+        <p:cNvPr id="1" name=""/>
+        <p:cNvGrpSpPr/>
+        <p:nvPr/>
+      </p:nvGrpSpPr>
+      <p:grpSpPr>
+        <a:xfrm>
+          <a:off x="0" y="0"/>
+          <a:ext cx="0" cy="0"/>
+          <a:chOff x="0" y="0"/>
+          <a:chExt cx="0" cy="0"/>
+        </a:xfrm>
+      </p:grpSpPr>
+      <p:sp>
+        <p:nvSpPr>
           <p:cNvPr id="2" name="Title 1"/>
           <p:cNvSpPr>
             <a:spLocks noGrp="1"/>
@@ -7819,7 +7995,7 @@
     </p:spTree>
     <p:extLst>
       <p:ext uri="{BB962C8B-B14F-4D97-AF65-F5344CB8AC3E}">
-        <p14:creationId xmlns:p14="http://schemas.microsoft.com/office/powerpoint/2010/main" xmlns="" val="2143275608"/>
+        <p14:creationId xmlns="" xmlns:p14="http://schemas.microsoft.com/office/powerpoint/2010/main" val="2143275608"/>
       </p:ext>
     </p:extLst>
   </p:cSld>
@@ -9003,7 +9179,7 @@
   </a:extraClrSchemeLst>
   <a:extLst>
     <a:ext uri="{05A4C25C-085E-4340-85A3-A5531E510DB2}">
-      <thm15:themeFamily xmlns:thm15="http://schemas.microsoft.com/office/thememl/2012/main" xmlns="" name="Office Theme" id="{62F939B6-93AF-4DB8-9C6B-D6C7DFDC589F}" vid="{4A3C46E8-61CC-4603-A589-7422A47A8E4A}"/>
+      <thm15:themeFamily xmlns="" xmlns:thm15="http://schemas.microsoft.com/office/thememl/2012/main" name="Office Theme" id="{62F939B6-93AF-4DB8-9C6B-D6C7DFDC589F}" vid="{4A3C46E8-61CC-4603-A589-7422A47A8E4A}"/>
     </a:ext>
   </a:extLst>
 </a:theme>
@@ -9264,7 +9440,7 @@
   <a:extraClrSchemeLst/>
   <a:extLst>
     <a:ext uri="{05A4C25C-085E-4340-85A3-A5531E510DB2}">
-      <thm15:themeFamily xmlns:thm15="http://schemas.microsoft.com/office/thememl/2012/main" xmlns="" name="Office Theme" id="{62F939B6-93AF-4DB8-9C6B-D6C7DFDC589F}" vid="{4A3C46E8-61CC-4603-A589-7422A47A8E4A}"/>
+      <thm15:themeFamily xmlns="" xmlns:thm15="http://schemas.microsoft.com/office/thememl/2012/main" name="Office Theme" id="{62F939B6-93AF-4DB8-9C6B-D6C7DFDC589F}" vid="{4A3C46E8-61CC-4603-A589-7422A47A8E4A}"/>
     </a:ext>
   </a:extLst>
 </a:theme>

--- a/OOP/lectures/080--Graphics.pptx
+++ b/OOP/lectures/080--Graphics.pptx
@@ -5,7 +5,7 @@
     <p:sldMasterId id="2147483648" r:id="rId1"/>
   </p:sldMasterIdLst>
   <p:notesMasterIdLst>
-    <p:notesMasterId r:id="rId38"/>
+    <p:notesMasterId r:id="rId39"/>
   </p:notesMasterIdLst>
   <p:sldIdLst>
     <p:sldId id="267" r:id="rId2"/>
@@ -39,11 +39,12 @@
     <p:sldId id="306" r:id="rId30"/>
     <p:sldId id="308" r:id="rId31"/>
     <p:sldId id="285" r:id="rId32"/>
-    <p:sldId id="275" r:id="rId33"/>
+    <p:sldId id="309" r:id="rId33"/>
     <p:sldId id="272" r:id="rId34"/>
-    <p:sldId id="284" r:id="rId35"/>
-    <p:sldId id="268" r:id="rId36"/>
-    <p:sldId id="276" r:id="rId37"/>
+    <p:sldId id="275" r:id="rId35"/>
+    <p:sldId id="284" r:id="rId36"/>
+    <p:sldId id="268" r:id="rId37"/>
+    <p:sldId id="276" r:id="rId38"/>
   </p:sldIdLst>
   <p:sldSz cx="9144000" cy="6858000" type="screen4x3"/>
   <p:notesSz cx="7315200" cy="9601200"/>
@@ -174,7 +175,7 @@
   </p:defaultTextStyle>
   <p:extLst>
     <p:ext uri="{EFAFB233-063F-42B5-8137-9DF3F51BA10A}">
-      <p15:sldGuideLst xmlns="" xmlns:p15="http://schemas.microsoft.com/office/powerpoint/2012/main">
+      <p15:sldGuideLst xmlns:p15="http://schemas.microsoft.com/office/powerpoint/2012/main" xmlns="">
         <p15:guide id="1" orient="horz" pos="2160">
           <p15:clr>
             <a:srgbClr val="A4A3A4"/>
@@ -241,14 +242,14 @@
           <a:effectLst/>
           <a:extLst>
             <a:ext uri="{909E8E84-426E-40DD-AFC4-6F175D3DCCD1}">
-              <a14:hiddenFill xmlns="" xmlns:a14="http://schemas.microsoft.com/office/drawing/2010/main">
+              <a14:hiddenFill xmlns:a14="http://schemas.microsoft.com/office/drawing/2010/main" xmlns="">
                 <a:solidFill>
                   <a:schemeClr val="accent1"/>
                 </a:solidFill>
               </a14:hiddenFill>
             </a:ext>
             <a:ext uri="{91240B29-F687-4F45-9708-019B960494DF}">
-              <a14:hiddenLine xmlns="" xmlns:a14="http://schemas.microsoft.com/office/drawing/2010/main" w="9525">
+              <a14:hiddenLine xmlns:a14="http://schemas.microsoft.com/office/drawing/2010/main" xmlns="" w="9525">
                 <a:solidFill>
                   <a:schemeClr val="tx1"/>
                 </a:solidFill>
@@ -258,7 +259,7 @@
               </a14:hiddenLine>
             </a:ext>
             <a:ext uri="{AF507438-7753-43E0-B8FC-AC1667EBCBE1}">
-              <a14:hiddenEffects xmlns="" xmlns:a14="http://schemas.microsoft.com/office/drawing/2010/main">
+              <a14:hiddenEffects xmlns:a14="http://schemas.microsoft.com/office/drawing/2010/main" xmlns="">
                 <a:effectLst>
                   <a:outerShdw dist="35921" dir="2700000" algn="ctr" rotWithShape="0">
                     <a:schemeClr val="bg2"/>
@@ -312,14 +313,14 @@
           <a:effectLst/>
           <a:extLst>
             <a:ext uri="{909E8E84-426E-40DD-AFC4-6F175D3DCCD1}">
-              <a14:hiddenFill xmlns="" xmlns:a14="http://schemas.microsoft.com/office/drawing/2010/main">
+              <a14:hiddenFill xmlns:a14="http://schemas.microsoft.com/office/drawing/2010/main" xmlns="">
                 <a:solidFill>
                   <a:schemeClr val="accent1"/>
                 </a:solidFill>
               </a14:hiddenFill>
             </a:ext>
             <a:ext uri="{91240B29-F687-4F45-9708-019B960494DF}">
-              <a14:hiddenLine xmlns="" xmlns:a14="http://schemas.microsoft.com/office/drawing/2010/main" w="9525">
+              <a14:hiddenLine xmlns:a14="http://schemas.microsoft.com/office/drawing/2010/main" xmlns="" w="9525">
                 <a:solidFill>
                   <a:schemeClr val="tx1"/>
                 </a:solidFill>
@@ -329,7 +330,7 @@
               </a14:hiddenLine>
             </a:ext>
             <a:ext uri="{AF507438-7753-43E0-B8FC-AC1667EBCBE1}">
-              <a14:hiddenEffects xmlns="" xmlns:a14="http://schemas.microsoft.com/office/drawing/2010/main">
+              <a14:hiddenEffects xmlns:a14="http://schemas.microsoft.com/office/drawing/2010/main" xmlns="">
                 <a:effectLst>
                   <a:outerShdw dist="35921" dir="2700000" algn="ctr" rotWithShape="0">
                     <a:schemeClr val="bg2"/>
@@ -388,14 +389,14 @@
           <a:effectLst/>
           <a:extLst>
             <a:ext uri="{909E8E84-426E-40DD-AFC4-6F175D3DCCD1}">
-              <a14:hiddenFill xmlns="" xmlns:a14="http://schemas.microsoft.com/office/drawing/2010/main">
+              <a14:hiddenFill xmlns:a14="http://schemas.microsoft.com/office/drawing/2010/main" xmlns="">
                 <a:solidFill>
                   <a:srgbClr val="FFFFFF"/>
                 </a:solidFill>
               </a14:hiddenFill>
             </a:ext>
             <a:ext uri="{AF507438-7753-43E0-B8FC-AC1667EBCBE1}">
-              <a14:hiddenEffects xmlns="" xmlns:a14="http://schemas.microsoft.com/office/drawing/2010/main">
+              <a14:hiddenEffects xmlns:a14="http://schemas.microsoft.com/office/drawing/2010/main" xmlns="">
                 <a:effectLst>
                   <a:outerShdw dist="35921" dir="2700000" algn="ctr" rotWithShape="0">
                     <a:srgbClr val="808080"/>
@@ -404,7 +405,7 @@
               </a14:hiddenEffects>
             </a:ext>
             <a:ext uri="{53640926-AAD7-44D8-BBD7-CCE9431645EC}">
-              <a14:shadowObscured xmlns="" xmlns:a14="http://schemas.microsoft.com/office/drawing/2010/main" val="1"/>
+              <a14:shadowObscured xmlns:a14="http://schemas.microsoft.com/office/drawing/2010/main" xmlns="" val="1"/>
             </a:ext>
           </a:extLst>
         </p:spPr>
@@ -434,14 +435,14 @@
           <a:effectLst/>
           <a:extLst>
             <a:ext uri="{909E8E84-426E-40DD-AFC4-6F175D3DCCD1}">
-              <a14:hiddenFill xmlns="" xmlns:a14="http://schemas.microsoft.com/office/drawing/2010/main">
+              <a14:hiddenFill xmlns:a14="http://schemas.microsoft.com/office/drawing/2010/main" xmlns="">
                 <a:solidFill>
                   <a:schemeClr val="accent1"/>
                 </a:solidFill>
               </a14:hiddenFill>
             </a:ext>
             <a:ext uri="{91240B29-F687-4F45-9708-019B960494DF}">
-              <a14:hiddenLine xmlns="" xmlns:a14="http://schemas.microsoft.com/office/drawing/2010/main" w="9525">
+              <a14:hiddenLine xmlns:a14="http://schemas.microsoft.com/office/drawing/2010/main" xmlns="" w="9525">
                 <a:solidFill>
                   <a:schemeClr val="tx1"/>
                 </a:solidFill>
@@ -451,7 +452,7 @@
               </a14:hiddenLine>
             </a:ext>
             <a:ext uri="{AF507438-7753-43E0-B8FC-AC1667EBCBE1}">
-              <a14:hiddenEffects xmlns="" xmlns:a14="http://schemas.microsoft.com/office/drawing/2010/main">
+              <a14:hiddenEffects xmlns:a14="http://schemas.microsoft.com/office/drawing/2010/main" xmlns="">
                 <a:effectLst>
                   <a:outerShdw dist="35921" dir="2700000" algn="ctr" rotWithShape="0">
                     <a:schemeClr val="bg2"/>
@@ -530,14 +531,14 @@
           <a:effectLst/>
           <a:extLst>
             <a:ext uri="{909E8E84-426E-40DD-AFC4-6F175D3DCCD1}">
-              <a14:hiddenFill xmlns="" xmlns:a14="http://schemas.microsoft.com/office/drawing/2010/main">
+              <a14:hiddenFill xmlns:a14="http://schemas.microsoft.com/office/drawing/2010/main" xmlns="">
                 <a:solidFill>
                   <a:schemeClr val="accent1"/>
                 </a:solidFill>
               </a14:hiddenFill>
             </a:ext>
             <a:ext uri="{91240B29-F687-4F45-9708-019B960494DF}">
-              <a14:hiddenLine xmlns="" xmlns:a14="http://schemas.microsoft.com/office/drawing/2010/main" w="9525">
+              <a14:hiddenLine xmlns:a14="http://schemas.microsoft.com/office/drawing/2010/main" xmlns="" w="9525">
                 <a:solidFill>
                   <a:schemeClr val="tx1"/>
                 </a:solidFill>
@@ -547,7 +548,7 @@
               </a14:hiddenLine>
             </a:ext>
             <a:ext uri="{AF507438-7753-43E0-B8FC-AC1667EBCBE1}">
-              <a14:hiddenEffects xmlns="" xmlns:a14="http://schemas.microsoft.com/office/drawing/2010/main">
+              <a14:hiddenEffects xmlns:a14="http://schemas.microsoft.com/office/drawing/2010/main" xmlns="">
                 <a:effectLst>
                   <a:outerShdw dist="35921" dir="2700000" algn="ctr" rotWithShape="0">
                     <a:schemeClr val="bg2"/>
@@ -601,14 +602,14 @@
           <a:effectLst/>
           <a:extLst>
             <a:ext uri="{909E8E84-426E-40DD-AFC4-6F175D3DCCD1}">
-              <a14:hiddenFill xmlns="" xmlns:a14="http://schemas.microsoft.com/office/drawing/2010/main">
+              <a14:hiddenFill xmlns:a14="http://schemas.microsoft.com/office/drawing/2010/main" xmlns="">
                 <a:solidFill>
                   <a:schemeClr val="accent1"/>
                 </a:solidFill>
               </a14:hiddenFill>
             </a:ext>
             <a:ext uri="{91240B29-F687-4F45-9708-019B960494DF}">
-              <a14:hiddenLine xmlns="" xmlns:a14="http://schemas.microsoft.com/office/drawing/2010/main" w="9525">
+              <a14:hiddenLine xmlns:a14="http://schemas.microsoft.com/office/drawing/2010/main" xmlns="" w="9525">
                 <a:solidFill>
                   <a:schemeClr val="tx1"/>
                 </a:solidFill>
@@ -618,7 +619,7 @@
               </a14:hiddenLine>
             </a:ext>
             <a:ext uri="{AF507438-7753-43E0-B8FC-AC1667EBCBE1}">
-              <a14:hiddenEffects xmlns="" xmlns:a14="http://schemas.microsoft.com/office/drawing/2010/main">
+              <a14:hiddenEffects xmlns:a14="http://schemas.microsoft.com/office/drawing/2010/main" xmlns="">
                 <a:effectLst>
                   <a:outerShdw dist="35921" dir="2700000" algn="ctr" rotWithShape="0">
                     <a:schemeClr val="bg2"/>
@@ -657,7 +658,7 @@
     </p:spTree>
     <p:extLst>
       <p:ext uri="{BB962C8B-B14F-4D97-AF65-F5344CB8AC3E}">
-        <p14:creationId xmlns="" xmlns:p14="http://schemas.microsoft.com/office/powerpoint/2010/main" val="732687000"/>
+        <p14:creationId xmlns:p14="http://schemas.microsoft.com/office/powerpoint/2010/main" xmlns="" val="732687000"/>
       </p:ext>
     </p:extLst>
   </p:cSld>
@@ -904,7 +905,7 @@
     </p:spTree>
     <p:extLst>
       <p:ext uri="{BB962C8B-B14F-4D97-AF65-F5344CB8AC3E}">
-        <p14:creationId xmlns="" xmlns:p14="http://schemas.microsoft.com/office/powerpoint/2010/main" val="2795558893"/>
+        <p14:creationId xmlns:p14="http://schemas.microsoft.com/office/powerpoint/2010/main" xmlns="" val="2795558893"/>
       </p:ext>
     </p:extLst>
   </p:cSld>
@@ -1041,7 +1042,7 @@
               <a:pPr>
                 <a:defRPr/>
               </a:pPr>
-              <a:t>11/11/2017</a:t>
+              <a:t>11/12/2017</a:t>
             </a:fld>
             <a:endParaRPr lang="en-US" altLang="en-US"/>
           </a:p>
@@ -1128,7 +1129,7 @@
     </p:spTree>
     <p:extLst>
       <p:ext uri="{BB962C8B-B14F-4D97-AF65-F5344CB8AC3E}">
-        <p14:creationId xmlns="" xmlns:p14="http://schemas.microsoft.com/office/powerpoint/2010/main" val="3173416786"/>
+        <p14:creationId xmlns:p14="http://schemas.microsoft.com/office/powerpoint/2010/main" xmlns="" val="3173416786"/>
       </p:ext>
     </p:extLst>
   </p:cSld>
@@ -1275,7 +1276,7 @@
               <a:pPr>
                 <a:defRPr/>
               </a:pPr>
-              <a:t>11/11/2017</a:t>
+              <a:t>11/12/2017</a:t>
             </a:fld>
             <a:endParaRPr lang="en-US" altLang="en-US"/>
           </a:p>
@@ -1362,7 +1363,7 @@
     </p:spTree>
     <p:extLst>
       <p:ext uri="{BB962C8B-B14F-4D97-AF65-F5344CB8AC3E}">
-        <p14:creationId xmlns="" xmlns:p14="http://schemas.microsoft.com/office/powerpoint/2010/main" val="1275097484"/>
+        <p14:creationId xmlns:p14="http://schemas.microsoft.com/office/powerpoint/2010/main" xmlns="" val="1275097484"/>
       </p:ext>
     </p:extLst>
   </p:cSld>
@@ -1467,7 +1468,7 @@
     </p:spTree>
     <p:extLst>
       <p:ext uri="{BB962C8B-B14F-4D97-AF65-F5344CB8AC3E}">
-        <p14:creationId xmlns="" xmlns:p14="http://schemas.microsoft.com/office/powerpoint/2010/main" val="3532521555"/>
+        <p14:creationId xmlns:p14="http://schemas.microsoft.com/office/powerpoint/2010/main" xmlns="" val="3532521555"/>
       </p:ext>
     </p:extLst>
   </p:cSld>
@@ -1594,7 +1595,7 @@
     </p:spTree>
     <p:extLst>
       <p:ext uri="{BB962C8B-B14F-4D97-AF65-F5344CB8AC3E}">
-        <p14:creationId xmlns="" xmlns:p14="http://schemas.microsoft.com/office/powerpoint/2010/main" val="3158447180"/>
+        <p14:creationId xmlns:p14="http://schemas.microsoft.com/office/powerpoint/2010/main" xmlns="" val="3158447180"/>
       </p:ext>
     </p:extLst>
   </p:cSld>
@@ -1761,7 +1762,7 @@
     </p:spTree>
     <p:extLst>
       <p:ext uri="{BB962C8B-B14F-4D97-AF65-F5344CB8AC3E}">
-        <p14:creationId xmlns="" xmlns:p14="http://schemas.microsoft.com/office/powerpoint/2010/main" val="1581939673"/>
+        <p14:creationId xmlns:p14="http://schemas.microsoft.com/office/powerpoint/2010/main" xmlns="" val="1581939673"/>
       </p:ext>
     </p:extLst>
   </p:cSld>
@@ -2063,7 +2064,7 @@
     </p:spTree>
     <p:extLst>
       <p:ext uri="{BB962C8B-B14F-4D97-AF65-F5344CB8AC3E}">
-        <p14:creationId xmlns="" xmlns:p14="http://schemas.microsoft.com/office/powerpoint/2010/main" val="2440770789"/>
+        <p14:creationId xmlns:p14="http://schemas.microsoft.com/office/powerpoint/2010/main" xmlns="" val="2440770789"/>
       </p:ext>
     </p:extLst>
   </p:cSld>
@@ -2148,7 +2149,7 @@
               <a:pPr>
                 <a:defRPr/>
               </a:pPr>
-              <a:t>11/11/2017</a:t>
+              <a:t>11/12/2017</a:t>
             </a:fld>
             <a:endParaRPr lang="en-US" altLang="en-US"/>
           </a:p>
@@ -2235,7 +2236,7 @@
     </p:spTree>
     <p:extLst>
       <p:ext uri="{BB962C8B-B14F-4D97-AF65-F5344CB8AC3E}">
-        <p14:creationId xmlns="" xmlns:p14="http://schemas.microsoft.com/office/powerpoint/2010/main" val="2741512224"/>
+        <p14:creationId xmlns:p14="http://schemas.microsoft.com/office/powerpoint/2010/main" xmlns="" val="2741512224"/>
       </p:ext>
     </p:extLst>
   </p:cSld>
@@ -2297,7 +2298,7 @@
               <a:pPr>
                 <a:defRPr/>
               </a:pPr>
-              <a:t>11/11/2017</a:t>
+              <a:t>11/12/2017</a:t>
             </a:fld>
             <a:endParaRPr lang="en-US" altLang="en-US"/>
           </a:p>
@@ -2384,7 +2385,7 @@
     </p:spTree>
     <p:extLst>
       <p:ext uri="{BB962C8B-B14F-4D97-AF65-F5344CB8AC3E}">
-        <p14:creationId xmlns="" xmlns:p14="http://schemas.microsoft.com/office/powerpoint/2010/main" val="1207951031"/>
+        <p14:creationId xmlns:p14="http://schemas.microsoft.com/office/powerpoint/2010/main" xmlns="" val="1207951031"/>
       </p:ext>
     </p:extLst>
   </p:cSld>
@@ -2628,7 +2629,7 @@
               <a:pPr>
                 <a:defRPr/>
               </a:pPr>
-              <a:t>11/11/2017</a:t>
+              <a:t>11/12/2017</a:t>
             </a:fld>
             <a:endParaRPr lang="en-US" altLang="en-US"/>
           </a:p>
@@ -2715,7 +2716,7 @@
     </p:spTree>
     <p:extLst>
       <p:ext uri="{BB962C8B-B14F-4D97-AF65-F5344CB8AC3E}">
-        <p14:creationId xmlns="" xmlns:p14="http://schemas.microsoft.com/office/powerpoint/2010/main" val="859093633"/>
+        <p14:creationId xmlns:p14="http://schemas.microsoft.com/office/powerpoint/2010/main" xmlns="" val="859093633"/>
       </p:ext>
     </p:extLst>
   </p:cSld>
@@ -2936,7 +2937,7 @@
               <a:pPr>
                 <a:defRPr/>
               </a:pPr>
-              <a:t>11/11/2017</a:t>
+              <a:t>11/12/2017</a:t>
             </a:fld>
             <a:endParaRPr lang="en-US" altLang="en-US"/>
           </a:p>
@@ -3023,7 +3024,7 @@
     </p:spTree>
     <p:extLst>
       <p:ext uri="{BB962C8B-B14F-4D97-AF65-F5344CB8AC3E}">
-        <p14:creationId xmlns="" xmlns:p14="http://schemas.microsoft.com/office/powerpoint/2010/main" val="396124935"/>
+        <p14:creationId xmlns:p14="http://schemas.microsoft.com/office/powerpoint/2010/main" xmlns="" val="396124935"/>
       </p:ext>
     </p:extLst>
   </p:cSld>
@@ -3083,14 +3084,14 @@
           <a:effectLst/>
           <a:extLst>
             <a:ext uri="{909E8E84-426E-40DD-AFC4-6F175D3DCCD1}">
-              <a14:hiddenFill xmlns="" xmlns:a14="http://schemas.microsoft.com/office/drawing/2010/main">
+              <a14:hiddenFill xmlns:a14="http://schemas.microsoft.com/office/drawing/2010/main" xmlns="">
                 <a:solidFill>
                   <a:schemeClr val="accent1"/>
                 </a:solidFill>
               </a14:hiddenFill>
             </a:ext>
             <a:ext uri="{91240B29-F687-4F45-9708-019B960494DF}">
-              <a14:hiddenLine xmlns="" xmlns:a14="http://schemas.microsoft.com/office/drawing/2010/main" w="9525">
+              <a14:hiddenLine xmlns:a14="http://schemas.microsoft.com/office/drawing/2010/main" xmlns="" w="9525">
                 <a:solidFill>
                   <a:schemeClr val="tx1"/>
                 </a:solidFill>
@@ -3100,7 +3101,7 @@
               </a14:hiddenLine>
             </a:ext>
             <a:ext uri="{AF507438-7753-43E0-B8FC-AC1667EBCBE1}">
-              <a14:hiddenEffects xmlns="" xmlns:a14="http://schemas.microsoft.com/office/drawing/2010/main">
+              <a14:hiddenEffects xmlns:a14="http://schemas.microsoft.com/office/drawing/2010/main" xmlns="">
                 <a:effectLst>
                   <a:outerShdw dist="35921" dir="2700000" algn="ctr" rotWithShape="0">
                     <a:schemeClr val="bg2"/>
@@ -3151,14 +3152,14 @@
           <a:effectLst/>
           <a:extLst>
             <a:ext uri="{909E8E84-426E-40DD-AFC4-6F175D3DCCD1}">
-              <a14:hiddenFill xmlns="" xmlns:a14="http://schemas.microsoft.com/office/drawing/2010/main">
+              <a14:hiddenFill xmlns:a14="http://schemas.microsoft.com/office/drawing/2010/main" xmlns="">
                 <a:solidFill>
                   <a:schemeClr val="accent1"/>
                 </a:solidFill>
               </a14:hiddenFill>
             </a:ext>
             <a:ext uri="{91240B29-F687-4F45-9708-019B960494DF}">
-              <a14:hiddenLine xmlns="" xmlns:a14="http://schemas.microsoft.com/office/drawing/2010/main" w="9525">
+              <a14:hiddenLine xmlns:a14="http://schemas.microsoft.com/office/drawing/2010/main" xmlns="" w="9525">
                 <a:solidFill>
                   <a:schemeClr val="tx1"/>
                 </a:solidFill>
@@ -3168,7 +3169,7 @@
               </a14:hiddenLine>
             </a:ext>
             <a:ext uri="{AF507438-7753-43E0-B8FC-AC1667EBCBE1}">
-              <a14:hiddenEffects xmlns="" xmlns:a14="http://schemas.microsoft.com/office/drawing/2010/main">
+              <a14:hiddenEffects xmlns:a14="http://schemas.microsoft.com/office/drawing/2010/main" xmlns="">
                 <a:effectLst>
                   <a:outerShdw dist="35921" dir="2700000" algn="ctr" rotWithShape="0">
                     <a:schemeClr val="bg2"/>
@@ -3717,14 +3718,14 @@
           </a:ln>
           <a:extLst>
             <a:ext uri="{909E8E84-426E-40DD-AFC4-6F175D3DCCD1}">
-              <a14:hiddenFill xmlns="" xmlns:a14="http://schemas.microsoft.com/office/drawing/2010/main">
+              <a14:hiddenFill xmlns:a14="http://schemas.microsoft.com/office/drawing/2010/main" xmlns="">
                 <a:solidFill>
                   <a:srgbClr val="FFFFFF"/>
                 </a:solidFill>
               </a14:hiddenFill>
             </a:ext>
             <a:ext uri="{91240B29-F687-4F45-9708-019B960494DF}">
-              <a14:hiddenLine xmlns="" xmlns:a14="http://schemas.microsoft.com/office/drawing/2010/main" w="9525">
+              <a14:hiddenLine xmlns:a14="http://schemas.microsoft.com/office/drawing/2010/main" xmlns="" w="9525">
                 <a:solidFill>
                   <a:srgbClr val="000000"/>
                 </a:solidFill>
@@ -7131,7 +7132,7 @@
     </p:spTree>
     <p:extLst>
       <p:ext uri="{BB962C8B-B14F-4D97-AF65-F5344CB8AC3E}">
-        <p14:creationId xmlns="" xmlns:p14="http://schemas.microsoft.com/office/powerpoint/2010/main" val="1348450408"/>
+        <p14:creationId xmlns:p14="http://schemas.microsoft.com/office/powerpoint/2010/main" xmlns="" val="1348450408"/>
       </p:ext>
     </p:extLst>
   </p:cSld>
@@ -7533,7 +7534,7 @@
       </p:grpSpPr>
       <p:sp>
         <p:nvSpPr>
-          <p:cNvPr id="11266" name="Title 1"/>
+          <p:cNvPr id="2" name="Title 1"/>
           <p:cNvSpPr>
             <a:spLocks noGrp="1"/>
           </p:cNvSpPr>
@@ -7547,15 +7548,16 @@
           <a:lstStyle/>
           <a:p>
             <a:r>
-              <a:rPr lang="en-GB" altLang="en-US" smtClean="0"/>
-              <a:t>This Week</a:t>
-            </a:r>
-          </a:p>
-        </p:txBody>
-      </p:sp>
-      <p:sp>
-        <p:nvSpPr>
-          <p:cNvPr id="11267" name="Content Placeholder 2"/>
+              <a:rPr lang="en-US" dirty="0" smtClean="0"/>
+              <a:t>Challenge</a:t>
+            </a:r>
+            <a:endParaRPr lang="en-US" dirty="0"/>
+          </a:p>
+        </p:txBody>
+      </p:sp>
+      <p:sp>
+        <p:nvSpPr>
+          <p:cNvPr id="3" name="Content Placeholder 2"/>
           <p:cNvSpPr>
             <a:spLocks noGrp="1"/>
           </p:cNvSpPr>
@@ -7569,42 +7571,42 @@
           <a:lstStyle/>
           <a:p>
             <a:r>
-              <a:rPr lang="en-GB" altLang="en-US" dirty="0" smtClean="0"/>
-              <a:t>Read </a:t>
-            </a:r>
-            <a:r>
-              <a:rPr lang="en-GB" altLang="en-US" dirty="0"/>
-              <a:t>Associated </a:t>
-            </a:r>
-            <a:r>
-              <a:rPr lang="en-GB" altLang="en-US" dirty="0" smtClean="0"/>
-              <a:t>Chapters</a:t>
+              <a:rPr lang="en-US" dirty="0" smtClean="0"/>
+              <a:t>Create a simple vector drawing program in Java</a:t>
+            </a:r>
+          </a:p>
+          <a:p>
+            <a:r>
+              <a:rPr lang="en-US" dirty="0" smtClean="0"/>
+              <a:t>Clear/load/save drawings</a:t>
+            </a:r>
+          </a:p>
+          <a:p>
+            <a:r>
+              <a:rPr lang="en-US" dirty="0" smtClean="0"/>
+              <a:t>Select buttons for different operations</a:t>
             </a:r>
           </a:p>
           <a:p>
             <a:pPr lvl="1"/>
             <a:r>
-              <a:rPr lang="en-GB" altLang="en-US" dirty="0" smtClean="0"/>
-              <a:t>Comprehensive Edition (Additional Chapters)</a:t>
-            </a:r>
-          </a:p>
-          <a:p>
-            <a:r>
-              <a:rPr lang="en-GB" altLang="en-US" dirty="0" smtClean="0"/>
-              <a:t>Review Slides</a:t>
-            </a:r>
-          </a:p>
-          <a:p>
-            <a:r>
-              <a:rPr lang="en-GB" altLang="en-US" dirty="0" smtClean="0"/>
-              <a:t>Java Exercises</a:t>
-            </a:r>
-          </a:p>
-          <a:p>
-            <a:r>
-              <a:rPr lang="en-GB" altLang="en-US" dirty="0" smtClean="0"/>
-              <a:t>Online Quizzes</a:t>
-            </a:r>
+              <a:rPr lang="en-US" dirty="0" smtClean="0"/>
+              <a:t>line, circle, color, ...</a:t>
+            </a:r>
+          </a:p>
+          <a:p>
+            <a:r>
+              <a:rPr lang="en-US" dirty="0" smtClean="0"/>
+              <a:t>Detect mouse button presses</a:t>
+            </a:r>
+          </a:p>
+          <a:p>
+            <a:pPr lvl="1"/>
+            <a:r>
+              <a:rPr lang="en-US" dirty="0" smtClean="0"/>
+              <a:t>draw lines, drag shapes, pick objects</a:t>
+            </a:r>
+            <a:endParaRPr lang="en-US" dirty="0"/>
           </a:p>
         </p:txBody>
       </p:sp>
@@ -7757,7 +7759,7 @@
       </p:grpSpPr>
       <p:sp>
         <p:nvSpPr>
-          <p:cNvPr id="2" name="Title 1"/>
+          <p:cNvPr id="11266" name="Title 1"/>
           <p:cNvSpPr>
             <a:spLocks noGrp="1"/>
           </p:cNvSpPr>
@@ -7771,16 +7773,15 @@
           <a:lstStyle/>
           <a:p>
             <a:r>
-              <a:rPr lang="en-US" dirty="0" smtClean="0"/>
-              <a:t>Exercises</a:t>
-            </a:r>
-            <a:endParaRPr lang="en-US" dirty="0"/>
-          </a:p>
-        </p:txBody>
-      </p:sp>
-      <p:sp>
-        <p:nvSpPr>
-          <p:cNvPr id="3" name="Content Placeholder 2"/>
+              <a:rPr lang="en-GB" altLang="en-US" smtClean="0"/>
+              <a:t>This Week</a:t>
+            </a:r>
+          </a:p>
+        </p:txBody>
+      </p:sp>
+      <p:sp>
+        <p:nvSpPr>
+          <p:cNvPr id="11267" name="Content Placeholder 2"/>
           <p:cNvSpPr>
             <a:spLocks noGrp="1"/>
           </p:cNvSpPr>
@@ -7794,39 +7795,42 @@
           <a:lstStyle/>
           <a:p>
             <a:r>
-              <a:rPr lang="en-US" dirty="0" smtClean="0"/>
-              <a:t>Chapter exercises 15.1-15.3</a:t>
-            </a:r>
-          </a:p>
-          <a:p>
-            <a:endParaRPr lang="en-US" dirty="0" smtClean="0"/>
-          </a:p>
-          <a:p>
-            <a:r>
-              <a:rPr lang="en-US" dirty="0" smtClean="0"/>
-              <a:t>Comment your code</a:t>
-            </a:r>
-          </a:p>
-          <a:p>
-            <a:r>
-              <a:rPr lang="en-US" dirty="0" smtClean="0"/>
-              <a:t>Remember to zip the files together</a:t>
+              <a:rPr lang="en-GB" altLang="en-US" dirty="0" smtClean="0"/>
+              <a:t>Read </a:t>
+            </a:r>
+            <a:r>
+              <a:rPr lang="en-GB" altLang="en-US" dirty="0"/>
+              <a:t>Associated </a:t>
+            </a:r>
+            <a:r>
+              <a:rPr lang="en-GB" altLang="en-US" dirty="0" smtClean="0"/>
+              <a:t>Chapters</a:t>
             </a:r>
           </a:p>
           <a:p>
             <a:pPr lvl="1"/>
             <a:r>
-              <a:rPr lang="en-US" dirty="0" smtClean="0"/>
-              <a:t>The name of the .zip file should be your student number</a:t>
-            </a:r>
-          </a:p>
-          <a:p>
-            <a:pPr lvl="1"/>
-            <a:r>
-              <a:rPr lang="en-US" dirty="0" smtClean="0"/>
-              <a:t>(e.g., 39293923923.zip)</a:t>
-            </a:r>
-            <a:endParaRPr lang="en-US" dirty="0"/>
+              <a:rPr lang="en-GB" altLang="en-US" dirty="0" smtClean="0"/>
+              <a:t>Comprehensive Edition (Additional Chapters)</a:t>
+            </a:r>
+          </a:p>
+          <a:p>
+            <a:r>
+              <a:rPr lang="en-GB" altLang="en-US" dirty="0" smtClean="0"/>
+              <a:t>Review Slides</a:t>
+            </a:r>
+          </a:p>
+          <a:p>
+            <a:r>
+              <a:rPr lang="en-GB" altLang="en-US" dirty="0" smtClean="0"/>
+              <a:t>Java Exercises</a:t>
+            </a:r>
+          </a:p>
+          <a:p>
+            <a:r>
+              <a:rPr lang="en-GB" altLang="en-US" dirty="0" smtClean="0"/>
+              <a:t>Online Quizzes</a:t>
+            </a:r>
           </a:p>
         </p:txBody>
       </p:sp>
@@ -7857,7 +7861,7 @@
       </p:grpSpPr>
       <p:sp>
         <p:nvSpPr>
-          <p:cNvPr id="13314" name="Title 1"/>
+          <p:cNvPr id="2" name="Title 1"/>
           <p:cNvSpPr>
             <a:spLocks noGrp="1"/>
           </p:cNvSpPr>
@@ -7870,17 +7874,17 @@
           <a:bodyPr/>
           <a:lstStyle/>
           <a:p>
-            <a:pPr eaLnBrk="1" hangingPunct="1"/>
-            <a:r>
-              <a:rPr lang="en-GB" altLang="en-US" smtClean="0"/>
-              <a:t>Questions/Discussion</a:t>
-            </a:r>
-          </a:p>
-        </p:txBody>
-      </p:sp>
-      <p:sp>
-        <p:nvSpPr>
-          <p:cNvPr id="13315" name="Content Placeholder 2"/>
+            <a:r>
+              <a:rPr lang="en-US" dirty="0" smtClean="0"/>
+              <a:t>Exercises</a:t>
+            </a:r>
+            <a:endParaRPr lang="en-US" dirty="0"/>
+          </a:p>
+        </p:txBody>
+      </p:sp>
+      <p:sp>
+        <p:nvSpPr>
+          <p:cNvPr id="3" name="Content Placeholder 2"/>
           <p:cNvSpPr>
             <a:spLocks noGrp="1"/>
           </p:cNvSpPr>
@@ -7893,8 +7897,40 @@
           <a:bodyPr/>
           <a:lstStyle/>
           <a:p>
-            <a:pPr eaLnBrk="1" hangingPunct="1"/>
-            <a:endParaRPr lang="en-GB" altLang="en-US" smtClean="0"/>
+            <a:r>
+              <a:rPr lang="en-US" dirty="0" smtClean="0"/>
+              <a:t>Chapter exercises 15.1-15.3</a:t>
+            </a:r>
+          </a:p>
+          <a:p>
+            <a:endParaRPr lang="en-US" dirty="0" smtClean="0"/>
+          </a:p>
+          <a:p>
+            <a:r>
+              <a:rPr lang="en-US" dirty="0" smtClean="0"/>
+              <a:t>Comment your code</a:t>
+            </a:r>
+          </a:p>
+          <a:p>
+            <a:r>
+              <a:rPr lang="en-US" dirty="0" smtClean="0"/>
+              <a:t>Remember to zip the files together</a:t>
+            </a:r>
+          </a:p>
+          <a:p>
+            <a:pPr lvl="1"/>
+            <a:r>
+              <a:rPr lang="en-US" dirty="0" smtClean="0"/>
+              <a:t>The name of the .zip file should be your student number</a:t>
+            </a:r>
+          </a:p>
+          <a:p>
+            <a:pPr lvl="1"/>
+            <a:r>
+              <a:rPr lang="en-US" dirty="0" smtClean="0"/>
+              <a:t>(e.g., 39293923923.zip)</a:t>
+            </a:r>
+            <a:endParaRPr lang="en-US" dirty="0"/>
           </a:p>
         </p:txBody>
       </p:sp>
@@ -7903,13 +7939,6 @@
   <p:clrMapOvr>
     <a:masterClrMapping/>
   </p:clrMapOvr>
-  <p:timing>
-    <p:tnLst>
-      <p:par>
-        <p:cTn id="1" dur="indefinite" restart="never" nodeType="tmRoot"/>
-      </p:par>
-    </p:tnLst>
-  </p:timing>
 </p:sld>
 </file>
 
@@ -7932,6 +7961,81 @@
       </p:grpSpPr>
       <p:sp>
         <p:nvSpPr>
+          <p:cNvPr id="13314" name="Title 1"/>
+          <p:cNvSpPr>
+            <a:spLocks noGrp="1"/>
+          </p:cNvSpPr>
+          <p:nvPr>
+            <p:ph type="title"/>
+          </p:nvPr>
+        </p:nvSpPr>
+        <p:spPr/>
+        <p:txBody>
+          <a:bodyPr/>
+          <a:lstStyle/>
+          <a:p>
+            <a:pPr eaLnBrk="1" hangingPunct="1"/>
+            <a:r>
+              <a:rPr lang="en-GB" altLang="en-US" smtClean="0"/>
+              <a:t>Questions/Discussion</a:t>
+            </a:r>
+          </a:p>
+        </p:txBody>
+      </p:sp>
+      <p:sp>
+        <p:nvSpPr>
+          <p:cNvPr id="13315" name="Content Placeholder 2"/>
+          <p:cNvSpPr>
+            <a:spLocks noGrp="1"/>
+          </p:cNvSpPr>
+          <p:nvPr>
+            <p:ph idx="1"/>
+          </p:nvPr>
+        </p:nvSpPr>
+        <p:spPr/>
+        <p:txBody>
+          <a:bodyPr/>
+          <a:lstStyle/>
+          <a:p>
+            <a:pPr eaLnBrk="1" hangingPunct="1"/>
+            <a:endParaRPr lang="en-GB" altLang="en-US" smtClean="0"/>
+          </a:p>
+        </p:txBody>
+      </p:sp>
+    </p:spTree>
+  </p:cSld>
+  <p:clrMapOvr>
+    <a:masterClrMapping/>
+  </p:clrMapOvr>
+  <p:timing>
+    <p:tnLst>
+      <p:par>
+        <p:cTn id="1" dur="indefinite" restart="never" nodeType="tmRoot"/>
+      </p:par>
+    </p:tnLst>
+  </p:timing>
+</p:sld>
+</file>
+
+<file path=ppt/slides/slide37.xml><?xml version="1.0" encoding="utf-8"?>
+<p:sld xmlns:a="http://schemas.openxmlformats.org/drawingml/2006/main" xmlns:r="http://schemas.openxmlformats.org/officeDocument/2006/relationships" xmlns:p="http://schemas.openxmlformats.org/presentationml/2006/main">
+  <p:cSld>
+    <p:spTree>
+      <p:nvGrpSpPr>
+        <p:cNvPr id="1" name=""/>
+        <p:cNvGrpSpPr/>
+        <p:nvPr/>
+      </p:nvGrpSpPr>
+      <p:grpSpPr>
+        <a:xfrm>
+          <a:off x="0" y="0"/>
+          <a:ext cx="0" cy="0"/>
+          <a:chOff x="0" y="0"/>
+          <a:chExt cx="0" cy="0"/>
+        </a:xfrm>
+      </p:grpSpPr>
+      <p:sp>
+        <p:nvSpPr>
           <p:cNvPr id="2" name="Title 1"/>
           <p:cNvSpPr>
             <a:spLocks noGrp="1"/>
@@ -7995,7 +8099,7 @@
     </p:spTree>
     <p:extLst>
       <p:ext uri="{BB962C8B-B14F-4D97-AF65-F5344CB8AC3E}">
-        <p14:creationId xmlns="" xmlns:p14="http://schemas.microsoft.com/office/powerpoint/2010/main" val="2143275608"/>
+        <p14:creationId xmlns:p14="http://schemas.microsoft.com/office/powerpoint/2010/main" xmlns="" val="2143275608"/>
       </p:ext>
     </p:extLst>
   </p:cSld>
@@ -9179,7 +9283,7 @@
   </a:extraClrSchemeLst>
   <a:extLst>
     <a:ext uri="{05A4C25C-085E-4340-85A3-A5531E510DB2}">
-      <thm15:themeFamily xmlns="" xmlns:thm15="http://schemas.microsoft.com/office/thememl/2012/main" name="Office Theme" id="{62F939B6-93AF-4DB8-9C6B-D6C7DFDC589F}" vid="{4A3C46E8-61CC-4603-A589-7422A47A8E4A}"/>
+      <thm15:themeFamily xmlns:thm15="http://schemas.microsoft.com/office/thememl/2012/main" xmlns="" name="Office Theme" id="{62F939B6-93AF-4DB8-9C6B-D6C7DFDC589F}" vid="{4A3C46E8-61CC-4603-A589-7422A47A8E4A}"/>
     </a:ext>
   </a:extLst>
 </a:theme>
@@ -9440,7 +9544,7 @@
   <a:extraClrSchemeLst/>
   <a:extLst>
     <a:ext uri="{05A4C25C-085E-4340-85A3-A5531E510DB2}">
-      <thm15:themeFamily xmlns="" xmlns:thm15="http://schemas.microsoft.com/office/thememl/2012/main" name="Office Theme" id="{62F939B6-93AF-4DB8-9C6B-D6C7DFDC589F}" vid="{4A3C46E8-61CC-4603-A589-7422A47A8E4A}"/>
+      <thm15:themeFamily xmlns:thm15="http://schemas.microsoft.com/office/thememl/2012/main" xmlns="" name="Office Theme" id="{62F939B6-93AF-4DB8-9C6B-D6C7DFDC589F}" vid="{4A3C46E8-61CC-4603-A589-7422A47A8E4A}"/>
     </a:ext>
   </a:extLst>
 </a:theme>

--- a/OOP/lectures/080--Graphics.pptx
+++ b/OOP/lectures/080--Graphics.pptx
@@ -5,46 +5,61 @@
     <p:sldMasterId id="2147483648" r:id="rId1"/>
   </p:sldMasterIdLst>
   <p:notesMasterIdLst>
-    <p:notesMasterId r:id="rId39"/>
+    <p:notesMasterId r:id="rId54"/>
   </p:notesMasterIdLst>
   <p:sldIdLst>
     <p:sldId id="267" r:id="rId2"/>
     <p:sldId id="274" r:id="rId3"/>
-    <p:sldId id="277" r:id="rId4"/>
-    <p:sldId id="304" r:id="rId5"/>
-    <p:sldId id="287" r:id="rId6"/>
-    <p:sldId id="288" r:id="rId7"/>
-    <p:sldId id="289" r:id="rId8"/>
-    <p:sldId id="290" r:id="rId9"/>
-    <p:sldId id="291" r:id="rId10"/>
-    <p:sldId id="292" r:id="rId11"/>
-    <p:sldId id="293" r:id="rId12"/>
-    <p:sldId id="286" r:id="rId13"/>
-    <p:sldId id="295" r:id="rId14"/>
-    <p:sldId id="296" r:id="rId15"/>
-    <p:sldId id="297" r:id="rId16"/>
-    <p:sldId id="298" r:id="rId17"/>
-    <p:sldId id="294" r:id="rId18"/>
-    <p:sldId id="299" r:id="rId19"/>
-    <p:sldId id="301" r:id="rId20"/>
-    <p:sldId id="302" r:id="rId21"/>
-    <p:sldId id="300" r:id="rId22"/>
-    <p:sldId id="305" r:id="rId23"/>
-    <p:sldId id="280" r:id="rId24"/>
-    <p:sldId id="279" r:id="rId25"/>
-    <p:sldId id="282" r:id="rId26"/>
-    <p:sldId id="307" r:id="rId27"/>
-    <p:sldId id="283" r:id="rId28"/>
-    <p:sldId id="278" r:id="rId29"/>
-    <p:sldId id="306" r:id="rId30"/>
-    <p:sldId id="308" r:id="rId31"/>
-    <p:sldId id="285" r:id="rId32"/>
-    <p:sldId id="309" r:id="rId33"/>
-    <p:sldId id="272" r:id="rId34"/>
-    <p:sldId id="275" r:id="rId35"/>
-    <p:sldId id="284" r:id="rId36"/>
-    <p:sldId id="268" r:id="rId37"/>
-    <p:sldId id="276" r:id="rId38"/>
+    <p:sldId id="311" r:id="rId4"/>
+    <p:sldId id="312" r:id="rId5"/>
+    <p:sldId id="313" r:id="rId6"/>
+    <p:sldId id="314" r:id="rId7"/>
+    <p:sldId id="315" r:id="rId8"/>
+    <p:sldId id="316" r:id="rId9"/>
+    <p:sldId id="318" r:id="rId10"/>
+    <p:sldId id="317" r:id="rId11"/>
+    <p:sldId id="319" r:id="rId12"/>
+    <p:sldId id="320" r:id="rId13"/>
+    <p:sldId id="321" r:id="rId14"/>
+    <p:sldId id="322" r:id="rId15"/>
+    <p:sldId id="277" r:id="rId16"/>
+    <p:sldId id="304" r:id="rId17"/>
+    <p:sldId id="287" r:id="rId18"/>
+    <p:sldId id="288" r:id="rId19"/>
+    <p:sldId id="289" r:id="rId20"/>
+    <p:sldId id="290" r:id="rId21"/>
+    <p:sldId id="291" r:id="rId22"/>
+    <p:sldId id="292" r:id="rId23"/>
+    <p:sldId id="293" r:id="rId24"/>
+    <p:sldId id="286" r:id="rId25"/>
+    <p:sldId id="295" r:id="rId26"/>
+    <p:sldId id="296" r:id="rId27"/>
+    <p:sldId id="297" r:id="rId28"/>
+    <p:sldId id="298" r:id="rId29"/>
+    <p:sldId id="294" r:id="rId30"/>
+    <p:sldId id="299" r:id="rId31"/>
+    <p:sldId id="301" r:id="rId32"/>
+    <p:sldId id="302" r:id="rId33"/>
+    <p:sldId id="300" r:id="rId34"/>
+    <p:sldId id="305" r:id="rId35"/>
+    <p:sldId id="280" r:id="rId36"/>
+    <p:sldId id="279" r:id="rId37"/>
+    <p:sldId id="282" r:id="rId38"/>
+    <p:sldId id="307" r:id="rId39"/>
+    <p:sldId id="283" r:id="rId40"/>
+    <p:sldId id="278" r:id="rId41"/>
+    <p:sldId id="306" r:id="rId42"/>
+    <p:sldId id="308" r:id="rId43"/>
+    <p:sldId id="285" r:id="rId44"/>
+    <p:sldId id="309" r:id="rId45"/>
+    <p:sldId id="272" r:id="rId46"/>
+    <p:sldId id="275" r:id="rId47"/>
+    <p:sldId id="310" r:id="rId48"/>
+    <p:sldId id="284" r:id="rId49"/>
+    <p:sldId id="268" r:id="rId50"/>
+    <p:sldId id="324" r:id="rId51"/>
+    <p:sldId id="325" r:id="rId52"/>
+    <p:sldId id="276" r:id="rId53"/>
   </p:sldIdLst>
   <p:sldSz cx="9144000" cy="6858000" type="screen4x3"/>
   <p:notesSz cx="7315200" cy="9601200"/>
@@ -175,7 +190,7 @@
   </p:defaultTextStyle>
   <p:extLst>
     <p:ext uri="{EFAFB233-063F-42B5-8137-9DF3F51BA10A}">
-      <p15:sldGuideLst xmlns:p15="http://schemas.microsoft.com/office/powerpoint/2012/main" xmlns="">
+      <p15:sldGuideLst xmlns="" xmlns:p15="http://schemas.microsoft.com/office/powerpoint/2012/main">
         <p15:guide id="1" orient="horz" pos="2160">
           <p15:clr>
             <a:srgbClr val="A4A3A4"/>
@@ -242,14 +257,14 @@
           <a:effectLst/>
           <a:extLst>
             <a:ext uri="{909E8E84-426E-40DD-AFC4-6F175D3DCCD1}">
-              <a14:hiddenFill xmlns:a14="http://schemas.microsoft.com/office/drawing/2010/main" xmlns="">
+              <a14:hiddenFill xmlns="" xmlns:a14="http://schemas.microsoft.com/office/drawing/2010/main">
                 <a:solidFill>
                   <a:schemeClr val="accent1"/>
                 </a:solidFill>
               </a14:hiddenFill>
             </a:ext>
             <a:ext uri="{91240B29-F687-4F45-9708-019B960494DF}">
-              <a14:hiddenLine xmlns:a14="http://schemas.microsoft.com/office/drawing/2010/main" xmlns="" w="9525">
+              <a14:hiddenLine xmlns="" xmlns:a14="http://schemas.microsoft.com/office/drawing/2010/main" w="9525">
                 <a:solidFill>
                   <a:schemeClr val="tx1"/>
                 </a:solidFill>
@@ -259,7 +274,7 @@
               </a14:hiddenLine>
             </a:ext>
             <a:ext uri="{AF507438-7753-43E0-B8FC-AC1667EBCBE1}">
-              <a14:hiddenEffects xmlns:a14="http://schemas.microsoft.com/office/drawing/2010/main" xmlns="">
+              <a14:hiddenEffects xmlns="" xmlns:a14="http://schemas.microsoft.com/office/drawing/2010/main">
                 <a:effectLst>
                   <a:outerShdw dist="35921" dir="2700000" algn="ctr" rotWithShape="0">
                     <a:schemeClr val="bg2"/>
@@ -313,14 +328,14 @@
           <a:effectLst/>
           <a:extLst>
             <a:ext uri="{909E8E84-426E-40DD-AFC4-6F175D3DCCD1}">
-              <a14:hiddenFill xmlns:a14="http://schemas.microsoft.com/office/drawing/2010/main" xmlns="">
+              <a14:hiddenFill xmlns="" xmlns:a14="http://schemas.microsoft.com/office/drawing/2010/main">
                 <a:solidFill>
                   <a:schemeClr val="accent1"/>
                 </a:solidFill>
               </a14:hiddenFill>
             </a:ext>
             <a:ext uri="{91240B29-F687-4F45-9708-019B960494DF}">
-              <a14:hiddenLine xmlns:a14="http://schemas.microsoft.com/office/drawing/2010/main" xmlns="" w="9525">
+              <a14:hiddenLine xmlns="" xmlns:a14="http://schemas.microsoft.com/office/drawing/2010/main" w="9525">
                 <a:solidFill>
                   <a:schemeClr val="tx1"/>
                 </a:solidFill>
@@ -330,7 +345,7 @@
               </a14:hiddenLine>
             </a:ext>
             <a:ext uri="{AF507438-7753-43E0-B8FC-AC1667EBCBE1}">
-              <a14:hiddenEffects xmlns:a14="http://schemas.microsoft.com/office/drawing/2010/main" xmlns="">
+              <a14:hiddenEffects xmlns="" xmlns:a14="http://schemas.microsoft.com/office/drawing/2010/main">
                 <a:effectLst>
                   <a:outerShdw dist="35921" dir="2700000" algn="ctr" rotWithShape="0">
                     <a:schemeClr val="bg2"/>
@@ -389,14 +404,14 @@
           <a:effectLst/>
           <a:extLst>
             <a:ext uri="{909E8E84-426E-40DD-AFC4-6F175D3DCCD1}">
-              <a14:hiddenFill xmlns:a14="http://schemas.microsoft.com/office/drawing/2010/main" xmlns="">
+              <a14:hiddenFill xmlns="" xmlns:a14="http://schemas.microsoft.com/office/drawing/2010/main">
                 <a:solidFill>
                   <a:srgbClr val="FFFFFF"/>
                 </a:solidFill>
               </a14:hiddenFill>
             </a:ext>
             <a:ext uri="{AF507438-7753-43E0-B8FC-AC1667EBCBE1}">
-              <a14:hiddenEffects xmlns:a14="http://schemas.microsoft.com/office/drawing/2010/main" xmlns="">
+              <a14:hiddenEffects xmlns="" xmlns:a14="http://schemas.microsoft.com/office/drawing/2010/main">
                 <a:effectLst>
                   <a:outerShdw dist="35921" dir="2700000" algn="ctr" rotWithShape="0">
                     <a:srgbClr val="808080"/>
@@ -405,7 +420,7 @@
               </a14:hiddenEffects>
             </a:ext>
             <a:ext uri="{53640926-AAD7-44D8-BBD7-CCE9431645EC}">
-              <a14:shadowObscured xmlns:a14="http://schemas.microsoft.com/office/drawing/2010/main" xmlns="" val="1"/>
+              <a14:shadowObscured xmlns="" xmlns:a14="http://schemas.microsoft.com/office/drawing/2010/main" val="1"/>
             </a:ext>
           </a:extLst>
         </p:spPr>
@@ -435,14 +450,14 @@
           <a:effectLst/>
           <a:extLst>
             <a:ext uri="{909E8E84-426E-40DD-AFC4-6F175D3DCCD1}">
-              <a14:hiddenFill xmlns:a14="http://schemas.microsoft.com/office/drawing/2010/main" xmlns="">
+              <a14:hiddenFill xmlns="" xmlns:a14="http://schemas.microsoft.com/office/drawing/2010/main">
                 <a:solidFill>
                   <a:schemeClr val="accent1"/>
                 </a:solidFill>
               </a14:hiddenFill>
             </a:ext>
             <a:ext uri="{91240B29-F687-4F45-9708-019B960494DF}">
-              <a14:hiddenLine xmlns:a14="http://schemas.microsoft.com/office/drawing/2010/main" xmlns="" w="9525">
+              <a14:hiddenLine xmlns="" xmlns:a14="http://schemas.microsoft.com/office/drawing/2010/main" w="9525">
                 <a:solidFill>
                   <a:schemeClr val="tx1"/>
                 </a:solidFill>
@@ -452,7 +467,7 @@
               </a14:hiddenLine>
             </a:ext>
             <a:ext uri="{AF507438-7753-43E0-B8FC-AC1667EBCBE1}">
-              <a14:hiddenEffects xmlns:a14="http://schemas.microsoft.com/office/drawing/2010/main" xmlns="">
+              <a14:hiddenEffects xmlns="" xmlns:a14="http://schemas.microsoft.com/office/drawing/2010/main">
                 <a:effectLst>
                   <a:outerShdw dist="35921" dir="2700000" algn="ctr" rotWithShape="0">
                     <a:schemeClr val="bg2"/>
@@ -531,14 +546,14 @@
           <a:effectLst/>
           <a:extLst>
             <a:ext uri="{909E8E84-426E-40DD-AFC4-6F175D3DCCD1}">
-              <a14:hiddenFill xmlns:a14="http://schemas.microsoft.com/office/drawing/2010/main" xmlns="">
+              <a14:hiddenFill xmlns="" xmlns:a14="http://schemas.microsoft.com/office/drawing/2010/main">
                 <a:solidFill>
                   <a:schemeClr val="accent1"/>
                 </a:solidFill>
               </a14:hiddenFill>
             </a:ext>
             <a:ext uri="{91240B29-F687-4F45-9708-019B960494DF}">
-              <a14:hiddenLine xmlns:a14="http://schemas.microsoft.com/office/drawing/2010/main" xmlns="" w="9525">
+              <a14:hiddenLine xmlns="" xmlns:a14="http://schemas.microsoft.com/office/drawing/2010/main" w="9525">
                 <a:solidFill>
                   <a:schemeClr val="tx1"/>
                 </a:solidFill>
@@ -548,7 +563,7 @@
               </a14:hiddenLine>
             </a:ext>
             <a:ext uri="{AF507438-7753-43E0-B8FC-AC1667EBCBE1}">
-              <a14:hiddenEffects xmlns:a14="http://schemas.microsoft.com/office/drawing/2010/main" xmlns="">
+              <a14:hiddenEffects xmlns="" xmlns:a14="http://schemas.microsoft.com/office/drawing/2010/main">
                 <a:effectLst>
                   <a:outerShdw dist="35921" dir="2700000" algn="ctr" rotWithShape="0">
                     <a:schemeClr val="bg2"/>
@@ -602,14 +617,14 @@
           <a:effectLst/>
           <a:extLst>
             <a:ext uri="{909E8E84-426E-40DD-AFC4-6F175D3DCCD1}">
-              <a14:hiddenFill xmlns:a14="http://schemas.microsoft.com/office/drawing/2010/main" xmlns="">
+              <a14:hiddenFill xmlns="" xmlns:a14="http://schemas.microsoft.com/office/drawing/2010/main">
                 <a:solidFill>
                   <a:schemeClr val="accent1"/>
                 </a:solidFill>
               </a14:hiddenFill>
             </a:ext>
             <a:ext uri="{91240B29-F687-4F45-9708-019B960494DF}">
-              <a14:hiddenLine xmlns:a14="http://schemas.microsoft.com/office/drawing/2010/main" xmlns="" w="9525">
+              <a14:hiddenLine xmlns="" xmlns:a14="http://schemas.microsoft.com/office/drawing/2010/main" w="9525">
                 <a:solidFill>
                   <a:schemeClr val="tx1"/>
                 </a:solidFill>
@@ -619,7 +634,7 @@
               </a14:hiddenLine>
             </a:ext>
             <a:ext uri="{AF507438-7753-43E0-B8FC-AC1667EBCBE1}">
-              <a14:hiddenEffects xmlns:a14="http://schemas.microsoft.com/office/drawing/2010/main" xmlns="">
+              <a14:hiddenEffects xmlns="" xmlns:a14="http://schemas.microsoft.com/office/drawing/2010/main">
                 <a:effectLst>
                   <a:outerShdw dist="35921" dir="2700000" algn="ctr" rotWithShape="0">
                     <a:schemeClr val="bg2"/>
@@ -658,7 +673,7 @@
     </p:spTree>
     <p:extLst>
       <p:ext uri="{BB962C8B-B14F-4D97-AF65-F5344CB8AC3E}">
-        <p14:creationId xmlns:p14="http://schemas.microsoft.com/office/powerpoint/2010/main" xmlns="" val="732687000"/>
+        <p14:creationId xmlns="" xmlns:p14="http://schemas.microsoft.com/office/powerpoint/2010/main" val="732687000"/>
       </p:ext>
     </p:extLst>
   </p:cSld>
@@ -905,7 +920,7 @@
     </p:spTree>
     <p:extLst>
       <p:ext uri="{BB962C8B-B14F-4D97-AF65-F5344CB8AC3E}">
-        <p14:creationId xmlns:p14="http://schemas.microsoft.com/office/powerpoint/2010/main" xmlns="" val="2795558893"/>
+        <p14:creationId xmlns="" xmlns:p14="http://schemas.microsoft.com/office/powerpoint/2010/main" val="2795558893"/>
       </p:ext>
     </p:extLst>
   </p:cSld>
@@ -1129,7 +1144,7 @@
     </p:spTree>
     <p:extLst>
       <p:ext uri="{BB962C8B-B14F-4D97-AF65-F5344CB8AC3E}">
-        <p14:creationId xmlns:p14="http://schemas.microsoft.com/office/powerpoint/2010/main" xmlns="" val="3173416786"/>
+        <p14:creationId xmlns="" xmlns:p14="http://schemas.microsoft.com/office/powerpoint/2010/main" val="3173416786"/>
       </p:ext>
     </p:extLst>
   </p:cSld>
@@ -1363,7 +1378,7 @@
     </p:spTree>
     <p:extLst>
       <p:ext uri="{BB962C8B-B14F-4D97-AF65-F5344CB8AC3E}">
-        <p14:creationId xmlns:p14="http://schemas.microsoft.com/office/powerpoint/2010/main" xmlns="" val="1275097484"/>
+        <p14:creationId xmlns="" xmlns:p14="http://schemas.microsoft.com/office/powerpoint/2010/main" val="1275097484"/>
       </p:ext>
     </p:extLst>
   </p:cSld>
@@ -1468,7 +1483,7 @@
     </p:spTree>
     <p:extLst>
       <p:ext uri="{BB962C8B-B14F-4D97-AF65-F5344CB8AC3E}">
-        <p14:creationId xmlns:p14="http://schemas.microsoft.com/office/powerpoint/2010/main" xmlns="" val="3532521555"/>
+        <p14:creationId xmlns="" xmlns:p14="http://schemas.microsoft.com/office/powerpoint/2010/main" val="3532521555"/>
       </p:ext>
     </p:extLst>
   </p:cSld>
@@ -1595,7 +1610,7 @@
     </p:spTree>
     <p:extLst>
       <p:ext uri="{BB962C8B-B14F-4D97-AF65-F5344CB8AC3E}">
-        <p14:creationId xmlns:p14="http://schemas.microsoft.com/office/powerpoint/2010/main" xmlns="" val="3158447180"/>
+        <p14:creationId xmlns="" xmlns:p14="http://schemas.microsoft.com/office/powerpoint/2010/main" val="3158447180"/>
       </p:ext>
     </p:extLst>
   </p:cSld>
@@ -1762,7 +1777,7 @@
     </p:spTree>
     <p:extLst>
       <p:ext uri="{BB962C8B-B14F-4D97-AF65-F5344CB8AC3E}">
-        <p14:creationId xmlns:p14="http://schemas.microsoft.com/office/powerpoint/2010/main" xmlns="" val="1581939673"/>
+        <p14:creationId xmlns="" xmlns:p14="http://schemas.microsoft.com/office/powerpoint/2010/main" val="1581939673"/>
       </p:ext>
     </p:extLst>
   </p:cSld>
@@ -2064,7 +2079,7 @@
     </p:spTree>
     <p:extLst>
       <p:ext uri="{BB962C8B-B14F-4D97-AF65-F5344CB8AC3E}">
-        <p14:creationId xmlns:p14="http://schemas.microsoft.com/office/powerpoint/2010/main" xmlns="" val="2440770789"/>
+        <p14:creationId xmlns="" xmlns:p14="http://schemas.microsoft.com/office/powerpoint/2010/main" val="2440770789"/>
       </p:ext>
     </p:extLst>
   </p:cSld>
@@ -2236,7 +2251,7 @@
     </p:spTree>
     <p:extLst>
       <p:ext uri="{BB962C8B-B14F-4D97-AF65-F5344CB8AC3E}">
-        <p14:creationId xmlns:p14="http://schemas.microsoft.com/office/powerpoint/2010/main" xmlns="" val="2741512224"/>
+        <p14:creationId xmlns="" xmlns:p14="http://schemas.microsoft.com/office/powerpoint/2010/main" val="2741512224"/>
       </p:ext>
     </p:extLst>
   </p:cSld>
@@ -2385,7 +2400,7 @@
     </p:spTree>
     <p:extLst>
       <p:ext uri="{BB962C8B-B14F-4D97-AF65-F5344CB8AC3E}">
-        <p14:creationId xmlns:p14="http://schemas.microsoft.com/office/powerpoint/2010/main" xmlns="" val="1207951031"/>
+        <p14:creationId xmlns="" xmlns:p14="http://schemas.microsoft.com/office/powerpoint/2010/main" val="1207951031"/>
       </p:ext>
     </p:extLst>
   </p:cSld>
@@ -2716,7 +2731,7 @@
     </p:spTree>
     <p:extLst>
       <p:ext uri="{BB962C8B-B14F-4D97-AF65-F5344CB8AC3E}">
-        <p14:creationId xmlns:p14="http://schemas.microsoft.com/office/powerpoint/2010/main" xmlns="" val="859093633"/>
+        <p14:creationId xmlns="" xmlns:p14="http://schemas.microsoft.com/office/powerpoint/2010/main" val="859093633"/>
       </p:ext>
     </p:extLst>
   </p:cSld>
@@ -3024,7 +3039,7 @@
     </p:spTree>
     <p:extLst>
       <p:ext uri="{BB962C8B-B14F-4D97-AF65-F5344CB8AC3E}">
-        <p14:creationId xmlns:p14="http://schemas.microsoft.com/office/powerpoint/2010/main" xmlns="" val="396124935"/>
+        <p14:creationId xmlns="" xmlns:p14="http://schemas.microsoft.com/office/powerpoint/2010/main" val="396124935"/>
       </p:ext>
     </p:extLst>
   </p:cSld>
@@ -3084,14 +3099,14 @@
           <a:effectLst/>
           <a:extLst>
             <a:ext uri="{909E8E84-426E-40DD-AFC4-6F175D3DCCD1}">
-              <a14:hiddenFill xmlns:a14="http://schemas.microsoft.com/office/drawing/2010/main" xmlns="">
+              <a14:hiddenFill xmlns="" xmlns:a14="http://schemas.microsoft.com/office/drawing/2010/main">
                 <a:solidFill>
                   <a:schemeClr val="accent1"/>
                 </a:solidFill>
               </a14:hiddenFill>
             </a:ext>
             <a:ext uri="{91240B29-F687-4F45-9708-019B960494DF}">
-              <a14:hiddenLine xmlns:a14="http://schemas.microsoft.com/office/drawing/2010/main" xmlns="" w="9525">
+              <a14:hiddenLine xmlns="" xmlns:a14="http://schemas.microsoft.com/office/drawing/2010/main" w="9525">
                 <a:solidFill>
                   <a:schemeClr val="tx1"/>
                 </a:solidFill>
@@ -3101,7 +3116,7 @@
               </a14:hiddenLine>
             </a:ext>
             <a:ext uri="{AF507438-7753-43E0-B8FC-AC1667EBCBE1}">
-              <a14:hiddenEffects xmlns:a14="http://schemas.microsoft.com/office/drawing/2010/main" xmlns="">
+              <a14:hiddenEffects xmlns="" xmlns:a14="http://schemas.microsoft.com/office/drawing/2010/main">
                 <a:effectLst>
                   <a:outerShdw dist="35921" dir="2700000" algn="ctr" rotWithShape="0">
                     <a:schemeClr val="bg2"/>
@@ -3152,14 +3167,14 @@
           <a:effectLst/>
           <a:extLst>
             <a:ext uri="{909E8E84-426E-40DD-AFC4-6F175D3DCCD1}">
-              <a14:hiddenFill xmlns:a14="http://schemas.microsoft.com/office/drawing/2010/main" xmlns="">
+              <a14:hiddenFill xmlns="" xmlns:a14="http://schemas.microsoft.com/office/drawing/2010/main">
                 <a:solidFill>
                   <a:schemeClr val="accent1"/>
                 </a:solidFill>
               </a14:hiddenFill>
             </a:ext>
             <a:ext uri="{91240B29-F687-4F45-9708-019B960494DF}">
-              <a14:hiddenLine xmlns:a14="http://schemas.microsoft.com/office/drawing/2010/main" xmlns="" w="9525">
+              <a14:hiddenLine xmlns="" xmlns:a14="http://schemas.microsoft.com/office/drawing/2010/main" w="9525">
                 <a:solidFill>
                   <a:schemeClr val="tx1"/>
                 </a:solidFill>
@@ -3169,7 +3184,7 @@
               </a14:hiddenLine>
             </a:ext>
             <a:ext uri="{AF507438-7753-43E0-B8FC-AC1667EBCBE1}">
-              <a14:hiddenEffects xmlns:a14="http://schemas.microsoft.com/office/drawing/2010/main" xmlns="">
+              <a14:hiddenEffects xmlns="" xmlns:a14="http://schemas.microsoft.com/office/drawing/2010/main">
                 <a:effectLst>
                   <a:outerShdw dist="35921" dir="2700000" algn="ctr" rotWithShape="0">
                     <a:schemeClr val="bg2"/>
@@ -3718,14 +3733,14 @@
           </a:ln>
           <a:extLst>
             <a:ext uri="{909E8E84-426E-40DD-AFC4-6F175D3DCCD1}">
-              <a14:hiddenFill xmlns:a14="http://schemas.microsoft.com/office/drawing/2010/main" xmlns="">
+              <a14:hiddenFill xmlns="" xmlns:a14="http://schemas.microsoft.com/office/drawing/2010/main">
                 <a:solidFill>
                   <a:srgbClr val="FFFFFF"/>
                 </a:solidFill>
               </a14:hiddenFill>
             </a:ext>
             <a:ext uri="{91240B29-F687-4F45-9708-019B960494DF}">
-              <a14:hiddenLine xmlns:a14="http://schemas.microsoft.com/office/drawing/2010/main" xmlns="" w="9525">
+              <a14:hiddenLine xmlns="" xmlns:a14="http://schemas.microsoft.com/office/drawing/2010/main" w="9525">
                 <a:solidFill>
                   <a:srgbClr val="000000"/>
                 </a:solidFill>
@@ -3934,68 +3949,45 @@
           <a:p>
             <a:r>
               <a:rPr lang="en-US" dirty="0" smtClean="0"/>
-              <a:t>Example </a:t>
+              <a:t>Answer</a:t>
+            </a:r>
+            <a:endParaRPr lang="en-US" dirty="0"/>
+          </a:p>
+        </p:txBody>
+      </p:sp>
+      <p:sp>
+        <p:nvSpPr>
+          <p:cNvPr id="3" name="Content Placeholder 2"/>
+          <p:cNvSpPr>
+            <a:spLocks noGrp="1"/>
+          </p:cNvSpPr>
+          <p:nvPr>
+            <p:ph idx="1"/>
+          </p:nvPr>
+        </p:nvSpPr>
+        <p:spPr/>
+        <p:txBody>
+          <a:bodyPr/>
+          <a:lstStyle/>
+          <a:p>
+            <a:r>
+              <a:rPr lang="en-US" dirty="0" smtClean="0"/>
+              <a:t>Compile: Yes</a:t>
+            </a:r>
+          </a:p>
+          <a:p>
+            <a:r>
+              <a:rPr lang="en-US" dirty="0" smtClean="0"/>
+              <a:t>Output: </a:t>
             </a:r>
             <a:r>
               <a:rPr lang="en-US" dirty="0" err="1" smtClean="0"/>
-              <a:t>JPanel</a:t>
+              <a:t>ArithmeticException</a:t>
             </a:r>
             <a:endParaRPr lang="en-US" dirty="0"/>
           </a:p>
         </p:txBody>
       </p:sp>
-      <p:sp>
-        <p:nvSpPr>
-          <p:cNvPr id="3" name="Content Placeholder 2"/>
-          <p:cNvSpPr>
-            <a:spLocks noGrp="1"/>
-          </p:cNvSpPr>
-          <p:nvPr>
-            <p:ph idx="1"/>
-          </p:nvPr>
-        </p:nvSpPr>
-        <p:spPr/>
-        <p:txBody>
-          <a:bodyPr/>
-          <a:lstStyle/>
-          <a:p>
-            <a:endParaRPr lang="en-US"/>
-          </a:p>
-        </p:txBody>
-      </p:sp>
-      <p:pic>
-        <p:nvPicPr>
-          <p:cNvPr id="33794" name="Picture 2"/>
-          <p:cNvPicPr>
-            <a:picLocks noChangeAspect="1" noChangeArrowheads="1"/>
-          </p:cNvPicPr>
-          <p:nvPr/>
-        </p:nvPicPr>
-        <p:blipFill>
-          <a:blip r:embed="rId2"/>
-          <a:srcRect/>
-          <a:stretch>
-            <a:fillRect/>
-          </a:stretch>
-        </p:blipFill>
-        <p:spPr bwMode="auto">
-          <a:xfrm>
-            <a:off x="609600" y="2286000"/>
-            <a:ext cx="7735210" cy="3733800"/>
-          </a:xfrm>
-          <a:prstGeom prst="rect">
-            <a:avLst/>
-          </a:prstGeom>
-          <a:noFill/>
-          <a:ln w="9525">
-            <a:noFill/>
-            <a:miter lim="800000"/>
-            <a:headEnd/>
-            <a:tailEnd/>
-          </a:ln>
-          <a:effectLst/>
-        </p:spPr>
-      </p:pic>
     </p:spTree>
   </p:cSld>
   <p:clrMapOvr>
@@ -4038,7 +4030,7 @@
           <a:p>
             <a:r>
               <a:rPr lang="en-US" dirty="0" smtClean="0"/>
-              <a:t>Drawing Methods</a:t>
+              <a:t>Question</a:t>
             </a:r>
             <a:endParaRPr lang="en-US" dirty="0"/>
           </a:p>
@@ -4059,13 +4051,19 @@
           <a:bodyPr/>
           <a:lstStyle/>
           <a:p>
-            <a:endParaRPr lang="en-US"/>
+            <a:r>
+              <a:rPr lang="en-US" dirty="0" smtClean="0"/>
+              <a:t>Will the following code compile?  If yes then what will be the output?</a:t>
+            </a:r>
+          </a:p>
+          <a:p>
+            <a:endParaRPr lang="en-US" dirty="0"/>
           </a:p>
         </p:txBody>
       </p:sp>
       <p:pic>
         <p:nvPicPr>
-          <p:cNvPr id="34818" name="Picture 2"/>
+          <p:cNvPr id="6146" name="Picture 2"/>
           <p:cNvPicPr>
             <a:picLocks noChangeAspect="1" noChangeArrowheads="1"/>
           </p:cNvPicPr>
@@ -4080,8 +4078,8 @@
         </p:blipFill>
         <p:spPr bwMode="auto">
           <a:xfrm>
-            <a:off x="533400" y="1981200"/>
-            <a:ext cx="8047730" cy="4114800"/>
+            <a:off x="990600" y="3657600"/>
+            <a:ext cx="7391400" cy="2215459"/>
           </a:xfrm>
           <a:prstGeom prst="rect">
             <a:avLst/>
@@ -4138,7 +4136,7 @@
           <a:p>
             <a:r>
               <a:rPr lang="en-US" dirty="0" smtClean="0"/>
-              <a:t>Graphics Class Methods</a:t>
+              <a:t>Answer</a:t>
             </a:r>
             <a:endParaRPr lang="en-US" dirty="0"/>
           </a:p>
@@ -4159,43 +4157,20 @@
           <a:bodyPr/>
           <a:lstStyle/>
           <a:p>
-            <a:endParaRPr lang="en-US"/>
-          </a:p>
-        </p:txBody>
-      </p:sp>
-      <p:pic>
-        <p:nvPicPr>
-          <p:cNvPr id="35842" name="Picture 2"/>
-          <p:cNvPicPr>
-            <a:picLocks noChangeAspect="1" noChangeArrowheads="1"/>
-          </p:cNvPicPr>
-          <p:nvPr/>
-        </p:nvPicPr>
-        <p:blipFill>
-          <a:blip r:embed="rId2"/>
-          <a:srcRect/>
-          <a:stretch>
-            <a:fillRect/>
-          </a:stretch>
-        </p:blipFill>
-        <p:spPr bwMode="auto">
-          <a:xfrm>
-            <a:off x="228600" y="2057400"/>
-            <a:ext cx="8714031" cy="3657600"/>
-          </a:xfrm>
-          <a:prstGeom prst="rect">
-            <a:avLst/>
-          </a:prstGeom>
-          <a:noFill/>
-          <a:ln w="9525">
-            <a:noFill/>
-            <a:miter lim="800000"/>
-            <a:headEnd/>
-            <a:tailEnd/>
-          </a:ln>
-          <a:effectLst/>
-        </p:spPr>
-      </p:pic>
+            <a:r>
+              <a:rPr lang="en-US" dirty="0" smtClean="0"/>
+              <a:t>Compile: Yes</a:t>
+            </a:r>
+          </a:p>
+          <a:p>
+            <a:r>
+              <a:rPr lang="en-US" dirty="0" smtClean="0"/>
+              <a:t>Output: null==null</a:t>
+            </a:r>
+            <a:endParaRPr lang="en-US" dirty="0"/>
+          </a:p>
+        </p:txBody>
+      </p:sp>
     </p:spTree>
   </p:cSld>
   <p:clrMapOvr>
@@ -4231,14 +4206,19 @@
             <p:ph type="title"/>
           </p:nvPr>
         </p:nvSpPr>
-        <p:spPr/>
-        <p:txBody>
-          <a:bodyPr/>
-          <a:lstStyle/>
-          <a:p>
-            <a:r>
-              <a:rPr lang="en-US" dirty="0" smtClean="0"/>
-              <a:t>Graphics Class Methods</a:t>
+        <p:spPr>
+          <a:xfrm>
+            <a:off x="685800" y="304800"/>
+            <a:ext cx="7772400" cy="1143000"/>
+          </a:xfrm>
+        </p:spPr>
+        <p:txBody>
+          <a:bodyPr/>
+          <a:lstStyle/>
+          <a:p>
+            <a:r>
+              <a:rPr lang="en-US" dirty="0" smtClean="0"/>
+              <a:t>Question</a:t>
             </a:r>
             <a:endParaRPr lang="en-US" dirty="0"/>
           </a:p>
@@ -4254,18 +4234,29 @@
             <p:ph idx="1"/>
           </p:nvPr>
         </p:nvSpPr>
-        <p:spPr/>
-        <p:txBody>
-          <a:bodyPr/>
-          <a:lstStyle/>
-          <a:p>
-            <a:endParaRPr lang="en-US"/>
+        <p:spPr>
+          <a:xfrm>
+            <a:off x="685800" y="1676400"/>
+            <a:ext cx="7772400" cy="4114800"/>
+          </a:xfrm>
+        </p:spPr>
+        <p:txBody>
+          <a:bodyPr/>
+          <a:lstStyle/>
+          <a:p>
+            <a:r>
+              <a:rPr lang="en-US" dirty="0" smtClean="0"/>
+              <a:t>Will the following code compile?  If yes then what will be the output?</a:t>
+            </a:r>
+          </a:p>
+          <a:p>
+            <a:endParaRPr lang="en-US" dirty="0"/>
           </a:p>
         </p:txBody>
       </p:sp>
       <p:pic>
         <p:nvPicPr>
-          <p:cNvPr id="36866" name="Picture 2"/>
+          <p:cNvPr id="7170" name="Picture 2"/>
           <p:cNvPicPr>
             <a:picLocks noChangeAspect="1" noChangeArrowheads="1"/>
           </p:cNvPicPr>
@@ -4280,8 +4271,8 @@
         </p:blipFill>
         <p:spPr bwMode="auto">
           <a:xfrm>
-            <a:off x="304800" y="2057400"/>
-            <a:ext cx="8353914" cy="3657600"/>
+            <a:off x="1447800" y="3200400"/>
+            <a:ext cx="6398298" cy="3062287"/>
           </a:xfrm>
           <a:prstGeom prst="rect">
             <a:avLst/>
@@ -4338,7 +4329,7 @@
           <a:p>
             <a:r>
               <a:rPr lang="en-US" dirty="0" smtClean="0"/>
-              <a:t>Graphics Class Methods</a:t>
+              <a:t>Answer</a:t>
             </a:r>
             <a:endParaRPr lang="en-US" dirty="0"/>
           </a:p>
@@ -4359,43 +4350,20 @@
           <a:bodyPr/>
           <a:lstStyle/>
           <a:p>
-            <a:endParaRPr lang="en-US"/>
-          </a:p>
-        </p:txBody>
-      </p:sp>
-      <p:pic>
-        <p:nvPicPr>
-          <p:cNvPr id="37890" name="Picture 2"/>
-          <p:cNvPicPr>
-            <a:picLocks noChangeAspect="1" noChangeArrowheads="1"/>
-          </p:cNvPicPr>
-          <p:nvPr/>
-        </p:nvPicPr>
-        <p:blipFill>
-          <a:blip r:embed="rId2"/>
-          <a:srcRect/>
-          <a:stretch>
-            <a:fillRect/>
-          </a:stretch>
-        </p:blipFill>
-        <p:spPr bwMode="auto">
-          <a:xfrm>
-            <a:off x="228600" y="2286000"/>
-            <a:ext cx="8541000" cy="2971800"/>
-          </a:xfrm>
-          <a:prstGeom prst="rect">
-            <a:avLst/>
-          </a:prstGeom>
-          <a:noFill/>
-          <a:ln w="9525">
-            <a:noFill/>
-            <a:miter lim="800000"/>
-            <a:headEnd/>
-            <a:tailEnd/>
-          </a:ln>
-          <a:effectLst/>
-        </p:spPr>
-      </p:pic>
+            <a:r>
+              <a:rPr lang="en-US" dirty="0" smtClean="0"/>
+              <a:t>Compile: Yes</a:t>
+            </a:r>
+          </a:p>
+          <a:p>
+            <a:r>
+              <a:rPr lang="en-US" dirty="0" smtClean="0"/>
+              <a:t>Output: I’m alive</a:t>
+            </a:r>
+            <a:endParaRPr lang="en-US" dirty="0"/>
+          </a:p>
+        </p:txBody>
+      </p:sp>
     </p:spTree>
   </p:cSld>
   <p:clrMapOvr>
@@ -4442,10 +4410,10 @@
           <a:lstStyle/>
           <a:p>
             <a:r>
-              <a:rPr lang="en-US" dirty="0" smtClean="0"/>
-              <a:t>Question</a:t>
-            </a:r>
-            <a:endParaRPr lang="en-US" dirty="0"/>
+              <a:rPr lang="en-GB" dirty="0" smtClean="0"/>
+              <a:t>Graphics</a:t>
+            </a:r>
+            <a:endParaRPr lang="en-GB" dirty="0"/>
           </a:p>
         </p:txBody>
       </p:sp>
@@ -4459,9 +4427,60 @@
             <p:ph idx="1"/>
           </p:nvPr>
         </p:nvSpPr>
-        <p:spPr/>
-        <p:txBody>
-          <a:bodyPr/>
+        <p:spPr>
+          <a:xfrm>
+            <a:off x="762000" y="1295400"/>
+            <a:ext cx="7772400" cy="4114800"/>
+          </a:xfrm>
+        </p:spPr>
+        <p:txBody>
+          <a:bodyPr/>
+          <a:lstStyle/>
+          <a:p>
+            <a:r>
+              <a:rPr lang="en-GB" dirty="0" smtClean="0"/>
+              <a:t>How do you draw `complex’ diagrams?</a:t>
+            </a:r>
+          </a:p>
+          <a:p>
+            <a:r>
+              <a:rPr lang="en-GB" dirty="0" smtClean="0"/>
+              <a:t>Customize/control what is drawn on our windows</a:t>
+            </a:r>
+          </a:p>
+          <a:p>
+            <a:pPr lvl="1"/>
+            <a:r>
+              <a:rPr lang="en-GB" dirty="0" smtClean="0"/>
+              <a:t>Animated clocks, bar-charts, images, </a:t>
+            </a:r>
+          </a:p>
+        </p:txBody>
+      </p:sp>
+      <p:sp>
+        <p:nvSpPr>
+          <p:cNvPr id="13314" name="AutoShape 2" descr="Image result for different types of buttons gui"/>
+          <p:cNvSpPr>
+            <a:spLocks noChangeAspect="1" noChangeArrowheads="1"/>
+          </p:cNvSpPr>
+          <p:nvPr/>
+        </p:nvSpPr>
+        <p:spPr bwMode="auto">
+          <a:xfrm>
+            <a:off x="63500" y="-136525"/>
+            <a:ext cx="304800" cy="304800"/>
+          </a:xfrm>
+          <a:prstGeom prst="rect">
+            <a:avLst/>
+          </a:prstGeom>
+          <a:noFill/>
+        </p:spPr>
+        <p:txBody>
+          <a:bodyPr vert="horz" wrap="square" lIns="91440" tIns="45720" rIns="91440" bIns="45720" numCol="1" anchor="t" anchorCtr="0" compatLnSpc="1">
+            <a:prstTxWarp prst="textNoShape">
+              <a:avLst/>
+            </a:prstTxWarp>
+          </a:bodyPr>
           <a:lstStyle/>
           <a:p>
             <a:endParaRPr lang="en-US"/>
@@ -4470,7 +4489,7 @@
       </p:sp>
       <p:pic>
         <p:nvPicPr>
-          <p:cNvPr id="4098" name="Picture 2"/>
+          <p:cNvPr id="13315" name="Picture 3"/>
           <p:cNvPicPr>
             <a:picLocks noChangeAspect="1" noChangeArrowheads="1"/>
           </p:cNvPicPr>
@@ -4478,15 +4497,15 @@
         </p:nvPicPr>
         <p:blipFill>
           <a:blip r:embed="rId2"/>
-          <a:srcRect/>
+          <a:srcRect t="18000" b="3333"/>
           <a:stretch>
             <a:fillRect/>
           </a:stretch>
         </p:blipFill>
         <p:spPr bwMode="auto">
           <a:xfrm>
-            <a:off x="304800" y="1524000"/>
-            <a:ext cx="6117492" cy="4724400"/>
+            <a:off x="2438400" y="3962400"/>
+            <a:ext cx="4114800" cy="2427732"/>
           </a:xfrm>
           <a:prstGeom prst="rect">
             <a:avLst/>
@@ -4501,93 +4520,12 @@
           <a:effectLst/>
         </p:spPr>
       </p:pic>
-      <p:sp>
-        <p:nvSpPr>
-          <p:cNvPr id="7" name="TextBox 6"/>
-          <p:cNvSpPr txBox="1"/>
-          <p:nvPr/>
-        </p:nvSpPr>
-        <p:spPr>
-          <a:xfrm>
-            <a:off x="5105400" y="1600200"/>
-            <a:ext cx="3624710" cy="830997"/>
-          </a:xfrm>
-          <a:prstGeom prst="rect">
-            <a:avLst/>
-          </a:prstGeom>
-          <a:noFill/>
-        </p:spPr>
-        <p:txBody>
-          <a:bodyPr wrap="none" rtlCol="0">
-            <a:spAutoFit/>
-          </a:bodyPr>
-          <a:lstStyle/>
-          <a:p>
-            <a:r>
-              <a:rPr lang="en-US" b="1" dirty="0" smtClean="0">
-                <a:solidFill>
-                  <a:schemeClr val="bg2"/>
-                </a:solidFill>
-              </a:rPr>
-              <a:t>What would be the output</a:t>
-            </a:r>
-          </a:p>
-          <a:p>
-            <a:r>
-              <a:rPr lang="en-US" b="1" dirty="0" smtClean="0">
-                <a:solidFill>
-                  <a:schemeClr val="bg2"/>
-                </a:solidFill>
-              </a:rPr>
-              <a:t>of this program?</a:t>
-            </a:r>
-          </a:p>
-        </p:txBody>
-      </p:sp>
-      <p:sp>
-        <p:nvSpPr>
-          <p:cNvPr id="8" name="TextBox 7"/>
-          <p:cNvSpPr txBox="1"/>
-          <p:nvPr/>
-        </p:nvSpPr>
-        <p:spPr>
-          <a:xfrm>
-            <a:off x="5143499" y="4267200"/>
-            <a:ext cx="3609514" cy="830997"/>
-          </a:xfrm>
-          <a:prstGeom prst="rect">
-            <a:avLst/>
-          </a:prstGeom>
-          <a:noFill/>
-        </p:spPr>
-        <p:txBody>
-          <a:bodyPr wrap="none" rtlCol="0">
-            <a:spAutoFit/>
-          </a:bodyPr>
-          <a:lstStyle/>
-          <a:p>
-            <a:r>
-              <a:rPr lang="en-US" b="1" dirty="0" smtClean="0">
-                <a:solidFill>
-                  <a:schemeClr val="bg2"/>
-                </a:solidFill>
-              </a:rPr>
-              <a:t>Sketch on paper what the </a:t>
-            </a:r>
-          </a:p>
-          <a:p>
-            <a:r>
-              <a:rPr lang="en-US" b="1" dirty="0" smtClean="0">
-                <a:solidFill>
-                  <a:schemeClr val="bg2"/>
-                </a:solidFill>
-              </a:rPr>
-              <a:t>output would look like</a:t>
-            </a:r>
-          </a:p>
-        </p:txBody>
-      </p:sp>
     </p:spTree>
+    <p:extLst>
+      <p:ext uri="{BB962C8B-B14F-4D97-AF65-F5344CB8AC3E}">
+        <p14:creationId xmlns="" xmlns:p14="http://schemas.microsoft.com/office/powerpoint/2010/main" val="1348450408"/>
+      </p:ext>
+    </p:extLst>
   </p:cSld>
   <p:clrMapOvr>
     <a:masterClrMapping/>
@@ -4622,19 +4560,14 @@
             <p:ph type="title"/>
           </p:nvPr>
         </p:nvSpPr>
-        <p:spPr>
-          <a:xfrm>
-            <a:off x="685800" y="228600"/>
-            <a:ext cx="7772400" cy="1143000"/>
-          </a:xfrm>
-        </p:spPr>
-        <p:txBody>
-          <a:bodyPr/>
-          <a:lstStyle/>
-          <a:p>
-            <a:r>
-              <a:rPr lang="en-US" dirty="0" smtClean="0"/>
-              <a:t>Answer</a:t>
+        <p:spPr/>
+        <p:txBody>
+          <a:bodyPr/>
+          <a:lstStyle/>
+          <a:p>
+            <a:r>
+              <a:rPr lang="en-US" dirty="0" smtClean="0"/>
+              <a:t>Graphical Coordinate System</a:t>
             </a:r>
             <a:endParaRPr lang="en-US" dirty="0"/>
           </a:p>
@@ -4661,7 +4594,7 @@
       </p:sp>
       <p:pic>
         <p:nvPicPr>
-          <p:cNvPr id="4098" name="Picture 2"/>
+          <p:cNvPr id="3074" name="Picture 2"/>
           <p:cNvPicPr>
             <a:picLocks noChangeAspect="1" noChangeArrowheads="1"/>
           </p:cNvPicPr>
@@ -4676,8 +4609,8 @@
         </p:blipFill>
         <p:spPr bwMode="auto">
           <a:xfrm>
-            <a:off x="304800" y="1524000"/>
-            <a:ext cx="6117492" cy="4724400"/>
+            <a:off x="609600" y="2362200"/>
+            <a:ext cx="7808779" cy="2895600"/>
           </a:xfrm>
           <a:prstGeom prst="rect">
             <a:avLst/>
@@ -4692,103 +4625,6 @@
           <a:effectLst/>
         </p:spPr>
       </p:pic>
-      <p:pic>
-        <p:nvPicPr>
-          <p:cNvPr id="4099" name="Picture 3"/>
-          <p:cNvPicPr>
-            <a:picLocks noChangeAspect="1" noChangeArrowheads="1"/>
-          </p:cNvPicPr>
-          <p:nvPr/>
-        </p:nvPicPr>
-        <p:blipFill>
-          <a:blip r:embed="rId3"/>
-          <a:srcRect/>
-          <a:stretch>
-            <a:fillRect/>
-          </a:stretch>
-        </p:blipFill>
-        <p:spPr bwMode="auto">
-          <a:xfrm>
-            <a:off x="6400800" y="1600200"/>
-            <a:ext cx="2095500" cy="1181100"/>
-          </a:xfrm>
-          <a:prstGeom prst="rect">
-            <a:avLst/>
-          </a:prstGeom>
-          <a:noFill/>
-          <a:ln w="9525">
-            <a:noFill/>
-            <a:miter lim="800000"/>
-            <a:headEnd/>
-            <a:tailEnd/>
-          </a:ln>
-          <a:effectLst/>
-        </p:spPr>
-      </p:pic>
-      <p:sp>
-        <p:nvSpPr>
-          <p:cNvPr id="6" name="TextBox 5"/>
-          <p:cNvSpPr txBox="1"/>
-          <p:nvPr/>
-        </p:nvSpPr>
-        <p:spPr>
-          <a:xfrm>
-            <a:off x="6400800" y="5867400"/>
-            <a:ext cx="2161169" cy="707886"/>
-          </a:xfrm>
-          <a:prstGeom prst="rect">
-            <a:avLst/>
-          </a:prstGeom>
-          <a:noFill/>
-        </p:spPr>
-        <p:txBody>
-          <a:bodyPr wrap="none" rtlCol="0">
-            <a:spAutoFit/>
-          </a:bodyPr>
-          <a:lstStyle/>
-          <a:p>
-            <a:r>
-              <a:rPr lang="en-US" sz="2000" dirty="0" err="1" smtClean="0">
-                <a:solidFill>
-                  <a:schemeClr val="bg2"/>
-                </a:solidFill>
-              </a:rPr>
-              <a:t>javac</a:t>
-            </a:r>
-            <a:r>
-              <a:rPr lang="en-US" sz="2000" dirty="0" smtClean="0">
-                <a:solidFill>
-                  <a:schemeClr val="bg2"/>
-                </a:solidFill>
-              </a:rPr>
-              <a:t> MyPaint.java</a:t>
-            </a:r>
-          </a:p>
-          <a:p>
-            <a:r>
-              <a:rPr lang="en-US" sz="2000" dirty="0" smtClean="0">
-                <a:solidFill>
-                  <a:schemeClr val="bg2"/>
-                </a:solidFill>
-              </a:rPr>
-              <a:t>java –cp . </a:t>
-            </a:r>
-            <a:r>
-              <a:rPr lang="en-US" sz="2000" dirty="0" err="1" smtClean="0">
-                <a:solidFill>
-                  <a:schemeClr val="bg2"/>
-                </a:solidFill>
-              </a:rPr>
-              <a:t>MyPaint</a:t>
-            </a:r>
-            <a:endParaRPr lang="en-US" sz="2000" dirty="0">
-              <a:solidFill>
-                <a:schemeClr val="bg2"/>
-              </a:solidFill>
-            </a:endParaRPr>
-          </a:p>
-        </p:txBody>
-      </p:sp>
     </p:spTree>
   </p:cSld>
   <p:clrMapOvr>
@@ -4826,7 +4662,7 @@
         </p:nvSpPr>
         <p:spPr>
           <a:xfrm>
-            <a:off x="685800" y="0"/>
+            <a:off x="685800" y="152400"/>
             <a:ext cx="7772400" cy="1143000"/>
           </a:xfrm>
         </p:spPr>
@@ -4835,234 +4671,153 @@
           <a:lstStyle/>
           <a:p>
             <a:r>
-              <a:rPr lang="en-US" dirty="0" smtClean="0"/>
-              <a:t>Example</a:t>
+              <a:rPr lang="en-US" dirty="0" err="1" smtClean="0"/>
+              <a:t>JFrame</a:t>
+            </a:r>
+            <a:r>
+              <a:rPr lang="en-US" dirty="0" smtClean="0"/>
+              <a:t>	</a:t>
             </a:r>
             <a:endParaRPr lang="en-US" dirty="0"/>
           </a:p>
         </p:txBody>
       </p:sp>
-      <p:pic>
-        <p:nvPicPr>
-          <p:cNvPr id="38914" name="Picture 2"/>
-          <p:cNvPicPr>
-            <a:picLocks noChangeAspect="1" noChangeArrowheads="1"/>
-          </p:cNvPicPr>
-          <p:nvPr/>
-        </p:nvPicPr>
-        <p:blipFill>
-          <a:blip r:embed="rId2"/>
-          <a:srcRect/>
-          <a:stretch>
-            <a:fillRect/>
-          </a:stretch>
-        </p:blipFill>
-        <p:spPr bwMode="auto">
-          <a:xfrm>
-            <a:off x="381000" y="1143000"/>
-            <a:ext cx="4876800" cy="2816634"/>
-          </a:xfrm>
-          <a:prstGeom prst="rect">
-            <a:avLst/>
-          </a:prstGeom>
-          <a:noFill/>
-          <a:ln w="9525">
-            <a:noFill/>
-            <a:miter lim="800000"/>
-            <a:headEnd/>
-            <a:tailEnd/>
-          </a:ln>
-          <a:effectLst/>
-        </p:spPr>
-      </p:pic>
-      <p:pic>
-        <p:nvPicPr>
-          <p:cNvPr id="38915" name="Picture 3"/>
-          <p:cNvPicPr>
-            <a:picLocks noChangeAspect="1" noChangeArrowheads="1"/>
-          </p:cNvPicPr>
-          <p:nvPr/>
-        </p:nvPicPr>
-        <p:blipFill>
-          <a:blip r:embed="rId3"/>
-          <a:srcRect/>
-          <a:stretch>
-            <a:fillRect/>
-          </a:stretch>
-        </p:blipFill>
-        <p:spPr bwMode="auto">
-          <a:xfrm>
-            <a:off x="2895600" y="3733800"/>
-            <a:ext cx="5898161" cy="2895600"/>
-          </a:xfrm>
-          <a:prstGeom prst="rect">
-            <a:avLst/>
-          </a:prstGeom>
-          <a:noFill/>
-          <a:ln w="9525">
-            <a:noFill/>
-            <a:miter lim="800000"/>
-            <a:headEnd/>
-            <a:tailEnd/>
-          </a:ln>
-          <a:effectLst/>
-        </p:spPr>
-      </p:pic>
-      <p:sp>
-        <p:nvSpPr>
-          <p:cNvPr id="6" name="TextBox 5"/>
-          <p:cNvSpPr txBox="1"/>
-          <p:nvPr/>
+      <p:sp>
+        <p:nvSpPr>
+          <p:cNvPr id="3" name="Content Placeholder 2"/>
+          <p:cNvSpPr>
+            <a:spLocks noGrp="1"/>
+          </p:cNvSpPr>
+          <p:nvPr>
+            <p:ph idx="1"/>
+          </p:nvPr>
         </p:nvSpPr>
         <p:spPr>
           <a:xfrm>
-            <a:off x="5791200" y="1752600"/>
-            <a:ext cx="338554" cy="461665"/>
-          </a:xfrm>
-          <a:prstGeom prst="rect">
-            <a:avLst/>
-          </a:prstGeom>
-          <a:noFill/>
-        </p:spPr>
-        <p:txBody>
-          <a:bodyPr wrap="none" rtlCol="0">
-            <a:spAutoFit/>
+            <a:off x="457200" y="1752600"/>
+            <a:ext cx="8305800" cy="4648200"/>
+          </a:xfrm>
+        </p:spPr>
+        <p:txBody>
+          <a:bodyPr>
+            <a:normAutofit fontScale="85000" lnSpcReduction="10000"/>
           </a:bodyPr>
           <a:lstStyle/>
           <a:p>
             <a:r>
-              <a:rPr lang="en-US" dirty="0" smtClean="0">
-                <a:solidFill>
-                  <a:srgbClr val="FF0000"/>
-                </a:solidFill>
-              </a:rPr>
-              <a:t>1</a:t>
-            </a:r>
-            <a:endParaRPr lang="en-US" dirty="0">
-              <a:solidFill>
-                <a:srgbClr val="FF0000"/>
-              </a:solidFill>
-            </a:endParaRPr>
-          </a:p>
-        </p:txBody>
-      </p:sp>
-      <p:sp>
-        <p:nvSpPr>
-          <p:cNvPr id="7" name="Oval 6"/>
-          <p:cNvSpPr/>
-          <p:nvPr/>
-        </p:nvSpPr>
-        <p:spPr>
-          <a:xfrm>
-            <a:off x="5638800" y="1676400"/>
-            <a:ext cx="685800" cy="685800"/>
-          </a:xfrm>
-          <a:prstGeom prst="ellipse">
-            <a:avLst/>
-          </a:prstGeom>
-          <a:noFill/>
-        </p:spPr>
-        <p:style>
-          <a:lnRef idx="2">
-            <a:schemeClr val="accent1">
-              <a:shade val="50000"/>
-            </a:schemeClr>
-          </a:lnRef>
-          <a:fillRef idx="1">
-            <a:schemeClr val="accent1"/>
-          </a:fillRef>
-          <a:effectRef idx="0">
-            <a:schemeClr val="accent1"/>
-          </a:effectRef>
-          <a:fontRef idx="minor">
-            <a:schemeClr val="lt1"/>
-          </a:fontRef>
-        </p:style>
-        <p:txBody>
-          <a:bodyPr rtlCol="0" anchor="ctr"/>
-          <a:lstStyle/>
-          <a:p>
-            <a:pPr algn="ctr"/>
-            <a:endParaRPr lang="en-US"/>
-          </a:p>
-        </p:txBody>
-      </p:sp>
-      <p:sp>
-        <p:nvSpPr>
-          <p:cNvPr id="8" name="TextBox 7"/>
-          <p:cNvSpPr txBox="1"/>
-          <p:nvPr/>
-        </p:nvSpPr>
-        <p:spPr>
-          <a:xfrm>
-            <a:off x="1981200" y="4953000"/>
-            <a:ext cx="338554" cy="461665"/>
-          </a:xfrm>
-          <a:prstGeom prst="rect">
-            <a:avLst/>
-          </a:prstGeom>
-          <a:noFill/>
-        </p:spPr>
-        <p:txBody>
-          <a:bodyPr wrap="none" rtlCol="0">
-            <a:spAutoFit/>
-          </a:bodyPr>
-          <a:lstStyle/>
-          <a:p>
-            <a:r>
-              <a:rPr lang="en-US" dirty="0" smtClean="0">
-                <a:solidFill>
-                  <a:srgbClr val="FF0000"/>
-                </a:solidFill>
-              </a:rPr>
-              <a:t>2</a:t>
-            </a:r>
-            <a:endParaRPr lang="en-US" dirty="0">
-              <a:solidFill>
-                <a:srgbClr val="FF0000"/>
-              </a:solidFill>
-            </a:endParaRPr>
-          </a:p>
-        </p:txBody>
-      </p:sp>
-      <p:sp>
-        <p:nvSpPr>
-          <p:cNvPr id="9" name="Oval 8"/>
-          <p:cNvSpPr/>
-          <p:nvPr/>
-        </p:nvSpPr>
-        <p:spPr>
-          <a:xfrm>
-            <a:off x="1828800" y="4876800"/>
-            <a:ext cx="685800" cy="685800"/>
-          </a:xfrm>
-          <a:prstGeom prst="ellipse">
-            <a:avLst/>
-          </a:prstGeom>
-          <a:noFill/>
-        </p:spPr>
-        <p:style>
-          <a:lnRef idx="2">
-            <a:schemeClr val="accent1">
-              <a:shade val="50000"/>
-            </a:schemeClr>
-          </a:lnRef>
-          <a:fillRef idx="1">
-            <a:schemeClr val="accent1"/>
-          </a:fillRef>
-          <a:effectRef idx="0">
-            <a:schemeClr val="accent1"/>
-          </a:effectRef>
-          <a:fontRef idx="minor">
-            <a:schemeClr val="lt1"/>
-          </a:fontRef>
-        </p:style>
-        <p:txBody>
-          <a:bodyPr rtlCol="0" anchor="ctr"/>
-          <a:lstStyle/>
-          <a:p>
-            <a:pPr algn="ctr"/>
-            <a:endParaRPr lang="en-US"/>
+              <a:rPr lang="en-US" dirty="0" smtClean="0"/>
+              <a:t>Simple GUI Window</a:t>
+            </a:r>
+          </a:p>
+          <a:p>
+            <a:pPr lvl="1"/>
+            <a:r>
+              <a:rPr lang="en-US" dirty="0" smtClean="0"/>
+              <a:t>Lets us perform simple drawing operations</a:t>
+            </a:r>
+          </a:p>
+          <a:p>
+            <a:r>
+              <a:rPr lang="en-US" dirty="0" smtClean="0"/>
+              <a:t>Basic Usage</a:t>
+            </a:r>
+          </a:p>
+          <a:p>
+            <a:pPr lvl="1"/>
+            <a:r>
+              <a:rPr lang="en-US" dirty="0" smtClean="0"/>
+              <a:t>Instantiate the </a:t>
+            </a:r>
+            <a:r>
+              <a:rPr lang="en-US" dirty="0" err="1" smtClean="0"/>
+              <a:t>JFrame</a:t>
+            </a:r>
+            <a:r>
+              <a:rPr lang="en-US" dirty="0" smtClean="0"/>
+              <a:t> and assign text for the title bar</a:t>
+            </a:r>
+          </a:p>
+          <a:p>
+            <a:pPr lvl="2"/>
+            <a:r>
+              <a:rPr lang="en-US" dirty="0" err="1" smtClean="0"/>
+              <a:t>JFrame</a:t>
+            </a:r>
+            <a:r>
+              <a:rPr lang="en-US" dirty="0" smtClean="0"/>
+              <a:t> frame = new </a:t>
+            </a:r>
+            <a:r>
+              <a:rPr lang="en-US" dirty="0" err="1" smtClean="0"/>
+              <a:t>Jframe</a:t>
+            </a:r>
+            <a:r>
+              <a:rPr lang="en-US" dirty="0" smtClean="0"/>
+              <a:t>(‘Title’);</a:t>
+            </a:r>
+          </a:p>
+          <a:p>
+            <a:pPr lvl="1"/>
+            <a:r>
+              <a:rPr lang="en-US" dirty="0" smtClean="0"/>
+              <a:t>Specify size</a:t>
+            </a:r>
+          </a:p>
+          <a:p>
+            <a:pPr lvl="2"/>
+            <a:r>
+              <a:rPr lang="en-US" dirty="0" err="1" smtClean="0"/>
+              <a:t>frame.setSize</a:t>
+            </a:r>
+            <a:r>
+              <a:rPr lang="en-US" dirty="0" smtClean="0"/>
+              <a:t>(width, height)</a:t>
+            </a:r>
+          </a:p>
+          <a:p>
+            <a:pPr lvl="1"/>
+            <a:r>
+              <a:rPr lang="en-US" dirty="0" smtClean="0"/>
+              <a:t>Designate that closing the window ends the program</a:t>
+            </a:r>
+          </a:p>
+          <a:p>
+            <a:pPr lvl="2"/>
+            <a:r>
+              <a:rPr lang="en-US" dirty="0" err="1" smtClean="0"/>
+              <a:t>frame.setDefaultCloseOperation</a:t>
+            </a:r>
+            <a:r>
+              <a:rPr lang="en-US" dirty="0" smtClean="0"/>
+              <a:t>(</a:t>
+            </a:r>
+            <a:r>
+              <a:rPr lang="en-US" dirty="0" err="1" smtClean="0"/>
+              <a:t>JFrame.EXIT_ON_CLOSE</a:t>
+            </a:r>
+            <a:r>
+              <a:rPr lang="en-US" dirty="0" smtClean="0"/>
+              <a:t>);</a:t>
+            </a:r>
+          </a:p>
+          <a:p>
+            <a:pPr lvl="1"/>
+            <a:r>
+              <a:rPr lang="en-US" dirty="0" smtClean="0"/>
+              <a:t>Show the window</a:t>
+            </a:r>
+          </a:p>
+          <a:p>
+            <a:pPr lvl="2"/>
+            <a:r>
+              <a:rPr lang="en-US" dirty="0" err="1" smtClean="0"/>
+              <a:t>frame.setVisible</a:t>
+            </a:r>
+            <a:r>
+              <a:rPr lang="en-US" dirty="0" smtClean="0"/>
+              <a:t>(true);</a:t>
+            </a:r>
+            <a:endParaRPr lang="en-US" dirty="0"/>
           </a:p>
         </p:txBody>
       </p:sp>
@@ -5101,19 +4856,18 @@
             <p:ph type="title"/>
           </p:nvPr>
         </p:nvSpPr>
-        <p:spPr>
-          <a:xfrm>
-            <a:off x="685800" y="0"/>
-            <a:ext cx="7772400" cy="1143000"/>
-          </a:xfrm>
-        </p:spPr>
-        <p:txBody>
-          <a:bodyPr/>
-          <a:lstStyle/>
-          <a:p>
-            <a:r>
-              <a:rPr lang="en-US" dirty="0" smtClean="0"/>
-              <a:t>Question</a:t>
+        <p:spPr/>
+        <p:txBody>
+          <a:bodyPr/>
+          <a:lstStyle/>
+          <a:p>
+            <a:r>
+              <a:rPr lang="en-US" dirty="0" smtClean="0"/>
+              <a:t>Using </a:t>
+            </a:r>
+            <a:r>
+              <a:rPr lang="en-US" dirty="0" err="1" smtClean="0"/>
+              <a:t>JFrame</a:t>
             </a:r>
             <a:endParaRPr lang="en-US" dirty="0"/>
           </a:p>
@@ -5140,7 +4894,7 @@
       </p:sp>
       <p:pic>
         <p:nvPicPr>
-          <p:cNvPr id="39939" name="Picture 3"/>
+          <p:cNvPr id="29698" name="Picture 2"/>
           <p:cNvPicPr>
             <a:picLocks noChangeAspect="1" noChangeArrowheads="1"/>
           </p:cNvPicPr>
@@ -5155,8 +4909,8 @@
         </p:blipFill>
         <p:spPr bwMode="auto">
           <a:xfrm>
-            <a:off x="304800" y="1066800"/>
-            <a:ext cx="6365701" cy="5410200"/>
+            <a:off x="762000" y="2362200"/>
+            <a:ext cx="7626699" cy="3352800"/>
           </a:xfrm>
           <a:prstGeom prst="rect">
             <a:avLst/>
@@ -5171,54 +4925,6 @@
           <a:effectLst/>
         </p:spPr>
       </p:pic>
-      <p:sp>
-        <p:nvSpPr>
-          <p:cNvPr id="6" name="TextBox 5"/>
-          <p:cNvSpPr txBox="1"/>
-          <p:nvPr/>
-        </p:nvSpPr>
-        <p:spPr>
-          <a:xfrm>
-            <a:off x="5181600" y="1066800"/>
-            <a:ext cx="3736985" cy="830997"/>
-          </a:xfrm>
-          <a:prstGeom prst="rect">
-            <a:avLst/>
-          </a:prstGeom>
-          <a:noFill/>
-        </p:spPr>
-        <p:txBody>
-          <a:bodyPr wrap="none" rtlCol="0">
-            <a:spAutoFit/>
-          </a:bodyPr>
-          <a:lstStyle/>
-          <a:p>
-            <a:r>
-              <a:rPr lang="en-US" b="1" dirty="0" smtClean="0">
-                <a:solidFill>
-                  <a:schemeClr val="bg2"/>
-                </a:solidFill>
-              </a:rPr>
-              <a:t>What will the output </a:t>
-            </a:r>
-          </a:p>
-          <a:p>
-            <a:r>
-              <a:rPr lang="en-US" b="1" dirty="0" smtClean="0">
-                <a:solidFill>
-                  <a:schemeClr val="bg2"/>
-                </a:solidFill>
-              </a:rPr>
-              <a:t>for the following program?</a:t>
-            </a:r>
-            <a:endParaRPr lang="en-US" b="1" dirty="0">
-              <a:solidFill>
-                <a:schemeClr val="bg2"/>
-              </a:solidFill>
-            </a:endParaRPr>
-          </a:p>
-        </p:txBody>
-      </p:sp>
     </p:spTree>
   </p:cSld>
   <p:clrMapOvr>
@@ -5261,7 +4967,11 @@
           <a:p>
             <a:r>
               <a:rPr lang="en-US" dirty="0" smtClean="0"/>
-              <a:t>Answer</a:t>
+              <a:t>Extending </a:t>
+            </a:r>
+            <a:r>
+              <a:rPr lang="en-US" dirty="0" err="1" smtClean="0"/>
+              <a:t>JFrame</a:t>
             </a:r>
             <a:endParaRPr lang="en-US" dirty="0"/>
           </a:p>
@@ -5288,7 +4998,7 @@
       </p:sp>
       <p:pic>
         <p:nvPicPr>
-          <p:cNvPr id="40962" name="Picture 2"/>
+          <p:cNvPr id="30722" name="Picture 2"/>
           <p:cNvPicPr>
             <a:picLocks noChangeAspect="1" noChangeArrowheads="1"/>
           </p:cNvPicPr>
@@ -5303,8 +5013,8 @@
         </p:blipFill>
         <p:spPr bwMode="auto">
           <a:xfrm>
-            <a:off x="5362575" y="1981200"/>
-            <a:ext cx="3781425" cy="3848100"/>
+            <a:off x="685800" y="1981200"/>
+            <a:ext cx="7848600" cy="4069644"/>
           </a:xfrm>
           <a:prstGeom prst="rect">
             <a:avLst/>
@@ -5319,80 +5029,6 @@
           <a:effectLst/>
         </p:spPr>
       </p:pic>
-      <p:pic>
-        <p:nvPicPr>
-          <p:cNvPr id="5" name="Picture 3"/>
-          <p:cNvPicPr>
-            <a:picLocks noChangeAspect="1" noChangeArrowheads="1"/>
-          </p:cNvPicPr>
-          <p:nvPr/>
-        </p:nvPicPr>
-        <p:blipFill>
-          <a:blip r:embed="rId3"/>
-          <a:srcRect/>
-          <a:stretch>
-            <a:fillRect/>
-          </a:stretch>
-        </p:blipFill>
-        <p:spPr bwMode="auto">
-          <a:xfrm>
-            <a:off x="228600" y="1676400"/>
-            <a:ext cx="5105400" cy="4339072"/>
-          </a:xfrm>
-          <a:prstGeom prst="rect">
-            <a:avLst/>
-          </a:prstGeom>
-          <a:noFill/>
-          <a:ln w="9525">
-            <a:noFill/>
-            <a:miter lim="800000"/>
-            <a:headEnd/>
-            <a:tailEnd/>
-          </a:ln>
-          <a:effectLst/>
-        </p:spPr>
-      </p:pic>
-      <p:sp>
-        <p:nvSpPr>
-          <p:cNvPr id="6" name="Rectangle 5"/>
-          <p:cNvSpPr/>
-          <p:nvPr/>
-        </p:nvSpPr>
-        <p:spPr>
-          <a:xfrm>
-            <a:off x="457200" y="4648200"/>
-            <a:ext cx="4267200" cy="228600"/>
-          </a:xfrm>
-          <a:prstGeom prst="rect">
-            <a:avLst/>
-          </a:prstGeom>
-          <a:noFill/>
-        </p:spPr>
-        <p:style>
-          <a:lnRef idx="2">
-            <a:schemeClr val="accent1">
-              <a:shade val="50000"/>
-            </a:schemeClr>
-          </a:lnRef>
-          <a:fillRef idx="1">
-            <a:schemeClr val="accent1"/>
-          </a:fillRef>
-          <a:effectRef idx="0">
-            <a:schemeClr val="accent1"/>
-          </a:effectRef>
-          <a:fontRef idx="minor">
-            <a:schemeClr val="lt1"/>
-          </a:fontRef>
-        </p:style>
-        <p:txBody>
-          <a:bodyPr rtlCol="0" anchor="ctr"/>
-          <a:lstStyle/>
-          <a:p>
-            <a:pPr algn="ctr"/>
-            <a:endParaRPr lang="en-US"/>
-          </a:p>
-        </p:txBody>
-      </p:sp>
     </p:spTree>
   </p:cSld>
   <p:clrMapOvr>
@@ -5567,50 +5203,28 @@
             <p:ph type="title"/>
           </p:nvPr>
         </p:nvSpPr>
-        <p:spPr>
-          <a:xfrm>
-            <a:off x="685800" y="304800"/>
-            <a:ext cx="7772400" cy="1143000"/>
-          </a:xfrm>
-        </p:spPr>
-        <p:txBody>
-          <a:bodyPr/>
-          <a:lstStyle/>
-          <a:p>
-            <a:r>
-              <a:rPr lang="en-US" dirty="0" smtClean="0"/>
-              <a:t>Fixing Problems</a:t>
+        <p:spPr/>
+        <p:txBody>
+          <a:bodyPr/>
+          <a:lstStyle/>
+          <a:p>
+            <a:r>
+              <a:rPr lang="en-US" dirty="0" smtClean="0"/>
+              <a:t>Basic Drawing</a:t>
             </a:r>
             <a:endParaRPr lang="en-US" dirty="0"/>
-          </a:p>
-        </p:txBody>
-      </p:sp>
-      <p:sp>
-        <p:nvSpPr>
-          <p:cNvPr id="3" name="Content Placeholder 2"/>
-          <p:cNvSpPr>
-            <a:spLocks noGrp="1"/>
-          </p:cNvSpPr>
-          <p:nvPr>
-            <p:ph idx="1"/>
-          </p:nvPr>
-        </p:nvSpPr>
-        <p:spPr/>
-        <p:txBody>
-          <a:bodyPr/>
-          <a:lstStyle/>
-          <a:p>
-            <a:endParaRPr lang="en-US"/>
           </a:p>
         </p:txBody>
       </p:sp>
       <p:pic>
         <p:nvPicPr>
-          <p:cNvPr id="41986" name="Picture 2"/>
+          <p:cNvPr id="31746" name="Picture 2"/>
           <p:cNvPicPr>
-            <a:picLocks noChangeAspect="1" noChangeArrowheads="1"/>
+            <a:picLocks noGrp="1" noChangeAspect="1" noChangeArrowheads="1"/>
           </p:cNvPicPr>
-          <p:nvPr/>
+          <p:nvPr>
+            <p:ph idx="1"/>
+          </p:nvPr>
         </p:nvPicPr>
         <p:blipFill>
           <a:blip r:embed="rId2"/>
@@ -5621,8 +5235,8 @@
         </p:blipFill>
         <p:spPr bwMode="auto">
           <a:xfrm>
-            <a:off x="228600" y="1600200"/>
-            <a:ext cx="8909000" cy="4495800"/>
+            <a:off x="762000" y="1905000"/>
+            <a:ext cx="7736674" cy="4267200"/>
           </a:xfrm>
           <a:prstGeom prst="rect">
             <a:avLst/>
@@ -5679,7 +5293,11 @@
           <a:p>
             <a:r>
               <a:rPr lang="en-US" dirty="0" smtClean="0"/>
-              <a:t>Drawing Images</a:t>
+              <a:t>Example </a:t>
+            </a:r>
+            <a:r>
+              <a:rPr lang="en-US" dirty="0" err="1" smtClean="0"/>
+              <a:t>JFrame</a:t>
             </a:r>
             <a:endParaRPr lang="en-US" dirty="0"/>
           </a:p>
@@ -5706,7 +5324,7 @@
       </p:sp>
       <p:pic>
         <p:nvPicPr>
-          <p:cNvPr id="43010" name="Picture 2"/>
+          <p:cNvPr id="32770" name="Picture 2"/>
           <p:cNvPicPr>
             <a:picLocks noChangeAspect="1" noChangeArrowheads="1"/>
           </p:cNvPicPr>
@@ -5721,8 +5339,8 @@
         </p:blipFill>
         <p:spPr bwMode="auto">
           <a:xfrm>
-            <a:off x="228600" y="1828800"/>
-            <a:ext cx="8586307" cy="4419600"/>
+            <a:off x="838200" y="1981200"/>
+            <a:ext cx="7579242" cy="4267200"/>
           </a:xfrm>
           <a:prstGeom prst="rect">
             <a:avLst/>
@@ -5779,7 +5397,11 @@
           <a:p>
             <a:r>
               <a:rPr lang="en-US" dirty="0" smtClean="0"/>
-              <a:t>Images</a:t>
+              <a:t>Example </a:t>
+            </a:r>
+            <a:r>
+              <a:rPr lang="en-US" dirty="0" err="1" smtClean="0"/>
+              <a:t>JPanel</a:t>
             </a:r>
             <a:endParaRPr lang="en-US" dirty="0"/>
           </a:p>
@@ -5806,7 +5428,7 @@
       </p:sp>
       <p:pic>
         <p:nvPicPr>
-          <p:cNvPr id="44034" name="Picture 2"/>
+          <p:cNvPr id="33794" name="Picture 2"/>
           <p:cNvPicPr>
             <a:picLocks noChangeAspect="1" noChangeArrowheads="1"/>
           </p:cNvPicPr>
@@ -5821,8 +5443,8 @@
         </p:blipFill>
         <p:spPr bwMode="auto">
           <a:xfrm>
-            <a:off x="457200" y="1828800"/>
-            <a:ext cx="7924800" cy="4537798"/>
+            <a:off x="609600" y="2286000"/>
+            <a:ext cx="7735210" cy="3733800"/>
           </a:xfrm>
           <a:prstGeom prst="rect">
             <a:avLst/>
@@ -5872,19 +5494,14 @@
             <p:ph type="title"/>
           </p:nvPr>
         </p:nvSpPr>
-        <p:spPr>
-          <a:xfrm>
-            <a:off x="533400" y="609600"/>
-            <a:ext cx="8305800" cy="1143000"/>
-          </a:xfrm>
-        </p:spPr>
-        <p:txBody>
-          <a:bodyPr/>
-          <a:lstStyle/>
-          <a:p>
-            <a:r>
-              <a:rPr lang="en-US" dirty="0" smtClean="0"/>
-              <a:t>Review Basic Graphic Methods</a:t>
+        <p:spPr/>
+        <p:txBody>
+          <a:bodyPr/>
+          <a:lstStyle/>
+          <a:p>
+            <a:r>
+              <a:rPr lang="en-US" dirty="0" smtClean="0"/>
+              <a:t>Drawing Methods</a:t>
             </a:r>
             <a:endParaRPr lang="en-US" dirty="0"/>
           </a:p>
@@ -5911,7 +5528,7 @@
       </p:sp>
       <p:pic>
         <p:nvPicPr>
-          <p:cNvPr id="2050" name="Picture 2"/>
+          <p:cNvPr id="34818" name="Picture 2"/>
           <p:cNvPicPr>
             <a:picLocks noChangeAspect="1" noChangeArrowheads="1"/>
           </p:cNvPicPr>
@@ -5926,8 +5543,8 @@
         </p:blipFill>
         <p:spPr bwMode="auto">
           <a:xfrm>
-            <a:off x="457200" y="1981200"/>
-            <a:ext cx="8296275" cy="4410075"/>
+            <a:off x="533400" y="1981200"/>
+            <a:ext cx="8047730" cy="4114800"/>
           </a:xfrm>
           <a:prstGeom prst="rect">
             <a:avLst/>
@@ -5977,19 +5594,14 @@
             <p:ph type="title"/>
           </p:nvPr>
         </p:nvSpPr>
-        <p:spPr>
-          <a:xfrm>
-            <a:off x="609600" y="152400"/>
-            <a:ext cx="7772400" cy="1143000"/>
-          </a:xfrm>
-        </p:spPr>
-        <p:txBody>
-          <a:bodyPr/>
-          <a:lstStyle/>
-          <a:p>
-            <a:r>
-              <a:rPr lang="en-US" dirty="0" smtClean="0"/>
-              <a:t>Question</a:t>
+        <p:spPr/>
+        <p:txBody>
+          <a:bodyPr/>
+          <a:lstStyle/>
+          <a:p>
+            <a:r>
+              <a:rPr lang="en-US" dirty="0" smtClean="0"/>
+              <a:t>Graphics Class Methods</a:t>
             </a:r>
             <a:endParaRPr lang="en-US" dirty="0"/>
           </a:p>
@@ -6005,27 +5617,18 @@
             <p:ph idx="1"/>
           </p:nvPr>
         </p:nvSpPr>
-        <p:spPr>
-          <a:xfrm>
-            <a:off x="762000" y="1295400"/>
-            <a:ext cx="7772400" cy="4114800"/>
-          </a:xfrm>
-        </p:spPr>
-        <p:txBody>
-          <a:bodyPr/>
-          <a:lstStyle/>
-          <a:p>
-            <a:r>
-              <a:rPr lang="en-US" dirty="0" smtClean="0"/>
-              <a:t>Write down the graphics methods you’d use to draw the following output:</a:t>
-            </a:r>
-            <a:endParaRPr lang="en-US" dirty="0"/>
+        <p:spPr/>
+        <p:txBody>
+          <a:bodyPr/>
+          <a:lstStyle/>
+          <a:p>
+            <a:endParaRPr lang="en-US"/>
           </a:p>
         </p:txBody>
       </p:sp>
       <p:pic>
         <p:nvPicPr>
-          <p:cNvPr id="1026" name="Picture 2"/>
+          <p:cNvPr id="35842" name="Picture 2"/>
           <p:cNvPicPr>
             <a:picLocks noChangeAspect="1" noChangeArrowheads="1"/>
           </p:cNvPicPr>
@@ -6040,8 +5643,8 @@
         </p:blipFill>
         <p:spPr bwMode="auto">
           <a:xfrm>
-            <a:off x="1447800" y="2514600"/>
-            <a:ext cx="5257800" cy="3977403"/>
+            <a:off x="228600" y="2057400"/>
+            <a:ext cx="8714031" cy="3657600"/>
           </a:xfrm>
           <a:prstGeom prst="rect">
             <a:avLst/>
@@ -6091,19 +5694,14 @@
             <p:ph type="title"/>
           </p:nvPr>
         </p:nvSpPr>
-        <p:spPr>
-          <a:xfrm>
-            <a:off x="762000" y="-76200"/>
-            <a:ext cx="7772400" cy="1143000"/>
-          </a:xfrm>
-        </p:spPr>
-        <p:txBody>
-          <a:bodyPr/>
-          <a:lstStyle/>
-          <a:p>
-            <a:r>
-              <a:rPr lang="en-US" dirty="0" smtClean="0"/>
-              <a:t>Question</a:t>
+        <p:spPr/>
+        <p:txBody>
+          <a:bodyPr/>
+          <a:lstStyle/>
+          <a:p>
+            <a:r>
+              <a:rPr lang="en-US" dirty="0" smtClean="0"/>
+              <a:t>Graphics Class Methods</a:t>
             </a:r>
             <a:endParaRPr lang="en-US" dirty="0"/>
           </a:p>
@@ -6125,76 +5723,12 @@
           <a:lstStyle/>
           <a:p>
             <a:endParaRPr lang="en-US"/>
-          </a:p>
-        </p:txBody>
-      </p:sp>
-      <p:sp>
-        <p:nvSpPr>
-          <p:cNvPr id="6" name="TextBox 5"/>
-          <p:cNvSpPr txBox="1"/>
-          <p:nvPr/>
-        </p:nvSpPr>
-        <p:spPr>
-          <a:xfrm>
-            <a:off x="6400800" y="5943600"/>
-            <a:ext cx="2161169" cy="707886"/>
-          </a:xfrm>
-          <a:prstGeom prst="rect">
-            <a:avLst/>
-          </a:prstGeom>
-          <a:noFill/>
-        </p:spPr>
-        <p:txBody>
-          <a:bodyPr wrap="none" rtlCol="0">
-            <a:spAutoFit/>
-          </a:bodyPr>
-          <a:lstStyle/>
-          <a:p>
-            <a:r>
-              <a:rPr lang="en-US" sz="2000" dirty="0" err="1" smtClean="0">
-                <a:solidFill>
-                  <a:schemeClr val="bg2"/>
-                </a:solidFill>
-              </a:rPr>
-              <a:t>javac</a:t>
-            </a:r>
-            <a:r>
-              <a:rPr lang="en-US" sz="2000" dirty="0" smtClean="0">
-                <a:solidFill>
-                  <a:schemeClr val="bg2"/>
-                </a:solidFill>
-              </a:rPr>
-              <a:t> MyPaint.java</a:t>
-            </a:r>
-          </a:p>
-          <a:p>
-            <a:r>
-              <a:rPr lang="en-US" sz="2000" dirty="0" smtClean="0">
-                <a:solidFill>
-                  <a:schemeClr val="bg2"/>
-                </a:solidFill>
-              </a:rPr>
-              <a:t>java –cp . </a:t>
-            </a:r>
-            <a:r>
-              <a:rPr lang="en-US" sz="2000" dirty="0" err="1" smtClean="0">
-                <a:solidFill>
-                  <a:schemeClr val="bg2"/>
-                </a:solidFill>
-              </a:rPr>
-              <a:t>MyPaint</a:t>
-            </a:r>
-            <a:endParaRPr lang="en-US" sz="2000" dirty="0">
-              <a:solidFill>
-                <a:schemeClr val="bg2"/>
-              </a:solidFill>
-            </a:endParaRPr>
           </a:p>
         </p:txBody>
       </p:sp>
       <p:pic>
         <p:nvPicPr>
-          <p:cNvPr id="4101" name="Picture 5"/>
+          <p:cNvPr id="36866" name="Picture 2"/>
           <p:cNvPicPr>
             <a:picLocks noChangeAspect="1" noChangeArrowheads="1"/>
           </p:cNvPicPr>
@@ -6209,8 +5743,8 @@
         </p:blipFill>
         <p:spPr bwMode="auto">
           <a:xfrm>
-            <a:off x="228599" y="990600"/>
-            <a:ext cx="5262431" cy="5715000"/>
+            <a:off x="304800" y="2057400"/>
+            <a:ext cx="8353914" cy="3657600"/>
           </a:xfrm>
           <a:prstGeom prst="rect">
             <a:avLst/>
@@ -6225,54 +5759,6 @@
           <a:effectLst/>
         </p:spPr>
       </p:pic>
-      <p:sp>
-        <p:nvSpPr>
-          <p:cNvPr id="9" name="TextBox 8"/>
-          <p:cNvSpPr txBox="1"/>
-          <p:nvPr/>
-        </p:nvSpPr>
-        <p:spPr>
-          <a:xfrm>
-            <a:off x="5257800" y="1143000"/>
-            <a:ext cx="3579826" cy="830997"/>
-          </a:xfrm>
-          <a:prstGeom prst="rect">
-            <a:avLst/>
-          </a:prstGeom>
-          <a:noFill/>
-        </p:spPr>
-        <p:txBody>
-          <a:bodyPr wrap="none" rtlCol="0">
-            <a:spAutoFit/>
-          </a:bodyPr>
-          <a:lstStyle/>
-          <a:p>
-            <a:r>
-              <a:rPr lang="en-US" b="1" dirty="0" smtClean="0">
-                <a:solidFill>
-                  <a:schemeClr val="bg2"/>
-                </a:solidFill>
-              </a:rPr>
-              <a:t>What would the following</a:t>
-            </a:r>
-          </a:p>
-          <a:p>
-            <a:r>
-              <a:rPr lang="en-US" b="1" dirty="0" smtClean="0">
-                <a:solidFill>
-                  <a:schemeClr val="bg2"/>
-                </a:solidFill>
-              </a:rPr>
-              <a:t>program output?</a:t>
-            </a:r>
-            <a:endParaRPr lang="en-US" b="1" dirty="0">
-              <a:solidFill>
-                <a:schemeClr val="bg2"/>
-              </a:solidFill>
-            </a:endParaRPr>
-          </a:p>
-        </p:txBody>
-      </p:sp>
     </p:spTree>
   </p:cSld>
   <p:clrMapOvr>
@@ -6315,7 +5801,7 @@
           <a:p>
             <a:r>
               <a:rPr lang="en-US" dirty="0" smtClean="0"/>
-              <a:t>Answer</a:t>
+              <a:t>Graphics Class Methods</a:t>
             </a:r>
             <a:endParaRPr lang="en-US" dirty="0"/>
           </a:p>
@@ -6336,17 +5822,13 @@
           <a:bodyPr/>
           <a:lstStyle/>
           <a:p>
-            <a:r>
-              <a:rPr lang="en-US" dirty="0" smtClean="0"/>
-              <a:t>Left mouse button is pressed</a:t>
-            </a:r>
-            <a:endParaRPr lang="en-US" dirty="0"/>
+            <a:endParaRPr lang="en-US"/>
           </a:p>
         </p:txBody>
       </p:sp>
       <p:pic>
         <p:nvPicPr>
-          <p:cNvPr id="46082" name="Picture 2"/>
+          <p:cNvPr id="37890" name="Picture 2"/>
           <p:cNvPicPr>
             <a:picLocks noChangeAspect="1" noChangeArrowheads="1"/>
           </p:cNvPicPr>
@@ -6361,8 +5843,8 @@
         </p:blipFill>
         <p:spPr bwMode="auto">
           <a:xfrm>
-            <a:off x="990600" y="3048000"/>
-            <a:ext cx="2809027" cy="2905125"/>
+            <a:off x="228600" y="2286000"/>
+            <a:ext cx="8541000" cy="2971800"/>
           </a:xfrm>
           <a:prstGeom prst="rect">
             <a:avLst/>
@@ -6377,79 +5859,6 @@
           <a:effectLst/>
         </p:spPr>
       </p:pic>
-      <p:pic>
-        <p:nvPicPr>
-          <p:cNvPr id="46083" name="Picture 3"/>
-          <p:cNvPicPr>
-            <a:picLocks noChangeAspect="1" noChangeArrowheads="1"/>
-          </p:cNvPicPr>
-          <p:nvPr/>
-        </p:nvPicPr>
-        <p:blipFill>
-          <a:blip r:embed="rId3"/>
-          <a:srcRect/>
-          <a:stretch>
-            <a:fillRect/>
-          </a:stretch>
-        </p:blipFill>
-        <p:spPr bwMode="auto">
-          <a:xfrm>
-            <a:off x="5486400" y="3124200"/>
-            <a:ext cx="2719081" cy="2790825"/>
-          </a:xfrm>
-          <a:prstGeom prst="rect">
-            <a:avLst/>
-          </a:prstGeom>
-          <a:noFill/>
-          <a:ln w="9525">
-            <a:noFill/>
-            <a:miter lim="800000"/>
-            <a:headEnd/>
-            <a:tailEnd/>
-          </a:ln>
-          <a:effectLst/>
-        </p:spPr>
-      </p:pic>
-      <p:sp>
-        <p:nvSpPr>
-          <p:cNvPr id="6" name="Left-Right Arrow 5"/>
-          <p:cNvSpPr/>
-          <p:nvPr/>
-        </p:nvSpPr>
-        <p:spPr>
-          <a:xfrm>
-            <a:off x="4191000" y="4191000"/>
-            <a:ext cx="838200" cy="533400"/>
-          </a:xfrm>
-          <a:prstGeom prst="leftRightArrow">
-            <a:avLst/>
-          </a:prstGeom>
-        </p:spPr>
-        <p:style>
-          <a:lnRef idx="2">
-            <a:schemeClr val="accent1">
-              <a:shade val="50000"/>
-            </a:schemeClr>
-          </a:lnRef>
-          <a:fillRef idx="1">
-            <a:schemeClr val="accent1"/>
-          </a:fillRef>
-          <a:effectRef idx="0">
-            <a:schemeClr val="accent1"/>
-          </a:effectRef>
-          <a:fontRef idx="minor">
-            <a:schemeClr val="lt1"/>
-          </a:fontRef>
-        </p:style>
-        <p:txBody>
-          <a:bodyPr rtlCol="0" anchor="ctr"/>
-          <a:lstStyle/>
-          <a:p>
-            <a:pPr algn="ctr"/>
-            <a:endParaRPr lang="en-US"/>
-          </a:p>
-        </p:txBody>
-      </p:sp>
     </p:spTree>
   </p:cSld>
   <p:clrMapOvr>
@@ -6485,60 +5894,159 @@
             <p:ph type="title"/>
           </p:nvPr>
         </p:nvSpPr>
+        <p:spPr>
+          <a:xfrm>
+            <a:off x="685800" y="228600"/>
+            <a:ext cx="7772400" cy="1143000"/>
+          </a:xfrm>
+        </p:spPr>
+        <p:txBody>
+          <a:bodyPr/>
+          <a:lstStyle/>
+          <a:p>
+            <a:r>
+              <a:rPr lang="en-US" dirty="0" smtClean="0"/>
+              <a:t>Question</a:t>
+            </a:r>
+            <a:endParaRPr lang="en-US" dirty="0"/>
+          </a:p>
+        </p:txBody>
+      </p:sp>
+      <p:sp>
+        <p:nvSpPr>
+          <p:cNvPr id="3" name="Content Placeholder 2"/>
+          <p:cNvSpPr>
+            <a:spLocks noGrp="1"/>
+          </p:cNvSpPr>
+          <p:nvPr>
+            <p:ph idx="1"/>
+          </p:nvPr>
+        </p:nvSpPr>
         <p:spPr/>
         <p:txBody>
           <a:bodyPr/>
           <a:lstStyle/>
           <a:p>
-            <a:r>
-              <a:rPr lang="en-US" dirty="0" smtClean="0"/>
-              <a:t>Force Redraw</a:t>
-            </a:r>
-            <a:endParaRPr lang="en-US" dirty="0"/>
-          </a:p>
-        </p:txBody>
-      </p:sp>
-      <p:sp>
-        <p:nvSpPr>
-          <p:cNvPr id="3" name="Content Placeholder 2"/>
-          <p:cNvSpPr>
-            <a:spLocks noGrp="1"/>
-          </p:cNvSpPr>
-          <p:nvPr>
-            <p:ph idx="1"/>
-          </p:nvPr>
-        </p:nvSpPr>
-        <p:spPr/>
-        <p:txBody>
-          <a:bodyPr/>
-          <a:lstStyle/>
-          <a:p>
-            <a:r>
-              <a:rPr lang="en-US" dirty="0" smtClean="0"/>
-              <a:t>To notify Java to redraw our window (i.e., call </a:t>
-            </a:r>
-            <a:r>
-              <a:rPr lang="en-US" dirty="0" err="1" smtClean="0"/>
-              <a:t>paintComponent</a:t>
-            </a:r>
-            <a:r>
-              <a:rPr lang="en-US" dirty="0" smtClean="0"/>
-              <a:t>)</a:t>
-            </a:r>
-          </a:p>
-          <a:p>
-            <a:pPr lvl="1"/>
-            <a:r>
-              <a:rPr lang="en-US" dirty="0" smtClean="0"/>
-              <a:t>call ‘repaint()’</a:t>
-            </a:r>
-          </a:p>
-          <a:p>
-            <a:r>
-              <a:rPr lang="en-US" dirty="0" smtClean="0"/>
-              <a:t>For example, add new graphics each time the mouse button is pressed</a:t>
-            </a:r>
-            <a:endParaRPr lang="en-US" dirty="0"/>
+            <a:endParaRPr lang="en-US"/>
+          </a:p>
+        </p:txBody>
+      </p:sp>
+      <p:pic>
+        <p:nvPicPr>
+          <p:cNvPr id="4098" name="Picture 2"/>
+          <p:cNvPicPr>
+            <a:picLocks noChangeAspect="1" noChangeArrowheads="1"/>
+          </p:cNvPicPr>
+          <p:nvPr/>
+        </p:nvPicPr>
+        <p:blipFill>
+          <a:blip r:embed="rId2"/>
+          <a:srcRect/>
+          <a:stretch>
+            <a:fillRect/>
+          </a:stretch>
+        </p:blipFill>
+        <p:spPr bwMode="auto">
+          <a:xfrm>
+            <a:off x="304800" y="1524000"/>
+            <a:ext cx="6117492" cy="4724400"/>
+          </a:xfrm>
+          <a:prstGeom prst="rect">
+            <a:avLst/>
+          </a:prstGeom>
+          <a:noFill/>
+          <a:ln w="9525">
+            <a:noFill/>
+            <a:miter lim="800000"/>
+            <a:headEnd/>
+            <a:tailEnd/>
+          </a:ln>
+          <a:effectLst/>
+        </p:spPr>
+      </p:pic>
+      <p:sp>
+        <p:nvSpPr>
+          <p:cNvPr id="7" name="TextBox 6"/>
+          <p:cNvSpPr txBox="1"/>
+          <p:nvPr/>
+        </p:nvSpPr>
+        <p:spPr>
+          <a:xfrm>
+            <a:off x="5105400" y="1600200"/>
+            <a:ext cx="3624710" cy="830997"/>
+          </a:xfrm>
+          <a:prstGeom prst="rect">
+            <a:avLst/>
+          </a:prstGeom>
+          <a:noFill/>
+        </p:spPr>
+        <p:txBody>
+          <a:bodyPr wrap="none" rtlCol="0">
+            <a:spAutoFit/>
+          </a:bodyPr>
+          <a:lstStyle/>
+          <a:p>
+            <a:r>
+              <a:rPr lang="en-US" b="1" dirty="0" smtClean="0">
+                <a:solidFill>
+                  <a:schemeClr val="bg2"/>
+                </a:solidFill>
+              </a:rPr>
+              <a:t>What would be the output</a:t>
+            </a:r>
+          </a:p>
+          <a:p>
+            <a:r>
+              <a:rPr lang="en-US" b="1" dirty="0" smtClean="0">
+                <a:solidFill>
+                  <a:schemeClr val="bg2"/>
+                </a:solidFill>
+              </a:rPr>
+              <a:t>of this program?</a:t>
+            </a:r>
+          </a:p>
+        </p:txBody>
+      </p:sp>
+      <p:sp>
+        <p:nvSpPr>
+          <p:cNvPr id="8" name="TextBox 7"/>
+          <p:cNvSpPr txBox="1"/>
+          <p:nvPr/>
+        </p:nvSpPr>
+        <p:spPr>
+          <a:xfrm>
+            <a:off x="5143499" y="4267200"/>
+            <a:ext cx="3609514" cy="830997"/>
+          </a:xfrm>
+          <a:prstGeom prst="rect">
+            <a:avLst/>
+          </a:prstGeom>
+          <a:noFill/>
+        </p:spPr>
+        <p:txBody>
+          <a:bodyPr wrap="none" rtlCol="0">
+            <a:spAutoFit/>
+          </a:bodyPr>
+          <a:lstStyle/>
+          <a:p>
+            <a:r>
+              <a:rPr lang="en-US" b="1" dirty="0" smtClean="0">
+                <a:solidFill>
+                  <a:schemeClr val="bg2"/>
+                </a:solidFill>
+              </a:rPr>
+              <a:t>Sketch on paper what the </a:t>
+            </a:r>
+          </a:p>
+          <a:p>
+            <a:r>
+              <a:rPr lang="en-US" b="1" dirty="0" smtClean="0">
+                <a:solidFill>
+                  <a:schemeClr val="bg2"/>
+                </a:solidFill>
+              </a:rPr>
+              <a:t>output would look like</a:t>
+            </a:r>
           </a:p>
         </p:txBody>
       </p:sp>
@@ -6577,286 +6085,170 @@
             <p:ph type="title"/>
           </p:nvPr>
         </p:nvSpPr>
+        <p:spPr>
+          <a:xfrm>
+            <a:off x="685800" y="228600"/>
+            <a:ext cx="7772400" cy="1143000"/>
+          </a:xfrm>
+        </p:spPr>
+        <p:txBody>
+          <a:bodyPr/>
+          <a:lstStyle/>
+          <a:p>
+            <a:r>
+              <a:rPr lang="en-US" dirty="0" smtClean="0"/>
+              <a:t>Answer</a:t>
+            </a:r>
+            <a:endParaRPr lang="en-US" dirty="0"/>
+          </a:p>
+        </p:txBody>
+      </p:sp>
+      <p:sp>
+        <p:nvSpPr>
+          <p:cNvPr id="3" name="Content Placeholder 2"/>
+          <p:cNvSpPr>
+            <a:spLocks noGrp="1"/>
+          </p:cNvSpPr>
+          <p:nvPr>
+            <p:ph idx="1"/>
+          </p:nvPr>
+        </p:nvSpPr>
         <p:spPr/>
         <p:txBody>
           <a:bodyPr/>
           <a:lstStyle/>
           <a:p>
-            <a:r>
-              <a:rPr lang="en-US" dirty="0" smtClean="0"/>
-              <a:t>Review</a:t>
-            </a:r>
-            <a:endParaRPr lang="en-US" dirty="0"/>
-          </a:p>
-        </p:txBody>
-      </p:sp>
-      <p:sp>
-        <p:nvSpPr>
-          <p:cNvPr id="3" name="Content Placeholder 2"/>
-          <p:cNvSpPr>
-            <a:spLocks noGrp="1"/>
-          </p:cNvSpPr>
-          <p:nvPr>
-            <p:ph idx="1"/>
-          </p:nvPr>
+            <a:endParaRPr lang="en-US"/>
+          </a:p>
+        </p:txBody>
+      </p:sp>
+      <p:pic>
+        <p:nvPicPr>
+          <p:cNvPr id="4098" name="Picture 2"/>
+          <p:cNvPicPr>
+            <a:picLocks noChangeAspect="1" noChangeArrowheads="1"/>
+          </p:cNvPicPr>
+          <p:nvPr/>
+        </p:nvPicPr>
+        <p:blipFill>
+          <a:blip r:embed="rId2"/>
+          <a:srcRect/>
+          <a:stretch>
+            <a:fillRect/>
+          </a:stretch>
+        </p:blipFill>
+        <p:spPr bwMode="auto">
+          <a:xfrm>
+            <a:off x="304800" y="1524000"/>
+            <a:ext cx="6117492" cy="4724400"/>
+          </a:xfrm>
+          <a:prstGeom prst="rect">
+            <a:avLst/>
+          </a:prstGeom>
+          <a:noFill/>
+          <a:ln w="9525">
+            <a:noFill/>
+            <a:miter lim="800000"/>
+            <a:headEnd/>
+            <a:tailEnd/>
+          </a:ln>
+          <a:effectLst/>
+        </p:spPr>
+      </p:pic>
+      <p:pic>
+        <p:nvPicPr>
+          <p:cNvPr id="4099" name="Picture 3"/>
+          <p:cNvPicPr>
+            <a:picLocks noChangeAspect="1" noChangeArrowheads="1"/>
+          </p:cNvPicPr>
+          <p:nvPr/>
+        </p:nvPicPr>
+        <p:blipFill>
+          <a:blip r:embed="rId3"/>
+          <a:srcRect/>
+          <a:stretch>
+            <a:fillRect/>
+          </a:stretch>
+        </p:blipFill>
+        <p:spPr bwMode="auto">
+          <a:xfrm>
+            <a:off x="6400800" y="1600200"/>
+            <a:ext cx="2095500" cy="1181100"/>
+          </a:xfrm>
+          <a:prstGeom prst="rect">
+            <a:avLst/>
+          </a:prstGeom>
+          <a:noFill/>
+          <a:ln w="9525">
+            <a:noFill/>
+            <a:miter lim="800000"/>
+            <a:headEnd/>
+            <a:tailEnd/>
+          </a:ln>
+          <a:effectLst/>
+        </p:spPr>
+      </p:pic>
+      <p:sp>
+        <p:nvSpPr>
+          <p:cNvPr id="6" name="TextBox 5"/>
+          <p:cNvSpPr txBox="1"/>
+          <p:nvPr/>
         </p:nvSpPr>
         <p:spPr>
           <a:xfrm>
-            <a:off x="685800" y="1981200"/>
-            <a:ext cx="7772400" cy="4419600"/>
-          </a:xfrm>
-        </p:spPr>
-        <p:txBody>
-          <a:bodyPr>
-            <a:normAutofit fontScale="85000" lnSpcReduction="20000"/>
+            <a:off x="6400800" y="5867400"/>
+            <a:ext cx="2161169" cy="707886"/>
+          </a:xfrm>
+          <a:prstGeom prst="rect">
+            <a:avLst/>
+          </a:prstGeom>
+          <a:noFill/>
+        </p:spPr>
+        <p:txBody>
+          <a:bodyPr wrap="none" rtlCol="0">
+            <a:spAutoFit/>
           </a:bodyPr>
           <a:lstStyle/>
           <a:p>
             <a:r>
-              <a:rPr lang="en-US" dirty="0" smtClean="0"/>
-              <a:t>Graphics can be drawn using a class which extends </a:t>
-            </a:r>
-            <a:r>
-              <a:rPr lang="en-US" dirty="0" err="1" smtClean="0">
+              <a:rPr lang="en-US" sz="2000" dirty="0" err="1" smtClean="0">
                 <a:solidFill>
-                  <a:srgbClr val="E62D33"/>
+                  <a:schemeClr val="bg2"/>
                 </a:solidFill>
               </a:rPr>
-              <a:t>JPanel</a:t>
-            </a:r>
-            <a:endParaRPr lang="en-US" dirty="0" smtClean="0">
+              <a:t>javac</a:t>
+            </a:r>
+            <a:r>
+              <a:rPr lang="en-US" sz="2000" dirty="0" smtClean="0">
+                <a:solidFill>
+                  <a:schemeClr val="bg2"/>
+                </a:solidFill>
+              </a:rPr>
+              <a:t> MyPaint.java</a:t>
+            </a:r>
+          </a:p>
+          <a:p>
+            <a:r>
+              <a:rPr lang="en-US" sz="2000" dirty="0" smtClean="0">
+                <a:solidFill>
+                  <a:schemeClr val="bg2"/>
+                </a:solidFill>
+              </a:rPr>
+              <a:t>java –cp . </a:t>
+            </a:r>
+            <a:r>
+              <a:rPr lang="en-US" sz="2000" dirty="0" err="1" smtClean="0">
+                <a:solidFill>
+                  <a:schemeClr val="bg2"/>
+                </a:solidFill>
+              </a:rPr>
+              <a:t>MyPaint</a:t>
+            </a:r>
+            <a:endParaRPr lang="en-US" sz="2000" dirty="0">
               <a:solidFill>
-                <a:srgbClr val="E62D33"/>
+                <a:schemeClr val="bg2"/>
               </a:solidFill>
             </a:endParaRPr>
-          </a:p>
-          <a:p>
-            <a:r>
-              <a:rPr lang="en-US" dirty="0" smtClean="0"/>
-              <a:t>Swing will call the </a:t>
-            </a:r>
-            <a:r>
-              <a:rPr lang="en-US" dirty="0" err="1" smtClean="0">
-                <a:solidFill>
-                  <a:srgbClr val="E62D33"/>
-                </a:solidFill>
-              </a:rPr>
-              <a:t>paintComponent</a:t>
-            </a:r>
-            <a:r>
-              <a:rPr lang="en-US" dirty="0" smtClean="0"/>
-              <a:t> method to draw:</a:t>
-            </a:r>
-          </a:p>
-          <a:p>
-            <a:pPr lvl="1"/>
-            <a:r>
-              <a:rPr lang="en-US" dirty="0" smtClean="0"/>
-              <a:t>protected void </a:t>
-            </a:r>
-            <a:r>
-              <a:rPr lang="en-US" dirty="0" err="1" smtClean="0"/>
-              <a:t>paintComponent</a:t>
-            </a:r>
-            <a:r>
-              <a:rPr lang="en-US" dirty="0" smtClean="0"/>
-              <a:t>(Graphics g);</a:t>
-            </a:r>
-          </a:p>
-          <a:p>
-            <a:r>
-              <a:rPr lang="en-US" dirty="0" smtClean="0"/>
-              <a:t>There are a variety of drawing methods:</a:t>
-            </a:r>
-          </a:p>
-          <a:p>
-            <a:pPr lvl="1"/>
-            <a:r>
-              <a:rPr lang="en-US" dirty="0" err="1" smtClean="0"/>
-              <a:t>drawLine</a:t>
-            </a:r>
-            <a:r>
-              <a:rPr lang="en-US" dirty="0" smtClean="0"/>
-              <a:t>(</a:t>
-            </a:r>
-            <a:r>
-              <a:rPr lang="en-US" dirty="0" err="1" smtClean="0"/>
-              <a:t>int</a:t>
-            </a:r>
-            <a:r>
-              <a:rPr lang="en-US" dirty="0" smtClean="0"/>
-              <a:t> x1, </a:t>
-            </a:r>
-            <a:r>
-              <a:rPr lang="en-US" dirty="0" err="1" smtClean="0"/>
-              <a:t>int</a:t>
-            </a:r>
-            <a:r>
-              <a:rPr lang="en-US" dirty="0" smtClean="0"/>
-              <a:t> y1, </a:t>
-            </a:r>
-            <a:r>
-              <a:rPr lang="en-US" dirty="0" err="1" smtClean="0"/>
-              <a:t>int</a:t>
-            </a:r>
-            <a:r>
-              <a:rPr lang="en-US" dirty="0" smtClean="0"/>
-              <a:t> x2, </a:t>
-            </a:r>
-            <a:r>
-              <a:rPr lang="en-US" dirty="0" err="1" smtClean="0"/>
-              <a:t>int</a:t>
-            </a:r>
-            <a:r>
-              <a:rPr lang="en-US" dirty="0" smtClean="0"/>
-              <a:t> y2);</a:t>
-            </a:r>
-          </a:p>
-          <a:p>
-            <a:pPr lvl="1"/>
-            <a:r>
-              <a:rPr lang="en-US" dirty="0" err="1" smtClean="0"/>
-              <a:t>drawRect</a:t>
-            </a:r>
-            <a:r>
-              <a:rPr lang="en-US" dirty="0" smtClean="0"/>
-              <a:t>(</a:t>
-            </a:r>
-            <a:r>
-              <a:rPr lang="en-US" dirty="0" err="1" smtClean="0"/>
-              <a:t>int</a:t>
-            </a:r>
-            <a:r>
-              <a:rPr lang="en-US" dirty="0" smtClean="0"/>
-              <a:t> x, </a:t>
-            </a:r>
-            <a:r>
-              <a:rPr lang="en-US" dirty="0" err="1" smtClean="0"/>
-              <a:t>int</a:t>
-            </a:r>
-            <a:r>
-              <a:rPr lang="en-US" dirty="0" smtClean="0"/>
-              <a:t> y, </a:t>
-            </a:r>
-            <a:r>
-              <a:rPr lang="en-US" dirty="0" err="1" smtClean="0"/>
-              <a:t>int</a:t>
-            </a:r>
-            <a:r>
-              <a:rPr lang="en-US" dirty="0" smtClean="0"/>
-              <a:t> w, </a:t>
-            </a:r>
-            <a:r>
-              <a:rPr lang="en-US" dirty="0" err="1" smtClean="0"/>
-              <a:t>int</a:t>
-            </a:r>
-            <a:r>
-              <a:rPr lang="en-US" dirty="0" smtClean="0"/>
-              <a:t> h);</a:t>
-            </a:r>
-          </a:p>
-          <a:p>
-            <a:pPr lvl="1"/>
-            <a:r>
-              <a:rPr lang="en-US" dirty="0" err="1" smtClean="0"/>
-              <a:t>drawOval</a:t>
-            </a:r>
-            <a:r>
-              <a:rPr lang="en-US" dirty="0" smtClean="0"/>
-              <a:t>(</a:t>
-            </a:r>
-            <a:r>
-              <a:rPr lang="en-US" dirty="0" err="1" smtClean="0"/>
-              <a:t>int</a:t>
-            </a:r>
-            <a:r>
-              <a:rPr lang="en-US" dirty="0" smtClean="0"/>
-              <a:t> x, </a:t>
-            </a:r>
-            <a:r>
-              <a:rPr lang="en-US" dirty="0" err="1" smtClean="0"/>
-              <a:t>int</a:t>
-            </a:r>
-            <a:r>
-              <a:rPr lang="en-US" dirty="0" smtClean="0"/>
-              <a:t> y, </a:t>
-            </a:r>
-            <a:r>
-              <a:rPr lang="en-US" dirty="0" err="1" smtClean="0"/>
-              <a:t>int</a:t>
-            </a:r>
-            <a:r>
-              <a:rPr lang="en-US" dirty="0" smtClean="0"/>
-              <a:t> w, </a:t>
-            </a:r>
-            <a:r>
-              <a:rPr lang="en-US" dirty="0" err="1" smtClean="0"/>
-              <a:t>int</a:t>
-            </a:r>
-            <a:r>
-              <a:rPr lang="en-US" dirty="0" smtClean="0"/>
-              <a:t> h);</a:t>
-            </a:r>
-          </a:p>
-          <a:p>
-            <a:pPr lvl="1"/>
-            <a:r>
-              <a:rPr lang="en-US" dirty="0" err="1" smtClean="0"/>
-              <a:t>drawPolygon</a:t>
-            </a:r>
-            <a:r>
-              <a:rPr lang="en-US" dirty="0" smtClean="0"/>
-              <a:t>(</a:t>
-            </a:r>
-            <a:r>
-              <a:rPr lang="en-US" dirty="0" err="1" smtClean="0"/>
-              <a:t>int</a:t>
-            </a:r>
-            <a:r>
-              <a:rPr lang="en-US" dirty="0" smtClean="0"/>
-              <a:t>[] </a:t>
-            </a:r>
-            <a:r>
-              <a:rPr lang="en-US" dirty="0" err="1" smtClean="0"/>
-              <a:t>xpoints</a:t>
-            </a:r>
-            <a:r>
-              <a:rPr lang="en-US" dirty="0" smtClean="0"/>
-              <a:t>, </a:t>
-            </a:r>
-            <a:r>
-              <a:rPr lang="en-US" dirty="0" err="1" smtClean="0"/>
-              <a:t>int</a:t>
-            </a:r>
-            <a:r>
-              <a:rPr lang="en-US" dirty="0" smtClean="0"/>
-              <a:t>[] </a:t>
-            </a:r>
-            <a:r>
-              <a:rPr lang="en-US" dirty="0" err="1" smtClean="0"/>
-              <a:t>ypoints</a:t>
-            </a:r>
-            <a:r>
-              <a:rPr lang="en-US" dirty="0" smtClean="0"/>
-              <a:t>, </a:t>
-            </a:r>
-            <a:r>
-              <a:rPr lang="en-US" dirty="0" err="1" smtClean="0"/>
-              <a:t>int</a:t>
-            </a:r>
-            <a:r>
-              <a:rPr lang="en-US" dirty="0" smtClean="0"/>
-              <a:t> </a:t>
-            </a:r>
-            <a:r>
-              <a:rPr lang="en-US" dirty="0" err="1" smtClean="0"/>
-              <a:t>npoints</a:t>
-            </a:r>
-            <a:r>
-              <a:rPr lang="en-US" dirty="0" smtClean="0"/>
-              <a:t>);</a:t>
-            </a:r>
-            <a:endParaRPr lang="en-US" dirty="0"/>
           </a:p>
         </p:txBody>
       </p:sp>
@@ -6895,81 +6287,245 @@
             <p:ph type="title"/>
           </p:nvPr>
         </p:nvSpPr>
-        <p:spPr/>
-        <p:txBody>
-          <a:bodyPr/>
-          <a:lstStyle/>
-          <a:p>
-            <a:r>
-              <a:rPr lang="en-US" dirty="0" smtClean="0"/>
-              <a:t>Other Graphics Capabilities</a:t>
+        <p:spPr>
+          <a:xfrm>
+            <a:off x="685800" y="0"/>
+            <a:ext cx="7772400" cy="1143000"/>
+          </a:xfrm>
+        </p:spPr>
+        <p:txBody>
+          <a:bodyPr/>
+          <a:lstStyle/>
+          <a:p>
+            <a:r>
+              <a:rPr lang="en-US" dirty="0" smtClean="0"/>
+              <a:t>Example</a:t>
             </a:r>
             <a:endParaRPr lang="en-US" dirty="0"/>
           </a:p>
         </p:txBody>
       </p:sp>
-      <p:sp>
-        <p:nvSpPr>
-          <p:cNvPr id="3" name="Content Placeholder 2"/>
-          <p:cNvSpPr>
-            <a:spLocks noGrp="1"/>
-          </p:cNvSpPr>
-          <p:nvPr>
-            <p:ph idx="1"/>
-          </p:nvPr>
-        </p:nvSpPr>
-        <p:spPr/>
-        <p:txBody>
-          <a:bodyPr>
-            <a:normAutofit fontScale="92500" lnSpcReduction="10000"/>
+      <p:pic>
+        <p:nvPicPr>
+          <p:cNvPr id="38914" name="Picture 2"/>
+          <p:cNvPicPr>
+            <a:picLocks noChangeAspect="1" noChangeArrowheads="1"/>
+          </p:cNvPicPr>
+          <p:nvPr/>
+        </p:nvPicPr>
+        <p:blipFill>
+          <a:blip r:embed="rId2"/>
+          <a:srcRect/>
+          <a:stretch>
+            <a:fillRect/>
+          </a:stretch>
+        </p:blipFill>
+        <p:spPr bwMode="auto">
+          <a:xfrm>
+            <a:off x="381000" y="1143000"/>
+            <a:ext cx="4876800" cy="2816634"/>
+          </a:xfrm>
+          <a:prstGeom prst="rect">
+            <a:avLst/>
+          </a:prstGeom>
+          <a:noFill/>
+          <a:ln w="9525">
+            <a:noFill/>
+            <a:miter lim="800000"/>
+            <a:headEnd/>
+            <a:tailEnd/>
+          </a:ln>
+          <a:effectLst/>
+        </p:spPr>
+      </p:pic>
+      <p:pic>
+        <p:nvPicPr>
+          <p:cNvPr id="38915" name="Picture 3"/>
+          <p:cNvPicPr>
+            <a:picLocks noChangeAspect="1" noChangeArrowheads="1"/>
+          </p:cNvPicPr>
+          <p:nvPr/>
+        </p:nvPicPr>
+        <p:blipFill>
+          <a:blip r:embed="rId3"/>
+          <a:srcRect/>
+          <a:stretch>
+            <a:fillRect/>
+          </a:stretch>
+        </p:blipFill>
+        <p:spPr bwMode="auto">
+          <a:xfrm>
+            <a:off x="2895600" y="3733800"/>
+            <a:ext cx="5898161" cy="2895600"/>
+          </a:xfrm>
+          <a:prstGeom prst="rect">
+            <a:avLst/>
+          </a:prstGeom>
+          <a:noFill/>
+          <a:ln w="9525">
+            <a:noFill/>
+            <a:miter lim="800000"/>
+            <a:headEnd/>
+            <a:tailEnd/>
+          </a:ln>
+          <a:effectLst/>
+        </p:spPr>
+      </p:pic>
+      <p:sp>
+        <p:nvSpPr>
+          <p:cNvPr id="6" name="TextBox 5"/>
+          <p:cNvSpPr txBox="1"/>
+          <p:nvPr/>
+        </p:nvSpPr>
+        <p:spPr>
+          <a:xfrm>
+            <a:off x="5791200" y="1752600"/>
+            <a:ext cx="338554" cy="461665"/>
+          </a:xfrm>
+          <a:prstGeom prst="rect">
+            <a:avLst/>
+          </a:prstGeom>
+          <a:noFill/>
+        </p:spPr>
+        <p:txBody>
+          <a:bodyPr wrap="none" rtlCol="0">
+            <a:spAutoFit/>
           </a:bodyPr>
           <a:lstStyle/>
           <a:p>
             <a:r>
-              <a:rPr lang="en-US" dirty="0" smtClean="0"/>
-              <a:t>Lots of GUI Controls</a:t>
-            </a:r>
-          </a:p>
-          <a:p>
-            <a:pPr lvl="1"/>
-            <a:r>
-              <a:rPr lang="en-US" dirty="0" smtClean="0"/>
-              <a:t>Buttons, sliders, checkboxes, tables, etc</a:t>
-            </a:r>
-          </a:p>
-          <a:p>
-            <a:pPr lvl="2"/>
-            <a:r>
-              <a:rPr lang="en-US" dirty="0" smtClean="0"/>
-              <a:t>which you can override and improve</a:t>
-            </a:r>
-          </a:p>
-          <a:p>
-            <a:r>
-              <a:rPr lang="en-US" dirty="0" smtClean="0"/>
-              <a:t>Rich 2D drawing</a:t>
-            </a:r>
-          </a:p>
-          <a:p>
-            <a:pPr lvl="1"/>
-            <a:r>
-              <a:rPr lang="en-US" dirty="0" smtClean="0"/>
-              <a:t>Line properties, translucent drawing, rotating, scaling images, coordinate transforms, ...</a:t>
-            </a:r>
-          </a:p>
-          <a:p>
-            <a:r>
-              <a:rPr lang="en-US" dirty="0" smtClean="0"/>
-              <a:t>Animation</a:t>
-            </a:r>
-          </a:p>
-          <a:p>
-            <a:pPr lvl="1"/>
-            <a:r>
-              <a:rPr lang="en-US" dirty="0" smtClean="0"/>
-              <a:t>Double-buffering, combining drawing with threads, ..</a:t>
-            </a:r>
-            <a:endParaRPr lang="en-US" dirty="0"/>
+              <a:rPr lang="en-US" dirty="0" smtClean="0">
+                <a:solidFill>
+                  <a:srgbClr val="FF0000"/>
+                </a:solidFill>
+              </a:rPr>
+              <a:t>1</a:t>
+            </a:r>
+            <a:endParaRPr lang="en-US" dirty="0">
+              <a:solidFill>
+                <a:srgbClr val="FF0000"/>
+              </a:solidFill>
+            </a:endParaRPr>
+          </a:p>
+        </p:txBody>
+      </p:sp>
+      <p:sp>
+        <p:nvSpPr>
+          <p:cNvPr id="7" name="Oval 6"/>
+          <p:cNvSpPr/>
+          <p:nvPr/>
+        </p:nvSpPr>
+        <p:spPr>
+          <a:xfrm>
+            <a:off x="5638800" y="1676400"/>
+            <a:ext cx="685800" cy="685800"/>
+          </a:xfrm>
+          <a:prstGeom prst="ellipse">
+            <a:avLst/>
+          </a:prstGeom>
+          <a:noFill/>
+        </p:spPr>
+        <p:style>
+          <a:lnRef idx="2">
+            <a:schemeClr val="accent1">
+              <a:shade val="50000"/>
+            </a:schemeClr>
+          </a:lnRef>
+          <a:fillRef idx="1">
+            <a:schemeClr val="accent1"/>
+          </a:fillRef>
+          <a:effectRef idx="0">
+            <a:schemeClr val="accent1"/>
+          </a:effectRef>
+          <a:fontRef idx="minor">
+            <a:schemeClr val="lt1"/>
+          </a:fontRef>
+        </p:style>
+        <p:txBody>
+          <a:bodyPr rtlCol="0" anchor="ctr"/>
+          <a:lstStyle/>
+          <a:p>
+            <a:pPr algn="ctr"/>
+            <a:endParaRPr lang="en-US"/>
+          </a:p>
+        </p:txBody>
+      </p:sp>
+      <p:sp>
+        <p:nvSpPr>
+          <p:cNvPr id="8" name="TextBox 7"/>
+          <p:cNvSpPr txBox="1"/>
+          <p:nvPr/>
+        </p:nvSpPr>
+        <p:spPr>
+          <a:xfrm>
+            <a:off x="1981200" y="4953000"/>
+            <a:ext cx="338554" cy="461665"/>
+          </a:xfrm>
+          <a:prstGeom prst="rect">
+            <a:avLst/>
+          </a:prstGeom>
+          <a:noFill/>
+        </p:spPr>
+        <p:txBody>
+          <a:bodyPr wrap="none" rtlCol="0">
+            <a:spAutoFit/>
+          </a:bodyPr>
+          <a:lstStyle/>
+          <a:p>
+            <a:r>
+              <a:rPr lang="en-US" dirty="0" smtClean="0">
+                <a:solidFill>
+                  <a:srgbClr val="FF0000"/>
+                </a:solidFill>
+              </a:rPr>
+              <a:t>2</a:t>
+            </a:r>
+            <a:endParaRPr lang="en-US" dirty="0">
+              <a:solidFill>
+                <a:srgbClr val="FF0000"/>
+              </a:solidFill>
+            </a:endParaRPr>
+          </a:p>
+        </p:txBody>
+      </p:sp>
+      <p:sp>
+        <p:nvSpPr>
+          <p:cNvPr id="9" name="Oval 8"/>
+          <p:cNvSpPr/>
+          <p:nvPr/>
+        </p:nvSpPr>
+        <p:spPr>
+          <a:xfrm>
+            <a:off x="1828800" y="4876800"/>
+            <a:ext cx="685800" cy="685800"/>
+          </a:xfrm>
+          <a:prstGeom prst="ellipse">
+            <a:avLst/>
+          </a:prstGeom>
+          <a:noFill/>
+        </p:spPr>
+        <p:style>
+          <a:lnRef idx="2">
+            <a:schemeClr val="accent1">
+              <a:shade val="50000"/>
+            </a:schemeClr>
+          </a:lnRef>
+          <a:fillRef idx="1">
+            <a:schemeClr val="accent1"/>
+          </a:fillRef>
+          <a:effectRef idx="0">
+            <a:schemeClr val="accent1"/>
+          </a:effectRef>
+          <a:fontRef idx="minor">
+            <a:schemeClr val="lt1"/>
+          </a:fontRef>
+        </p:style>
+        <p:txBody>
+          <a:bodyPr rtlCol="0" anchor="ctr"/>
+          <a:lstStyle/>
+          <a:p>
+            <a:pPr algn="ctr"/>
+            <a:endParaRPr lang="en-US"/>
           </a:p>
         </p:txBody>
       </p:sp>
@@ -7019,10 +6575,10 @@
           <a:lstStyle/>
           <a:p>
             <a:r>
-              <a:rPr lang="en-GB" dirty="0" smtClean="0"/>
-              <a:t>Graphics</a:t>
-            </a:r>
-            <a:endParaRPr lang="en-GB" dirty="0"/>
+              <a:rPr lang="en-US" dirty="0" smtClean="0"/>
+              <a:t>Revision Question</a:t>
+            </a:r>
+            <a:endParaRPr lang="en-US" dirty="0"/>
           </a:p>
         </p:txBody>
       </p:sp>
@@ -7038,7 +6594,7 @@
         </p:nvSpPr>
         <p:spPr>
           <a:xfrm>
-            <a:off x="762000" y="1295400"/>
+            <a:off x="685800" y="1447800"/>
             <a:ext cx="7772400" cy="4114800"/>
           </a:xfrm>
         </p:spPr>
@@ -7047,58 +6603,16 @@
           <a:lstStyle/>
           <a:p>
             <a:r>
-              <a:rPr lang="en-GB" dirty="0" smtClean="0"/>
-              <a:t>How do you draw `complex’ diagrams?</a:t>
-            </a:r>
-          </a:p>
-          <a:p>
-            <a:r>
-              <a:rPr lang="en-GB" dirty="0" smtClean="0"/>
-              <a:t>Customize/control what is drawn on our windows</a:t>
-            </a:r>
-          </a:p>
-          <a:p>
-            <a:pPr lvl="1"/>
-            <a:r>
-              <a:rPr lang="en-GB" dirty="0" smtClean="0"/>
-              <a:t>Animated clocks, bar-charts, images, </a:t>
-            </a:r>
-          </a:p>
-        </p:txBody>
-      </p:sp>
-      <p:sp>
-        <p:nvSpPr>
-          <p:cNvPr id="13314" name="AutoShape 2" descr="Image result for different types of buttons gui"/>
-          <p:cNvSpPr>
-            <a:spLocks noChangeAspect="1" noChangeArrowheads="1"/>
-          </p:cNvSpPr>
-          <p:nvPr/>
-        </p:nvSpPr>
-        <p:spPr bwMode="auto">
-          <a:xfrm>
-            <a:off x="63500" y="-136525"/>
-            <a:ext cx="304800" cy="304800"/>
-          </a:xfrm>
-          <a:prstGeom prst="rect">
-            <a:avLst/>
-          </a:prstGeom>
-          <a:noFill/>
-        </p:spPr>
-        <p:txBody>
-          <a:bodyPr vert="horz" wrap="square" lIns="91440" tIns="45720" rIns="91440" bIns="45720" numCol="1" anchor="t" anchorCtr="0" compatLnSpc="1">
-            <a:prstTxWarp prst="textNoShape">
-              <a:avLst/>
-            </a:prstTxWarp>
-          </a:bodyPr>
-          <a:lstStyle/>
-          <a:p>
-            <a:endParaRPr lang="en-US"/>
+              <a:rPr lang="en-US" dirty="0" smtClean="0"/>
+              <a:t>Will the following code compile?  If yes then what will be the output?</a:t>
+            </a:r>
+            <a:endParaRPr lang="en-US" dirty="0"/>
           </a:p>
         </p:txBody>
       </p:sp>
       <p:pic>
         <p:nvPicPr>
-          <p:cNvPr id="13315" name="Picture 3"/>
+          <p:cNvPr id="1026" name="Picture 2"/>
           <p:cNvPicPr>
             <a:picLocks noChangeAspect="1" noChangeArrowheads="1"/>
           </p:cNvPicPr>
@@ -7106,15 +6620,15 @@
         </p:nvPicPr>
         <p:blipFill>
           <a:blip r:embed="rId2"/>
-          <a:srcRect t="18000" b="3333"/>
+          <a:srcRect/>
           <a:stretch>
             <a:fillRect/>
           </a:stretch>
         </p:blipFill>
         <p:spPr bwMode="auto">
           <a:xfrm>
-            <a:off x="2438400" y="3962400"/>
-            <a:ext cx="4114800" cy="2427732"/>
+            <a:off x="1752600" y="2819400"/>
+            <a:ext cx="5143500" cy="3714750"/>
           </a:xfrm>
           <a:prstGeom prst="rect">
             <a:avLst/>
@@ -7129,12 +6643,65 @@
           <a:effectLst/>
         </p:spPr>
       </p:pic>
+      <p:sp>
+        <p:nvSpPr>
+          <p:cNvPr id="5" name="TextBox 4"/>
+          <p:cNvSpPr txBox="1"/>
+          <p:nvPr/>
+        </p:nvSpPr>
+        <p:spPr>
+          <a:xfrm>
+            <a:off x="7239000" y="5934670"/>
+            <a:ext cx="1828800" cy="923330"/>
+          </a:xfrm>
+          <a:prstGeom prst="rect">
+            <a:avLst/>
+          </a:prstGeom>
+          <a:noFill/>
+        </p:spPr>
+        <p:txBody>
+          <a:bodyPr wrap="square" rtlCol="0">
+            <a:spAutoFit/>
+          </a:bodyPr>
+          <a:lstStyle/>
+          <a:p>
+            <a:r>
+              <a:rPr lang="en-US" sz="1800" dirty="0" err="1" smtClean="0">
+                <a:solidFill>
+                  <a:schemeClr val="bg2"/>
+                </a:solidFill>
+              </a:rPr>
+              <a:t>javac</a:t>
+            </a:r>
+            <a:r>
+              <a:rPr lang="en-US" sz="1800" dirty="0" smtClean="0">
+                <a:solidFill>
+                  <a:schemeClr val="bg2"/>
+                </a:solidFill>
+              </a:rPr>
+              <a:t> Bark.java</a:t>
+            </a:r>
+          </a:p>
+          <a:p>
+            <a:r>
+              <a:rPr lang="en-US" sz="1800" dirty="0" smtClean="0">
+                <a:solidFill>
+                  <a:schemeClr val="bg2"/>
+                </a:solidFill>
+              </a:rPr>
+              <a:t>java Bark</a:t>
+            </a:r>
+          </a:p>
+          <a:p>
+            <a:endParaRPr lang="en-US" sz="1800" dirty="0">
+              <a:solidFill>
+                <a:schemeClr val="bg2"/>
+              </a:solidFill>
+            </a:endParaRPr>
+          </a:p>
+        </p:txBody>
+      </p:sp>
     </p:spTree>
-    <p:extLst>
-      <p:ext uri="{BB962C8B-B14F-4D97-AF65-F5344CB8AC3E}">
-        <p14:creationId xmlns:p14="http://schemas.microsoft.com/office/powerpoint/2010/main" xmlns="" val="1348450408"/>
-      </p:ext>
-    </p:extLst>
   </p:cSld>
   <p:clrMapOvr>
     <a:masterClrMapping/>
@@ -7171,7 +6738,7 @@
         </p:nvSpPr>
         <p:spPr>
           <a:xfrm>
-            <a:off x="609600" y="381000"/>
+            <a:off x="685800" y="0"/>
             <a:ext cx="7772400" cy="1143000"/>
           </a:xfrm>
         </p:spPr>
@@ -7181,7 +6748,7 @@
           <a:p>
             <a:r>
               <a:rPr lang="en-US" dirty="0" smtClean="0"/>
-              <a:t>Examples</a:t>
+              <a:t>Question</a:t>
             </a:r>
             <a:endParaRPr lang="en-US" dirty="0"/>
           </a:p>
@@ -7208,7 +6775,7 @@
       </p:sp>
       <p:pic>
         <p:nvPicPr>
-          <p:cNvPr id="1026" name="Picture 2"/>
+          <p:cNvPr id="39939" name="Picture 3"/>
           <p:cNvPicPr>
             <a:picLocks noChangeAspect="1" noChangeArrowheads="1"/>
           </p:cNvPicPr>
@@ -7223,8 +6790,8 @@
         </p:blipFill>
         <p:spPr bwMode="auto">
           <a:xfrm>
-            <a:off x="1905000" y="1981200"/>
-            <a:ext cx="2752725" cy="1943100"/>
+            <a:off x="304800" y="1066800"/>
+            <a:ext cx="6365701" cy="5410200"/>
           </a:xfrm>
           <a:prstGeom prst="rect">
             <a:avLst/>
@@ -7239,138 +6806,54 @@
           <a:effectLst/>
         </p:spPr>
       </p:pic>
-      <p:pic>
-        <p:nvPicPr>
-          <p:cNvPr id="1027" name="Picture 3"/>
-          <p:cNvPicPr>
-            <a:picLocks noChangeAspect="1" noChangeArrowheads="1"/>
-          </p:cNvPicPr>
+      <p:sp>
+        <p:nvSpPr>
+          <p:cNvPr id="6" name="TextBox 5"/>
+          <p:cNvSpPr txBox="1"/>
           <p:nvPr/>
-        </p:nvPicPr>
-        <p:blipFill>
-          <a:blip r:embed="rId3"/>
-          <a:srcRect/>
-          <a:stretch>
-            <a:fillRect/>
-          </a:stretch>
-        </p:blipFill>
-        <p:spPr bwMode="auto">
-          <a:xfrm>
-            <a:off x="1981200" y="1752600"/>
-            <a:ext cx="3409950" cy="219075"/>
+        </p:nvSpPr>
+        <p:spPr>
+          <a:xfrm>
+            <a:off x="5181600" y="1066800"/>
+            <a:ext cx="3736985" cy="830997"/>
           </a:xfrm>
           <a:prstGeom prst="rect">
             <a:avLst/>
           </a:prstGeom>
           <a:noFill/>
-          <a:ln w="9525">
-            <a:noFill/>
-            <a:miter lim="800000"/>
-            <a:headEnd/>
-            <a:tailEnd/>
-          </a:ln>
-          <a:effectLst/>
-        </p:spPr>
-      </p:pic>
-      <p:pic>
-        <p:nvPicPr>
-          <p:cNvPr id="1028" name="Picture 4"/>
-          <p:cNvPicPr>
-            <a:picLocks noChangeAspect="1" noChangeArrowheads="1"/>
-          </p:cNvPicPr>
-          <p:nvPr/>
-        </p:nvPicPr>
-        <p:blipFill>
-          <a:blip r:embed="rId4"/>
-          <a:srcRect/>
-          <a:stretch>
-            <a:fillRect/>
-          </a:stretch>
-        </p:blipFill>
-        <p:spPr bwMode="auto">
-          <a:xfrm>
-            <a:off x="5715000" y="2286000"/>
-            <a:ext cx="1590675" cy="962025"/>
-          </a:xfrm>
-          <a:prstGeom prst="rect">
-            <a:avLst/>
-          </a:prstGeom>
-          <a:noFill/>
-          <a:ln w="9525">
-            <a:noFill/>
-            <a:miter lim="800000"/>
-            <a:headEnd/>
-            <a:tailEnd/>
-          </a:ln>
-          <a:effectLst/>
-        </p:spPr>
-      </p:pic>
-      <p:pic>
-        <p:nvPicPr>
-          <p:cNvPr id="1029" name="Picture 5"/>
-          <p:cNvPicPr>
-            <a:picLocks noChangeAspect="1" noChangeArrowheads="1"/>
-          </p:cNvPicPr>
-          <p:nvPr/>
-        </p:nvPicPr>
-        <p:blipFill>
-          <a:blip r:embed="rId5"/>
-          <a:srcRect/>
-          <a:stretch>
-            <a:fillRect/>
-          </a:stretch>
-        </p:blipFill>
-        <p:spPr bwMode="auto">
-          <a:xfrm>
-            <a:off x="1828800" y="4800600"/>
-            <a:ext cx="3771900" cy="1562100"/>
-          </a:xfrm>
-          <a:prstGeom prst="rect">
-            <a:avLst/>
-          </a:prstGeom>
-          <a:noFill/>
-          <a:ln w="9525">
-            <a:noFill/>
-            <a:miter lim="800000"/>
-            <a:headEnd/>
-            <a:tailEnd/>
-          </a:ln>
-          <a:effectLst/>
-        </p:spPr>
-      </p:pic>
-      <p:pic>
-        <p:nvPicPr>
-          <p:cNvPr id="1030" name="Picture 6"/>
-          <p:cNvPicPr>
-            <a:picLocks noChangeAspect="1" noChangeArrowheads="1"/>
-          </p:cNvPicPr>
-          <p:nvPr/>
-        </p:nvPicPr>
-        <p:blipFill>
-          <a:blip r:embed="rId6"/>
-          <a:srcRect/>
-          <a:stretch>
-            <a:fillRect/>
-          </a:stretch>
-        </p:blipFill>
-        <p:spPr bwMode="auto">
-          <a:xfrm>
-            <a:off x="5867400" y="4876800"/>
-            <a:ext cx="1077183" cy="900112"/>
-          </a:xfrm>
-          <a:prstGeom prst="rect">
-            <a:avLst/>
-          </a:prstGeom>
-          <a:noFill/>
-          <a:ln w="9525">
-            <a:noFill/>
-            <a:miter lim="800000"/>
-            <a:headEnd/>
-            <a:tailEnd/>
-          </a:ln>
-          <a:effectLst/>
-        </p:spPr>
-      </p:pic>
+        </p:spPr>
+        <p:txBody>
+          <a:bodyPr wrap="none" rtlCol="0">
+            <a:spAutoFit/>
+          </a:bodyPr>
+          <a:lstStyle/>
+          <a:p>
+            <a:r>
+              <a:rPr lang="en-US" b="1" dirty="0" smtClean="0">
+                <a:solidFill>
+                  <a:schemeClr val="bg2"/>
+                </a:solidFill>
+              </a:rPr>
+              <a:t>What will the output </a:t>
+            </a:r>
+          </a:p>
+          <a:p>
+            <a:r>
+              <a:rPr lang="en-US" b="1" dirty="0" smtClean="0">
+                <a:solidFill>
+                  <a:schemeClr val="bg2"/>
+                </a:solidFill>
+              </a:rPr>
+              <a:t>for the following program?</a:t>
+            </a:r>
+            <a:endParaRPr lang="en-US" b="1" dirty="0">
+              <a:solidFill>
+                <a:schemeClr val="bg2"/>
+              </a:solidFill>
+            </a:endParaRPr>
+          </a:p>
+        </p:txBody>
+      </p:sp>
     </p:spTree>
   </p:cSld>
   <p:clrMapOvr>
@@ -7413,7 +6896,7 @@
           <a:p>
             <a:r>
               <a:rPr lang="en-US" dirty="0" smtClean="0"/>
-              <a:t>Experiment</a:t>
+              <a:t>Answer</a:t>
             </a:r>
             <a:endParaRPr lang="en-US" dirty="0"/>
           </a:p>
@@ -7429,81 +6912,119 @@
             <p:ph idx="1"/>
           </p:nvPr>
         </p:nvSpPr>
+        <p:spPr/>
+        <p:txBody>
+          <a:bodyPr/>
+          <a:lstStyle/>
+          <a:p>
+            <a:endParaRPr lang="en-US"/>
+          </a:p>
+        </p:txBody>
+      </p:sp>
+      <p:pic>
+        <p:nvPicPr>
+          <p:cNvPr id="40962" name="Picture 2"/>
+          <p:cNvPicPr>
+            <a:picLocks noChangeAspect="1" noChangeArrowheads="1"/>
+          </p:cNvPicPr>
+          <p:nvPr/>
+        </p:nvPicPr>
+        <p:blipFill>
+          <a:blip r:embed="rId2"/>
+          <a:srcRect/>
+          <a:stretch>
+            <a:fillRect/>
+          </a:stretch>
+        </p:blipFill>
+        <p:spPr bwMode="auto">
+          <a:xfrm>
+            <a:off x="5362575" y="1981200"/>
+            <a:ext cx="3781425" cy="3848100"/>
+          </a:xfrm>
+          <a:prstGeom prst="rect">
+            <a:avLst/>
+          </a:prstGeom>
+          <a:noFill/>
+          <a:ln w="9525">
+            <a:noFill/>
+            <a:miter lim="800000"/>
+            <a:headEnd/>
+            <a:tailEnd/>
+          </a:ln>
+          <a:effectLst/>
+        </p:spPr>
+      </p:pic>
+      <p:pic>
+        <p:nvPicPr>
+          <p:cNvPr id="5" name="Picture 3"/>
+          <p:cNvPicPr>
+            <a:picLocks noChangeAspect="1" noChangeArrowheads="1"/>
+          </p:cNvPicPr>
+          <p:nvPr/>
+        </p:nvPicPr>
+        <p:blipFill>
+          <a:blip r:embed="rId3"/>
+          <a:srcRect/>
+          <a:stretch>
+            <a:fillRect/>
+          </a:stretch>
+        </p:blipFill>
+        <p:spPr bwMode="auto">
+          <a:xfrm>
+            <a:off x="228600" y="1676400"/>
+            <a:ext cx="5105400" cy="4339072"/>
+          </a:xfrm>
+          <a:prstGeom prst="rect">
+            <a:avLst/>
+          </a:prstGeom>
+          <a:noFill/>
+          <a:ln w="9525">
+            <a:noFill/>
+            <a:miter lim="800000"/>
+            <a:headEnd/>
+            <a:tailEnd/>
+          </a:ln>
+          <a:effectLst/>
+        </p:spPr>
+      </p:pic>
+      <p:sp>
+        <p:nvSpPr>
+          <p:cNvPr id="6" name="Rectangle 5"/>
+          <p:cNvSpPr/>
+          <p:nvPr/>
+        </p:nvSpPr>
         <p:spPr>
           <a:xfrm>
-            <a:off x="304800" y="1981200"/>
-            <a:ext cx="8458200" cy="4114800"/>
-          </a:xfrm>
-        </p:spPr>
-        <p:txBody>
-          <a:bodyPr>
-            <a:normAutofit fontScale="85000" lnSpcReduction="20000"/>
-          </a:bodyPr>
-          <a:lstStyle/>
-          <a:p>
-            <a:r>
-              <a:rPr lang="en-US" dirty="0" smtClean="0"/>
-              <a:t>Only scratched the surface of Graphics</a:t>
-            </a:r>
-          </a:p>
-          <a:p>
-            <a:pPr lvl="1"/>
-            <a:r>
-              <a:rPr lang="en-US" dirty="0" smtClean="0"/>
-              <a:t>Very simple windows and graphics</a:t>
-            </a:r>
-          </a:p>
-          <a:p>
-            <a:r>
-              <a:rPr lang="en-US" dirty="0" smtClean="0"/>
-              <a:t>Combine the graphics with GUI components</a:t>
-            </a:r>
-          </a:p>
-          <a:p>
-            <a:pPr lvl="1"/>
-            <a:r>
-              <a:rPr lang="en-US" dirty="0" smtClean="0"/>
-              <a:t>Buttons/menus</a:t>
-            </a:r>
-          </a:p>
-          <a:p>
-            <a:r>
-              <a:rPr lang="en-US" dirty="0" smtClean="0"/>
-              <a:t>Custom ‘interfaces’ components</a:t>
-            </a:r>
-          </a:p>
-          <a:p>
-            <a:pPr lvl="1"/>
-            <a:r>
-              <a:rPr lang="en-US" dirty="0" smtClean="0"/>
-              <a:t>e.g., Override default draw method for a button to create a new improved button look</a:t>
-            </a:r>
-          </a:p>
-          <a:p>
-            <a:r>
-              <a:rPr lang="en-US" dirty="0" smtClean="0"/>
-              <a:t>Events</a:t>
-            </a:r>
-          </a:p>
-          <a:p>
-            <a:pPr lvl="1"/>
-            <a:r>
-              <a:rPr lang="en-US" dirty="0" smtClean="0"/>
-              <a:t>Mouse button presses (drawing program)</a:t>
-            </a:r>
-          </a:p>
-          <a:p>
-            <a:pPr lvl="1"/>
-            <a:r>
-              <a:rPr lang="en-US" dirty="0" smtClean="0"/>
-              <a:t>Timing (animations)</a:t>
-            </a:r>
-          </a:p>
-          <a:p>
-            <a:pPr lvl="1">
-              <a:buNone/>
-            </a:pPr>
-            <a:endParaRPr lang="en-US" dirty="0"/>
+            <a:off x="457200" y="4648200"/>
+            <a:ext cx="4267200" cy="228600"/>
+          </a:xfrm>
+          <a:prstGeom prst="rect">
+            <a:avLst/>
+          </a:prstGeom>
+          <a:noFill/>
+        </p:spPr>
+        <p:style>
+          <a:lnRef idx="2">
+            <a:schemeClr val="accent1">
+              <a:shade val="50000"/>
+            </a:schemeClr>
+          </a:lnRef>
+          <a:fillRef idx="1">
+            <a:schemeClr val="accent1"/>
+          </a:fillRef>
+          <a:effectRef idx="0">
+            <a:schemeClr val="accent1"/>
+          </a:effectRef>
+          <a:fontRef idx="minor">
+            <a:schemeClr val="lt1"/>
+          </a:fontRef>
+        </p:style>
+        <p:txBody>
+          <a:bodyPr rtlCol="0" anchor="ctr"/>
+          <a:lstStyle/>
+          <a:p>
+            <a:pPr algn="ctr"/>
+            <a:endParaRPr lang="en-US"/>
           </a:p>
         </p:txBody>
       </p:sp>
@@ -7542,74 +7063,76 @@
             <p:ph type="title"/>
           </p:nvPr>
         </p:nvSpPr>
+        <p:spPr>
+          <a:xfrm>
+            <a:off x="685800" y="304800"/>
+            <a:ext cx="7772400" cy="1143000"/>
+          </a:xfrm>
+        </p:spPr>
+        <p:txBody>
+          <a:bodyPr/>
+          <a:lstStyle/>
+          <a:p>
+            <a:r>
+              <a:rPr lang="en-US" dirty="0" smtClean="0"/>
+              <a:t>Fixing Problems</a:t>
+            </a:r>
+            <a:endParaRPr lang="en-US" dirty="0"/>
+          </a:p>
+        </p:txBody>
+      </p:sp>
+      <p:sp>
+        <p:nvSpPr>
+          <p:cNvPr id="3" name="Content Placeholder 2"/>
+          <p:cNvSpPr>
+            <a:spLocks noGrp="1"/>
+          </p:cNvSpPr>
+          <p:nvPr>
+            <p:ph idx="1"/>
+          </p:nvPr>
+        </p:nvSpPr>
         <p:spPr/>
         <p:txBody>
           <a:bodyPr/>
           <a:lstStyle/>
           <a:p>
-            <a:r>
-              <a:rPr lang="en-US" dirty="0" smtClean="0"/>
-              <a:t>Challenge</a:t>
-            </a:r>
-            <a:endParaRPr lang="en-US" dirty="0"/>
-          </a:p>
-        </p:txBody>
-      </p:sp>
-      <p:sp>
-        <p:nvSpPr>
-          <p:cNvPr id="3" name="Content Placeholder 2"/>
-          <p:cNvSpPr>
-            <a:spLocks noGrp="1"/>
-          </p:cNvSpPr>
-          <p:nvPr>
-            <p:ph idx="1"/>
-          </p:nvPr>
-        </p:nvSpPr>
-        <p:spPr/>
-        <p:txBody>
-          <a:bodyPr/>
-          <a:lstStyle/>
-          <a:p>
-            <a:r>
-              <a:rPr lang="en-US" dirty="0" smtClean="0"/>
-              <a:t>Create a simple vector drawing program in Java</a:t>
-            </a:r>
-          </a:p>
-          <a:p>
-            <a:r>
-              <a:rPr lang="en-US" dirty="0" smtClean="0"/>
-              <a:t>Clear/load/save drawings</a:t>
-            </a:r>
-          </a:p>
-          <a:p>
-            <a:r>
-              <a:rPr lang="en-US" dirty="0" smtClean="0"/>
-              <a:t>Select buttons for different operations</a:t>
-            </a:r>
-          </a:p>
-          <a:p>
-            <a:pPr lvl="1"/>
-            <a:r>
-              <a:rPr lang="en-US" dirty="0" smtClean="0"/>
-              <a:t>line, circle, color, ...</a:t>
-            </a:r>
-          </a:p>
-          <a:p>
-            <a:r>
-              <a:rPr lang="en-US" dirty="0" smtClean="0"/>
-              <a:t>Detect mouse button presses</a:t>
-            </a:r>
-          </a:p>
-          <a:p>
-            <a:pPr lvl="1"/>
-            <a:r>
-              <a:rPr lang="en-US" dirty="0" smtClean="0"/>
-              <a:t>draw lines, drag shapes, pick objects</a:t>
-            </a:r>
-            <a:endParaRPr lang="en-US" dirty="0"/>
-          </a:p>
-        </p:txBody>
-      </p:sp>
+            <a:endParaRPr lang="en-US"/>
+          </a:p>
+        </p:txBody>
+      </p:sp>
+      <p:pic>
+        <p:nvPicPr>
+          <p:cNvPr id="41986" name="Picture 2"/>
+          <p:cNvPicPr>
+            <a:picLocks noChangeAspect="1" noChangeArrowheads="1"/>
+          </p:cNvPicPr>
+          <p:nvPr/>
+        </p:nvPicPr>
+        <p:blipFill>
+          <a:blip r:embed="rId2"/>
+          <a:srcRect/>
+          <a:stretch>
+            <a:fillRect/>
+          </a:stretch>
+        </p:blipFill>
+        <p:spPr bwMode="auto">
+          <a:xfrm>
+            <a:off x="228600" y="1600200"/>
+            <a:ext cx="8909000" cy="4495800"/>
+          </a:xfrm>
+          <a:prstGeom prst="rect">
+            <a:avLst/>
+          </a:prstGeom>
+          <a:noFill/>
+          <a:ln w="9525">
+            <a:noFill/>
+            <a:miter lim="800000"/>
+            <a:headEnd/>
+            <a:tailEnd/>
+          </a:ln>
+          <a:effectLst/>
+        </p:spPr>
+      </p:pic>
     </p:spTree>
   </p:cSld>
   <p:clrMapOvr>
@@ -7637,7 +7160,7 @@
       </p:grpSpPr>
       <p:sp>
         <p:nvSpPr>
-          <p:cNvPr id="12290" name="Title 1"/>
+          <p:cNvPr id="2" name="Title 1"/>
           <p:cNvSpPr>
             <a:spLocks noGrp="1"/>
           </p:cNvSpPr>
@@ -7651,15 +7174,16 @@
           <a:lstStyle/>
           <a:p>
             <a:r>
-              <a:rPr lang="en-GB" altLang="en-US" smtClean="0"/>
-              <a:t>Summary</a:t>
-            </a:r>
-          </a:p>
-        </p:txBody>
-      </p:sp>
-      <p:sp>
-        <p:nvSpPr>
-          <p:cNvPr id="12291" name="Content Placeholder 2"/>
+              <a:rPr lang="en-US" dirty="0" smtClean="0"/>
+              <a:t>Drawing Images</a:t>
+            </a:r>
+            <a:endParaRPr lang="en-US" dirty="0"/>
+          </a:p>
+        </p:txBody>
+      </p:sp>
+      <p:sp>
+        <p:nvSpPr>
+          <p:cNvPr id="3" name="Content Placeholder 2"/>
           <p:cNvSpPr>
             <a:spLocks noGrp="1"/>
           </p:cNvSpPr>
@@ -7672,71 +7196,48 @@
           <a:bodyPr/>
           <a:lstStyle/>
           <a:p>
-            <a:r>
-              <a:rPr lang="en-GB" altLang="en-US" dirty="0" smtClean="0"/>
-              <a:t>Overview Essential Graphical Principles</a:t>
-            </a:r>
-          </a:p>
-          <a:p>
-            <a:pPr lvl="1"/>
-            <a:r>
-              <a:rPr lang="en-GB" altLang="en-US" dirty="0" err="1" smtClean="0"/>
-              <a:t>JFrame</a:t>
-            </a:r>
-            <a:r>
-              <a:rPr lang="en-GB" altLang="en-US" dirty="0" smtClean="0"/>
-              <a:t>, </a:t>
-            </a:r>
-            <a:r>
-              <a:rPr lang="en-GB" altLang="en-US" dirty="0" err="1" smtClean="0"/>
-              <a:t>JPanel</a:t>
-            </a:r>
-            <a:r>
-              <a:rPr lang="en-GB" altLang="en-US" dirty="0" smtClean="0"/>
-              <a:t>, </a:t>
-            </a:r>
-            <a:r>
-              <a:rPr lang="en-GB" altLang="en-US" dirty="0" err="1" smtClean="0"/>
-              <a:t>paintComponent</a:t>
-            </a:r>
-            <a:r>
-              <a:rPr lang="en-GB" altLang="en-US" dirty="0" smtClean="0"/>
-              <a:t>, @Override (Checking)</a:t>
-            </a:r>
-          </a:p>
-          <a:p>
-            <a:r>
-              <a:rPr lang="en-GB" altLang="en-US" dirty="0" smtClean="0"/>
-              <a:t>Hands-On/Practical</a:t>
-            </a:r>
-          </a:p>
-          <a:p>
-            <a:r>
-              <a:rPr lang="en-GB" altLang="en-US" dirty="0" smtClean="0"/>
-              <a:t>Today is about Graphics with Java</a:t>
-            </a:r>
-          </a:p>
-          <a:p>
-            <a:pPr lvl="1"/>
-            <a:r>
-              <a:rPr lang="en-GB" altLang="en-US" dirty="0" smtClean="0"/>
-              <a:t>Drawing</a:t>
-            </a:r>
-          </a:p>
-        </p:txBody>
-      </p:sp>
+            <a:endParaRPr lang="en-US"/>
+          </a:p>
+        </p:txBody>
+      </p:sp>
+      <p:pic>
+        <p:nvPicPr>
+          <p:cNvPr id="43010" name="Picture 2"/>
+          <p:cNvPicPr>
+            <a:picLocks noChangeAspect="1" noChangeArrowheads="1"/>
+          </p:cNvPicPr>
+          <p:nvPr/>
+        </p:nvPicPr>
+        <p:blipFill>
+          <a:blip r:embed="rId2"/>
+          <a:srcRect/>
+          <a:stretch>
+            <a:fillRect/>
+          </a:stretch>
+        </p:blipFill>
+        <p:spPr bwMode="auto">
+          <a:xfrm>
+            <a:off x="228600" y="1828800"/>
+            <a:ext cx="8586307" cy="4419600"/>
+          </a:xfrm>
+          <a:prstGeom prst="rect">
+            <a:avLst/>
+          </a:prstGeom>
+          <a:noFill/>
+          <a:ln w="9525">
+            <a:noFill/>
+            <a:miter lim="800000"/>
+            <a:headEnd/>
+            <a:tailEnd/>
+          </a:ln>
+          <a:effectLst/>
+        </p:spPr>
+      </p:pic>
     </p:spTree>
   </p:cSld>
   <p:clrMapOvr>
     <a:masterClrMapping/>
   </p:clrMapOvr>
-  <p:timing>
-    <p:tnLst>
-      <p:par>
-        <p:cTn id="1" dur="indefinite" restart="never" nodeType="tmRoot"/>
-      </p:par>
-    </p:tnLst>
-  </p:timing>
 </p:sld>
 </file>
 
@@ -7759,7 +7260,7 @@
       </p:grpSpPr>
       <p:sp>
         <p:nvSpPr>
-          <p:cNvPr id="11266" name="Title 1"/>
+          <p:cNvPr id="2" name="Title 1"/>
           <p:cNvSpPr>
             <a:spLocks noGrp="1"/>
           </p:cNvSpPr>
@@ -7773,15 +7274,16 @@
           <a:lstStyle/>
           <a:p>
             <a:r>
-              <a:rPr lang="en-GB" altLang="en-US" smtClean="0"/>
-              <a:t>This Week</a:t>
-            </a:r>
-          </a:p>
-        </p:txBody>
-      </p:sp>
-      <p:sp>
-        <p:nvSpPr>
-          <p:cNvPr id="11267" name="Content Placeholder 2"/>
+              <a:rPr lang="en-US" dirty="0" smtClean="0"/>
+              <a:t>Images</a:t>
+            </a:r>
+            <a:endParaRPr lang="en-US" dirty="0"/>
+          </a:p>
+        </p:txBody>
+      </p:sp>
+      <p:sp>
+        <p:nvSpPr>
+          <p:cNvPr id="3" name="Content Placeholder 2"/>
           <p:cNvSpPr>
             <a:spLocks noGrp="1"/>
           </p:cNvSpPr>
@@ -7794,46 +7296,43 @@
           <a:bodyPr/>
           <a:lstStyle/>
           <a:p>
-            <a:r>
-              <a:rPr lang="en-GB" altLang="en-US" dirty="0" smtClean="0"/>
-              <a:t>Read </a:t>
-            </a:r>
-            <a:r>
-              <a:rPr lang="en-GB" altLang="en-US" dirty="0"/>
-              <a:t>Associated </a:t>
-            </a:r>
-            <a:r>
-              <a:rPr lang="en-GB" altLang="en-US" dirty="0" smtClean="0"/>
-              <a:t>Chapters</a:t>
-            </a:r>
-          </a:p>
-          <a:p>
-            <a:pPr lvl="1"/>
-            <a:r>
-              <a:rPr lang="en-GB" altLang="en-US" dirty="0" smtClean="0"/>
-              <a:t>Comprehensive Edition (Additional Chapters)</a:t>
-            </a:r>
-          </a:p>
-          <a:p>
-            <a:r>
-              <a:rPr lang="en-GB" altLang="en-US" dirty="0" smtClean="0"/>
-              <a:t>Review Slides</a:t>
-            </a:r>
-          </a:p>
-          <a:p>
-            <a:r>
-              <a:rPr lang="en-GB" altLang="en-US" dirty="0" smtClean="0"/>
-              <a:t>Java Exercises</a:t>
-            </a:r>
-          </a:p>
-          <a:p>
-            <a:r>
-              <a:rPr lang="en-GB" altLang="en-US" dirty="0" smtClean="0"/>
-              <a:t>Online Quizzes</a:t>
-            </a:r>
-          </a:p>
-        </p:txBody>
-      </p:sp>
+            <a:endParaRPr lang="en-US"/>
+          </a:p>
+        </p:txBody>
+      </p:sp>
+      <p:pic>
+        <p:nvPicPr>
+          <p:cNvPr id="44034" name="Picture 2"/>
+          <p:cNvPicPr>
+            <a:picLocks noChangeAspect="1" noChangeArrowheads="1"/>
+          </p:cNvPicPr>
+          <p:nvPr/>
+        </p:nvPicPr>
+        <p:blipFill>
+          <a:blip r:embed="rId2"/>
+          <a:srcRect/>
+          <a:stretch>
+            <a:fillRect/>
+          </a:stretch>
+        </p:blipFill>
+        <p:spPr bwMode="auto">
+          <a:xfrm>
+            <a:off x="457200" y="1828800"/>
+            <a:ext cx="7924800" cy="4537798"/>
+          </a:xfrm>
+          <a:prstGeom prst="rect">
+            <a:avLst/>
+          </a:prstGeom>
+          <a:noFill/>
+          <a:ln w="9525">
+            <a:noFill/>
+            <a:miter lim="800000"/>
+            <a:headEnd/>
+            <a:tailEnd/>
+          </a:ln>
+          <a:effectLst/>
+        </p:spPr>
+      </p:pic>
     </p:spTree>
   </p:cSld>
   <p:clrMapOvr>
@@ -7869,71 +7368,76 @@
             <p:ph type="title"/>
           </p:nvPr>
         </p:nvSpPr>
+        <p:spPr>
+          <a:xfrm>
+            <a:off x="533400" y="609600"/>
+            <a:ext cx="8305800" cy="1143000"/>
+          </a:xfrm>
+        </p:spPr>
+        <p:txBody>
+          <a:bodyPr/>
+          <a:lstStyle/>
+          <a:p>
+            <a:r>
+              <a:rPr lang="en-US" dirty="0" smtClean="0"/>
+              <a:t>Review Basic Graphic Methods</a:t>
+            </a:r>
+            <a:endParaRPr lang="en-US" dirty="0"/>
+          </a:p>
+        </p:txBody>
+      </p:sp>
+      <p:sp>
+        <p:nvSpPr>
+          <p:cNvPr id="3" name="Content Placeholder 2"/>
+          <p:cNvSpPr>
+            <a:spLocks noGrp="1"/>
+          </p:cNvSpPr>
+          <p:nvPr>
+            <p:ph idx="1"/>
+          </p:nvPr>
+        </p:nvSpPr>
         <p:spPr/>
         <p:txBody>
           <a:bodyPr/>
           <a:lstStyle/>
           <a:p>
-            <a:r>
-              <a:rPr lang="en-US" dirty="0" smtClean="0"/>
-              <a:t>Exercises</a:t>
-            </a:r>
-            <a:endParaRPr lang="en-US" dirty="0"/>
-          </a:p>
-        </p:txBody>
-      </p:sp>
-      <p:sp>
-        <p:nvSpPr>
-          <p:cNvPr id="3" name="Content Placeholder 2"/>
-          <p:cNvSpPr>
-            <a:spLocks noGrp="1"/>
-          </p:cNvSpPr>
-          <p:nvPr>
-            <p:ph idx="1"/>
-          </p:nvPr>
-        </p:nvSpPr>
-        <p:spPr/>
-        <p:txBody>
-          <a:bodyPr/>
-          <a:lstStyle/>
-          <a:p>
-            <a:r>
-              <a:rPr lang="en-US" dirty="0" smtClean="0"/>
-              <a:t>Chapter exercises 15.1-15.3</a:t>
-            </a:r>
-          </a:p>
-          <a:p>
-            <a:endParaRPr lang="en-US" dirty="0" smtClean="0"/>
-          </a:p>
-          <a:p>
-            <a:r>
-              <a:rPr lang="en-US" dirty="0" smtClean="0"/>
-              <a:t>Comment your code</a:t>
-            </a:r>
-          </a:p>
-          <a:p>
-            <a:r>
-              <a:rPr lang="en-US" dirty="0" smtClean="0"/>
-              <a:t>Remember to zip the files together</a:t>
-            </a:r>
-          </a:p>
-          <a:p>
-            <a:pPr lvl="1"/>
-            <a:r>
-              <a:rPr lang="en-US" dirty="0" smtClean="0"/>
-              <a:t>The name of the .zip file should be your student number</a:t>
-            </a:r>
-          </a:p>
-          <a:p>
-            <a:pPr lvl="1"/>
-            <a:r>
-              <a:rPr lang="en-US" dirty="0" smtClean="0"/>
-              <a:t>(e.g., 39293923923.zip)</a:t>
-            </a:r>
-            <a:endParaRPr lang="en-US" dirty="0"/>
-          </a:p>
-        </p:txBody>
-      </p:sp>
+            <a:endParaRPr lang="en-US"/>
+          </a:p>
+        </p:txBody>
+      </p:sp>
+      <p:pic>
+        <p:nvPicPr>
+          <p:cNvPr id="2050" name="Picture 2"/>
+          <p:cNvPicPr>
+            <a:picLocks noChangeAspect="1" noChangeArrowheads="1"/>
+          </p:cNvPicPr>
+          <p:nvPr/>
+        </p:nvPicPr>
+        <p:blipFill>
+          <a:blip r:embed="rId2"/>
+          <a:srcRect/>
+          <a:stretch>
+            <a:fillRect/>
+          </a:stretch>
+        </p:blipFill>
+        <p:spPr bwMode="auto">
+          <a:xfrm>
+            <a:off x="457200" y="1981200"/>
+            <a:ext cx="8296275" cy="4410075"/>
+          </a:xfrm>
+          <a:prstGeom prst="rect">
+            <a:avLst/>
+          </a:prstGeom>
+          <a:noFill/>
+          <a:ln w="9525">
+            <a:noFill/>
+            <a:miter lim="800000"/>
+            <a:headEnd/>
+            <a:tailEnd/>
+          </a:ln>
+          <a:effectLst/>
+        </p:spPr>
+      </p:pic>
     </p:spTree>
   </p:cSld>
   <p:clrMapOvr>
@@ -7961,7 +7465,7 @@
       </p:grpSpPr>
       <p:sp>
         <p:nvSpPr>
-          <p:cNvPr id="13314" name="Title 1"/>
+          <p:cNvPr id="2" name="Title 1"/>
           <p:cNvSpPr>
             <a:spLocks noGrp="1"/>
           </p:cNvSpPr>
@@ -7969,22 +7473,27 @@
             <p:ph type="title"/>
           </p:nvPr>
         </p:nvSpPr>
-        <p:spPr/>
-        <p:txBody>
-          <a:bodyPr/>
-          <a:lstStyle/>
-          <a:p>
-            <a:pPr eaLnBrk="1" hangingPunct="1"/>
-            <a:r>
-              <a:rPr lang="en-GB" altLang="en-US" smtClean="0"/>
-              <a:t>Questions/Discussion</a:t>
-            </a:r>
-          </a:p>
-        </p:txBody>
-      </p:sp>
-      <p:sp>
-        <p:nvSpPr>
-          <p:cNvPr id="13315" name="Content Placeholder 2"/>
+        <p:spPr>
+          <a:xfrm>
+            <a:off x="609600" y="152400"/>
+            <a:ext cx="7772400" cy="1143000"/>
+          </a:xfrm>
+        </p:spPr>
+        <p:txBody>
+          <a:bodyPr/>
+          <a:lstStyle/>
+          <a:p>
+            <a:r>
+              <a:rPr lang="en-US" dirty="0" smtClean="0"/>
+              <a:t>Question</a:t>
+            </a:r>
+            <a:endParaRPr lang="en-US" dirty="0"/>
+          </a:p>
+        </p:txBody>
+      </p:sp>
+      <p:sp>
+        <p:nvSpPr>
+          <p:cNvPr id="3" name="Content Placeholder 2"/>
           <p:cNvSpPr>
             <a:spLocks noGrp="1"/>
           </p:cNvSpPr>
@@ -7992,28 +7501,62 @@
             <p:ph idx="1"/>
           </p:nvPr>
         </p:nvSpPr>
-        <p:spPr/>
-        <p:txBody>
-          <a:bodyPr/>
-          <a:lstStyle/>
-          <a:p>
-            <a:pPr eaLnBrk="1" hangingPunct="1"/>
-            <a:endParaRPr lang="en-GB" altLang="en-US" smtClean="0"/>
-          </a:p>
-        </p:txBody>
-      </p:sp>
+        <p:spPr>
+          <a:xfrm>
+            <a:off x="762000" y="1295400"/>
+            <a:ext cx="7772400" cy="4114800"/>
+          </a:xfrm>
+        </p:spPr>
+        <p:txBody>
+          <a:bodyPr/>
+          <a:lstStyle/>
+          <a:p>
+            <a:r>
+              <a:rPr lang="en-US" dirty="0" smtClean="0"/>
+              <a:t>Write down the graphics methods you’d use to draw the following output:</a:t>
+            </a:r>
+            <a:endParaRPr lang="en-US" dirty="0"/>
+          </a:p>
+        </p:txBody>
+      </p:sp>
+      <p:pic>
+        <p:nvPicPr>
+          <p:cNvPr id="1026" name="Picture 2"/>
+          <p:cNvPicPr>
+            <a:picLocks noChangeAspect="1" noChangeArrowheads="1"/>
+          </p:cNvPicPr>
+          <p:nvPr/>
+        </p:nvPicPr>
+        <p:blipFill>
+          <a:blip r:embed="rId2"/>
+          <a:srcRect/>
+          <a:stretch>
+            <a:fillRect/>
+          </a:stretch>
+        </p:blipFill>
+        <p:spPr bwMode="auto">
+          <a:xfrm>
+            <a:off x="1447800" y="2514600"/>
+            <a:ext cx="5257800" cy="3977403"/>
+          </a:xfrm>
+          <a:prstGeom prst="rect">
+            <a:avLst/>
+          </a:prstGeom>
+          <a:noFill/>
+          <a:ln w="9525">
+            <a:noFill/>
+            <a:miter lim="800000"/>
+            <a:headEnd/>
+            <a:tailEnd/>
+          </a:ln>
+          <a:effectLst/>
+        </p:spPr>
+      </p:pic>
     </p:spTree>
   </p:cSld>
   <p:clrMapOvr>
     <a:masterClrMapping/>
   </p:clrMapOvr>
-  <p:timing>
-    <p:tnLst>
-      <p:par>
-        <p:cTn id="1" dur="indefinite" restart="never" nodeType="tmRoot"/>
-      </p:par>
-    </p:tnLst>
-  </p:timing>
 </p:sld>
 </file>
 
@@ -8044,64 +7587,458 @@
             <p:ph type="title"/>
           </p:nvPr>
         </p:nvSpPr>
+        <p:spPr>
+          <a:xfrm>
+            <a:off x="762000" y="-76200"/>
+            <a:ext cx="7772400" cy="1143000"/>
+          </a:xfrm>
+        </p:spPr>
+        <p:txBody>
+          <a:bodyPr/>
+          <a:lstStyle/>
+          <a:p>
+            <a:r>
+              <a:rPr lang="en-US" dirty="0" smtClean="0"/>
+              <a:t>Question</a:t>
+            </a:r>
+            <a:endParaRPr lang="en-US" dirty="0"/>
+          </a:p>
+        </p:txBody>
+      </p:sp>
+      <p:sp>
+        <p:nvSpPr>
+          <p:cNvPr id="3" name="Content Placeholder 2"/>
+          <p:cNvSpPr>
+            <a:spLocks noGrp="1"/>
+          </p:cNvSpPr>
+          <p:nvPr>
+            <p:ph idx="1"/>
+          </p:nvPr>
+        </p:nvSpPr>
         <p:spPr/>
         <p:txBody>
           <a:bodyPr/>
           <a:lstStyle/>
           <a:p>
-            <a:endParaRPr lang="en-GB"/>
-          </a:p>
-        </p:txBody>
-      </p:sp>
-      <p:sp>
-        <p:nvSpPr>
-          <p:cNvPr id="3" name="Content Placeholder 2"/>
-          <p:cNvSpPr>
-            <a:spLocks noGrp="1"/>
-          </p:cNvSpPr>
-          <p:nvPr>
-            <p:ph idx="1"/>
-          </p:nvPr>
-        </p:nvSpPr>
-        <p:spPr/>
-        <p:txBody>
-          <a:bodyPr/>
-          <a:lstStyle/>
-          <a:p>
-            <a:endParaRPr lang="en-GB"/>
+            <a:endParaRPr lang="en-US"/>
+          </a:p>
+        </p:txBody>
+      </p:sp>
+      <p:sp>
+        <p:nvSpPr>
+          <p:cNvPr id="6" name="TextBox 5"/>
+          <p:cNvSpPr txBox="1"/>
+          <p:nvPr/>
+        </p:nvSpPr>
+        <p:spPr>
+          <a:xfrm>
+            <a:off x="6400800" y="5943600"/>
+            <a:ext cx="2161169" cy="707886"/>
+          </a:xfrm>
+          <a:prstGeom prst="rect">
+            <a:avLst/>
+          </a:prstGeom>
+          <a:noFill/>
+        </p:spPr>
+        <p:txBody>
+          <a:bodyPr wrap="none" rtlCol="0">
+            <a:spAutoFit/>
+          </a:bodyPr>
+          <a:lstStyle/>
+          <a:p>
+            <a:r>
+              <a:rPr lang="en-US" sz="2000" dirty="0" err="1" smtClean="0">
+                <a:solidFill>
+                  <a:schemeClr val="bg2"/>
+                </a:solidFill>
+              </a:rPr>
+              <a:t>javac</a:t>
+            </a:r>
+            <a:r>
+              <a:rPr lang="en-US" sz="2000" dirty="0" smtClean="0">
+                <a:solidFill>
+                  <a:schemeClr val="bg2"/>
+                </a:solidFill>
+              </a:rPr>
+              <a:t> MyPaint.java</a:t>
+            </a:r>
+          </a:p>
+          <a:p>
+            <a:r>
+              <a:rPr lang="en-US" sz="2000" dirty="0" smtClean="0">
+                <a:solidFill>
+                  <a:schemeClr val="bg2"/>
+                </a:solidFill>
+              </a:rPr>
+              <a:t>java –cp . </a:t>
+            </a:r>
+            <a:r>
+              <a:rPr lang="en-US" sz="2000" dirty="0" err="1" smtClean="0">
+                <a:solidFill>
+                  <a:schemeClr val="bg2"/>
+                </a:solidFill>
+              </a:rPr>
+              <a:t>MyPaint</a:t>
+            </a:r>
+            <a:endParaRPr lang="en-US" sz="2000" dirty="0">
+              <a:solidFill>
+                <a:schemeClr val="bg2"/>
+              </a:solidFill>
+            </a:endParaRPr>
           </a:p>
         </p:txBody>
       </p:sp>
       <p:pic>
         <p:nvPicPr>
-          <p:cNvPr id="4" name="Picture 3"/>
+          <p:cNvPr id="4101" name="Picture 5"/>
           <p:cNvPicPr>
-            <a:picLocks noChangeAspect="1"/>
+            <a:picLocks noChangeAspect="1" noChangeArrowheads="1"/>
           </p:cNvPicPr>
           <p:nvPr/>
         </p:nvPicPr>
         <p:blipFill>
           <a:blip r:embed="rId2"/>
+          <a:srcRect/>
           <a:stretch>
             <a:fillRect/>
           </a:stretch>
         </p:blipFill>
-        <p:spPr>
-          <a:xfrm>
-            <a:off x="685800" y="309639"/>
-            <a:ext cx="7924800" cy="6511545"/>
+        <p:spPr bwMode="auto">
+          <a:xfrm>
+            <a:off x="228599" y="990600"/>
+            <a:ext cx="5262431" cy="5715000"/>
           </a:xfrm>
           <a:prstGeom prst="rect">
             <a:avLst/>
           </a:prstGeom>
+          <a:noFill/>
+          <a:ln w="9525">
+            <a:noFill/>
+            <a:miter lim="800000"/>
+            <a:headEnd/>
+            <a:tailEnd/>
+          </a:ln>
+          <a:effectLst/>
         </p:spPr>
       </p:pic>
+      <p:sp>
+        <p:nvSpPr>
+          <p:cNvPr id="9" name="TextBox 8"/>
+          <p:cNvSpPr txBox="1"/>
+          <p:nvPr/>
+        </p:nvSpPr>
+        <p:spPr>
+          <a:xfrm>
+            <a:off x="5257800" y="1143000"/>
+            <a:ext cx="3579826" cy="830997"/>
+          </a:xfrm>
+          <a:prstGeom prst="rect">
+            <a:avLst/>
+          </a:prstGeom>
+          <a:noFill/>
+        </p:spPr>
+        <p:txBody>
+          <a:bodyPr wrap="none" rtlCol="0">
+            <a:spAutoFit/>
+          </a:bodyPr>
+          <a:lstStyle/>
+          <a:p>
+            <a:r>
+              <a:rPr lang="en-US" b="1" dirty="0" smtClean="0">
+                <a:solidFill>
+                  <a:schemeClr val="bg2"/>
+                </a:solidFill>
+              </a:rPr>
+              <a:t>What would the following</a:t>
+            </a:r>
+          </a:p>
+          <a:p>
+            <a:r>
+              <a:rPr lang="en-US" b="1" dirty="0" smtClean="0">
+                <a:solidFill>
+                  <a:schemeClr val="bg2"/>
+                </a:solidFill>
+              </a:rPr>
+              <a:t>program output?</a:t>
+            </a:r>
+            <a:endParaRPr lang="en-US" b="1" dirty="0">
+              <a:solidFill>
+                <a:schemeClr val="bg2"/>
+              </a:solidFill>
+            </a:endParaRPr>
+          </a:p>
+        </p:txBody>
+      </p:sp>
     </p:spTree>
-    <p:extLst>
-      <p:ext uri="{BB962C8B-B14F-4D97-AF65-F5344CB8AC3E}">
-        <p14:creationId xmlns:p14="http://schemas.microsoft.com/office/powerpoint/2010/main" xmlns="" val="2143275608"/>
-      </p:ext>
-    </p:extLst>
+  </p:cSld>
+  <p:clrMapOvr>
+    <a:masterClrMapping/>
+  </p:clrMapOvr>
+</p:sld>
+</file>
+
+<file path=ppt/slides/slide38.xml><?xml version="1.0" encoding="utf-8"?>
+<p:sld xmlns:a="http://schemas.openxmlformats.org/drawingml/2006/main" xmlns:r="http://schemas.openxmlformats.org/officeDocument/2006/relationships" xmlns:p="http://schemas.openxmlformats.org/presentationml/2006/main">
+  <p:cSld>
+    <p:spTree>
+      <p:nvGrpSpPr>
+        <p:cNvPr id="1" name=""/>
+        <p:cNvGrpSpPr/>
+        <p:nvPr/>
+      </p:nvGrpSpPr>
+      <p:grpSpPr>
+        <a:xfrm>
+          <a:off x="0" y="0"/>
+          <a:ext cx="0" cy="0"/>
+          <a:chOff x="0" y="0"/>
+          <a:chExt cx="0" cy="0"/>
+        </a:xfrm>
+      </p:grpSpPr>
+      <p:sp>
+        <p:nvSpPr>
+          <p:cNvPr id="2" name="Title 1"/>
+          <p:cNvSpPr>
+            <a:spLocks noGrp="1"/>
+          </p:cNvSpPr>
+          <p:nvPr>
+            <p:ph type="title"/>
+          </p:nvPr>
+        </p:nvSpPr>
+        <p:spPr/>
+        <p:txBody>
+          <a:bodyPr/>
+          <a:lstStyle/>
+          <a:p>
+            <a:r>
+              <a:rPr lang="en-US" dirty="0" smtClean="0"/>
+              <a:t>Answer</a:t>
+            </a:r>
+            <a:endParaRPr lang="en-US" dirty="0"/>
+          </a:p>
+        </p:txBody>
+      </p:sp>
+      <p:sp>
+        <p:nvSpPr>
+          <p:cNvPr id="3" name="Content Placeholder 2"/>
+          <p:cNvSpPr>
+            <a:spLocks noGrp="1"/>
+          </p:cNvSpPr>
+          <p:nvPr>
+            <p:ph idx="1"/>
+          </p:nvPr>
+        </p:nvSpPr>
+        <p:spPr/>
+        <p:txBody>
+          <a:bodyPr/>
+          <a:lstStyle/>
+          <a:p>
+            <a:r>
+              <a:rPr lang="en-US" dirty="0" smtClean="0"/>
+              <a:t>Left mouse button is pressed</a:t>
+            </a:r>
+            <a:endParaRPr lang="en-US" dirty="0"/>
+          </a:p>
+        </p:txBody>
+      </p:sp>
+      <p:pic>
+        <p:nvPicPr>
+          <p:cNvPr id="46082" name="Picture 2"/>
+          <p:cNvPicPr>
+            <a:picLocks noChangeAspect="1" noChangeArrowheads="1"/>
+          </p:cNvPicPr>
+          <p:nvPr/>
+        </p:nvPicPr>
+        <p:blipFill>
+          <a:blip r:embed="rId2"/>
+          <a:srcRect/>
+          <a:stretch>
+            <a:fillRect/>
+          </a:stretch>
+        </p:blipFill>
+        <p:spPr bwMode="auto">
+          <a:xfrm>
+            <a:off x="990600" y="3048000"/>
+            <a:ext cx="2809027" cy="2905125"/>
+          </a:xfrm>
+          <a:prstGeom prst="rect">
+            <a:avLst/>
+          </a:prstGeom>
+          <a:noFill/>
+          <a:ln w="9525">
+            <a:noFill/>
+            <a:miter lim="800000"/>
+            <a:headEnd/>
+            <a:tailEnd/>
+          </a:ln>
+          <a:effectLst/>
+        </p:spPr>
+      </p:pic>
+      <p:pic>
+        <p:nvPicPr>
+          <p:cNvPr id="46083" name="Picture 3"/>
+          <p:cNvPicPr>
+            <a:picLocks noChangeAspect="1" noChangeArrowheads="1"/>
+          </p:cNvPicPr>
+          <p:nvPr/>
+        </p:nvPicPr>
+        <p:blipFill>
+          <a:blip r:embed="rId3"/>
+          <a:srcRect/>
+          <a:stretch>
+            <a:fillRect/>
+          </a:stretch>
+        </p:blipFill>
+        <p:spPr bwMode="auto">
+          <a:xfrm>
+            <a:off x="5486400" y="3124200"/>
+            <a:ext cx="2719081" cy="2790825"/>
+          </a:xfrm>
+          <a:prstGeom prst="rect">
+            <a:avLst/>
+          </a:prstGeom>
+          <a:noFill/>
+          <a:ln w="9525">
+            <a:noFill/>
+            <a:miter lim="800000"/>
+            <a:headEnd/>
+            <a:tailEnd/>
+          </a:ln>
+          <a:effectLst/>
+        </p:spPr>
+      </p:pic>
+      <p:sp>
+        <p:nvSpPr>
+          <p:cNvPr id="6" name="Left-Right Arrow 5"/>
+          <p:cNvSpPr/>
+          <p:nvPr/>
+        </p:nvSpPr>
+        <p:spPr>
+          <a:xfrm>
+            <a:off x="4191000" y="4191000"/>
+            <a:ext cx="838200" cy="533400"/>
+          </a:xfrm>
+          <a:prstGeom prst="leftRightArrow">
+            <a:avLst/>
+          </a:prstGeom>
+        </p:spPr>
+        <p:style>
+          <a:lnRef idx="2">
+            <a:schemeClr val="accent1">
+              <a:shade val="50000"/>
+            </a:schemeClr>
+          </a:lnRef>
+          <a:fillRef idx="1">
+            <a:schemeClr val="accent1"/>
+          </a:fillRef>
+          <a:effectRef idx="0">
+            <a:schemeClr val="accent1"/>
+          </a:effectRef>
+          <a:fontRef idx="minor">
+            <a:schemeClr val="lt1"/>
+          </a:fontRef>
+        </p:style>
+        <p:txBody>
+          <a:bodyPr rtlCol="0" anchor="ctr"/>
+          <a:lstStyle/>
+          <a:p>
+            <a:pPr algn="ctr"/>
+            <a:endParaRPr lang="en-US"/>
+          </a:p>
+        </p:txBody>
+      </p:sp>
+    </p:spTree>
+  </p:cSld>
+  <p:clrMapOvr>
+    <a:masterClrMapping/>
+  </p:clrMapOvr>
+</p:sld>
+</file>
+
+<file path=ppt/slides/slide39.xml><?xml version="1.0" encoding="utf-8"?>
+<p:sld xmlns:a="http://schemas.openxmlformats.org/drawingml/2006/main" xmlns:r="http://schemas.openxmlformats.org/officeDocument/2006/relationships" xmlns:p="http://schemas.openxmlformats.org/presentationml/2006/main">
+  <p:cSld>
+    <p:spTree>
+      <p:nvGrpSpPr>
+        <p:cNvPr id="1" name=""/>
+        <p:cNvGrpSpPr/>
+        <p:nvPr/>
+      </p:nvGrpSpPr>
+      <p:grpSpPr>
+        <a:xfrm>
+          <a:off x="0" y="0"/>
+          <a:ext cx="0" cy="0"/>
+          <a:chOff x="0" y="0"/>
+          <a:chExt cx="0" cy="0"/>
+        </a:xfrm>
+      </p:grpSpPr>
+      <p:sp>
+        <p:nvSpPr>
+          <p:cNvPr id="2" name="Title 1"/>
+          <p:cNvSpPr>
+            <a:spLocks noGrp="1"/>
+          </p:cNvSpPr>
+          <p:nvPr>
+            <p:ph type="title"/>
+          </p:nvPr>
+        </p:nvSpPr>
+        <p:spPr/>
+        <p:txBody>
+          <a:bodyPr/>
+          <a:lstStyle/>
+          <a:p>
+            <a:r>
+              <a:rPr lang="en-US" dirty="0" smtClean="0"/>
+              <a:t>Force Redraw</a:t>
+            </a:r>
+            <a:endParaRPr lang="en-US" dirty="0"/>
+          </a:p>
+        </p:txBody>
+      </p:sp>
+      <p:sp>
+        <p:nvSpPr>
+          <p:cNvPr id="3" name="Content Placeholder 2"/>
+          <p:cNvSpPr>
+            <a:spLocks noGrp="1"/>
+          </p:cNvSpPr>
+          <p:nvPr>
+            <p:ph idx="1"/>
+          </p:nvPr>
+        </p:nvSpPr>
+        <p:spPr/>
+        <p:txBody>
+          <a:bodyPr/>
+          <a:lstStyle/>
+          <a:p>
+            <a:r>
+              <a:rPr lang="en-US" dirty="0" smtClean="0"/>
+              <a:t>To notify Java to redraw our window (i.e., call </a:t>
+            </a:r>
+            <a:r>
+              <a:rPr lang="en-US" dirty="0" err="1" smtClean="0"/>
+              <a:t>paintComponent</a:t>
+            </a:r>
+            <a:r>
+              <a:rPr lang="en-US" dirty="0" smtClean="0"/>
+              <a:t>)</a:t>
+            </a:r>
+          </a:p>
+          <a:p>
+            <a:pPr lvl="1"/>
+            <a:r>
+              <a:rPr lang="en-US" dirty="0" smtClean="0"/>
+              <a:t>call ‘repaint()’</a:t>
+            </a:r>
+          </a:p>
+          <a:p>
+            <a:r>
+              <a:rPr lang="en-US" dirty="0" smtClean="0"/>
+              <a:t>For example, add new graphics each time the mouse button is pressed</a:t>
+            </a:r>
+            <a:endParaRPr lang="en-US" dirty="0"/>
+          </a:p>
+        </p:txBody>
+      </p:sp>
+    </p:spTree>
   </p:cSld>
   <p:clrMapOvr>
     <a:masterClrMapping/>
@@ -8143,7 +8080,560 @@
           <a:p>
             <a:r>
               <a:rPr lang="en-US" dirty="0" smtClean="0"/>
-              <a:t>Graphical Coordinate System</a:t>
+              <a:t>Answer</a:t>
+            </a:r>
+            <a:endParaRPr lang="en-US" dirty="0"/>
+          </a:p>
+        </p:txBody>
+      </p:sp>
+      <p:sp>
+        <p:nvSpPr>
+          <p:cNvPr id="3" name="Content Placeholder 2"/>
+          <p:cNvSpPr>
+            <a:spLocks noGrp="1"/>
+          </p:cNvSpPr>
+          <p:nvPr>
+            <p:ph idx="1"/>
+          </p:nvPr>
+        </p:nvSpPr>
+        <p:spPr/>
+        <p:txBody>
+          <a:bodyPr/>
+          <a:lstStyle/>
+          <a:p>
+            <a:pPr>
+              <a:buNone/>
+            </a:pPr>
+            <a:r>
+              <a:rPr lang="en-US" dirty="0" smtClean="0"/>
+              <a:t>Compile: Yes</a:t>
+            </a:r>
+          </a:p>
+          <a:p>
+            <a:pPr>
+              <a:buNone/>
+            </a:pPr>
+            <a:r>
+              <a:rPr lang="en-US" dirty="0" smtClean="0"/>
+              <a:t>Output: </a:t>
+            </a:r>
+            <a:r>
+              <a:rPr lang="en-US" dirty="0" err="1" smtClean="0"/>
+              <a:t>WoofWoof</a:t>
+            </a:r>
+            <a:endParaRPr lang="en-US" dirty="0" smtClean="0"/>
+          </a:p>
+          <a:p>
+            <a:pPr>
+              <a:buNone/>
+            </a:pPr>
+            <a:endParaRPr lang="en-US" dirty="0" smtClean="0"/>
+          </a:p>
+          <a:p>
+            <a:pPr>
+              <a:buNone/>
+            </a:pPr>
+            <a:endParaRPr lang="en-US" dirty="0" smtClean="0"/>
+          </a:p>
+          <a:p>
+            <a:pPr>
+              <a:buNone/>
+            </a:pPr>
+            <a:endParaRPr lang="en-US" dirty="0" smtClean="0"/>
+          </a:p>
+          <a:p>
+            <a:pPr>
+              <a:buNone/>
+            </a:pPr>
+            <a:endParaRPr lang="en-US" dirty="0" smtClean="0"/>
+          </a:p>
+          <a:p>
+            <a:pPr>
+              <a:buNone/>
+            </a:pPr>
+            <a:endParaRPr lang="en-US" dirty="0"/>
+          </a:p>
+        </p:txBody>
+      </p:sp>
+    </p:spTree>
+  </p:cSld>
+  <p:clrMapOvr>
+    <a:masterClrMapping/>
+  </p:clrMapOvr>
+</p:sld>
+</file>
+
+<file path=ppt/slides/slide40.xml><?xml version="1.0" encoding="utf-8"?>
+<p:sld xmlns:a="http://schemas.openxmlformats.org/drawingml/2006/main" xmlns:r="http://schemas.openxmlformats.org/officeDocument/2006/relationships" xmlns:p="http://schemas.openxmlformats.org/presentationml/2006/main">
+  <p:cSld>
+    <p:spTree>
+      <p:nvGrpSpPr>
+        <p:cNvPr id="1" name=""/>
+        <p:cNvGrpSpPr/>
+        <p:nvPr/>
+      </p:nvGrpSpPr>
+      <p:grpSpPr>
+        <a:xfrm>
+          <a:off x="0" y="0"/>
+          <a:ext cx="0" cy="0"/>
+          <a:chOff x="0" y="0"/>
+          <a:chExt cx="0" cy="0"/>
+        </a:xfrm>
+      </p:grpSpPr>
+      <p:sp>
+        <p:nvSpPr>
+          <p:cNvPr id="2" name="Title 1"/>
+          <p:cNvSpPr>
+            <a:spLocks noGrp="1"/>
+          </p:cNvSpPr>
+          <p:nvPr>
+            <p:ph type="title"/>
+          </p:nvPr>
+        </p:nvSpPr>
+        <p:spPr/>
+        <p:txBody>
+          <a:bodyPr/>
+          <a:lstStyle/>
+          <a:p>
+            <a:r>
+              <a:rPr lang="en-US" dirty="0" smtClean="0"/>
+              <a:t>Review</a:t>
+            </a:r>
+            <a:endParaRPr lang="en-US" dirty="0"/>
+          </a:p>
+        </p:txBody>
+      </p:sp>
+      <p:sp>
+        <p:nvSpPr>
+          <p:cNvPr id="3" name="Content Placeholder 2"/>
+          <p:cNvSpPr>
+            <a:spLocks noGrp="1"/>
+          </p:cNvSpPr>
+          <p:nvPr>
+            <p:ph idx="1"/>
+          </p:nvPr>
+        </p:nvSpPr>
+        <p:spPr>
+          <a:xfrm>
+            <a:off x="685800" y="1981200"/>
+            <a:ext cx="7772400" cy="4419600"/>
+          </a:xfrm>
+        </p:spPr>
+        <p:txBody>
+          <a:bodyPr>
+            <a:normAutofit fontScale="85000" lnSpcReduction="20000"/>
+          </a:bodyPr>
+          <a:lstStyle/>
+          <a:p>
+            <a:r>
+              <a:rPr lang="en-US" dirty="0" smtClean="0"/>
+              <a:t>Graphics can be drawn using a class which extends </a:t>
+            </a:r>
+            <a:r>
+              <a:rPr lang="en-US" dirty="0" err="1" smtClean="0">
+                <a:solidFill>
+                  <a:srgbClr val="E62D33"/>
+                </a:solidFill>
+              </a:rPr>
+              <a:t>JPanel</a:t>
+            </a:r>
+            <a:endParaRPr lang="en-US" dirty="0" smtClean="0">
+              <a:solidFill>
+                <a:srgbClr val="E62D33"/>
+              </a:solidFill>
+            </a:endParaRPr>
+          </a:p>
+          <a:p>
+            <a:r>
+              <a:rPr lang="en-US" dirty="0" smtClean="0"/>
+              <a:t>Swing will call the </a:t>
+            </a:r>
+            <a:r>
+              <a:rPr lang="en-US" dirty="0" err="1" smtClean="0">
+                <a:solidFill>
+                  <a:srgbClr val="E62D33"/>
+                </a:solidFill>
+              </a:rPr>
+              <a:t>paintComponent</a:t>
+            </a:r>
+            <a:r>
+              <a:rPr lang="en-US" dirty="0" smtClean="0"/>
+              <a:t> method to draw:</a:t>
+            </a:r>
+          </a:p>
+          <a:p>
+            <a:pPr lvl="1"/>
+            <a:r>
+              <a:rPr lang="en-US" dirty="0" smtClean="0"/>
+              <a:t>protected void </a:t>
+            </a:r>
+            <a:r>
+              <a:rPr lang="en-US" dirty="0" err="1" smtClean="0"/>
+              <a:t>paintComponent</a:t>
+            </a:r>
+            <a:r>
+              <a:rPr lang="en-US" dirty="0" smtClean="0"/>
+              <a:t>(Graphics g);</a:t>
+            </a:r>
+          </a:p>
+          <a:p>
+            <a:r>
+              <a:rPr lang="en-US" dirty="0" smtClean="0"/>
+              <a:t>There are a variety of drawing methods:</a:t>
+            </a:r>
+          </a:p>
+          <a:p>
+            <a:pPr lvl="1"/>
+            <a:r>
+              <a:rPr lang="en-US" dirty="0" err="1" smtClean="0"/>
+              <a:t>drawLine</a:t>
+            </a:r>
+            <a:r>
+              <a:rPr lang="en-US" dirty="0" smtClean="0"/>
+              <a:t>(</a:t>
+            </a:r>
+            <a:r>
+              <a:rPr lang="en-US" dirty="0" err="1" smtClean="0"/>
+              <a:t>int</a:t>
+            </a:r>
+            <a:r>
+              <a:rPr lang="en-US" dirty="0" smtClean="0"/>
+              <a:t> x1, </a:t>
+            </a:r>
+            <a:r>
+              <a:rPr lang="en-US" dirty="0" err="1" smtClean="0"/>
+              <a:t>int</a:t>
+            </a:r>
+            <a:r>
+              <a:rPr lang="en-US" dirty="0" smtClean="0"/>
+              <a:t> y1, </a:t>
+            </a:r>
+            <a:r>
+              <a:rPr lang="en-US" dirty="0" err="1" smtClean="0"/>
+              <a:t>int</a:t>
+            </a:r>
+            <a:r>
+              <a:rPr lang="en-US" dirty="0" smtClean="0"/>
+              <a:t> x2, </a:t>
+            </a:r>
+            <a:r>
+              <a:rPr lang="en-US" dirty="0" err="1" smtClean="0"/>
+              <a:t>int</a:t>
+            </a:r>
+            <a:r>
+              <a:rPr lang="en-US" dirty="0" smtClean="0"/>
+              <a:t> y2);</a:t>
+            </a:r>
+          </a:p>
+          <a:p>
+            <a:pPr lvl="1"/>
+            <a:r>
+              <a:rPr lang="en-US" dirty="0" err="1" smtClean="0"/>
+              <a:t>drawRect</a:t>
+            </a:r>
+            <a:r>
+              <a:rPr lang="en-US" dirty="0" smtClean="0"/>
+              <a:t>(</a:t>
+            </a:r>
+            <a:r>
+              <a:rPr lang="en-US" dirty="0" err="1" smtClean="0"/>
+              <a:t>int</a:t>
+            </a:r>
+            <a:r>
+              <a:rPr lang="en-US" dirty="0" smtClean="0"/>
+              <a:t> x, </a:t>
+            </a:r>
+            <a:r>
+              <a:rPr lang="en-US" dirty="0" err="1" smtClean="0"/>
+              <a:t>int</a:t>
+            </a:r>
+            <a:r>
+              <a:rPr lang="en-US" dirty="0" smtClean="0"/>
+              <a:t> y, </a:t>
+            </a:r>
+            <a:r>
+              <a:rPr lang="en-US" dirty="0" err="1" smtClean="0"/>
+              <a:t>int</a:t>
+            </a:r>
+            <a:r>
+              <a:rPr lang="en-US" dirty="0" smtClean="0"/>
+              <a:t> w, </a:t>
+            </a:r>
+            <a:r>
+              <a:rPr lang="en-US" dirty="0" err="1" smtClean="0"/>
+              <a:t>int</a:t>
+            </a:r>
+            <a:r>
+              <a:rPr lang="en-US" dirty="0" smtClean="0"/>
+              <a:t> h);</a:t>
+            </a:r>
+          </a:p>
+          <a:p>
+            <a:pPr lvl="1"/>
+            <a:r>
+              <a:rPr lang="en-US" dirty="0" err="1" smtClean="0"/>
+              <a:t>drawOval</a:t>
+            </a:r>
+            <a:r>
+              <a:rPr lang="en-US" dirty="0" smtClean="0"/>
+              <a:t>(</a:t>
+            </a:r>
+            <a:r>
+              <a:rPr lang="en-US" dirty="0" err="1" smtClean="0"/>
+              <a:t>int</a:t>
+            </a:r>
+            <a:r>
+              <a:rPr lang="en-US" dirty="0" smtClean="0"/>
+              <a:t> x, </a:t>
+            </a:r>
+            <a:r>
+              <a:rPr lang="en-US" dirty="0" err="1" smtClean="0"/>
+              <a:t>int</a:t>
+            </a:r>
+            <a:r>
+              <a:rPr lang="en-US" dirty="0" smtClean="0"/>
+              <a:t> y, </a:t>
+            </a:r>
+            <a:r>
+              <a:rPr lang="en-US" dirty="0" err="1" smtClean="0"/>
+              <a:t>int</a:t>
+            </a:r>
+            <a:r>
+              <a:rPr lang="en-US" dirty="0" smtClean="0"/>
+              <a:t> w, </a:t>
+            </a:r>
+            <a:r>
+              <a:rPr lang="en-US" dirty="0" err="1" smtClean="0"/>
+              <a:t>int</a:t>
+            </a:r>
+            <a:r>
+              <a:rPr lang="en-US" dirty="0" smtClean="0"/>
+              <a:t> h);</a:t>
+            </a:r>
+          </a:p>
+          <a:p>
+            <a:pPr lvl="1"/>
+            <a:r>
+              <a:rPr lang="en-US" dirty="0" err="1" smtClean="0"/>
+              <a:t>drawPolygon</a:t>
+            </a:r>
+            <a:r>
+              <a:rPr lang="en-US" dirty="0" smtClean="0"/>
+              <a:t>(</a:t>
+            </a:r>
+            <a:r>
+              <a:rPr lang="en-US" dirty="0" err="1" smtClean="0"/>
+              <a:t>int</a:t>
+            </a:r>
+            <a:r>
+              <a:rPr lang="en-US" dirty="0" smtClean="0"/>
+              <a:t>[] </a:t>
+            </a:r>
+            <a:r>
+              <a:rPr lang="en-US" dirty="0" err="1" smtClean="0"/>
+              <a:t>xpoints</a:t>
+            </a:r>
+            <a:r>
+              <a:rPr lang="en-US" dirty="0" smtClean="0"/>
+              <a:t>, </a:t>
+            </a:r>
+            <a:r>
+              <a:rPr lang="en-US" dirty="0" err="1" smtClean="0"/>
+              <a:t>int</a:t>
+            </a:r>
+            <a:r>
+              <a:rPr lang="en-US" dirty="0" smtClean="0"/>
+              <a:t>[] </a:t>
+            </a:r>
+            <a:r>
+              <a:rPr lang="en-US" dirty="0" err="1" smtClean="0"/>
+              <a:t>ypoints</a:t>
+            </a:r>
+            <a:r>
+              <a:rPr lang="en-US" dirty="0" smtClean="0"/>
+              <a:t>, </a:t>
+            </a:r>
+            <a:r>
+              <a:rPr lang="en-US" dirty="0" err="1" smtClean="0"/>
+              <a:t>int</a:t>
+            </a:r>
+            <a:r>
+              <a:rPr lang="en-US" dirty="0" smtClean="0"/>
+              <a:t> </a:t>
+            </a:r>
+            <a:r>
+              <a:rPr lang="en-US" dirty="0" err="1" smtClean="0"/>
+              <a:t>npoints</a:t>
+            </a:r>
+            <a:r>
+              <a:rPr lang="en-US" dirty="0" smtClean="0"/>
+              <a:t>);</a:t>
+            </a:r>
+            <a:endParaRPr lang="en-US" dirty="0"/>
+          </a:p>
+        </p:txBody>
+      </p:sp>
+    </p:spTree>
+  </p:cSld>
+  <p:clrMapOvr>
+    <a:masterClrMapping/>
+  </p:clrMapOvr>
+</p:sld>
+</file>
+
+<file path=ppt/slides/slide41.xml><?xml version="1.0" encoding="utf-8"?>
+<p:sld xmlns:a="http://schemas.openxmlformats.org/drawingml/2006/main" xmlns:r="http://schemas.openxmlformats.org/officeDocument/2006/relationships" xmlns:p="http://schemas.openxmlformats.org/presentationml/2006/main">
+  <p:cSld>
+    <p:spTree>
+      <p:nvGrpSpPr>
+        <p:cNvPr id="1" name=""/>
+        <p:cNvGrpSpPr/>
+        <p:nvPr/>
+      </p:nvGrpSpPr>
+      <p:grpSpPr>
+        <a:xfrm>
+          <a:off x="0" y="0"/>
+          <a:ext cx="0" cy="0"/>
+          <a:chOff x="0" y="0"/>
+          <a:chExt cx="0" cy="0"/>
+        </a:xfrm>
+      </p:grpSpPr>
+      <p:sp>
+        <p:nvSpPr>
+          <p:cNvPr id="2" name="Title 1"/>
+          <p:cNvSpPr>
+            <a:spLocks noGrp="1"/>
+          </p:cNvSpPr>
+          <p:nvPr>
+            <p:ph type="title"/>
+          </p:nvPr>
+        </p:nvSpPr>
+        <p:spPr/>
+        <p:txBody>
+          <a:bodyPr/>
+          <a:lstStyle/>
+          <a:p>
+            <a:r>
+              <a:rPr lang="en-US" dirty="0" smtClean="0"/>
+              <a:t>Other Graphics Capabilities</a:t>
+            </a:r>
+            <a:endParaRPr lang="en-US" dirty="0"/>
+          </a:p>
+        </p:txBody>
+      </p:sp>
+      <p:sp>
+        <p:nvSpPr>
+          <p:cNvPr id="3" name="Content Placeholder 2"/>
+          <p:cNvSpPr>
+            <a:spLocks noGrp="1"/>
+          </p:cNvSpPr>
+          <p:nvPr>
+            <p:ph idx="1"/>
+          </p:nvPr>
+        </p:nvSpPr>
+        <p:spPr/>
+        <p:txBody>
+          <a:bodyPr>
+            <a:normAutofit fontScale="92500" lnSpcReduction="10000"/>
+          </a:bodyPr>
+          <a:lstStyle/>
+          <a:p>
+            <a:r>
+              <a:rPr lang="en-US" dirty="0" smtClean="0"/>
+              <a:t>Lots of GUI Controls</a:t>
+            </a:r>
+          </a:p>
+          <a:p>
+            <a:pPr lvl="1"/>
+            <a:r>
+              <a:rPr lang="en-US" dirty="0" smtClean="0"/>
+              <a:t>Buttons, sliders, checkboxes, tables, etc</a:t>
+            </a:r>
+          </a:p>
+          <a:p>
+            <a:pPr lvl="2"/>
+            <a:r>
+              <a:rPr lang="en-US" dirty="0" smtClean="0"/>
+              <a:t>which you can override and improve</a:t>
+            </a:r>
+          </a:p>
+          <a:p>
+            <a:r>
+              <a:rPr lang="en-US" dirty="0" smtClean="0"/>
+              <a:t>Rich 2D drawing</a:t>
+            </a:r>
+          </a:p>
+          <a:p>
+            <a:pPr lvl="1"/>
+            <a:r>
+              <a:rPr lang="en-US" dirty="0" smtClean="0"/>
+              <a:t>Line properties, translucent drawing, rotating, scaling images, coordinate transforms, ...</a:t>
+            </a:r>
+          </a:p>
+          <a:p>
+            <a:r>
+              <a:rPr lang="en-US" dirty="0" smtClean="0"/>
+              <a:t>Animation</a:t>
+            </a:r>
+          </a:p>
+          <a:p>
+            <a:pPr lvl="1"/>
+            <a:r>
+              <a:rPr lang="en-US" dirty="0" smtClean="0"/>
+              <a:t>Double-buffering, combining drawing with threads, ..</a:t>
+            </a:r>
+            <a:endParaRPr lang="en-US" dirty="0"/>
+          </a:p>
+        </p:txBody>
+      </p:sp>
+    </p:spTree>
+  </p:cSld>
+  <p:clrMapOvr>
+    <a:masterClrMapping/>
+  </p:clrMapOvr>
+</p:sld>
+</file>
+
+<file path=ppt/slides/slide42.xml><?xml version="1.0" encoding="utf-8"?>
+<p:sld xmlns:a="http://schemas.openxmlformats.org/drawingml/2006/main" xmlns:r="http://schemas.openxmlformats.org/officeDocument/2006/relationships" xmlns:p="http://schemas.openxmlformats.org/presentationml/2006/main">
+  <p:cSld>
+    <p:spTree>
+      <p:nvGrpSpPr>
+        <p:cNvPr id="1" name=""/>
+        <p:cNvGrpSpPr/>
+        <p:nvPr/>
+      </p:nvGrpSpPr>
+      <p:grpSpPr>
+        <a:xfrm>
+          <a:off x="0" y="0"/>
+          <a:ext cx="0" cy="0"/>
+          <a:chOff x="0" y="0"/>
+          <a:chExt cx="0" cy="0"/>
+        </a:xfrm>
+      </p:grpSpPr>
+      <p:sp>
+        <p:nvSpPr>
+          <p:cNvPr id="2" name="Title 1"/>
+          <p:cNvSpPr>
+            <a:spLocks noGrp="1"/>
+          </p:cNvSpPr>
+          <p:nvPr>
+            <p:ph type="title"/>
+          </p:nvPr>
+        </p:nvSpPr>
+        <p:spPr>
+          <a:xfrm>
+            <a:off x="609600" y="381000"/>
+            <a:ext cx="7772400" cy="1143000"/>
+          </a:xfrm>
+        </p:spPr>
+        <p:txBody>
+          <a:bodyPr/>
+          <a:lstStyle/>
+          <a:p>
+            <a:r>
+              <a:rPr lang="en-US" dirty="0" smtClean="0"/>
+              <a:t>Examples</a:t>
             </a:r>
             <a:endParaRPr lang="en-US" dirty="0"/>
           </a:p>
@@ -8170,7 +8660,7 @@
       </p:sp>
       <p:pic>
         <p:nvPicPr>
-          <p:cNvPr id="3074" name="Picture 2"/>
+          <p:cNvPr id="1026" name="Picture 2"/>
           <p:cNvPicPr>
             <a:picLocks noChangeAspect="1" noChangeArrowheads="1"/>
           </p:cNvPicPr>
@@ -8185,8 +8675,8 @@
         </p:blipFill>
         <p:spPr bwMode="auto">
           <a:xfrm>
-            <a:off x="609600" y="2362200"/>
-            <a:ext cx="7808779" cy="2895600"/>
+            <a:off x="1905000" y="1981200"/>
+            <a:ext cx="2752725" cy="1943100"/>
           </a:xfrm>
           <a:prstGeom prst="rect">
             <a:avLst/>
@@ -8201,11 +8691,1108 @@
           <a:effectLst/>
         </p:spPr>
       </p:pic>
+      <p:pic>
+        <p:nvPicPr>
+          <p:cNvPr id="1027" name="Picture 3"/>
+          <p:cNvPicPr>
+            <a:picLocks noChangeAspect="1" noChangeArrowheads="1"/>
+          </p:cNvPicPr>
+          <p:nvPr/>
+        </p:nvPicPr>
+        <p:blipFill>
+          <a:blip r:embed="rId3"/>
+          <a:srcRect/>
+          <a:stretch>
+            <a:fillRect/>
+          </a:stretch>
+        </p:blipFill>
+        <p:spPr bwMode="auto">
+          <a:xfrm>
+            <a:off x="1981200" y="1752600"/>
+            <a:ext cx="3409950" cy="219075"/>
+          </a:xfrm>
+          <a:prstGeom prst="rect">
+            <a:avLst/>
+          </a:prstGeom>
+          <a:noFill/>
+          <a:ln w="9525">
+            <a:noFill/>
+            <a:miter lim="800000"/>
+            <a:headEnd/>
+            <a:tailEnd/>
+          </a:ln>
+          <a:effectLst/>
+        </p:spPr>
+      </p:pic>
+      <p:pic>
+        <p:nvPicPr>
+          <p:cNvPr id="1028" name="Picture 4"/>
+          <p:cNvPicPr>
+            <a:picLocks noChangeAspect="1" noChangeArrowheads="1"/>
+          </p:cNvPicPr>
+          <p:nvPr/>
+        </p:nvPicPr>
+        <p:blipFill>
+          <a:blip r:embed="rId4"/>
+          <a:srcRect/>
+          <a:stretch>
+            <a:fillRect/>
+          </a:stretch>
+        </p:blipFill>
+        <p:spPr bwMode="auto">
+          <a:xfrm>
+            <a:off x="5715000" y="2286000"/>
+            <a:ext cx="1590675" cy="962025"/>
+          </a:xfrm>
+          <a:prstGeom prst="rect">
+            <a:avLst/>
+          </a:prstGeom>
+          <a:noFill/>
+          <a:ln w="9525">
+            <a:noFill/>
+            <a:miter lim="800000"/>
+            <a:headEnd/>
+            <a:tailEnd/>
+          </a:ln>
+          <a:effectLst/>
+        </p:spPr>
+      </p:pic>
+      <p:pic>
+        <p:nvPicPr>
+          <p:cNvPr id="1029" name="Picture 5"/>
+          <p:cNvPicPr>
+            <a:picLocks noChangeAspect="1" noChangeArrowheads="1"/>
+          </p:cNvPicPr>
+          <p:nvPr/>
+        </p:nvPicPr>
+        <p:blipFill>
+          <a:blip r:embed="rId5"/>
+          <a:srcRect/>
+          <a:stretch>
+            <a:fillRect/>
+          </a:stretch>
+        </p:blipFill>
+        <p:spPr bwMode="auto">
+          <a:xfrm>
+            <a:off x="1828800" y="4800600"/>
+            <a:ext cx="3771900" cy="1562100"/>
+          </a:xfrm>
+          <a:prstGeom prst="rect">
+            <a:avLst/>
+          </a:prstGeom>
+          <a:noFill/>
+          <a:ln w="9525">
+            <a:noFill/>
+            <a:miter lim="800000"/>
+            <a:headEnd/>
+            <a:tailEnd/>
+          </a:ln>
+          <a:effectLst/>
+        </p:spPr>
+      </p:pic>
+      <p:pic>
+        <p:nvPicPr>
+          <p:cNvPr id="1030" name="Picture 6"/>
+          <p:cNvPicPr>
+            <a:picLocks noChangeAspect="1" noChangeArrowheads="1"/>
+          </p:cNvPicPr>
+          <p:nvPr/>
+        </p:nvPicPr>
+        <p:blipFill>
+          <a:blip r:embed="rId6"/>
+          <a:srcRect/>
+          <a:stretch>
+            <a:fillRect/>
+          </a:stretch>
+        </p:blipFill>
+        <p:spPr bwMode="auto">
+          <a:xfrm>
+            <a:off x="5867400" y="4876800"/>
+            <a:ext cx="1077183" cy="900112"/>
+          </a:xfrm>
+          <a:prstGeom prst="rect">
+            <a:avLst/>
+          </a:prstGeom>
+          <a:noFill/>
+          <a:ln w="9525">
+            <a:noFill/>
+            <a:miter lim="800000"/>
+            <a:headEnd/>
+            <a:tailEnd/>
+          </a:ln>
+          <a:effectLst/>
+        </p:spPr>
+      </p:pic>
     </p:spTree>
   </p:cSld>
   <p:clrMapOvr>
     <a:masterClrMapping/>
   </p:clrMapOvr>
+</p:sld>
+</file>
+
+<file path=ppt/slides/slide43.xml><?xml version="1.0" encoding="utf-8"?>
+<p:sld xmlns:a="http://schemas.openxmlformats.org/drawingml/2006/main" xmlns:r="http://schemas.openxmlformats.org/officeDocument/2006/relationships" xmlns:p="http://schemas.openxmlformats.org/presentationml/2006/main">
+  <p:cSld>
+    <p:spTree>
+      <p:nvGrpSpPr>
+        <p:cNvPr id="1" name=""/>
+        <p:cNvGrpSpPr/>
+        <p:nvPr/>
+      </p:nvGrpSpPr>
+      <p:grpSpPr>
+        <a:xfrm>
+          <a:off x="0" y="0"/>
+          <a:ext cx="0" cy="0"/>
+          <a:chOff x="0" y="0"/>
+          <a:chExt cx="0" cy="0"/>
+        </a:xfrm>
+      </p:grpSpPr>
+      <p:sp>
+        <p:nvSpPr>
+          <p:cNvPr id="2" name="Title 1"/>
+          <p:cNvSpPr>
+            <a:spLocks noGrp="1"/>
+          </p:cNvSpPr>
+          <p:nvPr>
+            <p:ph type="title"/>
+          </p:nvPr>
+        </p:nvSpPr>
+        <p:spPr/>
+        <p:txBody>
+          <a:bodyPr/>
+          <a:lstStyle/>
+          <a:p>
+            <a:r>
+              <a:rPr lang="en-US" dirty="0" smtClean="0"/>
+              <a:t>Experiment</a:t>
+            </a:r>
+            <a:endParaRPr lang="en-US" dirty="0"/>
+          </a:p>
+        </p:txBody>
+      </p:sp>
+      <p:sp>
+        <p:nvSpPr>
+          <p:cNvPr id="3" name="Content Placeholder 2"/>
+          <p:cNvSpPr>
+            <a:spLocks noGrp="1"/>
+          </p:cNvSpPr>
+          <p:nvPr>
+            <p:ph idx="1"/>
+          </p:nvPr>
+        </p:nvSpPr>
+        <p:spPr>
+          <a:xfrm>
+            <a:off x="304800" y="1981200"/>
+            <a:ext cx="8458200" cy="4114800"/>
+          </a:xfrm>
+        </p:spPr>
+        <p:txBody>
+          <a:bodyPr>
+            <a:normAutofit fontScale="85000" lnSpcReduction="20000"/>
+          </a:bodyPr>
+          <a:lstStyle/>
+          <a:p>
+            <a:r>
+              <a:rPr lang="en-US" dirty="0" smtClean="0"/>
+              <a:t>Only scratched the surface of Graphics</a:t>
+            </a:r>
+          </a:p>
+          <a:p>
+            <a:pPr lvl="1"/>
+            <a:r>
+              <a:rPr lang="en-US" dirty="0" smtClean="0"/>
+              <a:t>Very simple windows and graphics</a:t>
+            </a:r>
+          </a:p>
+          <a:p>
+            <a:r>
+              <a:rPr lang="en-US" dirty="0" smtClean="0"/>
+              <a:t>Combine the graphics with GUI components</a:t>
+            </a:r>
+          </a:p>
+          <a:p>
+            <a:pPr lvl="1"/>
+            <a:r>
+              <a:rPr lang="en-US" dirty="0" smtClean="0"/>
+              <a:t>Buttons/menus</a:t>
+            </a:r>
+          </a:p>
+          <a:p>
+            <a:r>
+              <a:rPr lang="en-US" dirty="0" smtClean="0"/>
+              <a:t>Custom ‘interfaces’ components</a:t>
+            </a:r>
+          </a:p>
+          <a:p>
+            <a:pPr lvl="1"/>
+            <a:r>
+              <a:rPr lang="en-US" dirty="0" smtClean="0"/>
+              <a:t>e.g., Override default draw method for a button to create a new improved button look</a:t>
+            </a:r>
+          </a:p>
+          <a:p>
+            <a:r>
+              <a:rPr lang="en-US" dirty="0" smtClean="0"/>
+              <a:t>Events</a:t>
+            </a:r>
+          </a:p>
+          <a:p>
+            <a:pPr lvl="1"/>
+            <a:r>
+              <a:rPr lang="en-US" dirty="0" smtClean="0"/>
+              <a:t>Mouse button presses (drawing program)</a:t>
+            </a:r>
+          </a:p>
+          <a:p>
+            <a:pPr lvl="1"/>
+            <a:r>
+              <a:rPr lang="en-US" dirty="0" smtClean="0"/>
+              <a:t>Timing (animations)</a:t>
+            </a:r>
+          </a:p>
+          <a:p>
+            <a:pPr lvl="1">
+              <a:buNone/>
+            </a:pPr>
+            <a:endParaRPr lang="en-US" dirty="0"/>
+          </a:p>
+        </p:txBody>
+      </p:sp>
+    </p:spTree>
+  </p:cSld>
+  <p:clrMapOvr>
+    <a:masterClrMapping/>
+  </p:clrMapOvr>
+</p:sld>
+</file>
+
+<file path=ppt/slides/slide44.xml><?xml version="1.0" encoding="utf-8"?>
+<p:sld xmlns:a="http://schemas.openxmlformats.org/drawingml/2006/main" xmlns:r="http://schemas.openxmlformats.org/officeDocument/2006/relationships" xmlns:p="http://schemas.openxmlformats.org/presentationml/2006/main">
+  <p:cSld>
+    <p:spTree>
+      <p:nvGrpSpPr>
+        <p:cNvPr id="1" name=""/>
+        <p:cNvGrpSpPr/>
+        <p:nvPr/>
+      </p:nvGrpSpPr>
+      <p:grpSpPr>
+        <a:xfrm>
+          <a:off x="0" y="0"/>
+          <a:ext cx="0" cy="0"/>
+          <a:chOff x="0" y="0"/>
+          <a:chExt cx="0" cy="0"/>
+        </a:xfrm>
+      </p:grpSpPr>
+      <p:sp>
+        <p:nvSpPr>
+          <p:cNvPr id="2" name="Title 1"/>
+          <p:cNvSpPr>
+            <a:spLocks noGrp="1"/>
+          </p:cNvSpPr>
+          <p:nvPr>
+            <p:ph type="title"/>
+          </p:nvPr>
+        </p:nvSpPr>
+        <p:spPr/>
+        <p:txBody>
+          <a:bodyPr/>
+          <a:lstStyle/>
+          <a:p>
+            <a:r>
+              <a:rPr lang="en-US" dirty="0" smtClean="0"/>
+              <a:t>Challenge</a:t>
+            </a:r>
+            <a:endParaRPr lang="en-US" dirty="0"/>
+          </a:p>
+        </p:txBody>
+      </p:sp>
+      <p:sp>
+        <p:nvSpPr>
+          <p:cNvPr id="3" name="Content Placeholder 2"/>
+          <p:cNvSpPr>
+            <a:spLocks noGrp="1"/>
+          </p:cNvSpPr>
+          <p:nvPr>
+            <p:ph idx="1"/>
+          </p:nvPr>
+        </p:nvSpPr>
+        <p:spPr/>
+        <p:txBody>
+          <a:bodyPr/>
+          <a:lstStyle/>
+          <a:p>
+            <a:r>
+              <a:rPr lang="en-US" dirty="0" smtClean="0"/>
+              <a:t>Create a simple vector drawing program in Java</a:t>
+            </a:r>
+          </a:p>
+          <a:p>
+            <a:r>
+              <a:rPr lang="en-US" dirty="0" smtClean="0"/>
+              <a:t>Clear/load/save drawings</a:t>
+            </a:r>
+          </a:p>
+          <a:p>
+            <a:r>
+              <a:rPr lang="en-US" dirty="0" smtClean="0"/>
+              <a:t>Select buttons for different operations</a:t>
+            </a:r>
+          </a:p>
+          <a:p>
+            <a:pPr lvl="1"/>
+            <a:r>
+              <a:rPr lang="en-US" dirty="0" smtClean="0"/>
+              <a:t>line, circle, color, ...</a:t>
+            </a:r>
+          </a:p>
+          <a:p>
+            <a:r>
+              <a:rPr lang="en-US" dirty="0" smtClean="0"/>
+              <a:t>Detect mouse button presses</a:t>
+            </a:r>
+          </a:p>
+          <a:p>
+            <a:pPr lvl="1"/>
+            <a:r>
+              <a:rPr lang="en-US" dirty="0" smtClean="0"/>
+              <a:t>draw lines, drag shapes, pick objects</a:t>
+            </a:r>
+            <a:endParaRPr lang="en-US" dirty="0"/>
+          </a:p>
+        </p:txBody>
+      </p:sp>
+    </p:spTree>
+  </p:cSld>
+  <p:clrMapOvr>
+    <a:masterClrMapping/>
+  </p:clrMapOvr>
+</p:sld>
+</file>
+
+<file path=ppt/slides/slide45.xml><?xml version="1.0" encoding="utf-8"?>
+<p:sld xmlns:a="http://schemas.openxmlformats.org/drawingml/2006/main" xmlns:r="http://schemas.openxmlformats.org/officeDocument/2006/relationships" xmlns:p="http://schemas.openxmlformats.org/presentationml/2006/main">
+  <p:cSld>
+    <p:spTree>
+      <p:nvGrpSpPr>
+        <p:cNvPr id="1" name=""/>
+        <p:cNvGrpSpPr/>
+        <p:nvPr/>
+      </p:nvGrpSpPr>
+      <p:grpSpPr>
+        <a:xfrm>
+          <a:off x="0" y="0"/>
+          <a:ext cx="0" cy="0"/>
+          <a:chOff x="0" y="0"/>
+          <a:chExt cx="0" cy="0"/>
+        </a:xfrm>
+      </p:grpSpPr>
+      <p:sp>
+        <p:nvSpPr>
+          <p:cNvPr id="12290" name="Title 1"/>
+          <p:cNvSpPr>
+            <a:spLocks noGrp="1"/>
+          </p:cNvSpPr>
+          <p:nvPr>
+            <p:ph type="title"/>
+          </p:nvPr>
+        </p:nvSpPr>
+        <p:spPr/>
+        <p:txBody>
+          <a:bodyPr/>
+          <a:lstStyle/>
+          <a:p>
+            <a:r>
+              <a:rPr lang="en-GB" altLang="en-US" smtClean="0"/>
+              <a:t>Summary</a:t>
+            </a:r>
+          </a:p>
+        </p:txBody>
+      </p:sp>
+      <p:sp>
+        <p:nvSpPr>
+          <p:cNvPr id="12291" name="Content Placeholder 2"/>
+          <p:cNvSpPr>
+            <a:spLocks noGrp="1"/>
+          </p:cNvSpPr>
+          <p:nvPr>
+            <p:ph idx="1"/>
+          </p:nvPr>
+        </p:nvSpPr>
+        <p:spPr/>
+        <p:txBody>
+          <a:bodyPr/>
+          <a:lstStyle/>
+          <a:p>
+            <a:r>
+              <a:rPr lang="en-GB" altLang="en-US" dirty="0" smtClean="0"/>
+              <a:t>Overview Essential Graphical Principles</a:t>
+            </a:r>
+          </a:p>
+          <a:p>
+            <a:pPr lvl="1"/>
+            <a:r>
+              <a:rPr lang="en-GB" altLang="en-US" dirty="0" err="1" smtClean="0"/>
+              <a:t>JFrame</a:t>
+            </a:r>
+            <a:r>
+              <a:rPr lang="en-GB" altLang="en-US" dirty="0" smtClean="0"/>
+              <a:t>, </a:t>
+            </a:r>
+            <a:r>
+              <a:rPr lang="en-GB" altLang="en-US" dirty="0" err="1" smtClean="0"/>
+              <a:t>JPanel</a:t>
+            </a:r>
+            <a:r>
+              <a:rPr lang="en-GB" altLang="en-US" dirty="0" smtClean="0"/>
+              <a:t>, </a:t>
+            </a:r>
+            <a:r>
+              <a:rPr lang="en-GB" altLang="en-US" dirty="0" err="1" smtClean="0"/>
+              <a:t>paintComponent</a:t>
+            </a:r>
+            <a:r>
+              <a:rPr lang="en-GB" altLang="en-US" dirty="0" smtClean="0"/>
+              <a:t>, @Override (Checking)</a:t>
+            </a:r>
+          </a:p>
+          <a:p>
+            <a:r>
+              <a:rPr lang="en-GB" altLang="en-US" dirty="0" smtClean="0"/>
+              <a:t>Hands-On/Practical</a:t>
+            </a:r>
+          </a:p>
+          <a:p>
+            <a:r>
+              <a:rPr lang="en-GB" altLang="en-US" dirty="0" smtClean="0"/>
+              <a:t>Today is about Graphics with Java</a:t>
+            </a:r>
+          </a:p>
+          <a:p>
+            <a:pPr lvl="1"/>
+            <a:r>
+              <a:rPr lang="en-GB" altLang="en-US" dirty="0" smtClean="0"/>
+              <a:t>Drawing</a:t>
+            </a:r>
+          </a:p>
+        </p:txBody>
+      </p:sp>
+    </p:spTree>
+  </p:cSld>
+  <p:clrMapOvr>
+    <a:masterClrMapping/>
+  </p:clrMapOvr>
+  <p:timing>
+    <p:tnLst>
+      <p:par>
+        <p:cTn id="1" dur="indefinite" restart="never" nodeType="tmRoot"/>
+      </p:par>
+    </p:tnLst>
+  </p:timing>
+</p:sld>
+</file>
+
+<file path=ppt/slides/slide46.xml><?xml version="1.0" encoding="utf-8"?>
+<p:sld xmlns:a="http://schemas.openxmlformats.org/drawingml/2006/main" xmlns:r="http://schemas.openxmlformats.org/officeDocument/2006/relationships" xmlns:p="http://schemas.openxmlformats.org/presentationml/2006/main">
+  <p:cSld>
+    <p:spTree>
+      <p:nvGrpSpPr>
+        <p:cNvPr id="1" name=""/>
+        <p:cNvGrpSpPr/>
+        <p:nvPr/>
+      </p:nvGrpSpPr>
+      <p:grpSpPr>
+        <a:xfrm>
+          <a:off x="0" y="0"/>
+          <a:ext cx="0" cy="0"/>
+          <a:chOff x="0" y="0"/>
+          <a:chExt cx="0" cy="0"/>
+        </a:xfrm>
+      </p:grpSpPr>
+      <p:sp>
+        <p:nvSpPr>
+          <p:cNvPr id="11266" name="Title 1"/>
+          <p:cNvSpPr>
+            <a:spLocks noGrp="1"/>
+          </p:cNvSpPr>
+          <p:nvPr>
+            <p:ph type="title"/>
+          </p:nvPr>
+        </p:nvSpPr>
+        <p:spPr/>
+        <p:txBody>
+          <a:bodyPr/>
+          <a:lstStyle/>
+          <a:p>
+            <a:r>
+              <a:rPr lang="en-GB" altLang="en-US" smtClean="0"/>
+              <a:t>This Week</a:t>
+            </a:r>
+          </a:p>
+        </p:txBody>
+      </p:sp>
+      <p:sp>
+        <p:nvSpPr>
+          <p:cNvPr id="11267" name="Content Placeholder 2"/>
+          <p:cNvSpPr>
+            <a:spLocks noGrp="1"/>
+          </p:cNvSpPr>
+          <p:nvPr>
+            <p:ph idx="1"/>
+          </p:nvPr>
+        </p:nvSpPr>
+        <p:spPr/>
+        <p:txBody>
+          <a:bodyPr/>
+          <a:lstStyle/>
+          <a:p>
+            <a:r>
+              <a:rPr lang="en-GB" altLang="en-US" dirty="0" smtClean="0"/>
+              <a:t>Read </a:t>
+            </a:r>
+            <a:r>
+              <a:rPr lang="en-GB" altLang="en-US" dirty="0"/>
+              <a:t>Associated </a:t>
+            </a:r>
+            <a:r>
+              <a:rPr lang="en-GB" altLang="en-US" dirty="0" smtClean="0"/>
+              <a:t>Chapters</a:t>
+            </a:r>
+          </a:p>
+          <a:p>
+            <a:pPr lvl="1"/>
+            <a:r>
+              <a:rPr lang="en-GB" altLang="en-US" dirty="0" smtClean="0"/>
+              <a:t>Comprehensive Edition (Additional Chapters)</a:t>
+            </a:r>
+          </a:p>
+          <a:p>
+            <a:r>
+              <a:rPr lang="en-GB" altLang="en-US" dirty="0" smtClean="0"/>
+              <a:t>Review Slides</a:t>
+            </a:r>
+          </a:p>
+          <a:p>
+            <a:r>
+              <a:rPr lang="en-GB" altLang="en-US" dirty="0" smtClean="0"/>
+              <a:t>Java Exercises</a:t>
+            </a:r>
+          </a:p>
+          <a:p>
+            <a:r>
+              <a:rPr lang="en-GB" altLang="en-US" dirty="0" smtClean="0"/>
+              <a:t>Online Quizzes</a:t>
+            </a:r>
+          </a:p>
+        </p:txBody>
+      </p:sp>
+    </p:spTree>
+  </p:cSld>
+  <p:clrMapOvr>
+    <a:masterClrMapping/>
+  </p:clrMapOvr>
+</p:sld>
+</file>
+
+<file path=ppt/slides/slide47.xml><?xml version="1.0" encoding="utf-8"?>
+<p:sld xmlns:a="http://schemas.openxmlformats.org/drawingml/2006/main" xmlns:r="http://schemas.openxmlformats.org/officeDocument/2006/relationships" xmlns:p="http://schemas.openxmlformats.org/presentationml/2006/main">
+  <p:cSld>
+    <p:spTree>
+      <p:nvGrpSpPr>
+        <p:cNvPr id="1" name=""/>
+        <p:cNvGrpSpPr/>
+        <p:nvPr/>
+      </p:nvGrpSpPr>
+      <p:grpSpPr>
+        <a:xfrm>
+          <a:off x="0" y="0"/>
+          <a:ext cx="0" cy="0"/>
+          <a:chOff x="0" y="0"/>
+          <a:chExt cx="0" cy="0"/>
+        </a:xfrm>
+      </p:grpSpPr>
+      <p:pic>
+        <p:nvPicPr>
+          <p:cNvPr id="1028" name="Picture 4"/>
+          <p:cNvPicPr>
+            <a:picLocks noChangeAspect="1" noChangeArrowheads="1"/>
+          </p:cNvPicPr>
+          <p:nvPr/>
+        </p:nvPicPr>
+        <p:blipFill>
+          <a:blip r:embed="rId2"/>
+          <a:srcRect/>
+          <a:stretch>
+            <a:fillRect/>
+          </a:stretch>
+        </p:blipFill>
+        <p:spPr bwMode="auto">
+          <a:xfrm>
+            <a:off x="5943600" y="0"/>
+            <a:ext cx="2857500" cy="3214688"/>
+          </a:xfrm>
+          <a:prstGeom prst="rect">
+            <a:avLst/>
+          </a:prstGeom>
+          <a:noFill/>
+          <a:ln w="9525">
+            <a:noFill/>
+            <a:miter lim="800000"/>
+            <a:headEnd/>
+            <a:tailEnd/>
+          </a:ln>
+          <a:effectLst/>
+        </p:spPr>
+      </p:pic>
+      <p:pic>
+        <p:nvPicPr>
+          <p:cNvPr id="1027" name="Picture 3"/>
+          <p:cNvPicPr>
+            <a:picLocks noChangeAspect="1" noChangeArrowheads="1"/>
+          </p:cNvPicPr>
+          <p:nvPr/>
+        </p:nvPicPr>
+        <p:blipFill>
+          <a:blip r:embed="rId3"/>
+          <a:srcRect/>
+          <a:stretch>
+            <a:fillRect/>
+          </a:stretch>
+        </p:blipFill>
+        <p:spPr bwMode="auto">
+          <a:xfrm>
+            <a:off x="5867400" y="3124200"/>
+            <a:ext cx="3081551" cy="3724275"/>
+          </a:xfrm>
+          <a:prstGeom prst="rect">
+            <a:avLst/>
+          </a:prstGeom>
+          <a:noFill/>
+          <a:ln w="9525">
+            <a:noFill/>
+            <a:miter lim="800000"/>
+            <a:headEnd/>
+            <a:tailEnd/>
+          </a:ln>
+          <a:effectLst/>
+        </p:spPr>
+      </p:pic>
+      <p:pic>
+        <p:nvPicPr>
+          <p:cNvPr id="1026" name="Picture 2"/>
+          <p:cNvPicPr>
+            <a:picLocks noChangeAspect="1" noChangeArrowheads="1"/>
+          </p:cNvPicPr>
+          <p:nvPr/>
+        </p:nvPicPr>
+        <p:blipFill>
+          <a:blip r:embed="rId4"/>
+          <a:srcRect/>
+          <a:stretch>
+            <a:fillRect/>
+          </a:stretch>
+        </p:blipFill>
+        <p:spPr bwMode="auto">
+          <a:xfrm>
+            <a:off x="0" y="361950"/>
+            <a:ext cx="5905500" cy="6496050"/>
+          </a:xfrm>
+          <a:prstGeom prst="rect">
+            <a:avLst/>
+          </a:prstGeom>
+          <a:noFill/>
+          <a:ln w="9525">
+            <a:noFill/>
+            <a:miter lim="800000"/>
+            <a:headEnd/>
+            <a:tailEnd/>
+          </a:ln>
+          <a:effectLst/>
+        </p:spPr>
+      </p:pic>
+      <p:sp>
+        <p:nvSpPr>
+          <p:cNvPr id="2" name="Title 1"/>
+          <p:cNvSpPr>
+            <a:spLocks noGrp="1"/>
+          </p:cNvSpPr>
+          <p:nvPr>
+            <p:ph type="title"/>
+          </p:nvPr>
+        </p:nvSpPr>
+        <p:spPr>
+          <a:xfrm>
+            <a:off x="-152400" y="-228600"/>
+            <a:ext cx="3124200" cy="1143000"/>
+          </a:xfrm>
+        </p:spPr>
+        <p:txBody>
+          <a:bodyPr/>
+          <a:lstStyle/>
+          <a:p>
+            <a:r>
+              <a:rPr lang="en-US" dirty="0" smtClean="0"/>
+              <a:t>Crossword</a:t>
+            </a:r>
+            <a:endParaRPr lang="en-US" dirty="0"/>
+          </a:p>
+        </p:txBody>
+      </p:sp>
+      <p:sp>
+        <p:nvSpPr>
+          <p:cNvPr id="7" name="TextBox 6"/>
+          <p:cNvSpPr txBox="1"/>
+          <p:nvPr/>
+        </p:nvSpPr>
+        <p:spPr>
+          <a:xfrm>
+            <a:off x="3657600" y="381000"/>
+            <a:ext cx="457200" cy="3139321"/>
+          </a:xfrm>
+          <a:prstGeom prst="rect">
+            <a:avLst/>
+          </a:prstGeom>
+          <a:noFill/>
+        </p:spPr>
+        <p:txBody>
+          <a:bodyPr wrap="square" rtlCol="0">
+            <a:spAutoFit/>
+          </a:bodyPr>
+          <a:lstStyle/>
+          <a:p>
+            <a:r>
+              <a:rPr lang="en-US" sz="2200" b="1" dirty="0" smtClean="0">
+                <a:solidFill>
+                  <a:srgbClr val="FF0000"/>
+                </a:solidFill>
+              </a:rPr>
+              <a:t>s</a:t>
+            </a:r>
+          </a:p>
+          <a:p>
+            <a:r>
+              <a:rPr lang="en-US" sz="2200" b="1" dirty="0" smtClean="0">
+                <a:solidFill>
+                  <a:srgbClr val="FF0000"/>
+                </a:solidFill>
+              </a:rPr>
+              <a:t>e</a:t>
+            </a:r>
+          </a:p>
+          <a:p>
+            <a:r>
+              <a:rPr lang="en-US" sz="2200" b="1" dirty="0" smtClean="0">
+                <a:solidFill>
+                  <a:srgbClr val="FF0000"/>
+                </a:solidFill>
+              </a:rPr>
+              <a:t>m</a:t>
+            </a:r>
+          </a:p>
+          <a:p>
+            <a:r>
+              <a:rPr lang="en-US" sz="2200" b="1" dirty="0" err="1" smtClean="0">
+                <a:solidFill>
+                  <a:srgbClr val="FF0000"/>
+                </a:solidFill>
+              </a:rPr>
+              <a:t>i</a:t>
+            </a:r>
+            <a:endParaRPr lang="en-US" sz="2200" b="1" dirty="0" smtClean="0">
+              <a:solidFill>
+                <a:srgbClr val="FF0000"/>
+              </a:solidFill>
+            </a:endParaRPr>
+          </a:p>
+          <a:p>
+            <a:r>
+              <a:rPr lang="en-US" sz="2200" b="1" dirty="0" smtClean="0">
+                <a:solidFill>
+                  <a:srgbClr val="FF0000"/>
+                </a:solidFill>
+              </a:rPr>
+              <a:t>c</a:t>
+            </a:r>
+          </a:p>
+          <a:p>
+            <a:r>
+              <a:rPr lang="en-US" sz="2200" b="1" dirty="0" smtClean="0">
+                <a:solidFill>
+                  <a:srgbClr val="FF0000"/>
+                </a:solidFill>
+              </a:rPr>
+              <a:t>o</a:t>
+            </a:r>
+          </a:p>
+          <a:p>
+            <a:r>
+              <a:rPr lang="en-US" sz="2200" b="1" dirty="0" smtClean="0">
+                <a:solidFill>
+                  <a:srgbClr val="FF0000"/>
+                </a:solidFill>
+              </a:rPr>
+              <a:t>l</a:t>
+            </a:r>
+          </a:p>
+          <a:p>
+            <a:r>
+              <a:rPr lang="en-US" sz="2200" b="1" dirty="0" smtClean="0">
+                <a:solidFill>
+                  <a:srgbClr val="FF0000"/>
+                </a:solidFill>
+              </a:rPr>
+              <a:t>o</a:t>
+            </a:r>
+          </a:p>
+          <a:p>
+            <a:r>
+              <a:rPr lang="en-US" sz="2200" b="1" dirty="0" smtClean="0">
+                <a:solidFill>
+                  <a:srgbClr val="FF0000"/>
+                </a:solidFill>
+              </a:rPr>
+              <a:t>n</a:t>
+            </a:r>
+            <a:endParaRPr lang="en-US" sz="2200" b="1" dirty="0">
+              <a:solidFill>
+                <a:srgbClr val="FF0000"/>
+              </a:solidFill>
+            </a:endParaRPr>
+          </a:p>
+        </p:txBody>
+      </p:sp>
+      <p:sp>
+        <p:nvSpPr>
+          <p:cNvPr id="8" name="TextBox 7"/>
+          <p:cNvSpPr txBox="1"/>
+          <p:nvPr/>
+        </p:nvSpPr>
+        <p:spPr>
+          <a:xfrm>
+            <a:off x="4038600" y="1066800"/>
+            <a:ext cx="1830950" cy="430887"/>
+          </a:xfrm>
+          <a:prstGeom prst="rect">
+            <a:avLst/>
+          </a:prstGeom>
+          <a:noFill/>
+        </p:spPr>
+        <p:txBody>
+          <a:bodyPr wrap="none" rtlCol="0">
+            <a:spAutoFit/>
+          </a:bodyPr>
+          <a:lstStyle/>
+          <a:p>
+            <a:r>
+              <a:rPr lang="en-US" sz="2200" b="1" dirty="0" smtClean="0">
+                <a:solidFill>
+                  <a:srgbClr val="FF0000"/>
+                </a:solidFill>
+              </a:rPr>
+              <a:t>o  d  u   l   u  s</a:t>
+            </a:r>
+            <a:endParaRPr lang="en-US" sz="2200" b="1" dirty="0">
+              <a:solidFill>
+                <a:srgbClr val="FF0000"/>
+              </a:solidFill>
+            </a:endParaRPr>
+          </a:p>
+        </p:txBody>
+      </p:sp>
+    </p:spTree>
+  </p:cSld>
+  <p:clrMapOvr>
+    <a:masterClrMapping/>
+  </p:clrMapOvr>
+  <p:timing>
+    <p:tnLst>
+      <p:par>
+        <p:cTn id="1" dur="indefinite" restart="never" nodeType="tmRoot"/>
+      </p:par>
+    </p:tnLst>
+  </p:timing>
+</p:sld>
+</file>
+
+<file path=ppt/slides/slide48.xml><?xml version="1.0" encoding="utf-8"?>
+<p:sld xmlns:a="http://schemas.openxmlformats.org/drawingml/2006/main" xmlns:r="http://schemas.openxmlformats.org/officeDocument/2006/relationships" xmlns:p="http://schemas.openxmlformats.org/presentationml/2006/main">
+  <p:cSld>
+    <p:spTree>
+      <p:nvGrpSpPr>
+        <p:cNvPr id="1" name=""/>
+        <p:cNvGrpSpPr/>
+        <p:nvPr/>
+      </p:nvGrpSpPr>
+      <p:grpSpPr>
+        <a:xfrm>
+          <a:off x="0" y="0"/>
+          <a:ext cx="0" cy="0"/>
+          <a:chOff x="0" y="0"/>
+          <a:chExt cx="0" cy="0"/>
+        </a:xfrm>
+      </p:grpSpPr>
+      <p:sp>
+        <p:nvSpPr>
+          <p:cNvPr id="2" name="Title 1"/>
+          <p:cNvSpPr>
+            <a:spLocks noGrp="1"/>
+          </p:cNvSpPr>
+          <p:nvPr>
+            <p:ph type="title"/>
+          </p:nvPr>
+        </p:nvSpPr>
+        <p:spPr/>
+        <p:txBody>
+          <a:bodyPr/>
+          <a:lstStyle/>
+          <a:p>
+            <a:r>
+              <a:rPr lang="en-US" dirty="0" smtClean="0"/>
+              <a:t>Exercises</a:t>
+            </a:r>
+            <a:endParaRPr lang="en-US" dirty="0"/>
+          </a:p>
+        </p:txBody>
+      </p:sp>
+      <p:sp>
+        <p:nvSpPr>
+          <p:cNvPr id="3" name="Content Placeholder 2"/>
+          <p:cNvSpPr>
+            <a:spLocks noGrp="1"/>
+          </p:cNvSpPr>
+          <p:nvPr>
+            <p:ph idx="1"/>
+          </p:nvPr>
+        </p:nvSpPr>
+        <p:spPr/>
+        <p:txBody>
+          <a:bodyPr/>
+          <a:lstStyle/>
+          <a:p>
+            <a:r>
+              <a:rPr lang="en-US" dirty="0" smtClean="0"/>
+              <a:t>Chapter exercises 15.1-15.3</a:t>
+            </a:r>
+          </a:p>
+          <a:p>
+            <a:endParaRPr lang="en-US" dirty="0" smtClean="0"/>
+          </a:p>
+          <a:p>
+            <a:r>
+              <a:rPr lang="en-US" dirty="0" smtClean="0"/>
+              <a:t>Comment your code</a:t>
+            </a:r>
+          </a:p>
+          <a:p>
+            <a:r>
+              <a:rPr lang="en-US" dirty="0" smtClean="0"/>
+              <a:t>Remember to zip the files together</a:t>
+            </a:r>
+          </a:p>
+          <a:p>
+            <a:pPr lvl="1"/>
+            <a:r>
+              <a:rPr lang="en-US" dirty="0" smtClean="0"/>
+              <a:t>The name of the .zip file should be your student number</a:t>
+            </a:r>
+          </a:p>
+          <a:p>
+            <a:pPr lvl="1"/>
+            <a:r>
+              <a:rPr lang="en-US" dirty="0" smtClean="0"/>
+              <a:t>(e.g., 39293923923.zip)</a:t>
+            </a:r>
+            <a:endParaRPr lang="en-US" dirty="0"/>
+          </a:p>
+        </p:txBody>
+      </p:sp>
+    </p:spTree>
+  </p:cSld>
+  <p:clrMapOvr>
+    <a:masterClrMapping/>
+  </p:clrMapOvr>
+  <p:timing>
+    <p:tnLst>
+      <p:par>
+        <p:cTn id="1" dur="indefinite" restart="never" nodeType="tmRoot"/>
+      </p:par>
+    </p:tnLst>
+  </p:timing>
+</p:sld>
+</file>
+
+<file path=ppt/slides/slide49.xml><?xml version="1.0" encoding="utf-8"?>
+<p:sld xmlns:a="http://schemas.openxmlformats.org/drawingml/2006/main" xmlns:r="http://schemas.openxmlformats.org/officeDocument/2006/relationships" xmlns:p="http://schemas.openxmlformats.org/presentationml/2006/main">
+  <p:cSld>
+    <p:spTree>
+      <p:nvGrpSpPr>
+        <p:cNvPr id="1" name=""/>
+        <p:cNvGrpSpPr/>
+        <p:nvPr/>
+      </p:nvGrpSpPr>
+      <p:grpSpPr>
+        <a:xfrm>
+          <a:off x="0" y="0"/>
+          <a:ext cx="0" cy="0"/>
+          <a:chOff x="0" y="0"/>
+          <a:chExt cx="0" cy="0"/>
+        </a:xfrm>
+      </p:grpSpPr>
+      <p:sp>
+        <p:nvSpPr>
+          <p:cNvPr id="13314" name="Title 1"/>
+          <p:cNvSpPr>
+            <a:spLocks noGrp="1"/>
+          </p:cNvSpPr>
+          <p:nvPr>
+            <p:ph type="title"/>
+          </p:nvPr>
+        </p:nvSpPr>
+        <p:spPr/>
+        <p:txBody>
+          <a:bodyPr/>
+          <a:lstStyle/>
+          <a:p>
+            <a:pPr eaLnBrk="1" hangingPunct="1"/>
+            <a:r>
+              <a:rPr lang="en-GB" altLang="en-US" smtClean="0"/>
+              <a:t>Questions/Discussion</a:t>
+            </a:r>
+          </a:p>
+        </p:txBody>
+      </p:sp>
+      <p:sp>
+        <p:nvSpPr>
+          <p:cNvPr id="13315" name="Content Placeholder 2"/>
+          <p:cNvSpPr>
+            <a:spLocks noGrp="1"/>
+          </p:cNvSpPr>
+          <p:nvPr>
+            <p:ph idx="1"/>
+          </p:nvPr>
+        </p:nvSpPr>
+        <p:spPr/>
+        <p:txBody>
+          <a:bodyPr/>
+          <a:lstStyle/>
+          <a:p>
+            <a:pPr eaLnBrk="1" hangingPunct="1"/>
+            <a:endParaRPr lang="en-GB" altLang="en-US" smtClean="0"/>
+          </a:p>
+        </p:txBody>
+      </p:sp>
+    </p:spTree>
+  </p:cSld>
+  <p:clrMapOvr>
+    <a:masterClrMapping/>
+  </p:clrMapOvr>
+  <p:timing>
+    <p:tnLst>
+      <p:par>
+        <p:cTn id="1" dur="indefinite" restart="never" nodeType="tmRoot"/>
+      </p:par>
+    </p:tnLst>
+  </p:timing>
 </p:sld>
 </file>
 
@@ -8247,12 +9834,8 @@
           <a:lstStyle/>
           <a:p>
             <a:r>
-              <a:rPr lang="en-US" dirty="0" err="1" smtClean="0"/>
-              <a:t>JFrame</a:t>
-            </a:r>
-            <a:r>
-              <a:rPr lang="en-US" dirty="0" smtClean="0"/>
-              <a:t>	</a:t>
+              <a:rPr lang="en-US" dirty="0" smtClean="0"/>
+              <a:t>Question</a:t>
             </a:r>
             <a:endParaRPr lang="en-US" dirty="0"/>
           </a:p>
@@ -8270,134 +9853,337 @@
         </p:nvSpPr>
         <p:spPr>
           <a:xfrm>
-            <a:off x="457200" y="1752600"/>
-            <a:ext cx="8305800" cy="4648200"/>
-          </a:xfrm>
-        </p:spPr>
-        <p:txBody>
-          <a:bodyPr>
-            <a:normAutofit fontScale="85000" lnSpcReduction="10000"/>
-          </a:bodyPr>
-          <a:lstStyle/>
-          <a:p>
-            <a:r>
-              <a:rPr lang="en-US" dirty="0" smtClean="0"/>
-              <a:t>Simple GUI Window</a:t>
-            </a:r>
-          </a:p>
-          <a:p>
-            <a:pPr lvl="1"/>
-            <a:r>
-              <a:rPr lang="en-US" dirty="0" smtClean="0"/>
-              <a:t>Lets us perform simple drawing operations</a:t>
-            </a:r>
-          </a:p>
-          <a:p>
-            <a:r>
-              <a:rPr lang="en-US" dirty="0" smtClean="0"/>
-              <a:t>Basic Usage</a:t>
-            </a:r>
-          </a:p>
-          <a:p>
-            <a:pPr lvl="1"/>
-            <a:r>
-              <a:rPr lang="en-US" dirty="0" smtClean="0"/>
-              <a:t>Instantiate the </a:t>
-            </a:r>
-            <a:r>
-              <a:rPr lang="en-US" dirty="0" err="1" smtClean="0"/>
-              <a:t>JFrame</a:t>
-            </a:r>
-            <a:r>
-              <a:rPr lang="en-US" dirty="0" smtClean="0"/>
-              <a:t> and assign text for the title bar</a:t>
-            </a:r>
-          </a:p>
-          <a:p>
-            <a:pPr lvl="2"/>
-            <a:r>
-              <a:rPr lang="en-US" dirty="0" err="1" smtClean="0"/>
-              <a:t>JFrame</a:t>
-            </a:r>
-            <a:r>
-              <a:rPr lang="en-US" dirty="0" smtClean="0"/>
-              <a:t> frame = new </a:t>
-            </a:r>
-            <a:r>
-              <a:rPr lang="en-US" dirty="0" err="1" smtClean="0"/>
-              <a:t>Jframe</a:t>
-            </a:r>
-            <a:r>
-              <a:rPr lang="en-US" dirty="0" smtClean="0"/>
-              <a:t>(‘Title’);</a:t>
-            </a:r>
-          </a:p>
-          <a:p>
-            <a:pPr lvl="1"/>
-            <a:r>
-              <a:rPr lang="en-US" dirty="0" smtClean="0"/>
-              <a:t>Specify size</a:t>
-            </a:r>
-          </a:p>
-          <a:p>
-            <a:pPr lvl="2"/>
-            <a:r>
-              <a:rPr lang="en-US" dirty="0" err="1" smtClean="0"/>
-              <a:t>frame.setSize</a:t>
-            </a:r>
-            <a:r>
-              <a:rPr lang="en-US" dirty="0" smtClean="0"/>
-              <a:t>(width, height)</a:t>
-            </a:r>
-          </a:p>
-          <a:p>
-            <a:pPr lvl="1"/>
-            <a:r>
-              <a:rPr lang="en-US" dirty="0" smtClean="0"/>
-              <a:t>Designate that closing the window ends the program</a:t>
-            </a:r>
-          </a:p>
-          <a:p>
-            <a:pPr lvl="2"/>
-            <a:r>
-              <a:rPr lang="en-US" dirty="0" err="1" smtClean="0"/>
-              <a:t>frame.setDefaultCloseOperation</a:t>
-            </a:r>
-            <a:r>
-              <a:rPr lang="en-US" dirty="0" smtClean="0"/>
-              <a:t>(</a:t>
-            </a:r>
-            <a:r>
-              <a:rPr lang="en-US" dirty="0" err="1" smtClean="0"/>
-              <a:t>JFrame.EXIT_ON_CLOSE</a:t>
-            </a:r>
-            <a:r>
-              <a:rPr lang="en-US" dirty="0" smtClean="0"/>
-              <a:t>);</a:t>
-            </a:r>
-          </a:p>
-          <a:p>
-            <a:pPr lvl="1"/>
-            <a:r>
-              <a:rPr lang="en-US" dirty="0" smtClean="0"/>
-              <a:t>Show the window</a:t>
-            </a:r>
-          </a:p>
-          <a:p>
-            <a:pPr lvl="2"/>
-            <a:r>
-              <a:rPr lang="en-US" dirty="0" err="1" smtClean="0"/>
-              <a:t>frame.setVisible</a:t>
-            </a:r>
-            <a:r>
-              <a:rPr lang="en-US" dirty="0" smtClean="0"/>
-              <a:t>(true);</a:t>
+            <a:off x="685800" y="1524000"/>
+            <a:ext cx="7772400" cy="4114800"/>
+          </a:xfrm>
+        </p:spPr>
+        <p:txBody>
+          <a:bodyPr/>
+          <a:lstStyle/>
+          <a:p>
+            <a:r>
+              <a:rPr lang="en-US" dirty="0" smtClean="0"/>
+              <a:t>Will the following code compile?  If yes then what will be the output?</a:t>
             </a:r>
             <a:endParaRPr lang="en-US" dirty="0"/>
           </a:p>
         </p:txBody>
       </p:sp>
+      <p:pic>
+        <p:nvPicPr>
+          <p:cNvPr id="2050" name="Picture 2"/>
+          <p:cNvPicPr>
+            <a:picLocks noChangeAspect="1" noChangeArrowheads="1"/>
+          </p:cNvPicPr>
+          <p:nvPr/>
+        </p:nvPicPr>
+        <p:blipFill>
+          <a:blip r:embed="rId2"/>
+          <a:srcRect/>
+          <a:stretch>
+            <a:fillRect/>
+          </a:stretch>
+        </p:blipFill>
+        <p:spPr bwMode="auto">
+          <a:xfrm>
+            <a:off x="1295400" y="3124200"/>
+            <a:ext cx="5791200" cy="2786626"/>
+          </a:xfrm>
+          <a:prstGeom prst="rect">
+            <a:avLst/>
+          </a:prstGeom>
+          <a:noFill/>
+          <a:ln w="9525">
+            <a:noFill/>
+            <a:miter lim="800000"/>
+            <a:headEnd/>
+            <a:tailEnd/>
+          </a:ln>
+          <a:effectLst/>
+        </p:spPr>
+      </p:pic>
     </p:spTree>
+  </p:cSld>
+  <p:clrMapOvr>
+    <a:masterClrMapping/>
+  </p:clrMapOvr>
+</p:sld>
+</file>
+
+<file path=ppt/slides/slide50.xml><?xml version="1.0" encoding="utf-8"?>
+<p:sld xmlns:a="http://schemas.openxmlformats.org/drawingml/2006/main" xmlns:r="http://schemas.openxmlformats.org/officeDocument/2006/relationships" xmlns:p="http://schemas.openxmlformats.org/presentationml/2006/main">
+  <p:cSld>
+    <p:spTree>
+      <p:nvGrpSpPr>
+        <p:cNvPr id="1" name=""/>
+        <p:cNvGrpSpPr/>
+        <p:nvPr/>
+      </p:nvGrpSpPr>
+      <p:grpSpPr>
+        <a:xfrm>
+          <a:off x="0" y="0"/>
+          <a:ext cx="0" cy="0"/>
+          <a:chOff x="0" y="0"/>
+          <a:chExt cx="0" cy="0"/>
+        </a:xfrm>
+      </p:grpSpPr>
+      <p:sp>
+        <p:nvSpPr>
+          <p:cNvPr id="2" name="Title 1"/>
+          <p:cNvSpPr>
+            <a:spLocks noGrp="1"/>
+          </p:cNvSpPr>
+          <p:nvPr>
+            <p:ph type="title"/>
+          </p:nvPr>
+        </p:nvSpPr>
+        <p:spPr>
+          <a:xfrm>
+            <a:off x="685800" y="228600"/>
+            <a:ext cx="7772400" cy="1143000"/>
+          </a:xfrm>
+        </p:spPr>
+        <p:txBody>
+          <a:bodyPr/>
+          <a:lstStyle/>
+          <a:p>
+            <a:r>
+              <a:rPr lang="en-US" dirty="0" smtClean="0"/>
+              <a:t>Revision Question</a:t>
+            </a:r>
+            <a:endParaRPr lang="en-US" dirty="0"/>
+          </a:p>
+        </p:txBody>
+      </p:sp>
+      <p:sp>
+        <p:nvSpPr>
+          <p:cNvPr id="3" name="Content Placeholder 2"/>
+          <p:cNvSpPr>
+            <a:spLocks noGrp="1"/>
+          </p:cNvSpPr>
+          <p:nvPr>
+            <p:ph idx="1"/>
+          </p:nvPr>
+        </p:nvSpPr>
+        <p:spPr>
+          <a:xfrm>
+            <a:off x="685800" y="1371600"/>
+            <a:ext cx="7772400" cy="4114800"/>
+          </a:xfrm>
+        </p:spPr>
+        <p:txBody>
+          <a:bodyPr/>
+          <a:lstStyle/>
+          <a:p>
+            <a:r>
+              <a:rPr lang="en-US" dirty="0" smtClean="0"/>
+              <a:t>Will the following code compile?  If yes then what will be the output?</a:t>
+            </a:r>
+            <a:endParaRPr lang="en-US" dirty="0"/>
+          </a:p>
+        </p:txBody>
+      </p:sp>
+      <p:pic>
+        <p:nvPicPr>
+          <p:cNvPr id="2050" name="Picture 2"/>
+          <p:cNvPicPr>
+            <a:picLocks noChangeAspect="1" noChangeArrowheads="1"/>
+          </p:cNvPicPr>
+          <p:nvPr/>
+        </p:nvPicPr>
+        <p:blipFill>
+          <a:blip r:embed="rId2"/>
+          <a:srcRect/>
+          <a:stretch>
+            <a:fillRect/>
+          </a:stretch>
+        </p:blipFill>
+        <p:spPr bwMode="auto">
+          <a:xfrm>
+            <a:off x="1447800" y="2667000"/>
+            <a:ext cx="6019800" cy="3846799"/>
+          </a:xfrm>
+          <a:prstGeom prst="rect">
+            <a:avLst/>
+          </a:prstGeom>
+          <a:noFill/>
+          <a:ln w="9525">
+            <a:noFill/>
+            <a:miter lim="800000"/>
+            <a:headEnd/>
+            <a:tailEnd/>
+          </a:ln>
+          <a:effectLst/>
+        </p:spPr>
+      </p:pic>
+    </p:spTree>
+  </p:cSld>
+  <p:clrMapOvr>
+    <a:masterClrMapping/>
+  </p:clrMapOvr>
+</p:sld>
+</file>
+
+<file path=ppt/slides/slide51.xml><?xml version="1.0" encoding="utf-8"?>
+<p:sld xmlns:a="http://schemas.openxmlformats.org/drawingml/2006/main" xmlns:r="http://schemas.openxmlformats.org/officeDocument/2006/relationships" xmlns:p="http://schemas.openxmlformats.org/presentationml/2006/main">
+  <p:cSld>
+    <p:spTree>
+      <p:nvGrpSpPr>
+        <p:cNvPr id="1" name=""/>
+        <p:cNvGrpSpPr/>
+        <p:nvPr/>
+      </p:nvGrpSpPr>
+      <p:grpSpPr>
+        <a:xfrm>
+          <a:off x="0" y="0"/>
+          <a:ext cx="0" cy="0"/>
+          <a:chOff x="0" y="0"/>
+          <a:chExt cx="0" cy="0"/>
+        </a:xfrm>
+      </p:grpSpPr>
+      <p:sp>
+        <p:nvSpPr>
+          <p:cNvPr id="2" name="Title 1"/>
+          <p:cNvSpPr>
+            <a:spLocks noGrp="1"/>
+          </p:cNvSpPr>
+          <p:nvPr>
+            <p:ph type="title"/>
+          </p:nvPr>
+        </p:nvSpPr>
+        <p:spPr/>
+        <p:txBody>
+          <a:bodyPr/>
+          <a:lstStyle/>
+          <a:p>
+            <a:r>
+              <a:rPr lang="en-US" dirty="0" smtClean="0"/>
+              <a:t>Answer</a:t>
+            </a:r>
+            <a:endParaRPr lang="en-US" dirty="0"/>
+          </a:p>
+        </p:txBody>
+      </p:sp>
+      <p:sp>
+        <p:nvSpPr>
+          <p:cNvPr id="3" name="Content Placeholder 2"/>
+          <p:cNvSpPr>
+            <a:spLocks noGrp="1"/>
+          </p:cNvSpPr>
+          <p:nvPr>
+            <p:ph idx="1"/>
+          </p:nvPr>
+        </p:nvSpPr>
+        <p:spPr/>
+        <p:txBody>
+          <a:bodyPr/>
+          <a:lstStyle/>
+          <a:p>
+            <a:r>
+              <a:rPr lang="en-US" dirty="0" smtClean="0"/>
+              <a:t>Investigate </a:t>
+            </a:r>
+            <a:r>
+              <a:rPr lang="en-US" smtClean="0"/>
+              <a:t>for next week...</a:t>
+            </a:r>
+            <a:endParaRPr lang="en-US"/>
+          </a:p>
+        </p:txBody>
+      </p:sp>
+    </p:spTree>
+  </p:cSld>
+  <p:clrMapOvr>
+    <a:masterClrMapping/>
+  </p:clrMapOvr>
+</p:sld>
+</file>
+
+<file path=ppt/slides/slide52.xml><?xml version="1.0" encoding="utf-8"?>
+<p:sld xmlns:a="http://schemas.openxmlformats.org/drawingml/2006/main" xmlns:r="http://schemas.openxmlformats.org/officeDocument/2006/relationships" xmlns:p="http://schemas.openxmlformats.org/presentationml/2006/main">
+  <p:cSld>
+    <p:spTree>
+      <p:nvGrpSpPr>
+        <p:cNvPr id="1" name=""/>
+        <p:cNvGrpSpPr/>
+        <p:nvPr/>
+      </p:nvGrpSpPr>
+      <p:grpSpPr>
+        <a:xfrm>
+          <a:off x="0" y="0"/>
+          <a:ext cx="0" cy="0"/>
+          <a:chOff x="0" y="0"/>
+          <a:chExt cx="0" cy="0"/>
+        </a:xfrm>
+      </p:grpSpPr>
+      <p:sp>
+        <p:nvSpPr>
+          <p:cNvPr id="2" name="Title 1"/>
+          <p:cNvSpPr>
+            <a:spLocks noGrp="1"/>
+          </p:cNvSpPr>
+          <p:nvPr>
+            <p:ph type="title"/>
+          </p:nvPr>
+        </p:nvSpPr>
+        <p:spPr/>
+        <p:txBody>
+          <a:bodyPr/>
+          <a:lstStyle/>
+          <a:p>
+            <a:endParaRPr lang="en-GB"/>
+          </a:p>
+        </p:txBody>
+      </p:sp>
+      <p:sp>
+        <p:nvSpPr>
+          <p:cNvPr id="3" name="Content Placeholder 2"/>
+          <p:cNvSpPr>
+            <a:spLocks noGrp="1"/>
+          </p:cNvSpPr>
+          <p:nvPr>
+            <p:ph idx="1"/>
+          </p:nvPr>
+        </p:nvSpPr>
+        <p:spPr/>
+        <p:txBody>
+          <a:bodyPr/>
+          <a:lstStyle/>
+          <a:p>
+            <a:endParaRPr lang="en-GB"/>
+          </a:p>
+        </p:txBody>
+      </p:sp>
+      <p:pic>
+        <p:nvPicPr>
+          <p:cNvPr id="4" name="Picture 3"/>
+          <p:cNvPicPr>
+            <a:picLocks noChangeAspect="1"/>
+          </p:cNvPicPr>
+          <p:nvPr/>
+        </p:nvPicPr>
+        <p:blipFill>
+          <a:blip r:embed="rId2"/>
+          <a:stretch>
+            <a:fillRect/>
+          </a:stretch>
+        </p:blipFill>
+        <p:spPr>
+          <a:xfrm>
+            <a:off x="685800" y="309639"/>
+            <a:ext cx="7924800" cy="6511545"/>
+          </a:xfrm>
+          <a:prstGeom prst="rect">
+            <a:avLst/>
+          </a:prstGeom>
+        </p:spPr>
+      </p:pic>
+    </p:spTree>
+    <p:extLst>
+      <p:ext uri="{BB962C8B-B14F-4D97-AF65-F5344CB8AC3E}">
+        <p14:creationId xmlns="" xmlns:p14="http://schemas.microsoft.com/office/powerpoint/2010/main" val="2143275608"/>
+      </p:ext>
+    </p:extLst>
   </p:cSld>
   <p:clrMapOvr>
     <a:masterClrMapping/>
@@ -8439,11 +10225,7 @@
           <a:p>
             <a:r>
               <a:rPr lang="en-US" dirty="0" smtClean="0"/>
-              <a:t>Using </a:t>
-            </a:r>
-            <a:r>
-              <a:rPr lang="en-US" dirty="0" err="1" smtClean="0"/>
-              <a:t>JFrame</a:t>
+              <a:t>Answer</a:t>
             </a:r>
             <a:endParaRPr lang="en-US" dirty="0"/>
           </a:p>
@@ -8464,43 +10246,20 @@
           <a:bodyPr/>
           <a:lstStyle/>
           <a:p>
-            <a:endParaRPr lang="en-US"/>
-          </a:p>
-        </p:txBody>
-      </p:sp>
-      <p:pic>
-        <p:nvPicPr>
-          <p:cNvPr id="29698" name="Picture 2"/>
-          <p:cNvPicPr>
-            <a:picLocks noChangeAspect="1" noChangeArrowheads="1"/>
-          </p:cNvPicPr>
-          <p:nvPr/>
-        </p:nvPicPr>
-        <p:blipFill>
-          <a:blip r:embed="rId2"/>
-          <a:srcRect/>
-          <a:stretch>
-            <a:fillRect/>
-          </a:stretch>
-        </p:blipFill>
-        <p:spPr bwMode="auto">
-          <a:xfrm>
-            <a:off x="762000" y="2362200"/>
-            <a:ext cx="7626699" cy="3352800"/>
-          </a:xfrm>
-          <a:prstGeom prst="rect">
-            <a:avLst/>
-          </a:prstGeom>
-          <a:noFill/>
-          <a:ln w="9525">
-            <a:noFill/>
-            <a:miter lim="800000"/>
-            <a:headEnd/>
-            <a:tailEnd/>
-          </a:ln>
-          <a:effectLst/>
-        </p:spPr>
-      </p:pic>
+            <a:r>
+              <a:rPr lang="en-US" dirty="0" smtClean="0"/>
+              <a:t>Compile: Yes</a:t>
+            </a:r>
+          </a:p>
+          <a:p>
+            <a:r>
+              <a:rPr lang="en-US" dirty="0" smtClean="0"/>
+              <a:t>Output: String</a:t>
+            </a:r>
+            <a:endParaRPr lang="en-US" dirty="0"/>
+          </a:p>
+        </p:txBody>
+      </p:sp>
     </p:spTree>
   </p:cSld>
   <p:clrMapOvr>
@@ -8536,18 +10295,19 @@
             <p:ph type="title"/>
           </p:nvPr>
         </p:nvSpPr>
-        <p:spPr/>
-        <p:txBody>
-          <a:bodyPr/>
-          <a:lstStyle/>
-          <a:p>
-            <a:r>
-              <a:rPr lang="en-US" dirty="0" smtClean="0"/>
-              <a:t>Extending </a:t>
-            </a:r>
-            <a:r>
-              <a:rPr lang="en-US" dirty="0" err="1" smtClean="0"/>
-              <a:t>JFrame</a:t>
+        <p:spPr>
+          <a:xfrm>
+            <a:off x="685800" y="152400"/>
+            <a:ext cx="7772400" cy="1143000"/>
+          </a:xfrm>
+        </p:spPr>
+        <p:txBody>
+          <a:bodyPr/>
+          <a:lstStyle/>
+          <a:p>
+            <a:r>
+              <a:rPr lang="en-US" dirty="0" smtClean="0"/>
+              <a:t>Question</a:t>
             </a:r>
             <a:endParaRPr lang="en-US" dirty="0"/>
           </a:p>
@@ -8563,18 +10323,29 @@
             <p:ph idx="1"/>
           </p:nvPr>
         </p:nvSpPr>
-        <p:spPr/>
-        <p:txBody>
-          <a:bodyPr/>
-          <a:lstStyle/>
-          <a:p>
-            <a:endParaRPr lang="en-US"/>
+        <p:spPr>
+          <a:xfrm>
+            <a:off x="685800" y="1524000"/>
+            <a:ext cx="7772400" cy="4114800"/>
+          </a:xfrm>
+        </p:spPr>
+        <p:txBody>
+          <a:bodyPr/>
+          <a:lstStyle/>
+          <a:p>
+            <a:r>
+              <a:rPr lang="en-US" dirty="0" smtClean="0"/>
+              <a:t>Will the following code compile?  If yes then what will be the output?</a:t>
+            </a:r>
+          </a:p>
+          <a:p>
+            <a:endParaRPr lang="en-US" dirty="0"/>
           </a:p>
         </p:txBody>
       </p:sp>
       <p:pic>
         <p:nvPicPr>
-          <p:cNvPr id="30722" name="Picture 2"/>
+          <p:cNvPr id="4098" name="Picture 2"/>
           <p:cNvPicPr>
             <a:picLocks noChangeAspect="1" noChangeArrowheads="1"/>
           </p:cNvPicPr>
@@ -8589,8 +10360,8 @@
         </p:blipFill>
         <p:spPr bwMode="auto">
           <a:xfrm>
-            <a:off x="685800" y="1981200"/>
-            <a:ext cx="7848600" cy="4069644"/>
+            <a:off x="1676400" y="2819400"/>
+            <a:ext cx="5328557" cy="3352800"/>
           </a:xfrm>
           <a:prstGeom prst="rect">
             <a:avLst/>
@@ -8647,7 +10418,36 @@
           <a:p>
             <a:r>
               <a:rPr lang="en-US" dirty="0" smtClean="0"/>
-              <a:t>Basic Drawing</a:t>
+              <a:t>Answer</a:t>
+            </a:r>
+            <a:endParaRPr lang="en-US" dirty="0"/>
+          </a:p>
+        </p:txBody>
+      </p:sp>
+      <p:sp>
+        <p:nvSpPr>
+          <p:cNvPr id="3" name="Content Placeholder 2"/>
+          <p:cNvSpPr>
+            <a:spLocks noGrp="1"/>
+          </p:cNvSpPr>
+          <p:nvPr>
+            <p:ph idx="1"/>
+          </p:nvPr>
+        </p:nvSpPr>
+        <p:spPr/>
+        <p:txBody>
+          <a:bodyPr/>
+          <a:lstStyle/>
+          <a:p>
+            <a:r>
+              <a:rPr lang="en-US" dirty="0" smtClean="0"/>
+              <a:t>Compile: No</a:t>
+            </a:r>
+          </a:p>
+          <a:p>
+            <a:r>
+              <a:rPr lang="en-US" dirty="0" smtClean="0"/>
+              <a:t>Reason: Method is ambiguous</a:t>
             </a:r>
             <a:endParaRPr lang="en-US" dirty="0"/>
           </a:p>
@@ -8655,13 +10455,11 @@
       </p:sp>
       <p:pic>
         <p:nvPicPr>
-          <p:cNvPr id="31746" name="Picture 2"/>
+          <p:cNvPr id="3074" name="Picture 2"/>
           <p:cNvPicPr>
-            <a:picLocks noGrp="1" noChangeAspect="1" noChangeArrowheads="1"/>
+            <a:picLocks noChangeAspect="1" noChangeArrowheads="1"/>
           </p:cNvPicPr>
-          <p:nvPr>
-            <p:ph idx="1"/>
-          </p:nvPr>
+          <p:nvPr/>
         </p:nvPicPr>
         <p:blipFill>
           <a:blip r:embed="rId2"/>
@@ -8672,8 +10470,8 @@
         </p:blipFill>
         <p:spPr bwMode="auto">
           <a:xfrm>
-            <a:off x="762000" y="1905000"/>
-            <a:ext cx="7736674" cy="4267200"/>
+            <a:off x="457200" y="3505200"/>
+            <a:ext cx="8438629" cy="1004887"/>
           </a:xfrm>
           <a:prstGeom prst="rect">
             <a:avLst/>
@@ -8723,18 +10521,19 @@
             <p:ph type="title"/>
           </p:nvPr>
         </p:nvSpPr>
-        <p:spPr/>
-        <p:txBody>
-          <a:bodyPr/>
-          <a:lstStyle/>
-          <a:p>
-            <a:r>
-              <a:rPr lang="en-US" dirty="0" smtClean="0"/>
-              <a:t>Example </a:t>
-            </a:r>
-            <a:r>
-              <a:rPr lang="en-US" dirty="0" err="1" smtClean="0"/>
-              <a:t>JFrame</a:t>
+        <p:spPr>
+          <a:xfrm>
+            <a:off x="685800" y="152400"/>
+            <a:ext cx="7772400" cy="1143000"/>
+          </a:xfrm>
+        </p:spPr>
+        <p:txBody>
+          <a:bodyPr/>
+          <a:lstStyle/>
+          <a:p>
+            <a:r>
+              <a:rPr lang="en-US" dirty="0" smtClean="0"/>
+              <a:t>Question</a:t>
             </a:r>
             <a:endParaRPr lang="en-US" dirty="0"/>
           </a:p>
@@ -8750,18 +10549,29 @@
             <p:ph idx="1"/>
           </p:nvPr>
         </p:nvSpPr>
-        <p:spPr/>
-        <p:txBody>
-          <a:bodyPr/>
-          <a:lstStyle/>
-          <a:p>
-            <a:endParaRPr lang="en-US"/>
+        <p:spPr>
+          <a:xfrm>
+            <a:off x="685800" y="1524000"/>
+            <a:ext cx="7772400" cy="4114800"/>
+          </a:xfrm>
+        </p:spPr>
+        <p:txBody>
+          <a:bodyPr/>
+          <a:lstStyle/>
+          <a:p>
+            <a:r>
+              <a:rPr lang="en-US" dirty="0" smtClean="0"/>
+              <a:t>Will the following code compile?  If yes then what will be the output?</a:t>
+            </a:r>
+          </a:p>
+          <a:p>
+            <a:endParaRPr lang="en-US" dirty="0"/>
           </a:p>
         </p:txBody>
       </p:sp>
       <p:pic>
         <p:nvPicPr>
-          <p:cNvPr id="32770" name="Picture 2"/>
+          <p:cNvPr id="5122" name="Picture 2"/>
           <p:cNvPicPr>
             <a:picLocks noChangeAspect="1" noChangeArrowheads="1"/>
           </p:cNvPicPr>
@@ -8776,8 +10586,8 @@
         </p:blipFill>
         <p:spPr bwMode="auto">
           <a:xfrm>
-            <a:off x="838200" y="1981200"/>
-            <a:ext cx="7579242" cy="4267200"/>
+            <a:off x="1371600" y="2971800"/>
+            <a:ext cx="6410199" cy="3352800"/>
           </a:xfrm>
           <a:prstGeom prst="rect">
             <a:avLst/>
@@ -9283,7 +11093,7 @@
   </a:extraClrSchemeLst>
   <a:extLst>
     <a:ext uri="{05A4C25C-085E-4340-85A3-A5531E510DB2}">
-      <thm15:themeFamily xmlns:thm15="http://schemas.microsoft.com/office/thememl/2012/main" xmlns="" name="Office Theme" id="{62F939B6-93AF-4DB8-9C6B-D6C7DFDC589F}" vid="{4A3C46E8-61CC-4603-A589-7422A47A8E4A}"/>
+      <thm15:themeFamily xmlns="" xmlns:thm15="http://schemas.microsoft.com/office/thememl/2012/main" name="Office Theme" id="{62F939B6-93AF-4DB8-9C6B-D6C7DFDC589F}" vid="{4A3C46E8-61CC-4603-A589-7422A47A8E4A}"/>
     </a:ext>
   </a:extLst>
 </a:theme>
@@ -9544,7 +11354,7 @@
   <a:extraClrSchemeLst/>
   <a:extLst>
     <a:ext uri="{05A4C25C-085E-4340-85A3-A5531E510DB2}">
-      <thm15:themeFamily xmlns:thm15="http://schemas.microsoft.com/office/thememl/2012/main" xmlns="" name="Office Theme" id="{62F939B6-93AF-4DB8-9C6B-D6C7DFDC589F}" vid="{4A3C46E8-61CC-4603-A589-7422A47A8E4A}"/>
+      <thm15:themeFamily xmlns="" xmlns:thm15="http://schemas.microsoft.com/office/thememl/2012/main" name="Office Theme" id="{62F939B6-93AF-4DB8-9C6B-D6C7DFDC589F}" vid="{4A3C46E8-61CC-4603-A589-7422A47A8E4A}"/>
     </a:ext>
   </a:extLst>
 </a:theme>

--- a/OOP/lectures/080--Graphics.pptx
+++ b/OOP/lectures/080--Graphics.pptx
@@ -190,7 +190,7 @@
   </p:defaultTextStyle>
   <p:extLst>
     <p:ext uri="{EFAFB233-063F-42B5-8137-9DF3F51BA10A}">
-      <p15:sldGuideLst xmlns="" xmlns:p15="http://schemas.microsoft.com/office/powerpoint/2012/main">
+      <p15:sldGuideLst xmlns:p15="http://schemas.microsoft.com/office/powerpoint/2012/main" xmlns="">
         <p15:guide id="1" orient="horz" pos="2160">
           <p15:clr>
             <a:srgbClr val="A4A3A4"/>
@@ -257,14 +257,14 @@
           <a:effectLst/>
           <a:extLst>
             <a:ext uri="{909E8E84-426E-40DD-AFC4-6F175D3DCCD1}">
-              <a14:hiddenFill xmlns="" xmlns:a14="http://schemas.microsoft.com/office/drawing/2010/main">
+              <a14:hiddenFill xmlns:a14="http://schemas.microsoft.com/office/drawing/2010/main" xmlns="">
                 <a:solidFill>
                   <a:schemeClr val="accent1"/>
                 </a:solidFill>
               </a14:hiddenFill>
             </a:ext>
             <a:ext uri="{91240B29-F687-4F45-9708-019B960494DF}">
-              <a14:hiddenLine xmlns="" xmlns:a14="http://schemas.microsoft.com/office/drawing/2010/main" w="9525">
+              <a14:hiddenLine xmlns:a14="http://schemas.microsoft.com/office/drawing/2010/main" xmlns="" w="9525">
                 <a:solidFill>
                   <a:schemeClr val="tx1"/>
                 </a:solidFill>
@@ -274,7 +274,7 @@
               </a14:hiddenLine>
             </a:ext>
             <a:ext uri="{AF507438-7753-43E0-B8FC-AC1667EBCBE1}">
-              <a14:hiddenEffects xmlns="" xmlns:a14="http://schemas.microsoft.com/office/drawing/2010/main">
+              <a14:hiddenEffects xmlns:a14="http://schemas.microsoft.com/office/drawing/2010/main" xmlns="">
                 <a:effectLst>
                   <a:outerShdw dist="35921" dir="2700000" algn="ctr" rotWithShape="0">
                     <a:schemeClr val="bg2"/>
@@ -328,14 +328,14 @@
           <a:effectLst/>
           <a:extLst>
             <a:ext uri="{909E8E84-426E-40DD-AFC4-6F175D3DCCD1}">
-              <a14:hiddenFill xmlns="" xmlns:a14="http://schemas.microsoft.com/office/drawing/2010/main">
+              <a14:hiddenFill xmlns:a14="http://schemas.microsoft.com/office/drawing/2010/main" xmlns="">
                 <a:solidFill>
                   <a:schemeClr val="accent1"/>
                 </a:solidFill>
               </a14:hiddenFill>
             </a:ext>
             <a:ext uri="{91240B29-F687-4F45-9708-019B960494DF}">
-              <a14:hiddenLine xmlns="" xmlns:a14="http://schemas.microsoft.com/office/drawing/2010/main" w="9525">
+              <a14:hiddenLine xmlns:a14="http://schemas.microsoft.com/office/drawing/2010/main" xmlns="" w="9525">
                 <a:solidFill>
                   <a:schemeClr val="tx1"/>
                 </a:solidFill>
@@ -345,7 +345,7 @@
               </a14:hiddenLine>
             </a:ext>
             <a:ext uri="{AF507438-7753-43E0-B8FC-AC1667EBCBE1}">
-              <a14:hiddenEffects xmlns="" xmlns:a14="http://schemas.microsoft.com/office/drawing/2010/main">
+              <a14:hiddenEffects xmlns:a14="http://schemas.microsoft.com/office/drawing/2010/main" xmlns="">
                 <a:effectLst>
                   <a:outerShdw dist="35921" dir="2700000" algn="ctr" rotWithShape="0">
                     <a:schemeClr val="bg2"/>
@@ -404,14 +404,14 @@
           <a:effectLst/>
           <a:extLst>
             <a:ext uri="{909E8E84-426E-40DD-AFC4-6F175D3DCCD1}">
-              <a14:hiddenFill xmlns="" xmlns:a14="http://schemas.microsoft.com/office/drawing/2010/main">
+              <a14:hiddenFill xmlns:a14="http://schemas.microsoft.com/office/drawing/2010/main" xmlns="">
                 <a:solidFill>
                   <a:srgbClr val="FFFFFF"/>
                 </a:solidFill>
               </a14:hiddenFill>
             </a:ext>
             <a:ext uri="{AF507438-7753-43E0-B8FC-AC1667EBCBE1}">
-              <a14:hiddenEffects xmlns="" xmlns:a14="http://schemas.microsoft.com/office/drawing/2010/main">
+              <a14:hiddenEffects xmlns:a14="http://schemas.microsoft.com/office/drawing/2010/main" xmlns="">
                 <a:effectLst>
                   <a:outerShdw dist="35921" dir="2700000" algn="ctr" rotWithShape="0">
                     <a:srgbClr val="808080"/>
@@ -420,7 +420,7 @@
               </a14:hiddenEffects>
             </a:ext>
             <a:ext uri="{53640926-AAD7-44D8-BBD7-CCE9431645EC}">
-              <a14:shadowObscured xmlns="" xmlns:a14="http://schemas.microsoft.com/office/drawing/2010/main" val="1"/>
+              <a14:shadowObscured xmlns:a14="http://schemas.microsoft.com/office/drawing/2010/main" xmlns="" val="1"/>
             </a:ext>
           </a:extLst>
         </p:spPr>
@@ -450,14 +450,14 @@
           <a:effectLst/>
           <a:extLst>
             <a:ext uri="{909E8E84-426E-40DD-AFC4-6F175D3DCCD1}">
-              <a14:hiddenFill xmlns="" xmlns:a14="http://schemas.microsoft.com/office/drawing/2010/main">
+              <a14:hiddenFill xmlns:a14="http://schemas.microsoft.com/office/drawing/2010/main" xmlns="">
                 <a:solidFill>
                   <a:schemeClr val="accent1"/>
                 </a:solidFill>
               </a14:hiddenFill>
             </a:ext>
             <a:ext uri="{91240B29-F687-4F45-9708-019B960494DF}">
-              <a14:hiddenLine xmlns="" xmlns:a14="http://schemas.microsoft.com/office/drawing/2010/main" w="9525">
+              <a14:hiddenLine xmlns:a14="http://schemas.microsoft.com/office/drawing/2010/main" xmlns="" w="9525">
                 <a:solidFill>
                   <a:schemeClr val="tx1"/>
                 </a:solidFill>
@@ -467,7 +467,7 @@
               </a14:hiddenLine>
             </a:ext>
             <a:ext uri="{AF507438-7753-43E0-B8FC-AC1667EBCBE1}">
-              <a14:hiddenEffects xmlns="" xmlns:a14="http://schemas.microsoft.com/office/drawing/2010/main">
+              <a14:hiddenEffects xmlns:a14="http://schemas.microsoft.com/office/drawing/2010/main" xmlns="">
                 <a:effectLst>
                   <a:outerShdw dist="35921" dir="2700000" algn="ctr" rotWithShape="0">
                     <a:schemeClr val="bg2"/>
@@ -546,14 +546,14 @@
           <a:effectLst/>
           <a:extLst>
             <a:ext uri="{909E8E84-426E-40DD-AFC4-6F175D3DCCD1}">
-              <a14:hiddenFill xmlns="" xmlns:a14="http://schemas.microsoft.com/office/drawing/2010/main">
+              <a14:hiddenFill xmlns:a14="http://schemas.microsoft.com/office/drawing/2010/main" xmlns="">
                 <a:solidFill>
                   <a:schemeClr val="accent1"/>
                 </a:solidFill>
               </a14:hiddenFill>
             </a:ext>
             <a:ext uri="{91240B29-F687-4F45-9708-019B960494DF}">
-              <a14:hiddenLine xmlns="" xmlns:a14="http://schemas.microsoft.com/office/drawing/2010/main" w="9525">
+              <a14:hiddenLine xmlns:a14="http://schemas.microsoft.com/office/drawing/2010/main" xmlns="" w="9525">
                 <a:solidFill>
                   <a:schemeClr val="tx1"/>
                 </a:solidFill>
@@ -563,7 +563,7 @@
               </a14:hiddenLine>
             </a:ext>
             <a:ext uri="{AF507438-7753-43E0-B8FC-AC1667EBCBE1}">
-              <a14:hiddenEffects xmlns="" xmlns:a14="http://schemas.microsoft.com/office/drawing/2010/main">
+              <a14:hiddenEffects xmlns:a14="http://schemas.microsoft.com/office/drawing/2010/main" xmlns="">
                 <a:effectLst>
                   <a:outerShdw dist="35921" dir="2700000" algn="ctr" rotWithShape="0">
                     <a:schemeClr val="bg2"/>
@@ -617,14 +617,14 @@
           <a:effectLst/>
           <a:extLst>
             <a:ext uri="{909E8E84-426E-40DD-AFC4-6F175D3DCCD1}">
-              <a14:hiddenFill xmlns="" xmlns:a14="http://schemas.microsoft.com/office/drawing/2010/main">
+              <a14:hiddenFill xmlns:a14="http://schemas.microsoft.com/office/drawing/2010/main" xmlns="">
                 <a:solidFill>
                   <a:schemeClr val="accent1"/>
                 </a:solidFill>
               </a14:hiddenFill>
             </a:ext>
             <a:ext uri="{91240B29-F687-4F45-9708-019B960494DF}">
-              <a14:hiddenLine xmlns="" xmlns:a14="http://schemas.microsoft.com/office/drawing/2010/main" w="9525">
+              <a14:hiddenLine xmlns:a14="http://schemas.microsoft.com/office/drawing/2010/main" xmlns="" w="9525">
                 <a:solidFill>
                   <a:schemeClr val="tx1"/>
                 </a:solidFill>
@@ -634,7 +634,7 @@
               </a14:hiddenLine>
             </a:ext>
             <a:ext uri="{AF507438-7753-43E0-B8FC-AC1667EBCBE1}">
-              <a14:hiddenEffects xmlns="" xmlns:a14="http://schemas.microsoft.com/office/drawing/2010/main">
+              <a14:hiddenEffects xmlns:a14="http://schemas.microsoft.com/office/drawing/2010/main" xmlns="">
                 <a:effectLst>
                   <a:outerShdw dist="35921" dir="2700000" algn="ctr" rotWithShape="0">
                     <a:schemeClr val="bg2"/>
@@ -673,7 +673,7 @@
     </p:spTree>
     <p:extLst>
       <p:ext uri="{BB962C8B-B14F-4D97-AF65-F5344CB8AC3E}">
-        <p14:creationId xmlns="" xmlns:p14="http://schemas.microsoft.com/office/powerpoint/2010/main" val="732687000"/>
+        <p14:creationId xmlns:p14="http://schemas.microsoft.com/office/powerpoint/2010/main" xmlns="" val="732687000"/>
       </p:ext>
     </p:extLst>
   </p:cSld>
@@ -920,7 +920,7 @@
     </p:spTree>
     <p:extLst>
       <p:ext uri="{BB962C8B-B14F-4D97-AF65-F5344CB8AC3E}">
-        <p14:creationId xmlns="" xmlns:p14="http://schemas.microsoft.com/office/powerpoint/2010/main" val="2795558893"/>
+        <p14:creationId xmlns:p14="http://schemas.microsoft.com/office/powerpoint/2010/main" xmlns="" val="2795558893"/>
       </p:ext>
     </p:extLst>
   </p:cSld>
@@ -1144,7 +1144,7 @@
     </p:spTree>
     <p:extLst>
       <p:ext uri="{BB962C8B-B14F-4D97-AF65-F5344CB8AC3E}">
-        <p14:creationId xmlns="" xmlns:p14="http://schemas.microsoft.com/office/powerpoint/2010/main" val="3173416786"/>
+        <p14:creationId xmlns:p14="http://schemas.microsoft.com/office/powerpoint/2010/main" xmlns="" val="3173416786"/>
       </p:ext>
     </p:extLst>
   </p:cSld>
@@ -1378,7 +1378,7 @@
     </p:spTree>
     <p:extLst>
       <p:ext uri="{BB962C8B-B14F-4D97-AF65-F5344CB8AC3E}">
-        <p14:creationId xmlns="" xmlns:p14="http://schemas.microsoft.com/office/powerpoint/2010/main" val="1275097484"/>
+        <p14:creationId xmlns:p14="http://schemas.microsoft.com/office/powerpoint/2010/main" xmlns="" val="1275097484"/>
       </p:ext>
     </p:extLst>
   </p:cSld>
@@ -1483,7 +1483,7 @@
     </p:spTree>
     <p:extLst>
       <p:ext uri="{BB962C8B-B14F-4D97-AF65-F5344CB8AC3E}">
-        <p14:creationId xmlns="" xmlns:p14="http://schemas.microsoft.com/office/powerpoint/2010/main" val="3532521555"/>
+        <p14:creationId xmlns:p14="http://schemas.microsoft.com/office/powerpoint/2010/main" xmlns="" val="3532521555"/>
       </p:ext>
     </p:extLst>
   </p:cSld>
@@ -1610,7 +1610,7 @@
     </p:spTree>
     <p:extLst>
       <p:ext uri="{BB962C8B-B14F-4D97-AF65-F5344CB8AC3E}">
-        <p14:creationId xmlns="" xmlns:p14="http://schemas.microsoft.com/office/powerpoint/2010/main" val="3158447180"/>
+        <p14:creationId xmlns:p14="http://schemas.microsoft.com/office/powerpoint/2010/main" xmlns="" val="3158447180"/>
       </p:ext>
     </p:extLst>
   </p:cSld>
@@ -1777,7 +1777,7 @@
     </p:spTree>
     <p:extLst>
       <p:ext uri="{BB962C8B-B14F-4D97-AF65-F5344CB8AC3E}">
-        <p14:creationId xmlns="" xmlns:p14="http://schemas.microsoft.com/office/powerpoint/2010/main" val="1581939673"/>
+        <p14:creationId xmlns:p14="http://schemas.microsoft.com/office/powerpoint/2010/main" xmlns="" val="1581939673"/>
       </p:ext>
     </p:extLst>
   </p:cSld>
@@ -2079,7 +2079,7 @@
     </p:spTree>
     <p:extLst>
       <p:ext uri="{BB962C8B-B14F-4D97-AF65-F5344CB8AC3E}">
-        <p14:creationId xmlns="" xmlns:p14="http://schemas.microsoft.com/office/powerpoint/2010/main" val="2440770789"/>
+        <p14:creationId xmlns:p14="http://schemas.microsoft.com/office/powerpoint/2010/main" xmlns="" val="2440770789"/>
       </p:ext>
     </p:extLst>
   </p:cSld>
@@ -2251,7 +2251,7 @@
     </p:spTree>
     <p:extLst>
       <p:ext uri="{BB962C8B-B14F-4D97-AF65-F5344CB8AC3E}">
-        <p14:creationId xmlns="" xmlns:p14="http://schemas.microsoft.com/office/powerpoint/2010/main" val="2741512224"/>
+        <p14:creationId xmlns:p14="http://schemas.microsoft.com/office/powerpoint/2010/main" xmlns="" val="2741512224"/>
       </p:ext>
     </p:extLst>
   </p:cSld>
@@ -2400,7 +2400,7 @@
     </p:spTree>
     <p:extLst>
       <p:ext uri="{BB962C8B-B14F-4D97-AF65-F5344CB8AC3E}">
-        <p14:creationId xmlns="" xmlns:p14="http://schemas.microsoft.com/office/powerpoint/2010/main" val="1207951031"/>
+        <p14:creationId xmlns:p14="http://schemas.microsoft.com/office/powerpoint/2010/main" xmlns="" val="1207951031"/>
       </p:ext>
     </p:extLst>
   </p:cSld>
@@ -2731,7 +2731,7 @@
     </p:spTree>
     <p:extLst>
       <p:ext uri="{BB962C8B-B14F-4D97-AF65-F5344CB8AC3E}">
-        <p14:creationId xmlns="" xmlns:p14="http://schemas.microsoft.com/office/powerpoint/2010/main" val="859093633"/>
+        <p14:creationId xmlns:p14="http://schemas.microsoft.com/office/powerpoint/2010/main" xmlns="" val="859093633"/>
       </p:ext>
     </p:extLst>
   </p:cSld>
@@ -3039,7 +3039,7 @@
     </p:spTree>
     <p:extLst>
       <p:ext uri="{BB962C8B-B14F-4D97-AF65-F5344CB8AC3E}">
-        <p14:creationId xmlns="" xmlns:p14="http://schemas.microsoft.com/office/powerpoint/2010/main" val="396124935"/>
+        <p14:creationId xmlns:p14="http://schemas.microsoft.com/office/powerpoint/2010/main" xmlns="" val="396124935"/>
       </p:ext>
     </p:extLst>
   </p:cSld>
@@ -3099,14 +3099,14 @@
           <a:effectLst/>
           <a:extLst>
             <a:ext uri="{909E8E84-426E-40DD-AFC4-6F175D3DCCD1}">
-              <a14:hiddenFill xmlns="" xmlns:a14="http://schemas.microsoft.com/office/drawing/2010/main">
+              <a14:hiddenFill xmlns:a14="http://schemas.microsoft.com/office/drawing/2010/main" xmlns="">
                 <a:solidFill>
                   <a:schemeClr val="accent1"/>
                 </a:solidFill>
               </a14:hiddenFill>
             </a:ext>
             <a:ext uri="{91240B29-F687-4F45-9708-019B960494DF}">
-              <a14:hiddenLine xmlns="" xmlns:a14="http://schemas.microsoft.com/office/drawing/2010/main" w="9525">
+              <a14:hiddenLine xmlns:a14="http://schemas.microsoft.com/office/drawing/2010/main" xmlns="" w="9525">
                 <a:solidFill>
                   <a:schemeClr val="tx1"/>
                 </a:solidFill>
@@ -3116,7 +3116,7 @@
               </a14:hiddenLine>
             </a:ext>
             <a:ext uri="{AF507438-7753-43E0-B8FC-AC1667EBCBE1}">
-              <a14:hiddenEffects xmlns="" xmlns:a14="http://schemas.microsoft.com/office/drawing/2010/main">
+              <a14:hiddenEffects xmlns:a14="http://schemas.microsoft.com/office/drawing/2010/main" xmlns="">
                 <a:effectLst>
                   <a:outerShdw dist="35921" dir="2700000" algn="ctr" rotWithShape="0">
                     <a:schemeClr val="bg2"/>
@@ -3167,14 +3167,14 @@
           <a:effectLst/>
           <a:extLst>
             <a:ext uri="{909E8E84-426E-40DD-AFC4-6F175D3DCCD1}">
-              <a14:hiddenFill xmlns="" xmlns:a14="http://schemas.microsoft.com/office/drawing/2010/main">
+              <a14:hiddenFill xmlns:a14="http://schemas.microsoft.com/office/drawing/2010/main" xmlns="">
                 <a:solidFill>
                   <a:schemeClr val="accent1"/>
                 </a:solidFill>
               </a14:hiddenFill>
             </a:ext>
             <a:ext uri="{91240B29-F687-4F45-9708-019B960494DF}">
-              <a14:hiddenLine xmlns="" xmlns:a14="http://schemas.microsoft.com/office/drawing/2010/main" w="9525">
+              <a14:hiddenLine xmlns:a14="http://schemas.microsoft.com/office/drawing/2010/main" xmlns="" w="9525">
                 <a:solidFill>
                   <a:schemeClr val="tx1"/>
                 </a:solidFill>
@@ -3184,7 +3184,7 @@
               </a14:hiddenLine>
             </a:ext>
             <a:ext uri="{AF507438-7753-43E0-B8FC-AC1667EBCBE1}">
-              <a14:hiddenEffects xmlns="" xmlns:a14="http://schemas.microsoft.com/office/drawing/2010/main">
+              <a14:hiddenEffects xmlns:a14="http://schemas.microsoft.com/office/drawing/2010/main" xmlns="">
                 <a:effectLst>
                   <a:outerShdw dist="35921" dir="2700000" algn="ctr" rotWithShape="0">
                     <a:schemeClr val="bg2"/>
@@ -3733,14 +3733,14 @@
           </a:ln>
           <a:extLst>
             <a:ext uri="{909E8E84-426E-40DD-AFC4-6F175D3DCCD1}">
-              <a14:hiddenFill xmlns="" xmlns:a14="http://schemas.microsoft.com/office/drawing/2010/main">
+              <a14:hiddenFill xmlns:a14="http://schemas.microsoft.com/office/drawing/2010/main" xmlns="">
                 <a:solidFill>
                   <a:srgbClr val="FFFFFF"/>
                 </a:solidFill>
               </a14:hiddenFill>
             </a:ext>
             <a:ext uri="{91240B29-F687-4F45-9708-019B960494DF}">
-              <a14:hiddenLine xmlns="" xmlns:a14="http://schemas.microsoft.com/office/drawing/2010/main" w="9525">
+              <a14:hiddenLine xmlns:a14="http://schemas.microsoft.com/office/drawing/2010/main" xmlns="" w="9525">
                 <a:solidFill>
                   <a:srgbClr val="000000"/>
                 </a:solidFill>
@@ -4523,7 +4523,7 @@
     </p:spTree>
     <p:extLst>
       <p:ext uri="{BB962C8B-B14F-4D97-AF65-F5344CB8AC3E}">
-        <p14:creationId xmlns="" xmlns:p14="http://schemas.microsoft.com/office/powerpoint/2010/main" val="1348450408"/>
+        <p14:creationId xmlns:p14="http://schemas.microsoft.com/office/powerpoint/2010/main" xmlns="" val="1348450408"/>
       </p:ext>
     </p:extLst>
   </p:cSld>
@@ -9939,7 +9939,7 @@
         </p:nvSpPr>
         <p:spPr>
           <a:xfrm>
-            <a:off x="685800" y="228600"/>
+            <a:off x="685800" y="-152400"/>
             <a:ext cx="7772400" cy="1143000"/>
           </a:xfrm>
         </p:spPr>
@@ -9967,7 +9967,7 @@
         </p:nvSpPr>
         <p:spPr>
           <a:xfrm>
-            <a:off x="685800" y="1371600"/>
+            <a:off x="685800" y="838200"/>
             <a:ext cx="7772400" cy="4114800"/>
           </a:xfrm>
         </p:spPr>
@@ -9977,7 +9977,7 @@
           <a:p>
             <a:r>
               <a:rPr lang="en-US" dirty="0" smtClean="0"/>
-              <a:t>Will the following code compile?  If yes then what will be the output?</a:t>
+              <a:t>What does the following program print?</a:t>
             </a:r>
             <a:endParaRPr lang="en-US" dirty="0"/>
           </a:p>
@@ -10000,7 +10000,7 @@
         </p:blipFill>
         <p:spPr bwMode="auto">
           <a:xfrm>
-            <a:off x="1447800" y="2667000"/>
+            <a:off x="762000" y="1600200"/>
             <a:ext cx="6019800" cy="3846799"/>
           </a:xfrm>
           <a:prstGeom prst="rect">
@@ -10016,6 +10016,211 @@
           <a:effectLst/>
         </p:spPr>
       </p:pic>
+      <p:sp>
+        <p:nvSpPr>
+          <p:cNvPr id="5" name="Content Placeholder 2"/>
+          <p:cNvSpPr txBox="1">
+            <a:spLocks/>
+          </p:cNvSpPr>
+          <p:nvPr/>
+        </p:nvSpPr>
+        <p:spPr bwMode="auto">
+          <a:xfrm>
+            <a:off x="3810000" y="5334000"/>
+            <a:ext cx="4953000" cy="1143000"/>
+          </a:xfrm>
+          <a:prstGeom prst="rect">
+            <a:avLst/>
+          </a:prstGeom>
+          <a:noFill/>
+          <a:ln>
+            <a:noFill/>
+          </a:ln>
+          <a:effectLst/>
+          <a:extLst>
+            <a:ext uri="{909E8E84-426E-40DD-AFC4-6F175D3DCCD1}">
+              <a14:hiddenFill xmlns:a14="http://schemas.microsoft.com/office/drawing/2010/main" xmlns="">
+                <a:solidFill>
+                  <a:schemeClr val="accent1"/>
+                </a:solidFill>
+              </a14:hiddenFill>
+            </a:ext>
+            <a:ext uri="{91240B29-F687-4F45-9708-019B960494DF}">
+              <a14:hiddenLine xmlns:a14="http://schemas.microsoft.com/office/drawing/2010/main" xmlns="" w="9525">
+                <a:solidFill>
+                  <a:schemeClr val="tx1"/>
+                </a:solidFill>
+                <a:miter lim="800000"/>
+                <a:headEnd/>
+                <a:tailEnd/>
+              </a14:hiddenLine>
+            </a:ext>
+            <a:ext uri="{AF507438-7753-43E0-B8FC-AC1667EBCBE1}">
+              <a14:hiddenEffects xmlns:a14="http://schemas.microsoft.com/office/drawing/2010/main" xmlns="">
+                <a:effectLst>
+                  <a:outerShdw dist="35921" dir="2700000" algn="ctr" rotWithShape="0">
+                    <a:schemeClr val="bg2"/>
+                  </a:outerShdw>
+                </a:effectLst>
+              </a14:hiddenEffects>
+            </a:ext>
+          </a:extLst>
+        </p:spPr>
+        <p:txBody>
+          <a:bodyPr vert="horz" wrap="square" lIns="91440" tIns="45720" rIns="91440" bIns="45720" numCol="1" anchor="t" anchorCtr="0" compatLnSpc="1">
+            <a:prstTxWarp prst="textNoShape">
+              <a:avLst/>
+            </a:prstTxWarp>
+          </a:bodyPr>
+          <a:lstStyle/>
+          <a:p>
+            <a:pPr marL="514350" marR="0" lvl="0" indent="-514350" algn="l" defTabSz="914400" rtl="0" eaLnBrk="0" fontAlgn="base" latinLnBrk="0" hangingPunct="0">
+              <a:lnSpc>
+                <a:spcPct val="100000"/>
+              </a:lnSpc>
+              <a:spcBef>
+                <a:spcPct val="20000"/>
+              </a:spcBef>
+              <a:spcAft>
+                <a:spcPct val="0"/>
+              </a:spcAft>
+              <a:buClrTx/>
+              <a:buSzTx/>
+              <a:buAutoNum type="alphaLcParenR"/>
+              <a:tabLst/>
+              <a:defRPr/>
+            </a:pPr>
+            <a:r>
+              <a:rPr kumimoji="0" lang="en-US" sz="1800" b="1" i="0" u="none" strike="noStrike" kern="1200" cap="none" spc="0" normalizeH="0" noProof="0" dirty="0" smtClean="0">
+                <a:ln>
+                  <a:noFill/>
+                </a:ln>
+                <a:solidFill>
+                  <a:srgbClr val="000000"/>
+                </a:solidFill>
+                <a:effectLst/>
+                <a:uLnTx/>
+                <a:uFillTx/>
+                <a:latin typeface="+mn-lt"/>
+                <a:ea typeface="+mn-ea"/>
+                <a:cs typeface="+mn-cs"/>
+              </a:rPr>
+              <a:t>Pain, Gain or Main (varies randomly)</a:t>
+            </a:r>
+          </a:p>
+          <a:p>
+            <a:pPr marL="514350" marR="0" lvl="0" indent="-514350" algn="l" defTabSz="914400" rtl="0" eaLnBrk="0" fontAlgn="base" latinLnBrk="0" hangingPunct="0">
+              <a:lnSpc>
+                <a:spcPct val="100000"/>
+              </a:lnSpc>
+              <a:spcBef>
+                <a:spcPct val="20000"/>
+              </a:spcBef>
+              <a:spcAft>
+                <a:spcPct val="0"/>
+              </a:spcAft>
+              <a:buClrTx/>
+              <a:buSzTx/>
+              <a:buAutoNum type="alphaLcParenR"/>
+              <a:tabLst/>
+              <a:defRPr/>
+            </a:pPr>
+            <a:r>
+              <a:rPr lang="en-US" sz="1800" b="1" baseline="0" dirty="0" smtClean="0">
+                <a:solidFill>
+                  <a:srgbClr val="000000"/>
+                </a:solidFill>
+                <a:latin typeface="+mn-lt"/>
+              </a:rPr>
+              <a:t>Pain or Main (varies randomly)</a:t>
+            </a:r>
+          </a:p>
+          <a:p>
+            <a:pPr marL="514350" marR="0" lvl="0" indent="-514350" algn="l" defTabSz="914400" rtl="0" eaLnBrk="0" fontAlgn="base" latinLnBrk="0" hangingPunct="0">
+              <a:lnSpc>
+                <a:spcPct val="100000"/>
+              </a:lnSpc>
+              <a:spcBef>
+                <a:spcPct val="20000"/>
+              </a:spcBef>
+              <a:spcAft>
+                <a:spcPct val="0"/>
+              </a:spcAft>
+              <a:buClrTx/>
+              <a:buSzTx/>
+              <a:buAutoNum type="alphaLcParenR"/>
+              <a:tabLst/>
+              <a:defRPr/>
+            </a:pPr>
+            <a:r>
+              <a:rPr kumimoji="0" lang="en-US" sz="1800" b="1" i="0" u="none" strike="noStrike" kern="1200" cap="none" spc="0" normalizeH="0" noProof="0" dirty="0" smtClean="0">
+                <a:ln>
+                  <a:noFill/>
+                </a:ln>
+                <a:solidFill>
+                  <a:srgbClr val="000000"/>
+                </a:solidFill>
+                <a:effectLst/>
+                <a:uLnTx/>
+                <a:uFillTx/>
+                <a:latin typeface="+mn-lt"/>
+                <a:ea typeface="+mn-ea"/>
+                <a:cs typeface="+mn-cs"/>
+              </a:rPr>
+              <a:t>Main (always)</a:t>
+            </a:r>
+          </a:p>
+          <a:p>
+            <a:pPr marL="514350" marR="0" lvl="0" indent="-514350" algn="l" defTabSz="914400" rtl="0" eaLnBrk="0" fontAlgn="base" latinLnBrk="0" hangingPunct="0">
+              <a:lnSpc>
+                <a:spcPct val="100000"/>
+              </a:lnSpc>
+              <a:spcBef>
+                <a:spcPct val="20000"/>
+              </a:spcBef>
+              <a:spcAft>
+                <a:spcPct val="0"/>
+              </a:spcAft>
+              <a:buClrTx/>
+              <a:buSzTx/>
+              <a:buAutoNum type="alphaLcParenR"/>
+              <a:tabLst/>
+              <a:defRPr/>
+            </a:pPr>
+            <a:r>
+              <a:rPr kumimoji="0" lang="en-US" sz="1800" b="1" i="0" u="none" strike="noStrike" kern="1200" cap="none" spc="0" normalizeH="0" noProof="0" dirty="0" smtClean="0">
+                <a:ln>
+                  <a:noFill/>
+                </a:ln>
+                <a:solidFill>
+                  <a:srgbClr val="000000"/>
+                </a:solidFill>
+                <a:effectLst/>
+                <a:uLnTx/>
+                <a:uFillTx/>
+                <a:latin typeface="+mn-lt"/>
+                <a:ea typeface="+mn-ea"/>
+                <a:cs typeface="+mn-cs"/>
+              </a:rPr>
+              <a:t>None of the above</a:t>
+            </a:r>
+            <a:endParaRPr kumimoji="0" lang="en-US" sz="1800" b="1" i="0" u="none" strike="noStrike" kern="1200" cap="none" spc="0" normalizeH="0" baseline="0" noProof="0" dirty="0">
+              <a:ln>
+                <a:noFill/>
+              </a:ln>
+              <a:solidFill>
+                <a:srgbClr val="000000"/>
+              </a:solidFill>
+              <a:effectLst/>
+              <a:uLnTx/>
+              <a:uFillTx/>
+              <a:latin typeface="+mn-lt"/>
+              <a:ea typeface="+mn-ea"/>
+              <a:cs typeface="+mn-cs"/>
+            </a:endParaRPr>
+          </a:p>
+        </p:txBody>
+      </p:sp>
     </p:spTree>
   </p:cSld>
   <p:clrMapOvr>
@@ -10181,7 +10386,7 @@
     </p:spTree>
     <p:extLst>
       <p:ext uri="{BB962C8B-B14F-4D97-AF65-F5344CB8AC3E}">
-        <p14:creationId xmlns="" xmlns:p14="http://schemas.microsoft.com/office/powerpoint/2010/main" val="2143275608"/>
+        <p14:creationId xmlns:p14="http://schemas.microsoft.com/office/powerpoint/2010/main" xmlns="" val="2143275608"/>
       </p:ext>
     </p:extLst>
   </p:cSld>
@@ -11093,7 +11298,7 @@
   </a:extraClrSchemeLst>
   <a:extLst>
     <a:ext uri="{05A4C25C-085E-4340-85A3-A5531E510DB2}">
-      <thm15:themeFamily xmlns="" xmlns:thm15="http://schemas.microsoft.com/office/thememl/2012/main" name="Office Theme" id="{62F939B6-93AF-4DB8-9C6B-D6C7DFDC589F}" vid="{4A3C46E8-61CC-4603-A589-7422A47A8E4A}"/>
+      <thm15:themeFamily xmlns:thm15="http://schemas.microsoft.com/office/thememl/2012/main" xmlns="" name="Office Theme" id="{62F939B6-93AF-4DB8-9C6B-D6C7DFDC589F}" vid="{4A3C46E8-61CC-4603-A589-7422A47A8E4A}"/>
     </a:ext>
   </a:extLst>
 </a:theme>
@@ -11354,7 +11559,7 @@
   <a:extraClrSchemeLst/>
   <a:extLst>
     <a:ext uri="{05A4C25C-085E-4340-85A3-A5531E510DB2}">
-      <thm15:themeFamily xmlns="" xmlns:thm15="http://schemas.microsoft.com/office/thememl/2012/main" name="Office Theme" id="{62F939B6-93AF-4DB8-9C6B-D6C7DFDC589F}" vid="{4A3C46E8-61CC-4603-A589-7422A47A8E4A}"/>
+      <thm15:themeFamily xmlns:thm15="http://schemas.microsoft.com/office/thememl/2012/main" xmlns="" name="Office Theme" id="{62F939B6-93AF-4DB8-9C6B-D6C7DFDC589F}" vid="{4A3C46E8-61CC-4603-A589-7422A47A8E4A}"/>
     </a:ext>
   </a:extLst>
 </a:theme>
